--- a/小组作业/SE2019春-G06-软件维护的定义和特点.pptx
+++ b/小组作业/SE2019春-G06-软件维护的定义和特点.pptx
@@ -2240,7 +2240,7 @@
           <a:p>
             <a:fld id="{8822D9BF-EF06-4664-87D1-BA8B23334F46}" type="datetimeFigureOut">
               <a:rPr lang="zh-CN" altLang="en-US" smtClean="0"/>
-              <a:t>2019/5/13</a:t>
+              <a:t>2019/5/14</a:t>
             </a:fld>
             <a:endParaRPr lang="zh-CN" altLang="en-US"/>
           </a:p>
@@ -4053,7 +4053,7 @@
           <a:p>
             <a:fld id="{B39EC24E-3E67-4479-BC9E-AA3AC6EE25F4}" type="datetimeFigureOut">
               <a:rPr lang="zh-CN" altLang="en-US" smtClean="0"/>
-              <a:t>2019/5/13</a:t>
+              <a:t>2019/5/14</a:t>
             </a:fld>
             <a:endParaRPr lang="zh-CN" altLang="en-US"/>
           </a:p>
@@ -4264,7 +4264,7 @@
           <a:p>
             <a:fld id="{B39EC24E-3E67-4479-BC9E-AA3AC6EE25F4}" type="datetimeFigureOut">
               <a:rPr lang="zh-CN" altLang="en-US" smtClean="0"/>
-              <a:t>2019/5/13</a:t>
+              <a:t>2019/5/14</a:t>
             </a:fld>
             <a:endParaRPr lang="zh-CN" altLang="en-US"/>
           </a:p>
@@ -7686,7 +7686,15 @@
             </a:r>
             <a:r>
               <a:rPr lang="zh-CN" altLang="en-US" dirty="0"/>
-              <a:t>（新的硬、软件配置、 市场）</a:t>
+              <a:t>（新的</a:t>
+            </a:r>
+            <a:r>
+              <a:rPr lang="zh-CN" altLang="en-US"/>
+              <a:t>硬、 软件</a:t>
+            </a:r>
+            <a:r>
+              <a:rPr lang="zh-CN" altLang="en-US" dirty="0"/>
+              <a:t>配置、 市场）</a:t>
             </a:r>
             <a:r>
               <a:rPr lang="zh-CN" altLang="en-US" sz="2400" u="sng" dirty="0">

--- a/小组作业/SE2019春-G06-软件维护的定义和特点.pptx
+++ b/小组作业/SE2019春-G06-软件维护的定义和特点.pptx
@@ -5,7 +5,7 @@
     <p:sldMasterId id="2147483648" r:id="rId1"/>
   </p:sldMasterIdLst>
   <p:notesMasterIdLst>
-    <p:notesMasterId r:id="rId35"/>
+    <p:notesMasterId r:id="rId36"/>
   </p:notesMasterIdLst>
   <p:sldIdLst>
     <p:sldId id="285" r:id="rId2"/>
@@ -40,7 +40,8 @@
     <p:sldId id="311" r:id="rId31"/>
     <p:sldId id="294" r:id="rId32"/>
     <p:sldId id="290" r:id="rId33"/>
-    <p:sldId id="283" r:id="rId34"/>
+    <p:sldId id="318" r:id="rId34"/>
+    <p:sldId id="283" r:id="rId35"/>
   </p:sldIdLst>
   <p:sldSz cx="9144000" cy="5143500" type="screen16x9"/>
   <p:notesSz cx="6858000" cy="9144000"/>
@@ -28583,6 +28584,549 @@
       </p:grpSpPr>
       <p:grpSp>
         <p:nvGrpSpPr>
+          <p:cNvPr id="3" name="PA_淘宝店chenying0907 21">
+            <a:extLst>
+              <a:ext uri="{FF2B5EF4-FFF2-40B4-BE49-F238E27FC236}">
+                <a16:creationId xmlns:a16="http://schemas.microsoft.com/office/drawing/2014/main" id="{06B50C1B-A8D7-462A-9485-32A99F4523F2}"/>
+              </a:ext>
+            </a:extLst>
+          </p:cNvPr>
+          <p:cNvGrpSpPr/>
+          <p:nvPr>
+            <p:custDataLst>
+              <p:tags r:id="rId1"/>
+            </p:custDataLst>
+          </p:nvPr>
+        </p:nvGrpSpPr>
+        <p:grpSpPr>
+          <a:xfrm>
+            <a:off x="5832473" y="-21235"/>
+            <a:ext cx="3311527" cy="5164735"/>
+            <a:chOff x="5832473" y="-21235"/>
+            <a:chExt cx="3311527" cy="5164735"/>
+          </a:xfrm>
+        </p:grpSpPr>
+        <p:sp>
+          <p:nvSpPr>
+            <p:cNvPr id="4" name="淘宝店chenying0907 36">
+              <a:extLst>
+                <a:ext uri="{FF2B5EF4-FFF2-40B4-BE49-F238E27FC236}">
+                  <a16:creationId xmlns:a16="http://schemas.microsoft.com/office/drawing/2014/main" id="{AA91D38A-EBC5-4605-9CFF-28D6E14736E9}"/>
+                </a:ext>
+              </a:extLst>
+            </p:cNvPr>
+            <p:cNvSpPr>
+              <a:spLocks/>
+            </p:cNvSpPr>
+            <p:nvPr/>
+          </p:nvSpPr>
+          <p:spPr bwMode="auto">
+            <a:xfrm rot="16200000">
+              <a:off x="7445263" y="403114"/>
+              <a:ext cx="2123086" cy="1274387"/>
+            </a:xfrm>
+            <a:custGeom>
+              <a:avLst/>
+              <a:gdLst/>
+              <a:ahLst/>
+              <a:cxnLst/>
+              <a:rect l="l" t="t" r="r" b="b"/>
+              <a:pathLst>
+                <a:path w="2123086" h="1274387">
+                  <a:moveTo>
+                    <a:pt x="0" y="252037"/>
+                  </a:moveTo>
+                  <a:lnTo>
+                    <a:pt x="2123086" y="0"/>
+                  </a:lnTo>
+                  <a:lnTo>
+                    <a:pt x="2123086" y="1274387"/>
+                  </a:lnTo>
+                  <a:lnTo>
+                    <a:pt x="1182688" y="1274387"/>
+                  </a:lnTo>
+                  <a:close/>
+                </a:path>
+              </a:pathLst>
+            </a:custGeom>
+            <a:solidFill>
+              <a:srgbClr val="E5AAA4"/>
+            </a:solidFill>
+            <a:ln>
+              <a:noFill/>
+            </a:ln>
+            <a:extLst/>
+          </p:spPr>
+          <p:txBody>
+            <a:bodyPr vert="horz" wrap="square" lIns="91440" tIns="45720" rIns="91440" bIns="45720" numCol="1" anchor="t" anchorCtr="0" compatLnSpc="1">
+              <a:prstTxWarp prst="textNoShape">
+                <a:avLst/>
+              </a:prstTxWarp>
+            </a:bodyPr>
+            <a:lstStyle/>
+            <a:p>
+              <a:endParaRPr lang="zh-CN" altLang="en-US"/>
+            </a:p>
+          </p:txBody>
+        </p:sp>
+        <p:sp>
+          <p:nvSpPr>
+            <p:cNvPr id="5" name="淘宝店chenying0907 37">
+              <a:extLst>
+                <a:ext uri="{FF2B5EF4-FFF2-40B4-BE49-F238E27FC236}">
+                  <a16:creationId xmlns:a16="http://schemas.microsoft.com/office/drawing/2014/main" id="{37D55FE7-D8E2-4780-B437-51884FA4B505}"/>
+                </a:ext>
+              </a:extLst>
+            </p:cNvPr>
+            <p:cNvSpPr>
+              <a:spLocks/>
+            </p:cNvSpPr>
+            <p:nvPr/>
+          </p:nvSpPr>
+          <p:spPr bwMode="auto">
+            <a:xfrm rot="16200000">
+              <a:off x="5568154" y="1183482"/>
+              <a:ext cx="3840163" cy="3311525"/>
+            </a:xfrm>
+            <a:custGeom>
+              <a:avLst/>
+              <a:gdLst>
+                <a:gd name="T0" fmla="*/ 0 w 2419"/>
+                <a:gd name="T1" fmla="*/ 0 h 2086"/>
+                <a:gd name="T2" fmla="*/ 753 w 2419"/>
+                <a:gd name="T3" fmla="*/ 2008 h 2086"/>
+                <a:gd name="T4" fmla="*/ 1228 w 2419"/>
+                <a:gd name="T5" fmla="*/ 2086 h 2086"/>
+                <a:gd name="T6" fmla="*/ 2419 w 2419"/>
+                <a:gd name="T7" fmla="*/ 2086 h 2086"/>
+                <a:gd name="T8" fmla="*/ 0 w 2419"/>
+                <a:gd name="T9" fmla="*/ 0 h 2086"/>
+              </a:gdLst>
+              <a:ahLst/>
+              <a:cxnLst>
+                <a:cxn ang="0">
+                  <a:pos x="T0" y="T1"/>
+                </a:cxn>
+                <a:cxn ang="0">
+                  <a:pos x="T2" y="T3"/>
+                </a:cxn>
+                <a:cxn ang="0">
+                  <a:pos x="T4" y="T5"/>
+                </a:cxn>
+                <a:cxn ang="0">
+                  <a:pos x="T6" y="T7"/>
+                </a:cxn>
+                <a:cxn ang="0">
+                  <a:pos x="T8" y="T9"/>
+                </a:cxn>
+              </a:cxnLst>
+              <a:rect l="0" t="0" r="r" b="b"/>
+              <a:pathLst>
+                <a:path w="2419" h="2086">
+                  <a:moveTo>
+                    <a:pt x="0" y="0"/>
+                  </a:moveTo>
+                  <a:lnTo>
+                    <a:pt x="753" y="2008"/>
+                  </a:lnTo>
+                  <a:lnTo>
+                    <a:pt x="1228" y="2086"/>
+                  </a:lnTo>
+                  <a:lnTo>
+                    <a:pt x="2419" y="2086"/>
+                  </a:lnTo>
+                  <a:lnTo>
+                    <a:pt x="0" y="0"/>
+                  </a:lnTo>
+                  <a:close/>
+                </a:path>
+              </a:pathLst>
+            </a:custGeom>
+            <a:solidFill>
+              <a:srgbClr val="F1CFCD"/>
+            </a:solidFill>
+            <a:ln>
+              <a:noFill/>
+            </a:ln>
+            <a:extLst>
+              <a:ext uri="{91240B29-F687-4F45-9708-019B960494DF}">
+                <a14:hiddenLine xmlns:a14="http://schemas.microsoft.com/office/drawing/2010/main" w="9525">
+                  <a:solidFill>
+                    <a:srgbClr val="000000"/>
+                  </a:solidFill>
+                  <a:round/>
+                  <a:headEnd/>
+                  <a:tailEnd/>
+                </a14:hiddenLine>
+              </a:ext>
+            </a:extLst>
+          </p:spPr>
+          <p:txBody>
+            <a:bodyPr vert="horz" wrap="square" lIns="91440" tIns="45720" rIns="91440" bIns="45720" numCol="1" anchor="t" anchorCtr="0" compatLnSpc="1">
+              <a:prstTxWarp prst="textNoShape">
+                <a:avLst/>
+              </a:prstTxWarp>
+            </a:bodyPr>
+            <a:lstStyle/>
+            <a:p>
+              <a:endParaRPr lang="zh-CN" altLang="en-US"/>
+            </a:p>
+          </p:txBody>
+        </p:sp>
+        <p:sp>
+          <p:nvSpPr>
+            <p:cNvPr id="6" name="淘宝店chenying0907 38">
+              <a:extLst>
+                <a:ext uri="{FF2B5EF4-FFF2-40B4-BE49-F238E27FC236}">
+                  <a16:creationId xmlns:a16="http://schemas.microsoft.com/office/drawing/2014/main" id="{00704CD0-F21D-499A-83BE-DA50519894F4}"/>
+                </a:ext>
+              </a:extLst>
+            </p:cNvPr>
+            <p:cNvSpPr>
+              <a:spLocks/>
+            </p:cNvSpPr>
+            <p:nvPr/>
+          </p:nvSpPr>
+          <p:spPr bwMode="auto">
+            <a:xfrm rot="16200000">
+              <a:off x="6636541" y="2759869"/>
+              <a:ext cx="1579563" cy="3187700"/>
+            </a:xfrm>
+            <a:custGeom>
+              <a:avLst/>
+              <a:gdLst>
+                <a:gd name="T0" fmla="*/ 242 w 995"/>
+                <a:gd name="T1" fmla="*/ 0 h 2008"/>
+                <a:gd name="T2" fmla="*/ 0 w 995"/>
+                <a:gd name="T3" fmla="*/ 305 h 2008"/>
+                <a:gd name="T4" fmla="*/ 0 w 995"/>
+                <a:gd name="T5" fmla="*/ 1845 h 2008"/>
+                <a:gd name="T6" fmla="*/ 995 w 995"/>
+                <a:gd name="T7" fmla="*/ 2008 h 2008"/>
+                <a:gd name="T8" fmla="*/ 242 w 995"/>
+                <a:gd name="T9" fmla="*/ 0 h 2008"/>
+              </a:gdLst>
+              <a:ahLst/>
+              <a:cxnLst>
+                <a:cxn ang="0">
+                  <a:pos x="T0" y="T1"/>
+                </a:cxn>
+                <a:cxn ang="0">
+                  <a:pos x="T2" y="T3"/>
+                </a:cxn>
+                <a:cxn ang="0">
+                  <a:pos x="T4" y="T5"/>
+                </a:cxn>
+                <a:cxn ang="0">
+                  <a:pos x="T6" y="T7"/>
+                </a:cxn>
+                <a:cxn ang="0">
+                  <a:pos x="T8" y="T9"/>
+                </a:cxn>
+              </a:cxnLst>
+              <a:rect l="0" t="0" r="r" b="b"/>
+              <a:pathLst>
+                <a:path w="995" h="2008">
+                  <a:moveTo>
+                    <a:pt x="242" y="0"/>
+                  </a:moveTo>
+                  <a:lnTo>
+                    <a:pt x="0" y="305"/>
+                  </a:lnTo>
+                  <a:lnTo>
+                    <a:pt x="0" y="1845"/>
+                  </a:lnTo>
+                  <a:lnTo>
+                    <a:pt x="995" y="2008"/>
+                  </a:lnTo>
+                  <a:lnTo>
+                    <a:pt x="242" y="0"/>
+                  </a:lnTo>
+                  <a:close/>
+                </a:path>
+              </a:pathLst>
+            </a:custGeom>
+            <a:solidFill>
+              <a:srgbClr val="F9E7E3"/>
+            </a:solidFill>
+            <a:ln>
+              <a:noFill/>
+            </a:ln>
+            <a:extLst>
+              <a:ext uri="{91240B29-F687-4F45-9708-019B960494DF}">
+                <a14:hiddenLine xmlns:a14="http://schemas.microsoft.com/office/drawing/2010/main" w="9525">
+                  <a:solidFill>
+                    <a:srgbClr val="000000"/>
+                  </a:solidFill>
+                  <a:round/>
+                  <a:headEnd/>
+                  <a:tailEnd/>
+                </a14:hiddenLine>
+              </a:ext>
+            </a:extLst>
+          </p:spPr>
+          <p:txBody>
+            <a:bodyPr vert="horz" wrap="square" lIns="91440" tIns="45720" rIns="91440" bIns="45720" numCol="1" anchor="t" anchorCtr="0" compatLnSpc="1">
+              <a:prstTxWarp prst="textNoShape">
+                <a:avLst/>
+              </a:prstTxWarp>
+            </a:bodyPr>
+            <a:lstStyle/>
+            <a:p>
+              <a:endParaRPr lang="zh-CN" altLang="en-US"/>
+            </a:p>
+          </p:txBody>
+        </p:sp>
+        <p:sp>
+          <p:nvSpPr>
+            <p:cNvPr id="7" name="淘宝店chenying0907 39">
+              <a:extLst>
+                <a:ext uri="{FF2B5EF4-FFF2-40B4-BE49-F238E27FC236}">
+                  <a16:creationId xmlns:a16="http://schemas.microsoft.com/office/drawing/2014/main" id="{5FF25FCE-BCFC-48B5-AC45-F77771960010}"/>
+                </a:ext>
+              </a:extLst>
+            </p:cNvPr>
+            <p:cNvSpPr>
+              <a:spLocks/>
+            </p:cNvSpPr>
+            <p:nvPr/>
+          </p:nvSpPr>
+          <p:spPr bwMode="auto">
+            <a:xfrm rot="16200000">
+              <a:off x="7785893" y="3785394"/>
+              <a:ext cx="2333625" cy="382588"/>
+            </a:xfrm>
+            <a:custGeom>
+              <a:avLst/>
+              <a:gdLst>
+                <a:gd name="T0" fmla="*/ 0 w 1470"/>
+                <a:gd name="T1" fmla="*/ 0 h 241"/>
+                <a:gd name="T2" fmla="*/ 0 w 1470"/>
+                <a:gd name="T3" fmla="*/ 233 h 241"/>
+                <a:gd name="T4" fmla="*/ 0 w 1470"/>
+                <a:gd name="T5" fmla="*/ 241 h 241"/>
+                <a:gd name="T6" fmla="*/ 1470 w 1470"/>
+                <a:gd name="T7" fmla="*/ 241 h 241"/>
+                <a:gd name="T8" fmla="*/ 0 w 1470"/>
+                <a:gd name="T9" fmla="*/ 0 h 241"/>
+              </a:gdLst>
+              <a:ahLst/>
+              <a:cxnLst>
+                <a:cxn ang="0">
+                  <a:pos x="T0" y="T1"/>
+                </a:cxn>
+                <a:cxn ang="0">
+                  <a:pos x="T2" y="T3"/>
+                </a:cxn>
+                <a:cxn ang="0">
+                  <a:pos x="T4" y="T5"/>
+                </a:cxn>
+                <a:cxn ang="0">
+                  <a:pos x="T6" y="T7"/>
+                </a:cxn>
+                <a:cxn ang="0">
+                  <a:pos x="T8" y="T9"/>
+                </a:cxn>
+              </a:cxnLst>
+              <a:rect l="0" t="0" r="r" b="b"/>
+              <a:pathLst>
+                <a:path w="1470" h="241">
+                  <a:moveTo>
+                    <a:pt x="0" y="0"/>
+                  </a:moveTo>
+                  <a:lnTo>
+                    <a:pt x="0" y="233"/>
+                  </a:lnTo>
+                  <a:lnTo>
+                    <a:pt x="0" y="241"/>
+                  </a:lnTo>
+                  <a:lnTo>
+                    <a:pt x="1470" y="241"/>
+                  </a:lnTo>
+                  <a:lnTo>
+                    <a:pt x="0" y="0"/>
+                  </a:lnTo>
+                  <a:close/>
+                </a:path>
+              </a:pathLst>
+            </a:custGeom>
+            <a:solidFill>
+              <a:srgbClr val="E5AAA4"/>
+            </a:solidFill>
+            <a:ln>
+              <a:noFill/>
+            </a:ln>
+            <a:extLst>
+              <a:ext uri="{91240B29-F687-4F45-9708-019B960494DF}">
+                <a14:hiddenLine xmlns:a14="http://schemas.microsoft.com/office/drawing/2010/main" w="9525">
+                  <a:solidFill>
+                    <a:srgbClr val="000000"/>
+                  </a:solidFill>
+                  <a:round/>
+                  <a:headEnd/>
+                  <a:tailEnd/>
+                </a14:hiddenLine>
+              </a:ext>
+            </a:extLst>
+          </p:spPr>
+          <p:txBody>
+            <a:bodyPr vert="horz" wrap="square" lIns="91440" tIns="45720" rIns="91440" bIns="45720" numCol="1" anchor="t" anchorCtr="0" compatLnSpc="1">
+              <a:prstTxWarp prst="textNoShape">
+                <a:avLst/>
+              </a:prstTxWarp>
+            </a:bodyPr>
+            <a:lstStyle/>
+            <a:p>
+              <a:endParaRPr lang="zh-CN" altLang="en-US"/>
+            </a:p>
+          </p:txBody>
+        </p:sp>
+      </p:grpSp>
+      <p:pic>
+        <p:nvPicPr>
+          <p:cNvPr id="2" name="图片 1">
+            <a:extLst>
+              <a:ext uri="{FF2B5EF4-FFF2-40B4-BE49-F238E27FC236}">
+                <a16:creationId xmlns:a16="http://schemas.microsoft.com/office/drawing/2014/main" id="{04B995F5-39C9-4CC6-B9DA-852CFA83E47A}"/>
+              </a:ext>
+            </a:extLst>
+          </p:cNvPr>
+          <p:cNvPicPr>
+            <a:picLocks noChangeAspect="1"/>
+          </p:cNvPicPr>
+          <p:nvPr/>
+        </p:nvPicPr>
+        <p:blipFill>
+          <a:blip r:embed="rId3"/>
+          <a:stretch>
+            <a:fillRect/>
+          </a:stretch>
+        </p:blipFill>
+        <p:spPr>
+          <a:xfrm>
+            <a:off x="0" y="588303"/>
+            <a:ext cx="8388424" cy="3754244"/>
+          </a:xfrm>
+          <a:prstGeom prst="rect">
+            <a:avLst/>
+          </a:prstGeom>
+        </p:spPr>
+      </p:pic>
+    </p:spTree>
+    <p:extLst>
+      <p:ext uri="{BB962C8B-B14F-4D97-AF65-F5344CB8AC3E}">
+        <p14:creationId xmlns:p14="http://schemas.microsoft.com/office/powerpoint/2010/main" val="2063160739"/>
+      </p:ext>
+    </p:extLst>
+  </p:cSld>
+  <p:clrMapOvr>
+    <a:masterClrMapping/>
+  </p:clrMapOvr>
+  <p:timing>
+    <p:tnLst>
+      <p:par>
+        <p:cTn id="1" dur="indefinite" restart="never" nodeType="tmRoot">
+          <p:childTnLst>
+            <p:seq concurrent="1" nextAc="seek">
+              <p:cTn id="2" dur="indefinite" nodeType="mainSeq">
+                <p:childTnLst>
+                  <p:par>
+                    <p:cTn id="3" fill="hold">
+                      <p:stCondLst>
+                        <p:cond delay="indefinite"/>
+                      </p:stCondLst>
+                      <p:childTnLst>
+                        <p:par>
+                          <p:cTn id="4" fill="hold">
+                            <p:stCondLst>
+                              <p:cond delay="0"/>
+                            </p:stCondLst>
+                            <p:childTnLst>
+                              <p:par>
+                                <p:cTn id="5" presetID="10" presetClass="entr" presetSubtype="0" fill="hold" nodeType="clickEffect">
+                                  <p:stCondLst>
+                                    <p:cond delay="0"/>
+                                  </p:stCondLst>
+                                  <p:childTnLst>
+                                    <p:set>
+                                      <p:cBhvr>
+                                        <p:cTn id="6" dur="1" fill="hold">
+                                          <p:stCondLst>
+                                            <p:cond delay="0"/>
+                                          </p:stCondLst>
+                                        </p:cTn>
+                                        <p:tgtEl>
+                                          <p:spTgt spid="3"/>
+                                        </p:tgtEl>
+                                        <p:attrNameLst>
+                                          <p:attrName>style.visibility</p:attrName>
+                                        </p:attrNameLst>
+                                      </p:cBhvr>
+                                      <p:to>
+                                        <p:strVal val="visible"/>
+                                      </p:to>
+                                    </p:set>
+                                    <p:animEffect transition="in" filter="fade">
+                                      <p:cBhvr>
+                                        <p:cTn id="7" dur="500"/>
+                                        <p:tgtEl>
+                                          <p:spTgt spid="3"/>
+                                        </p:tgtEl>
+                                      </p:cBhvr>
+                                    </p:animEffect>
+                                  </p:childTnLst>
+                                </p:cTn>
+                              </p:par>
+                            </p:childTnLst>
+                          </p:cTn>
+                        </p:par>
+                      </p:childTnLst>
+                    </p:cTn>
+                  </p:par>
+                </p:childTnLst>
+              </p:cTn>
+              <p:prevCondLst>
+                <p:cond evt="onPrev" delay="0">
+                  <p:tgtEl>
+                    <p:sldTgt/>
+                  </p:tgtEl>
+                </p:cond>
+              </p:prevCondLst>
+              <p:nextCondLst>
+                <p:cond evt="onNext" delay="0">
+                  <p:tgtEl>
+                    <p:sldTgt/>
+                  </p:tgtEl>
+                </p:cond>
+              </p:nextCondLst>
+            </p:seq>
+          </p:childTnLst>
+        </p:cTn>
+      </p:par>
+    </p:tnLst>
+  </p:timing>
+</p:sld>
+</file>
+
+<file path=ppt/slides/slide34.xml><?xml version="1.0" encoding="utf-8"?>
+<p:sld xmlns:a="http://schemas.openxmlformats.org/drawingml/2006/main" xmlns:r="http://schemas.openxmlformats.org/officeDocument/2006/relationships" xmlns:p="http://schemas.openxmlformats.org/presentationml/2006/main">
+  <p:cSld>
+    <p:spTree>
+      <p:nvGrpSpPr>
+        <p:cNvPr id="1" name=""/>
+        <p:cNvGrpSpPr/>
+        <p:nvPr/>
+      </p:nvGrpSpPr>
+      <p:grpSpPr>
+        <a:xfrm>
+          <a:off x="0" y="0"/>
+          <a:ext cx="0" cy="0"/>
+          <a:chOff x="0" y="0"/>
+          <a:chExt cx="0" cy="0"/>
+        </a:xfrm>
+      </p:grpSpPr>
+      <p:grpSp>
+        <p:nvGrpSpPr>
           <p:cNvPr id="2" name="PA_淘宝店chenying0907 1"/>
           <p:cNvGrpSpPr/>
           <p:nvPr>
@@ -36151,6 +36695,12 @@
 </p:tagLst>
 </file>
 
+<file path=ppt/tags/tag136.xml><?xml version="1.0" encoding="utf-8"?>
+<p:tagLst xmlns:a="http://schemas.openxmlformats.org/drawingml/2006/main" xmlns:r="http://schemas.openxmlformats.org/officeDocument/2006/relationships" xmlns:p="http://schemas.openxmlformats.org/presentationml/2006/main">
+  <p:tag name="PA" val="v3.0.0"/>
+</p:tagLst>
+</file>
+
 <file path=ppt/tags/tag14.xml><?xml version="1.0" encoding="utf-8"?>
 <p:tagLst xmlns:a="http://schemas.openxmlformats.org/drawingml/2006/main" xmlns:r="http://schemas.openxmlformats.org/officeDocument/2006/relationships" xmlns:p="http://schemas.openxmlformats.org/presentationml/2006/main">
   <p:tag name="PA" val="v3.0.0"/>

--- a/小组作业/SE2019春-G06-软件维护的定义和特点.pptx
+++ b/小组作业/SE2019春-G06-软件维护的定义和特点.pptx
@@ -5,7 +5,7 @@
     <p:sldMasterId id="2147483648" r:id="rId1"/>
   </p:sldMasterIdLst>
   <p:notesMasterIdLst>
-    <p:notesMasterId r:id="rId36"/>
+    <p:notesMasterId r:id="rId40"/>
   </p:notesMasterIdLst>
   <p:sldIdLst>
     <p:sldId id="285" r:id="rId2"/>
@@ -36,12 +36,16 @@
     <p:sldId id="305" r:id="rId27"/>
     <p:sldId id="307" r:id="rId28"/>
     <p:sldId id="308" r:id="rId29"/>
-    <p:sldId id="310" r:id="rId30"/>
-    <p:sldId id="311" r:id="rId31"/>
-    <p:sldId id="294" r:id="rId32"/>
-    <p:sldId id="290" r:id="rId33"/>
-    <p:sldId id="318" r:id="rId34"/>
-    <p:sldId id="283" r:id="rId35"/>
+    <p:sldId id="319" r:id="rId30"/>
+    <p:sldId id="320" r:id="rId31"/>
+    <p:sldId id="321" r:id="rId32"/>
+    <p:sldId id="322" r:id="rId33"/>
+    <p:sldId id="310" r:id="rId34"/>
+    <p:sldId id="311" r:id="rId35"/>
+    <p:sldId id="294" r:id="rId36"/>
+    <p:sldId id="290" r:id="rId37"/>
+    <p:sldId id="318" r:id="rId38"/>
+    <p:sldId id="283" r:id="rId39"/>
   </p:sldIdLst>
   <p:sldSz cx="9144000" cy="5143500" type="screen16x9"/>
   <p:notesSz cx="6858000" cy="9144000"/>
@@ -3245,7 +3249,7 @@
           <a:p>
             <a:fld id="{3A8DAAC2-3404-4325-BA90-11E1B895004A}" type="slidenum">
               <a:rPr lang="zh-CN" altLang="en-US" smtClean="0"/>
-              <a:t>29</a:t>
+              <a:t>33</a:t>
             </a:fld>
             <a:endParaRPr lang="zh-CN" altLang="en-US"/>
           </a:p>
@@ -3329,7 +3333,7 @@
           <a:p>
             <a:fld id="{3A8DAAC2-3404-4325-BA90-11E1B895004A}" type="slidenum">
               <a:rPr lang="zh-CN" altLang="en-US" smtClean="0"/>
-              <a:t>30</a:t>
+              <a:t>34</a:t>
             </a:fld>
             <a:endParaRPr lang="zh-CN" altLang="en-US"/>
           </a:p>
@@ -23580,449 +23584,19 @@
       </p:grpSpPr>
       <p:sp>
         <p:nvSpPr>
-          <p:cNvPr id="10250" name="PA_淘宝店chenying0907 10"/>
-          <p:cNvSpPr>
+          <p:cNvPr id="2" name="PA_文本框 4">
+            <a:extLst>
+              <a:ext uri="{FF2B5EF4-FFF2-40B4-BE49-F238E27FC236}">
+                <a16:creationId xmlns:a16="http://schemas.microsoft.com/office/drawing/2014/main" id="{AC73789D-FE95-442B-8B9A-286387DA2DF4}"/>
+              </a:ext>
+            </a:extLst>
+          </p:cNvPr>
+          <p:cNvSpPr txBox="1">
             <a:spLocks noChangeArrowheads="1"/>
           </p:cNvSpPr>
           <p:nvPr>
             <p:custDataLst>
               <p:tags r:id="rId1"/>
-            </p:custDataLst>
-          </p:nvPr>
-        </p:nvSpPr>
-        <p:spPr bwMode="auto">
-          <a:xfrm>
-            <a:off x="1116013" y="1274019"/>
-            <a:ext cx="2087562" cy="3097931"/>
-          </a:xfrm>
-          <a:prstGeom prst="rect">
-            <a:avLst/>
-          </a:prstGeom>
-          <a:solidFill>
-            <a:schemeClr val="accent4">
-              <a:alpha val="89999"/>
-            </a:schemeClr>
-          </a:solidFill>
-          <a:ln>
-            <a:noFill/>
-          </a:ln>
-          <a:effectLst/>
-        </p:spPr>
-        <p:txBody>
-          <a:bodyPr wrap="none" anchor="ctr"/>
-          <a:lstStyle/>
-          <a:p>
-            <a:endParaRPr lang="zh-CN" altLang="en-US"/>
-          </a:p>
-        </p:txBody>
-      </p:sp>
-      <p:sp>
-        <p:nvSpPr>
-          <p:cNvPr id="10251" name="PA_文本框 11"/>
-          <p:cNvSpPr txBox="1">
-            <a:spLocks noChangeArrowheads="1"/>
-          </p:cNvSpPr>
-          <p:nvPr>
-            <p:custDataLst>
-              <p:tags r:id="rId2"/>
-            </p:custDataLst>
-          </p:nvPr>
-        </p:nvSpPr>
-        <p:spPr bwMode="auto">
-          <a:xfrm>
-            <a:off x="1234253" y="2504756"/>
-            <a:ext cx="2092324" cy="636456"/>
-          </a:xfrm>
-          <a:prstGeom prst="rect">
-            <a:avLst/>
-          </a:prstGeom>
-          <a:noFill/>
-          <a:ln>
-            <a:noFill/>
-          </a:ln>
-          <a:effectLst/>
-          <a:extLst>
-            <a:ext uri="{909E8E84-426E-40DD-AFC4-6F175D3DCCD1}">
-              <a14:hiddenFill xmlns:a14="http://schemas.microsoft.com/office/drawing/2010/main">
-                <a:solidFill>
-                  <a:schemeClr val="accent1"/>
-                </a:solidFill>
-              </a14:hiddenFill>
-            </a:ext>
-            <a:ext uri="{91240B29-F687-4F45-9708-019B960494DF}">
-              <a14:hiddenLine xmlns:a14="http://schemas.microsoft.com/office/drawing/2010/main" w="9525">
-                <a:solidFill>
-                  <a:srgbClr val="000000"/>
-                </a:solidFill>
-                <a:miter lim="800000"/>
-                <a:headEnd/>
-                <a:tailEnd/>
-              </a14:hiddenLine>
-            </a:ext>
-            <a:ext uri="{AF507438-7753-43E0-B8FC-AC1667EBCBE1}">
-              <a14:hiddenEffects xmlns:a14="http://schemas.microsoft.com/office/drawing/2010/main">
-                <a:effectLst>
-                  <a:outerShdw dist="35921" dir="2700000" algn="ctr" rotWithShape="0">
-                    <a:schemeClr val="bg2"/>
-                  </a:outerShdw>
-                </a:effectLst>
-              </a14:hiddenEffects>
-            </a:ext>
-          </a:extLst>
-        </p:spPr>
-        <p:txBody>
-          <a:bodyPr wrap="square">
-            <a:spAutoFit/>
-          </a:bodyPr>
-          <a:lstStyle/>
-          <a:p>
-            <a:pPr algn="ctr">
-              <a:lnSpc>
-                <a:spcPct val="120000"/>
-              </a:lnSpc>
-            </a:pPr>
-            <a:r>
-              <a:rPr lang="zh-CN" altLang="en-US" sz="3200" dirty="0">
-                <a:solidFill>
-                  <a:schemeClr val="bg1"/>
-                </a:solidFill>
-                <a:latin typeface="微软雅黑 Light" panose="020B0502040204020203" pitchFamily="34" charset="-122"/>
-                <a:ea typeface="微软雅黑 Light" panose="020B0502040204020203" pitchFamily="34" charset="-122"/>
-              </a:rPr>
-              <a:t>问题：</a:t>
-            </a:r>
-            <a:endParaRPr lang="zh-CN" altLang="zh-CN" sz="3200" dirty="0">
-              <a:solidFill>
-                <a:schemeClr val="bg1"/>
-              </a:solidFill>
-              <a:latin typeface="微软雅黑 Light" panose="020B0502040204020203" pitchFamily="34" charset="-122"/>
-              <a:ea typeface="微软雅黑 Light" panose="020B0502040204020203" pitchFamily="34" charset="-122"/>
-            </a:endParaRPr>
-          </a:p>
-        </p:txBody>
-      </p:sp>
-      <p:grpSp>
-        <p:nvGrpSpPr>
-          <p:cNvPr id="25" name="PA_淘宝店chenying0907 24"/>
-          <p:cNvGrpSpPr/>
-          <p:nvPr>
-            <p:custDataLst>
-              <p:tags r:id="rId3"/>
-            </p:custDataLst>
-          </p:nvPr>
-        </p:nvGrpSpPr>
-        <p:grpSpPr>
-          <a:xfrm>
-            <a:off x="-9190" y="0"/>
-            <a:ext cx="620750" cy="791858"/>
-            <a:chOff x="0" y="-21236"/>
-            <a:chExt cx="3311527" cy="4224338"/>
-          </a:xfrm>
-        </p:grpSpPr>
-        <p:sp>
-          <p:nvSpPr>
-            <p:cNvPr id="27" name="淘宝店chenying0907 37"/>
-            <p:cNvSpPr>
-              <a:spLocks/>
-            </p:cNvSpPr>
-            <p:nvPr/>
-          </p:nvSpPr>
-          <p:spPr bwMode="auto">
-            <a:xfrm rot="5400000">
-              <a:off x="-264318" y="627258"/>
-              <a:ext cx="3840163" cy="3311525"/>
-            </a:xfrm>
-            <a:custGeom>
-              <a:avLst/>
-              <a:gdLst>
-                <a:gd name="T0" fmla="*/ 0 w 2419"/>
-                <a:gd name="T1" fmla="*/ 0 h 2086"/>
-                <a:gd name="T2" fmla="*/ 753 w 2419"/>
-                <a:gd name="T3" fmla="*/ 2008 h 2086"/>
-                <a:gd name="T4" fmla="*/ 1228 w 2419"/>
-                <a:gd name="T5" fmla="*/ 2086 h 2086"/>
-                <a:gd name="T6" fmla="*/ 2419 w 2419"/>
-                <a:gd name="T7" fmla="*/ 2086 h 2086"/>
-                <a:gd name="T8" fmla="*/ 0 w 2419"/>
-                <a:gd name="T9" fmla="*/ 0 h 2086"/>
-              </a:gdLst>
-              <a:ahLst/>
-              <a:cxnLst>
-                <a:cxn ang="0">
-                  <a:pos x="T0" y="T1"/>
-                </a:cxn>
-                <a:cxn ang="0">
-                  <a:pos x="T2" y="T3"/>
-                </a:cxn>
-                <a:cxn ang="0">
-                  <a:pos x="T4" y="T5"/>
-                </a:cxn>
-                <a:cxn ang="0">
-                  <a:pos x="T6" y="T7"/>
-                </a:cxn>
-                <a:cxn ang="0">
-                  <a:pos x="T8" y="T9"/>
-                </a:cxn>
-              </a:cxnLst>
-              <a:rect l="0" t="0" r="r" b="b"/>
-              <a:pathLst>
-                <a:path w="2419" h="2086">
-                  <a:moveTo>
-                    <a:pt x="0" y="0"/>
-                  </a:moveTo>
-                  <a:lnTo>
-                    <a:pt x="753" y="2008"/>
-                  </a:lnTo>
-                  <a:lnTo>
-                    <a:pt x="1228" y="2086"/>
-                  </a:lnTo>
-                  <a:lnTo>
-                    <a:pt x="2419" y="2086"/>
-                  </a:lnTo>
-                  <a:lnTo>
-                    <a:pt x="0" y="0"/>
-                  </a:lnTo>
-                  <a:close/>
-                </a:path>
-              </a:pathLst>
-            </a:custGeom>
-            <a:solidFill>
-              <a:schemeClr val="accent2"/>
-            </a:solidFill>
-            <a:ln>
-              <a:noFill/>
-            </a:ln>
-            <a:extLst>
-              <a:ext uri="{91240B29-F687-4F45-9708-019B960494DF}">
-                <a14:hiddenLine xmlns:a14="http://schemas.microsoft.com/office/drawing/2010/main" w="9525">
-                  <a:solidFill>
-                    <a:srgbClr val="000000"/>
-                  </a:solidFill>
-                  <a:round/>
-                  <a:headEnd/>
-                  <a:tailEnd/>
-                </a14:hiddenLine>
-              </a:ext>
-            </a:extLst>
-          </p:spPr>
-          <p:txBody>
-            <a:bodyPr vert="horz" wrap="square" lIns="91440" tIns="45720" rIns="91440" bIns="45720" numCol="1" anchor="t" anchorCtr="0" compatLnSpc="1">
-              <a:prstTxWarp prst="textNoShape">
-                <a:avLst/>
-              </a:prstTxWarp>
-            </a:bodyPr>
-            <a:lstStyle/>
-            <a:p>
-              <a:endParaRPr lang="zh-CN" altLang="en-US"/>
-            </a:p>
-          </p:txBody>
-        </p:sp>
-        <p:sp>
-          <p:nvSpPr>
-            <p:cNvPr id="28" name="淘宝店chenying0907 38"/>
-            <p:cNvSpPr>
-              <a:spLocks/>
-            </p:cNvSpPr>
-            <p:nvPr/>
-          </p:nvSpPr>
-          <p:spPr bwMode="auto">
-            <a:xfrm rot="5400000">
-              <a:off x="927895" y="-825304"/>
-              <a:ext cx="1579563" cy="3187700"/>
-            </a:xfrm>
-            <a:custGeom>
-              <a:avLst/>
-              <a:gdLst>
-                <a:gd name="T0" fmla="*/ 242 w 995"/>
-                <a:gd name="T1" fmla="*/ 0 h 2008"/>
-                <a:gd name="T2" fmla="*/ 0 w 995"/>
-                <a:gd name="T3" fmla="*/ 305 h 2008"/>
-                <a:gd name="T4" fmla="*/ 0 w 995"/>
-                <a:gd name="T5" fmla="*/ 1845 h 2008"/>
-                <a:gd name="T6" fmla="*/ 995 w 995"/>
-                <a:gd name="T7" fmla="*/ 2008 h 2008"/>
-                <a:gd name="T8" fmla="*/ 242 w 995"/>
-                <a:gd name="T9" fmla="*/ 0 h 2008"/>
-              </a:gdLst>
-              <a:ahLst/>
-              <a:cxnLst>
-                <a:cxn ang="0">
-                  <a:pos x="T0" y="T1"/>
-                </a:cxn>
-                <a:cxn ang="0">
-                  <a:pos x="T2" y="T3"/>
-                </a:cxn>
-                <a:cxn ang="0">
-                  <a:pos x="T4" y="T5"/>
-                </a:cxn>
-                <a:cxn ang="0">
-                  <a:pos x="T6" y="T7"/>
-                </a:cxn>
-                <a:cxn ang="0">
-                  <a:pos x="T8" y="T9"/>
-                </a:cxn>
-              </a:cxnLst>
-              <a:rect l="0" t="0" r="r" b="b"/>
-              <a:pathLst>
-                <a:path w="995" h="2008">
-                  <a:moveTo>
-                    <a:pt x="242" y="0"/>
-                  </a:moveTo>
-                  <a:lnTo>
-                    <a:pt x="0" y="305"/>
-                  </a:lnTo>
-                  <a:lnTo>
-                    <a:pt x="0" y="1845"/>
-                  </a:lnTo>
-                  <a:lnTo>
-                    <a:pt x="995" y="2008"/>
-                  </a:lnTo>
-                  <a:lnTo>
-                    <a:pt x="242" y="0"/>
-                  </a:lnTo>
-                  <a:close/>
-                </a:path>
-              </a:pathLst>
-            </a:custGeom>
-            <a:solidFill>
-              <a:schemeClr val="accent1"/>
-            </a:solidFill>
-            <a:ln>
-              <a:noFill/>
-            </a:ln>
-            <a:extLst>
-              <a:ext uri="{91240B29-F687-4F45-9708-019B960494DF}">
-                <a14:hiddenLine xmlns:a14="http://schemas.microsoft.com/office/drawing/2010/main" w="9525">
-                  <a:solidFill>
-                    <a:srgbClr val="000000"/>
-                  </a:solidFill>
-                  <a:round/>
-                  <a:headEnd/>
-                  <a:tailEnd/>
-                </a14:hiddenLine>
-              </a:ext>
-            </a:extLst>
-          </p:spPr>
-          <p:txBody>
-            <a:bodyPr vert="horz" wrap="square" lIns="91440" tIns="45720" rIns="91440" bIns="45720" numCol="1" anchor="t" anchorCtr="0" compatLnSpc="1">
-              <a:prstTxWarp prst="textNoShape">
-                <a:avLst/>
-              </a:prstTxWarp>
-            </a:bodyPr>
-            <a:lstStyle/>
-            <a:p>
-              <a:endParaRPr lang="zh-CN" altLang="en-US"/>
-            </a:p>
-          </p:txBody>
-        </p:sp>
-        <p:sp>
-          <p:nvSpPr>
-            <p:cNvPr id="29" name="淘宝店chenying0907 39"/>
-            <p:cNvSpPr>
-              <a:spLocks/>
-            </p:cNvSpPr>
-            <p:nvPr/>
-          </p:nvSpPr>
-          <p:spPr bwMode="auto">
-            <a:xfrm rot="5400000">
-              <a:off x="-975519" y="954283"/>
-              <a:ext cx="2333625" cy="382588"/>
-            </a:xfrm>
-            <a:custGeom>
-              <a:avLst/>
-              <a:gdLst>
-                <a:gd name="T0" fmla="*/ 0 w 1470"/>
-                <a:gd name="T1" fmla="*/ 0 h 241"/>
-                <a:gd name="T2" fmla="*/ 0 w 1470"/>
-                <a:gd name="T3" fmla="*/ 233 h 241"/>
-                <a:gd name="T4" fmla="*/ 0 w 1470"/>
-                <a:gd name="T5" fmla="*/ 241 h 241"/>
-                <a:gd name="T6" fmla="*/ 1470 w 1470"/>
-                <a:gd name="T7" fmla="*/ 241 h 241"/>
-                <a:gd name="T8" fmla="*/ 0 w 1470"/>
-                <a:gd name="T9" fmla="*/ 0 h 241"/>
-              </a:gdLst>
-              <a:ahLst/>
-              <a:cxnLst>
-                <a:cxn ang="0">
-                  <a:pos x="T0" y="T1"/>
-                </a:cxn>
-                <a:cxn ang="0">
-                  <a:pos x="T2" y="T3"/>
-                </a:cxn>
-                <a:cxn ang="0">
-                  <a:pos x="T4" y="T5"/>
-                </a:cxn>
-                <a:cxn ang="0">
-                  <a:pos x="T6" y="T7"/>
-                </a:cxn>
-                <a:cxn ang="0">
-                  <a:pos x="T8" y="T9"/>
-                </a:cxn>
-              </a:cxnLst>
-              <a:rect l="0" t="0" r="r" b="b"/>
-              <a:pathLst>
-                <a:path w="1470" h="241">
-                  <a:moveTo>
-                    <a:pt x="0" y="0"/>
-                  </a:moveTo>
-                  <a:lnTo>
-                    <a:pt x="0" y="233"/>
-                  </a:lnTo>
-                  <a:lnTo>
-                    <a:pt x="0" y="241"/>
-                  </a:lnTo>
-                  <a:lnTo>
-                    <a:pt x="1470" y="241"/>
-                  </a:lnTo>
-                  <a:lnTo>
-                    <a:pt x="0" y="0"/>
-                  </a:lnTo>
-                  <a:close/>
-                </a:path>
-              </a:pathLst>
-            </a:custGeom>
-            <a:solidFill>
-              <a:schemeClr val="accent3"/>
-            </a:solidFill>
-            <a:ln>
-              <a:noFill/>
-            </a:ln>
-            <a:extLst>
-              <a:ext uri="{91240B29-F687-4F45-9708-019B960494DF}">
-                <a14:hiddenLine xmlns:a14="http://schemas.microsoft.com/office/drawing/2010/main" w="9525">
-                  <a:solidFill>
-                    <a:srgbClr val="000000"/>
-                  </a:solidFill>
-                  <a:round/>
-                  <a:headEnd/>
-                  <a:tailEnd/>
-                </a14:hiddenLine>
-              </a:ext>
-            </a:extLst>
-          </p:spPr>
-          <p:txBody>
-            <a:bodyPr vert="horz" wrap="square" lIns="91440" tIns="45720" rIns="91440" bIns="45720" numCol="1" anchor="t" anchorCtr="0" compatLnSpc="1">
-              <a:prstTxWarp prst="textNoShape">
-                <a:avLst/>
-              </a:prstTxWarp>
-            </a:bodyPr>
-            <a:lstStyle/>
-            <a:p>
-              <a:endParaRPr lang="zh-CN" altLang="en-US"/>
-            </a:p>
-          </p:txBody>
-        </p:sp>
-      </p:grpSp>
-      <p:sp>
-        <p:nvSpPr>
-          <p:cNvPr id="30" name="PA_文本框 4"/>
-          <p:cNvSpPr txBox="1">
-            <a:spLocks noChangeArrowheads="1"/>
-          </p:cNvSpPr>
-          <p:nvPr>
-            <p:custDataLst>
-              <p:tags r:id="rId4"/>
             </p:custDataLst>
           </p:nvPr>
         </p:nvSpPr>
@@ -24106,20 +23680,70 @@
       </p:sp>
       <p:sp>
         <p:nvSpPr>
-          <p:cNvPr id="10" name="PA_淘宝店chenying0907 12"/>
+          <p:cNvPr id="3" name="PA_淘宝店chenying0907 10">
+            <a:extLst>
+              <a:ext uri="{FF2B5EF4-FFF2-40B4-BE49-F238E27FC236}">
+                <a16:creationId xmlns:a16="http://schemas.microsoft.com/office/drawing/2014/main" id="{721B998F-33A5-4620-9B9A-ABEDE0E906FF}"/>
+              </a:ext>
+            </a:extLst>
+          </p:cNvPr>
           <p:cNvSpPr>
             <a:spLocks noChangeArrowheads="1"/>
           </p:cNvSpPr>
           <p:nvPr>
             <p:custDataLst>
-              <p:tags r:id="rId5"/>
+              <p:tags r:id="rId2"/>
             </p:custDataLst>
           </p:nvPr>
         </p:nvSpPr>
         <p:spPr bwMode="auto">
           <a:xfrm>
-            <a:off x="3851920" y="1714988"/>
-            <a:ext cx="4896544" cy="2215991"/>
+            <a:off x="992938" y="915566"/>
+            <a:ext cx="2087562" cy="3097931"/>
+          </a:xfrm>
+          <a:prstGeom prst="rect">
+            <a:avLst/>
+          </a:prstGeom>
+          <a:solidFill>
+            <a:schemeClr val="accent4">
+              <a:alpha val="89999"/>
+            </a:schemeClr>
+          </a:solidFill>
+          <a:ln>
+            <a:noFill/>
+          </a:ln>
+          <a:effectLst/>
+        </p:spPr>
+        <p:txBody>
+          <a:bodyPr wrap="none" anchor="ctr"/>
+          <a:lstStyle/>
+          <a:p>
+            <a:endParaRPr lang="zh-CN" altLang="en-US"/>
+          </a:p>
+        </p:txBody>
+      </p:sp>
+      <p:sp>
+        <p:nvSpPr>
+          <p:cNvPr id="4" name="PA_文本框 11">
+            <a:extLst>
+              <a:ext uri="{FF2B5EF4-FFF2-40B4-BE49-F238E27FC236}">
+                <a16:creationId xmlns:a16="http://schemas.microsoft.com/office/drawing/2014/main" id="{BCCA68D1-798B-4E9E-81CE-9ABF0EE6CD4A}"/>
+              </a:ext>
+            </a:extLst>
+          </p:cNvPr>
+          <p:cNvSpPr txBox="1">
+            <a:spLocks noChangeArrowheads="1"/>
+          </p:cNvSpPr>
+          <p:nvPr>
+            <p:custDataLst>
+              <p:tags r:id="rId3"/>
+            </p:custDataLst>
+          </p:nvPr>
+        </p:nvSpPr>
+        <p:spPr bwMode="auto">
+          <a:xfrm>
+            <a:off x="1098975" y="2146303"/>
+            <a:ext cx="2092324" cy="636456"/>
           </a:xfrm>
           <a:prstGeom prst="rect">
             <a:avLst/>
@@ -24128,11 +23752,12 @@
           <a:ln>
             <a:noFill/>
           </a:ln>
+          <a:effectLst/>
           <a:extLst>
             <a:ext uri="{909E8E84-426E-40DD-AFC4-6F175D3DCCD1}">
               <a14:hiddenFill xmlns:a14="http://schemas.microsoft.com/office/drawing/2010/main">
                 <a:solidFill>
-                  <a:srgbClr val="FFFFFF"/>
+                  <a:schemeClr val="accent1"/>
                 </a:solidFill>
               </a14:hiddenFill>
             </a:ext>
@@ -24146,10 +23771,72 @@
                 <a:tailEnd/>
               </a14:hiddenLine>
             </a:ext>
+            <a:ext uri="{AF507438-7753-43E0-B8FC-AC1667EBCBE1}">
+              <a14:hiddenEffects xmlns:a14="http://schemas.microsoft.com/office/drawing/2010/main">
+                <a:effectLst>
+                  <a:outerShdw dist="35921" dir="2700000" algn="ctr" rotWithShape="0">
+                    <a:schemeClr val="bg2"/>
+                  </a:outerShdw>
+                </a:effectLst>
+              </a14:hiddenEffects>
+            </a:ext>
           </a:extLst>
         </p:spPr>
         <p:txBody>
-          <a:bodyPr wrap="square" lIns="0" tIns="0" rIns="0" bIns="0">
+          <a:bodyPr wrap="square">
+            <a:spAutoFit/>
+          </a:bodyPr>
+          <a:lstStyle/>
+          <a:p>
+            <a:pPr algn="ctr">
+              <a:lnSpc>
+                <a:spcPct val="120000"/>
+              </a:lnSpc>
+            </a:pPr>
+            <a:r>
+              <a:rPr lang="zh-CN" altLang="en-US" sz="3200" dirty="0">
+                <a:solidFill>
+                  <a:schemeClr val="bg1"/>
+                </a:solidFill>
+                <a:latin typeface="微软雅黑 Light" panose="020B0502040204020203" pitchFamily="34" charset="-122"/>
+                <a:ea typeface="微软雅黑 Light" panose="020B0502040204020203" pitchFamily="34" charset="-122"/>
+              </a:rPr>
+              <a:t>问题：</a:t>
+            </a:r>
+            <a:endParaRPr lang="zh-CN" altLang="zh-CN" sz="3200" dirty="0">
+              <a:solidFill>
+                <a:schemeClr val="bg1"/>
+              </a:solidFill>
+              <a:latin typeface="微软雅黑 Light" panose="020B0502040204020203" pitchFamily="34" charset="-122"/>
+              <a:ea typeface="微软雅黑 Light" panose="020B0502040204020203" pitchFamily="34" charset="-122"/>
+            </a:endParaRPr>
+          </a:p>
+        </p:txBody>
+      </p:sp>
+      <p:sp>
+        <p:nvSpPr>
+          <p:cNvPr id="5" name="文本框 4">
+            <a:extLst>
+              <a:ext uri="{FF2B5EF4-FFF2-40B4-BE49-F238E27FC236}">
+                <a16:creationId xmlns:a16="http://schemas.microsoft.com/office/drawing/2014/main" id="{C9AB9478-E65A-44FF-833A-00050B23AAE8}"/>
+              </a:ext>
+            </a:extLst>
+          </p:cNvPr>
+          <p:cNvSpPr txBox="1"/>
+          <p:nvPr/>
+        </p:nvSpPr>
+        <p:spPr>
+          <a:xfrm>
+            <a:off x="4139952" y="1347614"/>
+            <a:ext cx="4176464" cy="677108"/>
+          </a:xfrm>
+          <a:prstGeom prst="rect">
+            <a:avLst/>
+          </a:prstGeom>
+          <a:noFill/>
+        </p:spPr>
+        <p:txBody>
+          <a:bodyPr wrap="square" rtlCol="0">
             <a:spAutoFit/>
           </a:bodyPr>
           <a:lstStyle/>
@@ -24159,7 +23846,7 @@
               <a:buNone/>
             </a:pPr>
             <a:r>
-              <a:rPr lang="zh-CN" altLang="en-US" sz="3200" dirty="0">
+              <a:rPr lang="zh-CN" altLang="en-US" sz="2000" dirty="0">
                 <a:solidFill>
                   <a:schemeClr val="tx1">
                     <a:lumMod val="65000"/>
@@ -24169,9 +23856,9 @@
                 <a:latin typeface="微软雅黑 Light" panose="020B0502040204020203" pitchFamily="34" charset="-122"/>
                 <a:ea typeface="微软雅黑 Light" panose="020B0502040204020203" pitchFamily="34" charset="-122"/>
               </a:rPr>
-              <a:t>请问最右边最后一位同学：</a:t>
+              <a:t>请问最左边倒数第二位同学：</a:t>
             </a:r>
-            <a:endParaRPr lang="en-US" altLang="zh-CN" sz="3200" dirty="0">
+            <a:endParaRPr lang="en-US" altLang="zh-CN" sz="2000" dirty="0">
               <a:solidFill>
                 <a:schemeClr val="tx1">
                   <a:lumMod val="65000"/>
@@ -24188,7 +23875,7 @@
               <a:buNone/>
             </a:pPr>
             <a:r>
-              <a:rPr lang="zh-CN" altLang="en-US" sz="2800" dirty="0">
+              <a:rPr lang="zh-CN" altLang="en-US" dirty="0">
                 <a:solidFill>
                   <a:schemeClr val="bg1">
                     <a:lumMod val="50000"/>
@@ -24197,55 +23884,7 @@
                 <a:latin typeface="微软雅黑 Light" panose="020B0502040204020203" pitchFamily="34" charset="-122"/>
                 <a:ea typeface="微软雅黑 Light" panose="020B0502040204020203" pitchFamily="34" charset="-122"/>
               </a:rPr>
-              <a:t>    通过这份</a:t>
-            </a:r>
-            <a:r>
-              <a:rPr lang="en-US" altLang="zh-CN" sz="2800" dirty="0" err="1">
-                <a:solidFill>
-                  <a:schemeClr val="bg1">
-                    <a:lumMod val="50000"/>
-                  </a:schemeClr>
-                </a:solidFill>
-                <a:latin typeface="微软雅黑 Light" panose="020B0502040204020203" pitchFamily="34" charset="-122"/>
-                <a:ea typeface="微软雅黑 Light" panose="020B0502040204020203" pitchFamily="34" charset="-122"/>
-              </a:rPr>
-              <a:t>ppt</a:t>
-            </a:r>
-            <a:r>
-              <a:rPr lang="zh-CN" altLang="en-US" sz="2800" dirty="0">
-                <a:solidFill>
-                  <a:schemeClr val="bg1">
-                    <a:lumMod val="50000"/>
-                  </a:schemeClr>
-                </a:solidFill>
-                <a:latin typeface="微软雅黑 Light" panose="020B0502040204020203" pitchFamily="34" charset="-122"/>
-                <a:ea typeface="微软雅黑 Light" panose="020B0502040204020203" pitchFamily="34" charset="-122"/>
-              </a:rPr>
-              <a:t>了解到的软件维护的定义和特点中，您知道了能怎样来</a:t>
-            </a:r>
-            <a:r>
-              <a:rPr lang="zh-CN" altLang="en-US" sz="2800" u="sng" dirty="0">
-                <a:solidFill>
-                  <a:schemeClr val="accent1">
-                    <a:lumMod val="75000"/>
-                  </a:schemeClr>
-                </a:solidFill>
-                <a:latin typeface="微软雅黑 Light" panose="020B0502040204020203" pitchFamily="34" charset="-122"/>
-                <a:ea typeface="微软雅黑 Light" panose="020B0502040204020203" pitchFamily="34" charset="-122"/>
-              </a:rPr>
-              <a:t>提高软件和软件维护</a:t>
-            </a:r>
-            <a:r>
-              <a:rPr lang="zh-CN" altLang="en-US" sz="2800" dirty="0">
-                <a:solidFill>
-                  <a:schemeClr val="bg1">
-                    <a:lumMod val="50000"/>
-                  </a:schemeClr>
-                </a:solidFill>
-                <a:latin typeface="微软雅黑 Light" panose="020B0502040204020203" pitchFamily="34" charset="-122"/>
-                <a:ea typeface="微软雅黑 Light" panose="020B0502040204020203" pitchFamily="34" charset="-122"/>
-              </a:rPr>
-              <a:t>的质量？</a:t>
+              <a:t>    软件维护的最终任务是什么？？</a:t>
             </a:r>
           </a:p>
         </p:txBody>
@@ -24253,16 +23892,13 @@
     </p:spTree>
     <p:extLst>
       <p:ext uri="{BB962C8B-B14F-4D97-AF65-F5344CB8AC3E}">
-        <p14:creationId xmlns:p14="http://schemas.microsoft.com/office/powerpoint/2010/main" val="578779556"/>
+        <p14:creationId xmlns:p14="http://schemas.microsoft.com/office/powerpoint/2010/main" val="1825911742"/>
       </p:ext>
     </p:extLst>
   </p:cSld>
   <p:clrMapOvr>
     <a:masterClrMapping/>
   </p:clrMapOvr>
-  <p:transition spd="slow">
-    <p:wipe/>
-  </p:transition>
   <p:timing>
     <p:tnLst>
       <p:par>
@@ -24289,7 +23925,7 @@
                               <p:par>
                                 <p:cTn id="5" presetID="10" presetClass="entr" presetSubtype="0" fill="hold" grpId="0" nodeType="withEffect">
                                   <p:stCondLst>
-                                    <p:cond delay="300"/>
+                                    <p:cond delay="1800"/>
                                   </p:stCondLst>
                                   <p:childTnLst>
                                     <p:set>
@@ -24300,7 +23936,7 @@
                                           </p:stCondLst>
                                         </p:cTn>
                                         <p:tgtEl>
-                                          <p:spTgt spid="10250"/>
+                                          <p:spTgt spid="2"/>
                                         </p:tgtEl>
                                         <p:attrNameLst>
                                           <p:attrName>style.visibility</p:attrName>
@@ -24314,7 +23950,7 @@
                                       <p:cBhvr>
                                         <p:cTn id="7" dur="500"/>
                                         <p:tgtEl>
-                                          <p:spTgt spid="10250"/>
+                                          <p:spTgt spid="2"/>
                                         </p:tgtEl>
                                       </p:cBhvr>
                                     </p:animEffect>
@@ -24324,7 +23960,7 @@
                               <p:par>
                                 <p:cTn id="8" presetID="10" presetClass="entr" presetSubtype="0" fill="hold" grpId="0" nodeType="withEffect">
                                   <p:stCondLst>
-                                    <p:cond delay="600"/>
+                                    <p:cond delay="300"/>
                                   </p:stCondLst>
                                   <p:childTnLst>
                                     <p:set>
@@ -24335,7 +23971,7 @@
                                           </p:stCondLst>
                                         </p:cTn>
                                         <p:tgtEl>
-                                          <p:spTgt spid="10251"/>
+                                          <p:spTgt spid="3"/>
                                         </p:tgtEl>
                                         <p:attrNameLst>
                                           <p:attrName>style.visibility</p:attrName>
@@ -24349,7 +23985,7 @@
                                       <p:cBhvr>
                                         <p:cTn id="10" dur="500"/>
                                         <p:tgtEl>
-                                          <p:spTgt spid="10251"/>
+                                          <p:spTgt spid="3"/>
                                         </p:tgtEl>
                                       </p:cBhvr>
                                     </p:animEffect>
@@ -24357,9 +23993,9 @@
                                 </p:cTn>
                               </p:par>
                               <p:par>
-                                <p:cTn id="11" presetID="10" presetClass="entr" presetSubtype="0" fill="hold" nodeType="withEffect">
+                                <p:cTn id="11" presetID="10" presetClass="entr" presetSubtype="0" fill="hold" grpId="0" nodeType="withEffect">
                                   <p:stCondLst>
-                                    <p:cond delay="1500"/>
+                                    <p:cond delay="600"/>
                                   </p:stCondLst>
                                   <p:childTnLst>
                                     <p:set>
@@ -24370,7 +24006,7 @@
                                           </p:stCondLst>
                                         </p:cTn>
                                         <p:tgtEl>
-                                          <p:spTgt spid="25"/>
+                                          <p:spTgt spid="4"/>
                                         </p:tgtEl>
                                         <p:attrNameLst>
                                           <p:attrName>style.visibility</p:attrName>
@@ -24384,77 +24020,7 @@
                                       <p:cBhvr>
                                         <p:cTn id="13" dur="500"/>
                                         <p:tgtEl>
-                                          <p:spTgt spid="25"/>
-                                        </p:tgtEl>
-                                      </p:cBhvr>
-                                    </p:animEffect>
-                                  </p:childTnLst>
-                                </p:cTn>
-                              </p:par>
-                              <p:par>
-                                <p:cTn id="14" presetID="10" presetClass="entr" presetSubtype="0" fill="hold" grpId="0" nodeType="withEffect">
-                                  <p:stCondLst>
-                                    <p:cond delay="1800"/>
-                                  </p:stCondLst>
-                                  <p:childTnLst>
-                                    <p:set>
-                                      <p:cBhvr>
-                                        <p:cTn id="15" dur="1" fill="hold">
-                                          <p:stCondLst>
-                                            <p:cond delay="0"/>
-                                          </p:stCondLst>
-                                        </p:cTn>
-                                        <p:tgtEl>
-                                          <p:spTgt spid="30"/>
-                                        </p:tgtEl>
-                                        <p:attrNameLst>
-                                          <p:attrName>style.visibility</p:attrName>
-                                        </p:attrNameLst>
-                                      </p:cBhvr>
-                                      <p:to>
-                                        <p:strVal val="visible"/>
-                                      </p:to>
-                                    </p:set>
-                                    <p:animEffect transition="in" filter="fade">
-                                      <p:cBhvr>
-                                        <p:cTn id="16" dur="500"/>
-                                        <p:tgtEl>
-                                          <p:spTgt spid="30"/>
-                                        </p:tgtEl>
-                                      </p:cBhvr>
-                                    </p:animEffect>
-                                  </p:childTnLst>
-                                </p:cTn>
-                              </p:par>
-                              <p:par>
-                                <p:cTn id="17" presetID="10" presetClass="entr" presetSubtype="0" fill="hold" grpId="0" nodeType="withEffect">
-                                  <p:stCondLst>
-                                    <p:cond delay="900"/>
-                                  </p:stCondLst>
-                                  <p:childTnLst>
-                                    <p:set>
-                                      <p:cBhvr>
-                                        <p:cTn id="18" dur="1" fill="hold">
-                                          <p:stCondLst>
-                                            <p:cond delay="0"/>
-                                          </p:stCondLst>
-                                        </p:cTn>
-                                        <p:tgtEl>
-                                          <p:spTgt spid="10"/>
-                                        </p:tgtEl>
-                                        <p:attrNameLst>
-                                          <p:attrName>style.visibility</p:attrName>
-                                        </p:attrNameLst>
-                                      </p:cBhvr>
-                                      <p:to>
-                                        <p:strVal val="visible"/>
-                                      </p:to>
-                                    </p:set>
-                                    <p:animEffect transition="in" filter="fade">
-                                      <p:cBhvr>
-                                        <p:cTn id="19" dur="500"/>
-                                        <p:tgtEl>
-                                          <p:spTgt spid="10"/>
+                                          <p:spTgt spid="4"/>
                                         </p:tgtEl>
                                       </p:cBhvr>
                                     </p:animEffect>
@@ -24489,10 +24055,9 @@
       </p:par>
     </p:tnLst>
     <p:bldLst>
-      <p:bldP spid="10250" grpId="0" animBg="1" autoUpdateAnimBg="0"/>
-      <p:bldP spid="10251" grpId="0" animBg="1" autoUpdateAnimBg="0"/>
-      <p:bldP spid="30" grpId="0"/>
-      <p:bldP spid="10" grpId="0"/>
+      <p:bldP spid="2" grpId="0"/>
+      <p:bldP spid="3" grpId="0" animBg="1" autoUpdateAnimBg="0"/>
+      <p:bldP spid="4" grpId="0" animBg="1" autoUpdateAnimBg="0"/>
     </p:bldLst>
   </p:timing>
 </p:sld>
@@ -25383,6 +24948,2466 @@
 </file>
 
 <file path=ppt/slides/slide30.xml><?xml version="1.0" encoding="utf-8"?>
+<p:sld xmlns:a="http://schemas.openxmlformats.org/drawingml/2006/main" xmlns:r="http://schemas.openxmlformats.org/officeDocument/2006/relationships" xmlns:p="http://schemas.openxmlformats.org/presentationml/2006/main">
+  <p:cSld>
+    <p:spTree>
+      <p:nvGrpSpPr>
+        <p:cNvPr id="1" name=""/>
+        <p:cNvGrpSpPr/>
+        <p:nvPr/>
+      </p:nvGrpSpPr>
+      <p:grpSpPr>
+        <a:xfrm>
+          <a:off x="0" y="0"/>
+          <a:ext cx="0" cy="0"/>
+          <a:chOff x="0" y="0"/>
+          <a:chExt cx="0" cy="0"/>
+        </a:xfrm>
+      </p:grpSpPr>
+      <p:sp>
+        <p:nvSpPr>
+          <p:cNvPr id="2" name="PA_文本框 4">
+            <a:extLst>
+              <a:ext uri="{FF2B5EF4-FFF2-40B4-BE49-F238E27FC236}">
+                <a16:creationId xmlns:a16="http://schemas.microsoft.com/office/drawing/2014/main" id="{2D3A5B91-7179-415D-9C1E-C2421A9EA20F}"/>
+              </a:ext>
+            </a:extLst>
+          </p:cNvPr>
+          <p:cNvSpPr txBox="1">
+            <a:spLocks noChangeArrowheads="1"/>
+          </p:cNvSpPr>
+          <p:nvPr>
+            <p:custDataLst>
+              <p:tags r:id="rId1"/>
+            </p:custDataLst>
+          </p:nvPr>
+        </p:nvSpPr>
+        <p:spPr bwMode="auto">
+          <a:xfrm>
+            <a:off x="535359" y="184337"/>
+            <a:ext cx="1127232" cy="400110"/>
+          </a:xfrm>
+          <a:prstGeom prst="rect">
+            <a:avLst/>
+          </a:prstGeom>
+          <a:noFill/>
+          <a:ln>
+            <a:noFill/>
+          </a:ln>
+          <a:effectLst/>
+          <a:extLst>
+            <a:ext uri="{909E8E84-426E-40DD-AFC4-6F175D3DCCD1}">
+              <a14:hiddenFill xmlns:a14="http://schemas.microsoft.com/office/drawing/2010/main">
+                <a:solidFill>
+                  <a:schemeClr val="accent1"/>
+                </a:solidFill>
+              </a14:hiddenFill>
+            </a:ext>
+            <a:ext uri="{91240B29-F687-4F45-9708-019B960494DF}">
+              <a14:hiddenLine xmlns:a14="http://schemas.microsoft.com/office/drawing/2010/main" w="9525">
+                <a:solidFill>
+                  <a:srgbClr val="000000"/>
+                </a:solidFill>
+                <a:miter lim="800000"/>
+                <a:headEnd/>
+                <a:tailEnd/>
+              </a14:hiddenLine>
+            </a:ext>
+            <a:ext uri="{AF507438-7753-43E0-B8FC-AC1667EBCBE1}">
+              <a14:hiddenEffects xmlns:a14="http://schemas.microsoft.com/office/drawing/2010/main">
+                <a:effectLst>
+                  <a:outerShdw dist="35921" dir="2700000" algn="ctr" rotWithShape="0">
+                    <a:schemeClr val="bg2"/>
+                  </a:outerShdw>
+                </a:effectLst>
+              </a14:hiddenEffects>
+            </a:ext>
+          </a:extLst>
+        </p:spPr>
+        <p:txBody>
+          <a:bodyPr wrap="none">
+            <a:spAutoFit/>
+          </a:bodyPr>
+          <a:lstStyle/>
+          <a:p>
+            <a:pPr>
+              <a:buFont typeface="Arial" pitchFamily="34" charset="0"/>
+              <a:buNone/>
+            </a:pPr>
+            <a:r>
+              <a:rPr lang="en-US" altLang="zh-CN" sz="2000" dirty="0">
+                <a:solidFill>
+                  <a:schemeClr val="tx1">
+                    <a:lumMod val="65000"/>
+                    <a:lumOff val="35000"/>
+                  </a:schemeClr>
+                </a:solidFill>
+                <a:latin typeface="微软雅黑 Light" panose="020B0502040204020203" pitchFamily="34" charset="-122"/>
+                <a:ea typeface="微软雅黑 Light" panose="020B0502040204020203" pitchFamily="34" charset="-122"/>
+              </a:rPr>
+              <a:t>Q&amp;A</a:t>
+            </a:r>
+            <a:r>
+              <a:rPr lang="en-US" altLang="zh-CN" sz="1100" dirty="0">
+                <a:solidFill>
+                  <a:schemeClr val="accent3"/>
+                </a:solidFill>
+                <a:latin typeface="微软雅黑 Light" panose="020B0502040204020203" pitchFamily="34" charset="-122"/>
+                <a:ea typeface="微软雅黑 Light" panose="020B0502040204020203" pitchFamily="34" charset="-122"/>
+              </a:rPr>
+              <a:t>【1】</a:t>
+            </a:r>
+          </a:p>
+        </p:txBody>
+      </p:sp>
+      <p:sp>
+        <p:nvSpPr>
+          <p:cNvPr id="3" name="PA_淘宝店chenying0907 10">
+            <a:extLst>
+              <a:ext uri="{FF2B5EF4-FFF2-40B4-BE49-F238E27FC236}">
+                <a16:creationId xmlns:a16="http://schemas.microsoft.com/office/drawing/2014/main" id="{E74C7352-1ED2-43A4-8563-FCEF1BB16C41}"/>
+              </a:ext>
+            </a:extLst>
+          </p:cNvPr>
+          <p:cNvSpPr>
+            <a:spLocks noChangeArrowheads="1"/>
+          </p:cNvSpPr>
+          <p:nvPr>
+            <p:custDataLst>
+              <p:tags r:id="rId2"/>
+            </p:custDataLst>
+          </p:nvPr>
+        </p:nvSpPr>
+        <p:spPr bwMode="auto">
+          <a:xfrm>
+            <a:off x="992938" y="915566"/>
+            <a:ext cx="2087562" cy="3097931"/>
+          </a:xfrm>
+          <a:prstGeom prst="rect">
+            <a:avLst/>
+          </a:prstGeom>
+          <a:solidFill>
+            <a:schemeClr val="accent4">
+              <a:alpha val="89999"/>
+            </a:schemeClr>
+          </a:solidFill>
+          <a:ln>
+            <a:noFill/>
+          </a:ln>
+          <a:effectLst/>
+        </p:spPr>
+        <p:txBody>
+          <a:bodyPr wrap="none" anchor="ctr"/>
+          <a:lstStyle/>
+          <a:p>
+            <a:endParaRPr lang="zh-CN" altLang="en-US"/>
+          </a:p>
+        </p:txBody>
+      </p:sp>
+      <p:sp>
+        <p:nvSpPr>
+          <p:cNvPr id="4" name="PA_文本框 11">
+            <a:extLst>
+              <a:ext uri="{FF2B5EF4-FFF2-40B4-BE49-F238E27FC236}">
+                <a16:creationId xmlns:a16="http://schemas.microsoft.com/office/drawing/2014/main" id="{25598649-091D-44EE-B7FA-FCE708FA6DDF}"/>
+              </a:ext>
+            </a:extLst>
+          </p:cNvPr>
+          <p:cNvSpPr txBox="1">
+            <a:spLocks noChangeArrowheads="1"/>
+          </p:cNvSpPr>
+          <p:nvPr>
+            <p:custDataLst>
+              <p:tags r:id="rId3"/>
+            </p:custDataLst>
+          </p:nvPr>
+        </p:nvSpPr>
+        <p:spPr bwMode="auto">
+          <a:xfrm>
+            <a:off x="1098975" y="2146303"/>
+            <a:ext cx="2092324" cy="636456"/>
+          </a:xfrm>
+          <a:prstGeom prst="rect">
+            <a:avLst/>
+          </a:prstGeom>
+          <a:noFill/>
+          <a:ln>
+            <a:noFill/>
+          </a:ln>
+          <a:effectLst/>
+          <a:extLst>
+            <a:ext uri="{909E8E84-426E-40DD-AFC4-6F175D3DCCD1}">
+              <a14:hiddenFill xmlns:a14="http://schemas.microsoft.com/office/drawing/2010/main">
+                <a:solidFill>
+                  <a:schemeClr val="accent1"/>
+                </a:solidFill>
+              </a14:hiddenFill>
+            </a:ext>
+            <a:ext uri="{91240B29-F687-4F45-9708-019B960494DF}">
+              <a14:hiddenLine xmlns:a14="http://schemas.microsoft.com/office/drawing/2010/main" w="9525">
+                <a:solidFill>
+                  <a:srgbClr val="000000"/>
+                </a:solidFill>
+                <a:miter lim="800000"/>
+                <a:headEnd/>
+                <a:tailEnd/>
+              </a14:hiddenLine>
+            </a:ext>
+            <a:ext uri="{AF507438-7753-43E0-B8FC-AC1667EBCBE1}">
+              <a14:hiddenEffects xmlns:a14="http://schemas.microsoft.com/office/drawing/2010/main">
+                <a:effectLst>
+                  <a:outerShdw dist="35921" dir="2700000" algn="ctr" rotWithShape="0">
+                    <a:schemeClr val="bg2"/>
+                  </a:outerShdw>
+                </a:effectLst>
+              </a14:hiddenEffects>
+            </a:ext>
+          </a:extLst>
+        </p:spPr>
+        <p:txBody>
+          <a:bodyPr wrap="square">
+            <a:spAutoFit/>
+          </a:bodyPr>
+          <a:lstStyle/>
+          <a:p>
+            <a:pPr algn="ctr">
+              <a:lnSpc>
+                <a:spcPct val="120000"/>
+              </a:lnSpc>
+            </a:pPr>
+            <a:r>
+              <a:rPr lang="zh-CN" altLang="en-US" sz="3200" dirty="0">
+                <a:solidFill>
+                  <a:schemeClr val="bg1"/>
+                </a:solidFill>
+                <a:latin typeface="微软雅黑 Light" panose="020B0502040204020203" pitchFamily="34" charset="-122"/>
+                <a:ea typeface="微软雅黑 Light" panose="020B0502040204020203" pitchFamily="34" charset="-122"/>
+              </a:rPr>
+              <a:t>答案：</a:t>
+            </a:r>
+            <a:endParaRPr lang="zh-CN" altLang="zh-CN" sz="3200" dirty="0">
+              <a:solidFill>
+                <a:schemeClr val="bg1"/>
+              </a:solidFill>
+              <a:latin typeface="微软雅黑 Light" panose="020B0502040204020203" pitchFamily="34" charset="-122"/>
+              <a:ea typeface="微软雅黑 Light" panose="020B0502040204020203" pitchFamily="34" charset="-122"/>
+            </a:endParaRPr>
+          </a:p>
+        </p:txBody>
+      </p:sp>
+      <p:sp>
+        <p:nvSpPr>
+          <p:cNvPr id="5" name="文本框 4">
+            <a:extLst>
+              <a:ext uri="{FF2B5EF4-FFF2-40B4-BE49-F238E27FC236}">
+                <a16:creationId xmlns:a16="http://schemas.microsoft.com/office/drawing/2014/main" id="{21466FE2-BE50-4197-B967-793E66007F18}"/>
+              </a:ext>
+            </a:extLst>
+          </p:cNvPr>
+          <p:cNvSpPr txBox="1"/>
+          <p:nvPr/>
+        </p:nvSpPr>
+        <p:spPr>
+          <a:xfrm>
+            <a:off x="4515330" y="1347614"/>
+            <a:ext cx="3096344" cy="523220"/>
+          </a:xfrm>
+          <a:prstGeom prst="rect">
+            <a:avLst/>
+          </a:prstGeom>
+          <a:noFill/>
+        </p:spPr>
+        <p:txBody>
+          <a:bodyPr wrap="square" rtlCol="0">
+            <a:spAutoFit/>
+          </a:bodyPr>
+          <a:lstStyle/>
+          <a:p>
+            <a:r>
+              <a:rPr lang="zh-CN" altLang="en-US" sz="2800" dirty="0">
+                <a:solidFill>
+                  <a:schemeClr val="bg1">
+                    <a:lumMod val="50000"/>
+                  </a:schemeClr>
+                </a:solidFill>
+                <a:latin typeface="微软雅黑 Light" panose="020B0502040204020203" pitchFamily="34" charset="-122"/>
+                <a:ea typeface="微软雅黑 Light" panose="020B0502040204020203" pitchFamily="34" charset="-122"/>
+              </a:rPr>
+              <a:t>延长软件生存期</a:t>
+            </a:r>
+          </a:p>
+        </p:txBody>
+      </p:sp>
+    </p:spTree>
+    <p:extLst>
+      <p:ext uri="{BB962C8B-B14F-4D97-AF65-F5344CB8AC3E}">
+        <p14:creationId xmlns:p14="http://schemas.microsoft.com/office/powerpoint/2010/main" val="3333653970"/>
+      </p:ext>
+    </p:extLst>
+  </p:cSld>
+  <p:clrMapOvr>
+    <a:masterClrMapping/>
+  </p:clrMapOvr>
+  <p:timing>
+    <p:tnLst>
+      <p:par>
+        <p:cTn id="1" dur="indefinite" restart="never" nodeType="tmRoot">
+          <p:childTnLst>
+            <p:seq concurrent="1" nextAc="seek">
+              <p:cTn id="2" dur="indefinite" nodeType="mainSeq">
+                <p:childTnLst>
+                  <p:par>
+                    <p:cTn id="3" fill="hold">
+                      <p:stCondLst>
+                        <p:cond delay="indefinite"/>
+                        <p:cond evt="onBegin" delay="0">
+                          <p:tn val="2"/>
+                        </p:cond>
+                      </p:stCondLst>
+                      <p:childTnLst>
+                        <p:par>
+                          <p:cTn id="4" fill="hold">
+                            <p:stCondLst>
+                              <p:cond delay="0"/>
+                            </p:stCondLst>
+                            <p:childTnLst>
+                              <p:par>
+                                <p:cTn id="5" presetID="10" presetClass="entr" presetSubtype="0" fill="hold" grpId="0" nodeType="withEffect">
+                                  <p:stCondLst>
+                                    <p:cond delay="1800"/>
+                                  </p:stCondLst>
+                                  <p:childTnLst>
+                                    <p:set>
+                                      <p:cBhvr>
+                                        <p:cTn id="6" dur="1" fill="hold">
+                                          <p:stCondLst>
+                                            <p:cond delay="0"/>
+                                          </p:stCondLst>
+                                        </p:cTn>
+                                        <p:tgtEl>
+                                          <p:spTgt spid="2"/>
+                                        </p:tgtEl>
+                                        <p:attrNameLst>
+                                          <p:attrName>style.visibility</p:attrName>
+                                        </p:attrNameLst>
+                                      </p:cBhvr>
+                                      <p:to>
+                                        <p:strVal val="visible"/>
+                                      </p:to>
+                                    </p:set>
+                                    <p:animEffect transition="in" filter="fade">
+                                      <p:cBhvr>
+                                        <p:cTn id="7" dur="500"/>
+                                        <p:tgtEl>
+                                          <p:spTgt spid="2"/>
+                                        </p:tgtEl>
+                                      </p:cBhvr>
+                                    </p:animEffect>
+                                  </p:childTnLst>
+                                </p:cTn>
+                              </p:par>
+                              <p:par>
+                                <p:cTn id="8" presetID="10" presetClass="entr" presetSubtype="0" fill="hold" grpId="0" nodeType="withEffect">
+                                  <p:stCondLst>
+                                    <p:cond delay="300"/>
+                                  </p:stCondLst>
+                                  <p:childTnLst>
+                                    <p:set>
+                                      <p:cBhvr>
+                                        <p:cTn id="9" dur="1" fill="hold">
+                                          <p:stCondLst>
+                                            <p:cond delay="0"/>
+                                          </p:stCondLst>
+                                        </p:cTn>
+                                        <p:tgtEl>
+                                          <p:spTgt spid="3"/>
+                                        </p:tgtEl>
+                                        <p:attrNameLst>
+                                          <p:attrName>style.visibility</p:attrName>
+                                        </p:attrNameLst>
+                                      </p:cBhvr>
+                                      <p:to>
+                                        <p:strVal val="visible"/>
+                                      </p:to>
+                                    </p:set>
+                                    <p:animEffect transition="in" filter="fade">
+                                      <p:cBhvr>
+                                        <p:cTn id="10" dur="500"/>
+                                        <p:tgtEl>
+                                          <p:spTgt spid="3"/>
+                                        </p:tgtEl>
+                                      </p:cBhvr>
+                                    </p:animEffect>
+                                  </p:childTnLst>
+                                </p:cTn>
+                              </p:par>
+                              <p:par>
+                                <p:cTn id="11" presetID="10" presetClass="entr" presetSubtype="0" fill="hold" grpId="0" nodeType="withEffect">
+                                  <p:stCondLst>
+                                    <p:cond delay="600"/>
+                                  </p:stCondLst>
+                                  <p:childTnLst>
+                                    <p:set>
+                                      <p:cBhvr>
+                                        <p:cTn id="12" dur="1" fill="hold">
+                                          <p:stCondLst>
+                                            <p:cond delay="0"/>
+                                          </p:stCondLst>
+                                        </p:cTn>
+                                        <p:tgtEl>
+                                          <p:spTgt spid="4"/>
+                                        </p:tgtEl>
+                                        <p:attrNameLst>
+                                          <p:attrName>style.visibility</p:attrName>
+                                        </p:attrNameLst>
+                                      </p:cBhvr>
+                                      <p:to>
+                                        <p:strVal val="visible"/>
+                                      </p:to>
+                                    </p:set>
+                                    <p:animEffect transition="in" filter="fade">
+                                      <p:cBhvr>
+                                        <p:cTn id="13" dur="500"/>
+                                        <p:tgtEl>
+                                          <p:spTgt spid="4"/>
+                                        </p:tgtEl>
+                                      </p:cBhvr>
+                                    </p:animEffect>
+                                  </p:childTnLst>
+                                </p:cTn>
+                              </p:par>
+                            </p:childTnLst>
+                          </p:cTn>
+                        </p:par>
+                      </p:childTnLst>
+                    </p:cTn>
+                  </p:par>
+                </p:childTnLst>
+              </p:cTn>
+              <p:prevCondLst>
+                <p:cond evt="onPrev" delay="0">
+                  <p:tgtEl>
+                    <p:sldTgt/>
+                  </p:tgtEl>
+                </p:cond>
+              </p:prevCondLst>
+              <p:nextCondLst>
+                <p:cond evt="onNext" delay="0">
+                  <p:tgtEl>
+                    <p:sldTgt/>
+                  </p:tgtEl>
+                </p:cond>
+              </p:nextCondLst>
+            </p:seq>
+          </p:childTnLst>
+        </p:cTn>
+      </p:par>
+    </p:tnLst>
+    <p:bldLst>
+      <p:bldP spid="2" grpId="0"/>
+      <p:bldP spid="3" grpId="0" animBg="1" autoUpdateAnimBg="0"/>
+      <p:bldP spid="4" grpId="0" animBg="1" autoUpdateAnimBg="0"/>
+    </p:bldLst>
+  </p:timing>
+</p:sld>
+</file>
+
+<file path=ppt/slides/slide31.xml><?xml version="1.0" encoding="utf-8"?>
+<p:sld xmlns:a="http://schemas.openxmlformats.org/drawingml/2006/main" xmlns:r="http://schemas.openxmlformats.org/officeDocument/2006/relationships" xmlns:p="http://schemas.openxmlformats.org/presentationml/2006/main">
+  <p:cSld>
+    <p:spTree>
+      <p:nvGrpSpPr>
+        <p:cNvPr id="1" name=""/>
+        <p:cNvGrpSpPr/>
+        <p:nvPr/>
+      </p:nvGrpSpPr>
+      <p:grpSpPr>
+        <a:xfrm>
+          <a:off x="0" y="0"/>
+          <a:ext cx="0" cy="0"/>
+          <a:chOff x="0" y="0"/>
+          <a:chExt cx="0" cy="0"/>
+        </a:xfrm>
+      </p:grpSpPr>
+      <p:sp>
+        <p:nvSpPr>
+          <p:cNvPr id="2" name="PA_淘宝店chenying0907 10">
+            <a:extLst>
+              <a:ext uri="{FF2B5EF4-FFF2-40B4-BE49-F238E27FC236}">
+                <a16:creationId xmlns:a16="http://schemas.microsoft.com/office/drawing/2014/main" id="{87423968-BDBA-49E4-9996-AEEE10F207B3}"/>
+              </a:ext>
+            </a:extLst>
+          </p:cNvPr>
+          <p:cNvSpPr>
+            <a:spLocks noChangeArrowheads="1"/>
+          </p:cNvSpPr>
+          <p:nvPr>
+            <p:custDataLst>
+              <p:tags r:id="rId1"/>
+            </p:custDataLst>
+          </p:nvPr>
+        </p:nvSpPr>
+        <p:spPr bwMode="auto">
+          <a:xfrm>
+            <a:off x="827584" y="1022784"/>
+            <a:ext cx="2087562" cy="3097931"/>
+          </a:xfrm>
+          <a:prstGeom prst="rect">
+            <a:avLst/>
+          </a:prstGeom>
+          <a:solidFill>
+            <a:schemeClr val="accent4">
+              <a:alpha val="89999"/>
+            </a:schemeClr>
+          </a:solidFill>
+          <a:ln>
+            <a:noFill/>
+          </a:ln>
+          <a:effectLst/>
+        </p:spPr>
+        <p:txBody>
+          <a:bodyPr wrap="none" anchor="ctr"/>
+          <a:lstStyle/>
+          <a:p>
+            <a:endParaRPr lang="zh-CN" altLang="en-US"/>
+          </a:p>
+        </p:txBody>
+      </p:sp>
+      <p:sp>
+        <p:nvSpPr>
+          <p:cNvPr id="3" name="PA_文本框 11">
+            <a:extLst>
+              <a:ext uri="{FF2B5EF4-FFF2-40B4-BE49-F238E27FC236}">
+                <a16:creationId xmlns:a16="http://schemas.microsoft.com/office/drawing/2014/main" id="{4ECA9C54-F2DE-4BEA-93E5-0A46C877545E}"/>
+              </a:ext>
+            </a:extLst>
+          </p:cNvPr>
+          <p:cNvSpPr txBox="1">
+            <a:spLocks noChangeArrowheads="1"/>
+          </p:cNvSpPr>
+          <p:nvPr>
+            <p:custDataLst>
+              <p:tags r:id="rId2"/>
+            </p:custDataLst>
+          </p:nvPr>
+        </p:nvSpPr>
+        <p:spPr bwMode="auto">
+          <a:xfrm>
+            <a:off x="971600" y="2067694"/>
+            <a:ext cx="2092324" cy="636456"/>
+          </a:xfrm>
+          <a:prstGeom prst="rect">
+            <a:avLst/>
+          </a:prstGeom>
+          <a:noFill/>
+          <a:ln>
+            <a:noFill/>
+          </a:ln>
+          <a:effectLst/>
+          <a:extLst>
+            <a:ext uri="{909E8E84-426E-40DD-AFC4-6F175D3DCCD1}">
+              <a14:hiddenFill xmlns:a14="http://schemas.microsoft.com/office/drawing/2010/main">
+                <a:solidFill>
+                  <a:schemeClr val="accent1"/>
+                </a:solidFill>
+              </a14:hiddenFill>
+            </a:ext>
+            <a:ext uri="{91240B29-F687-4F45-9708-019B960494DF}">
+              <a14:hiddenLine xmlns:a14="http://schemas.microsoft.com/office/drawing/2010/main" w="9525">
+                <a:solidFill>
+                  <a:srgbClr val="000000"/>
+                </a:solidFill>
+                <a:miter lim="800000"/>
+                <a:headEnd/>
+                <a:tailEnd/>
+              </a14:hiddenLine>
+            </a:ext>
+            <a:ext uri="{AF507438-7753-43E0-B8FC-AC1667EBCBE1}">
+              <a14:hiddenEffects xmlns:a14="http://schemas.microsoft.com/office/drawing/2010/main">
+                <a:effectLst>
+                  <a:outerShdw dist="35921" dir="2700000" algn="ctr" rotWithShape="0">
+                    <a:schemeClr val="bg2"/>
+                  </a:outerShdw>
+                </a:effectLst>
+              </a14:hiddenEffects>
+            </a:ext>
+          </a:extLst>
+        </p:spPr>
+        <p:txBody>
+          <a:bodyPr wrap="square">
+            <a:spAutoFit/>
+          </a:bodyPr>
+          <a:lstStyle/>
+          <a:p>
+            <a:pPr algn="ctr">
+              <a:lnSpc>
+                <a:spcPct val="120000"/>
+              </a:lnSpc>
+            </a:pPr>
+            <a:r>
+              <a:rPr lang="zh-CN" altLang="en-US" sz="3200" dirty="0">
+                <a:solidFill>
+                  <a:schemeClr val="bg1"/>
+                </a:solidFill>
+                <a:latin typeface="微软雅黑 Light" panose="020B0502040204020203" pitchFamily="34" charset="-122"/>
+                <a:ea typeface="微软雅黑 Light" panose="020B0502040204020203" pitchFamily="34" charset="-122"/>
+              </a:rPr>
+              <a:t>问题：</a:t>
+            </a:r>
+            <a:endParaRPr lang="zh-CN" altLang="zh-CN" sz="3200" dirty="0">
+              <a:solidFill>
+                <a:schemeClr val="bg1"/>
+              </a:solidFill>
+              <a:latin typeface="微软雅黑 Light" panose="020B0502040204020203" pitchFamily="34" charset="-122"/>
+              <a:ea typeface="微软雅黑 Light" panose="020B0502040204020203" pitchFamily="34" charset="-122"/>
+            </a:endParaRPr>
+          </a:p>
+        </p:txBody>
+      </p:sp>
+      <p:sp>
+        <p:nvSpPr>
+          <p:cNvPr id="4" name="PA_文本框 4">
+            <a:extLst>
+              <a:ext uri="{FF2B5EF4-FFF2-40B4-BE49-F238E27FC236}">
+                <a16:creationId xmlns:a16="http://schemas.microsoft.com/office/drawing/2014/main" id="{3894261C-0AAF-4095-8577-A47A5E5F3DE1}"/>
+              </a:ext>
+            </a:extLst>
+          </p:cNvPr>
+          <p:cNvSpPr txBox="1">
+            <a:spLocks noChangeArrowheads="1"/>
+          </p:cNvSpPr>
+          <p:nvPr>
+            <p:custDataLst>
+              <p:tags r:id="rId3"/>
+            </p:custDataLst>
+          </p:nvPr>
+        </p:nvSpPr>
+        <p:spPr bwMode="auto">
+          <a:xfrm>
+            <a:off x="535359" y="184337"/>
+            <a:ext cx="1127232" cy="400110"/>
+          </a:xfrm>
+          <a:prstGeom prst="rect">
+            <a:avLst/>
+          </a:prstGeom>
+          <a:noFill/>
+          <a:ln>
+            <a:noFill/>
+          </a:ln>
+          <a:effectLst/>
+          <a:extLst>
+            <a:ext uri="{909E8E84-426E-40DD-AFC4-6F175D3DCCD1}">
+              <a14:hiddenFill xmlns:a14="http://schemas.microsoft.com/office/drawing/2010/main">
+                <a:solidFill>
+                  <a:schemeClr val="accent1"/>
+                </a:solidFill>
+              </a14:hiddenFill>
+            </a:ext>
+            <a:ext uri="{91240B29-F687-4F45-9708-019B960494DF}">
+              <a14:hiddenLine xmlns:a14="http://schemas.microsoft.com/office/drawing/2010/main" w="9525">
+                <a:solidFill>
+                  <a:srgbClr val="000000"/>
+                </a:solidFill>
+                <a:miter lim="800000"/>
+                <a:headEnd/>
+                <a:tailEnd/>
+              </a14:hiddenLine>
+            </a:ext>
+            <a:ext uri="{AF507438-7753-43E0-B8FC-AC1667EBCBE1}">
+              <a14:hiddenEffects xmlns:a14="http://schemas.microsoft.com/office/drawing/2010/main">
+                <a:effectLst>
+                  <a:outerShdw dist="35921" dir="2700000" algn="ctr" rotWithShape="0">
+                    <a:schemeClr val="bg2"/>
+                  </a:outerShdw>
+                </a:effectLst>
+              </a14:hiddenEffects>
+            </a:ext>
+          </a:extLst>
+        </p:spPr>
+        <p:txBody>
+          <a:bodyPr wrap="none">
+            <a:spAutoFit/>
+          </a:bodyPr>
+          <a:lstStyle/>
+          <a:p>
+            <a:pPr>
+              <a:buFont typeface="Arial" pitchFamily="34" charset="0"/>
+              <a:buNone/>
+            </a:pPr>
+            <a:r>
+              <a:rPr lang="en-US" altLang="zh-CN" sz="2000" dirty="0">
+                <a:solidFill>
+                  <a:schemeClr val="tx1">
+                    <a:lumMod val="65000"/>
+                    <a:lumOff val="35000"/>
+                  </a:schemeClr>
+                </a:solidFill>
+                <a:latin typeface="微软雅黑 Light" panose="020B0502040204020203" pitchFamily="34" charset="-122"/>
+                <a:ea typeface="微软雅黑 Light" panose="020B0502040204020203" pitchFamily="34" charset="-122"/>
+              </a:rPr>
+              <a:t>Q&amp;A</a:t>
+            </a:r>
+            <a:r>
+              <a:rPr lang="en-US" altLang="zh-CN" sz="1100" dirty="0">
+                <a:solidFill>
+                  <a:schemeClr val="accent3"/>
+                </a:solidFill>
+                <a:latin typeface="微软雅黑 Light" panose="020B0502040204020203" pitchFamily="34" charset="-122"/>
+                <a:ea typeface="微软雅黑 Light" panose="020B0502040204020203" pitchFamily="34" charset="-122"/>
+              </a:rPr>
+              <a:t>【1】</a:t>
+            </a:r>
+          </a:p>
+        </p:txBody>
+      </p:sp>
+      <p:sp>
+        <p:nvSpPr>
+          <p:cNvPr id="5" name="PA_淘宝店chenying0907 12">
+            <a:extLst>
+              <a:ext uri="{FF2B5EF4-FFF2-40B4-BE49-F238E27FC236}">
+                <a16:creationId xmlns:a16="http://schemas.microsoft.com/office/drawing/2014/main" id="{A2FD5204-7A5F-4872-9916-3B560E0AB389}"/>
+              </a:ext>
+            </a:extLst>
+          </p:cNvPr>
+          <p:cNvSpPr>
+            <a:spLocks noChangeArrowheads="1"/>
+          </p:cNvSpPr>
+          <p:nvPr>
+            <p:custDataLst>
+              <p:tags r:id="rId4"/>
+            </p:custDataLst>
+          </p:nvPr>
+        </p:nvSpPr>
+        <p:spPr bwMode="auto">
+          <a:xfrm>
+            <a:off x="3851920" y="1714988"/>
+            <a:ext cx="4896544" cy="1354217"/>
+          </a:xfrm>
+          <a:prstGeom prst="rect">
+            <a:avLst/>
+          </a:prstGeom>
+          <a:noFill/>
+          <a:ln>
+            <a:noFill/>
+          </a:ln>
+          <a:extLst>
+            <a:ext uri="{909E8E84-426E-40DD-AFC4-6F175D3DCCD1}">
+              <a14:hiddenFill xmlns:a14="http://schemas.microsoft.com/office/drawing/2010/main">
+                <a:solidFill>
+                  <a:srgbClr val="FFFFFF"/>
+                </a:solidFill>
+              </a14:hiddenFill>
+            </a:ext>
+            <a:ext uri="{91240B29-F687-4F45-9708-019B960494DF}">
+              <a14:hiddenLine xmlns:a14="http://schemas.microsoft.com/office/drawing/2010/main" w="9525">
+                <a:solidFill>
+                  <a:srgbClr val="000000"/>
+                </a:solidFill>
+                <a:miter lim="800000"/>
+                <a:headEnd/>
+                <a:tailEnd/>
+              </a14:hiddenLine>
+            </a:ext>
+          </a:extLst>
+        </p:spPr>
+        <p:txBody>
+          <a:bodyPr wrap="square" lIns="0" tIns="0" rIns="0" bIns="0">
+            <a:spAutoFit/>
+          </a:bodyPr>
+          <a:lstStyle/>
+          <a:p>
+            <a:pPr>
+              <a:buFont typeface="Arial" pitchFamily="34" charset="0"/>
+              <a:buNone/>
+            </a:pPr>
+            <a:r>
+              <a:rPr lang="zh-CN" altLang="en-US" sz="3200" dirty="0">
+                <a:solidFill>
+                  <a:schemeClr val="tx1">
+                    <a:lumMod val="65000"/>
+                    <a:lumOff val="35000"/>
+                  </a:schemeClr>
+                </a:solidFill>
+                <a:latin typeface="微软雅黑 Light" panose="020B0502040204020203" pitchFamily="34" charset="-122"/>
+                <a:ea typeface="微软雅黑 Light" panose="020B0502040204020203" pitchFamily="34" charset="-122"/>
+              </a:rPr>
+              <a:t>请问最右边倒数第三位同学：</a:t>
+            </a:r>
+            <a:endParaRPr lang="en-US" altLang="zh-CN" sz="3200" dirty="0">
+              <a:solidFill>
+                <a:schemeClr val="tx1">
+                  <a:lumMod val="65000"/>
+                  <a:lumOff val="35000"/>
+                </a:schemeClr>
+              </a:solidFill>
+              <a:latin typeface="微软雅黑 Light" panose="020B0502040204020203" pitchFamily="34" charset="-122"/>
+              <a:ea typeface="微软雅黑 Light" panose="020B0502040204020203" pitchFamily="34" charset="-122"/>
+            </a:endParaRPr>
+          </a:p>
+          <a:p>
+            <a:pPr>
+              <a:buFont typeface="Arial" pitchFamily="34" charset="0"/>
+              <a:buNone/>
+            </a:pPr>
+            <a:r>
+              <a:rPr lang="zh-CN" altLang="en-US" sz="2800" dirty="0">
+                <a:solidFill>
+                  <a:schemeClr val="bg1">
+                    <a:lumMod val="50000"/>
+                  </a:schemeClr>
+                </a:solidFill>
+                <a:latin typeface="微软雅黑 Light" panose="020B0502040204020203" pitchFamily="34" charset="-122"/>
+                <a:ea typeface="微软雅黑 Light" panose="020B0502040204020203" pitchFamily="34" charset="-122"/>
+              </a:rPr>
+              <a:t>    机构化维护和非结构化维护的区别？？</a:t>
+            </a:r>
+          </a:p>
+        </p:txBody>
+      </p:sp>
+    </p:spTree>
+    <p:extLst>
+      <p:ext uri="{BB962C8B-B14F-4D97-AF65-F5344CB8AC3E}">
+        <p14:creationId xmlns:p14="http://schemas.microsoft.com/office/powerpoint/2010/main" val="1474464335"/>
+      </p:ext>
+    </p:extLst>
+  </p:cSld>
+  <p:clrMapOvr>
+    <a:masterClrMapping/>
+  </p:clrMapOvr>
+  <p:timing>
+    <p:tnLst>
+      <p:par>
+        <p:cTn id="1" dur="indefinite" restart="never" nodeType="tmRoot">
+          <p:childTnLst>
+            <p:seq concurrent="1" nextAc="seek">
+              <p:cTn id="2" dur="indefinite" nodeType="mainSeq">
+                <p:childTnLst>
+                  <p:par>
+                    <p:cTn id="3" fill="hold">
+                      <p:stCondLst>
+                        <p:cond delay="indefinite"/>
+                        <p:cond evt="onBegin" delay="0">
+                          <p:tn val="2"/>
+                        </p:cond>
+                      </p:stCondLst>
+                      <p:childTnLst>
+                        <p:par>
+                          <p:cTn id="4" fill="hold">
+                            <p:stCondLst>
+                              <p:cond delay="0"/>
+                            </p:stCondLst>
+                            <p:childTnLst>
+                              <p:par>
+                                <p:cTn id="5" presetID="10" presetClass="entr" presetSubtype="0" fill="hold" grpId="0" nodeType="withEffect">
+                                  <p:stCondLst>
+                                    <p:cond delay="300"/>
+                                  </p:stCondLst>
+                                  <p:childTnLst>
+                                    <p:set>
+                                      <p:cBhvr>
+                                        <p:cTn id="6" dur="1" fill="hold">
+                                          <p:stCondLst>
+                                            <p:cond delay="0"/>
+                                          </p:stCondLst>
+                                        </p:cTn>
+                                        <p:tgtEl>
+                                          <p:spTgt spid="2"/>
+                                        </p:tgtEl>
+                                        <p:attrNameLst>
+                                          <p:attrName>style.visibility</p:attrName>
+                                        </p:attrNameLst>
+                                      </p:cBhvr>
+                                      <p:to>
+                                        <p:strVal val="visible"/>
+                                      </p:to>
+                                    </p:set>
+                                    <p:animEffect transition="in" filter="fade">
+                                      <p:cBhvr>
+                                        <p:cTn id="7" dur="500"/>
+                                        <p:tgtEl>
+                                          <p:spTgt spid="2"/>
+                                        </p:tgtEl>
+                                      </p:cBhvr>
+                                    </p:animEffect>
+                                  </p:childTnLst>
+                                </p:cTn>
+                              </p:par>
+                              <p:par>
+                                <p:cTn id="8" presetID="10" presetClass="entr" presetSubtype="0" fill="hold" grpId="0" nodeType="withEffect">
+                                  <p:stCondLst>
+                                    <p:cond delay="600"/>
+                                  </p:stCondLst>
+                                  <p:childTnLst>
+                                    <p:set>
+                                      <p:cBhvr>
+                                        <p:cTn id="9" dur="1" fill="hold">
+                                          <p:stCondLst>
+                                            <p:cond delay="0"/>
+                                          </p:stCondLst>
+                                        </p:cTn>
+                                        <p:tgtEl>
+                                          <p:spTgt spid="3"/>
+                                        </p:tgtEl>
+                                        <p:attrNameLst>
+                                          <p:attrName>style.visibility</p:attrName>
+                                        </p:attrNameLst>
+                                      </p:cBhvr>
+                                      <p:to>
+                                        <p:strVal val="visible"/>
+                                      </p:to>
+                                    </p:set>
+                                    <p:animEffect transition="in" filter="fade">
+                                      <p:cBhvr>
+                                        <p:cTn id="10" dur="500"/>
+                                        <p:tgtEl>
+                                          <p:spTgt spid="3"/>
+                                        </p:tgtEl>
+                                      </p:cBhvr>
+                                    </p:animEffect>
+                                  </p:childTnLst>
+                                </p:cTn>
+                              </p:par>
+                              <p:par>
+                                <p:cTn id="11" presetID="10" presetClass="entr" presetSubtype="0" fill="hold" grpId="0" nodeType="withEffect">
+                                  <p:stCondLst>
+                                    <p:cond delay="1800"/>
+                                  </p:stCondLst>
+                                  <p:childTnLst>
+                                    <p:set>
+                                      <p:cBhvr>
+                                        <p:cTn id="12" dur="1" fill="hold">
+                                          <p:stCondLst>
+                                            <p:cond delay="0"/>
+                                          </p:stCondLst>
+                                        </p:cTn>
+                                        <p:tgtEl>
+                                          <p:spTgt spid="4"/>
+                                        </p:tgtEl>
+                                        <p:attrNameLst>
+                                          <p:attrName>style.visibility</p:attrName>
+                                        </p:attrNameLst>
+                                      </p:cBhvr>
+                                      <p:to>
+                                        <p:strVal val="visible"/>
+                                      </p:to>
+                                    </p:set>
+                                    <p:animEffect transition="in" filter="fade">
+                                      <p:cBhvr>
+                                        <p:cTn id="13" dur="500"/>
+                                        <p:tgtEl>
+                                          <p:spTgt spid="4"/>
+                                        </p:tgtEl>
+                                      </p:cBhvr>
+                                    </p:animEffect>
+                                  </p:childTnLst>
+                                </p:cTn>
+                              </p:par>
+                              <p:par>
+                                <p:cTn id="14" presetID="10" presetClass="entr" presetSubtype="0" fill="hold" grpId="0" nodeType="withEffect">
+                                  <p:stCondLst>
+                                    <p:cond delay="900"/>
+                                  </p:stCondLst>
+                                  <p:childTnLst>
+                                    <p:set>
+                                      <p:cBhvr>
+                                        <p:cTn id="15" dur="1" fill="hold">
+                                          <p:stCondLst>
+                                            <p:cond delay="0"/>
+                                          </p:stCondLst>
+                                        </p:cTn>
+                                        <p:tgtEl>
+                                          <p:spTgt spid="5"/>
+                                        </p:tgtEl>
+                                        <p:attrNameLst>
+                                          <p:attrName>style.visibility</p:attrName>
+                                        </p:attrNameLst>
+                                      </p:cBhvr>
+                                      <p:to>
+                                        <p:strVal val="visible"/>
+                                      </p:to>
+                                    </p:set>
+                                    <p:animEffect transition="in" filter="fade">
+                                      <p:cBhvr>
+                                        <p:cTn id="16" dur="500"/>
+                                        <p:tgtEl>
+                                          <p:spTgt spid="5"/>
+                                        </p:tgtEl>
+                                      </p:cBhvr>
+                                    </p:animEffect>
+                                  </p:childTnLst>
+                                </p:cTn>
+                              </p:par>
+                            </p:childTnLst>
+                          </p:cTn>
+                        </p:par>
+                      </p:childTnLst>
+                    </p:cTn>
+                  </p:par>
+                </p:childTnLst>
+              </p:cTn>
+              <p:prevCondLst>
+                <p:cond evt="onPrev" delay="0">
+                  <p:tgtEl>
+                    <p:sldTgt/>
+                  </p:tgtEl>
+                </p:cond>
+              </p:prevCondLst>
+              <p:nextCondLst>
+                <p:cond evt="onNext" delay="0">
+                  <p:tgtEl>
+                    <p:sldTgt/>
+                  </p:tgtEl>
+                </p:cond>
+              </p:nextCondLst>
+            </p:seq>
+          </p:childTnLst>
+        </p:cTn>
+      </p:par>
+    </p:tnLst>
+    <p:bldLst>
+      <p:bldP spid="2" grpId="0" animBg="1" autoUpdateAnimBg="0"/>
+      <p:bldP spid="3" grpId="0" animBg="1" autoUpdateAnimBg="0"/>
+      <p:bldP spid="4" grpId="0"/>
+      <p:bldP spid="5" grpId="0"/>
+    </p:bldLst>
+  </p:timing>
+</p:sld>
+</file>
+
+<file path=ppt/slides/slide32.xml><?xml version="1.0" encoding="utf-8"?>
+<p:sld xmlns:a="http://schemas.openxmlformats.org/drawingml/2006/main" xmlns:r="http://schemas.openxmlformats.org/officeDocument/2006/relationships" xmlns:p="http://schemas.openxmlformats.org/presentationml/2006/main">
+  <p:cSld>
+    <p:spTree>
+      <p:nvGrpSpPr>
+        <p:cNvPr id="1" name=""/>
+        <p:cNvGrpSpPr/>
+        <p:nvPr/>
+      </p:nvGrpSpPr>
+      <p:grpSpPr>
+        <a:xfrm>
+          <a:off x="0" y="0"/>
+          <a:ext cx="0" cy="0"/>
+          <a:chOff x="0" y="0"/>
+          <a:chExt cx="0" cy="0"/>
+        </a:xfrm>
+      </p:grpSpPr>
+      <p:sp>
+        <p:nvSpPr>
+          <p:cNvPr id="2" name="PA_淘宝店chenying0907 10">
+            <a:extLst>
+              <a:ext uri="{FF2B5EF4-FFF2-40B4-BE49-F238E27FC236}">
+                <a16:creationId xmlns:a16="http://schemas.microsoft.com/office/drawing/2014/main" id="{3DD0BFFE-4F5B-40E4-8783-9278FF860E29}"/>
+              </a:ext>
+            </a:extLst>
+          </p:cNvPr>
+          <p:cNvSpPr>
+            <a:spLocks noChangeArrowheads="1"/>
+          </p:cNvSpPr>
+          <p:nvPr>
+            <p:custDataLst>
+              <p:tags r:id="rId1"/>
+            </p:custDataLst>
+          </p:nvPr>
+        </p:nvSpPr>
+        <p:spPr bwMode="auto">
+          <a:xfrm>
+            <a:off x="992938" y="915566"/>
+            <a:ext cx="2087562" cy="3097931"/>
+          </a:xfrm>
+          <a:prstGeom prst="rect">
+            <a:avLst/>
+          </a:prstGeom>
+          <a:solidFill>
+            <a:schemeClr val="accent4">
+              <a:alpha val="89999"/>
+            </a:schemeClr>
+          </a:solidFill>
+          <a:ln>
+            <a:noFill/>
+          </a:ln>
+          <a:effectLst/>
+        </p:spPr>
+        <p:txBody>
+          <a:bodyPr wrap="none" anchor="ctr"/>
+          <a:lstStyle/>
+          <a:p>
+            <a:endParaRPr lang="zh-CN" altLang="en-US"/>
+          </a:p>
+        </p:txBody>
+      </p:sp>
+      <p:sp>
+        <p:nvSpPr>
+          <p:cNvPr id="3" name="PA_文本框 11">
+            <a:extLst>
+              <a:ext uri="{FF2B5EF4-FFF2-40B4-BE49-F238E27FC236}">
+                <a16:creationId xmlns:a16="http://schemas.microsoft.com/office/drawing/2014/main" id="{13DBC5FC-F3C1-48B0-9368-5998321616A4}"/>
+              </a:ext>
+            </a:extLst>
+          </p:cNvPr>
+          <p:cNvSpPr txBox="1">
+            <a:spLocks noChangeArrowheads="1"/>
+          </p:cNvSpPr>
+          <p:nvPr>
+            <p:custDataLst>
+              <p:tags r:id="rId2"/>
+            </p:custDataLst>
+          </p:nvPr>
+        </p:nvSpPr>
+        <p:spPr bwMode="auto">
+          <a:xfrm>
+            <a:off x="1098975" y="2146303"/>
+            <a:ext cx="2092324" cy="636456"/>
+          </a:xfrm>
+          <a:prstGeom prst="rect">
+            <a:avLst/>
+          </a:prstGeom>
+          <a:noFill/>
+          <a:ln>
+            <a:noFill/>
+          </a:ln>
+          <a:effectLst/>
+          <a:extLst>
+            <a:ext uri="{909E8E84-426E-40DD-AFC4-6F175D3DCCD1}">
+              <a14:hiddenFill xmlns:a14="http://schemas.microsoft.com/office/drawing/2010/main">
+                <a:solidFill>
+                  <a:schemeClr val="accent1"/>
+                </a:solidFill>
+              </a14:hiddenFill>
+            </a:ext>
+            <a:ext uri="{91240B29-F687-4F45-9708-019B960494DF}">
+              <a14:hiddenLine xmlns:a14="http://schemas.microsoft.com/office/drawing/2010/main" w="9525">
+                <a:solidFill>
+                  <a:srgbClr val="000000"/>
+                </a:solidFill>
+                <a:miter lim="800000"/>
+                <a:headEnd/>
+                <a:tailEnd/>
+              </a14:hiddenLine>
+            </a:ext>
+            <a:ext uri="{AF507438-7753-43E0-B8FC-AC1667EBCBE1}">
+              <a14:hiddenEffects xmlns:a14="http://schemas.microsoft.com/office/drawing/2010/main">
+                <a:effectLst>
+                  <a:outerShdw dist="35921" dir="2700000" algn="ctr" rotWithShape="0">
+                    <a:schemeClr val="bg2"/>
+                  </a:outerShdw>
+                </a:effectLst>
+              </a14:hiddenEffects>
+            </a:ext>
+          </a:extLst>
+        </p:spPr>
+        <p:txBody>
+          <a:bodyPr wrap="square">
+            <a:spAutoFit/>
+          </a:bodyPr>
+          <a:lstStyle/>
+          <a:p>
+            <a:pPr algn="ctr">
+              <a:lnSpc>
+                <a:spcPct val="120000"/>
+              </a:lnSpc>
+            </a:pPr>
+            <a:r>
+              <a:rPr lang="zh-CN" altLang="en-US" sz="3200" dirty="0">
+                <a:solidFill>
+                  <a:schemeClr val="bg1"/>
+                </a:solidFill>
+                <a:latin typeface="微软雅黑 Light" panose="020B0502040204020203" pitchFamily="34" charset="-122"/>
+                <a:ea typeface="微软雅黑 Light" panose="020B0502040204020203" pitchFamily="34" charset="-122"/>
+              </a:rPr>
+              <a:t>答案：</a:t>
+            </a:r>
+            <a:endParaRPr lang="zh-CN" altLang="zh-CN" sz="3200" dirty="0">
+              <a:solidFill>
+                <a:schemeClr val="bg1"/>
+              </a:solidFill>
+              <a:latin typeface="微软雅黑 Light" panose="020B0502040204020203" pitchFamily="34" charset="-122"/>
+              <a:ea typeface="微软雅黑 Light" panose="020B0502040204020203" pitchFamily="34" charset="-122"/>
+            </a:endParaRPr>
+          </a:p>
+        </p:txBody>
+      </p:sp>
+      <p:sp>
+        <p:nvSpPr>
+          <p:cNvPr id="4" name="PA_淘宝店chenying0907 12">
+            <a:extLst>
+              <a:ext uri="{FF2B5EF4-FFF2-40B4-BE49-F238E27FC236}">
+                <a16:creationId xmlns:a16="http://schemas.microsoft.com/office/drawing/2014/main" id="{F68612F5-C27E-4714-B1F3-BA9346F4F738}"/>
+              </a:ext>
+            </a:extLst>
+          </p:cNvPr>
+          <p:cNvSpPr>
+            <a:spLocks noChangeArrowheads="1"/>
+          </p:cNvSpPr>
+          <p:nvPr>
+            <p:custDataLst>
+              <p:tags r:id="rId3"/>
+            </p:custDataLst>
+          </p:nvPr>
+        </p:nvSpPr>
+        <p:spPr bwMode="auto">
+          <a:xfrm>
+            <a:off x="3563888" y="675420"/>
+            <a:ext cx="4896544" cy="1477328"/>
+          </a:xfrm>
+          <a:prstGeom prst="rect">
+            <a:avLst/>
+          </a:prstGeom>
+          <a:noFill/>
+          <a:ln>
+            <a:noFill/>
+          </a:ln>
+          <a:extLst>
+            <a:ext uri="{909E8E84-426E-40DD-AFC4-6F175D3DCCD1}">
+              <a14:hiddenFill xmlns:a14="http://schemas.microsoft.com/office/drawing/2010/main">
+                <a:solidFill>
+                  <a:srgbClr val="FFFFFF"/>
+                </a:solidFill>
+              </a14:hiddenFill>
+            </a:ext>
+            <a:ext uri="{91240B29-F687-4F45-9708-019B960494DF}">
+              <a14:hiddenLine xmlns:a14="http://schemas.microsoft.com/office/drawing/2010/main" w="9525">
+                <a:solidFill>
+                  <a:srgbClr val="000000"/>
+                </a:solidFill>
+                <a:miter lim="800000"/>
+                <a:headEnd/>
+                <a:tailEnd/>
+              </a14:hiddenLine>
+            </a:ext>
+          </a:extLst>
+        </p:spPr>
+        <p:txBody>
+          <a:bodyPr wrap="square" lIns="0" tIns="0" rIns="0" bIns="0">
+            <a:spAutoFit/>
+          </a:bodyPr>
+          <a:lstStyle/>
+          <a:p>
+            <a:pPr>
+              <a:buFont typeface="Arial" pitchFamily="34" charset="0"/>
+              <a:buNone/>
+            </a:pPr>
+            <a:r>
+              <a:rPr lang="zh-CN" altLang="en-US" sz="3200" dirty="0"/>
+              <a:t>非结构化维护：软件配置的唯一成分是程序代码，无程序内部文档</a:t>
+            </a:r>
+          </a:p>
+        </p:txBody>
+      </p:sp>
+      <p:sp>
+        <p:nvSpPr>
+          <p:cNvPr id="5" name="PA_淘宝店chenying0907 12">
+            <a:extLst>
+              <a:ext uri="{FF2B5EF4-FFF2-40B4-BE49-F238E27FC236}">
+                <a16:creationId xmlns:a16="http://schemas.microsoft.com/office/drawing/2014/main" id="{32647442-C93E-4489-9A30-A45AE22DB9F8}"/>
+              </a:ext>
+            </a:extLst>
+          </p:cNvPr>
+          <p:cNvSpPr>
+            <a:spLocks noChangeArrowheads="1"/>
+          </p:cNvSpPr>
+          <p:nvPr>
+            <p:custDataLst>
+              <p:tags r:id="rId4"/>
+            </p:custDataLst>
+          </p:nvPr>
+        </p:nvSpPr>
+        <p:spPr bwMode="auto">
+          <a:xfrm>
+            <a:off x="3563888" y="2435095"/>
+            <a:ext cx="4896544" cy="1477328"/>
+          </a:xfrm>
+          <a:prstGeom prst="rect">
+            <a:avLst/>
+          </a:prstGeom>
+          <a:noFill/>
+          <a:ln>
+            <a:noFill/>
+          </a:ln>
+          <a:extLst>
+            <a:ext uri="{909E8E84-426E-40DD-AFC4-6F175D3DCCD1}">
+              <a14:hiddenFill xmlns:a14="http://schemas.microsoft.com/office/drawing/2010/main">
+                <a:solidFill>
+                  <a:srgbClr val="FFFFFF"/>
+                </a:solidFill>
+              </a14:hiddenFill>
+            </a:ext>
+            <a:ext uri="{91240B29-F687-4F45-9708-019B960494DF}">
+              <a14:hiddenLine xmlns:a14="http://schemas.microsoft.com/office/drawing/2010/main" w="9525">
+                <a:solidFill>
+                  <a:srgbClr val="000000"/>
+                </a:solidFill>
+                <a:miter lim="800000"/>
+                <a:headEnd/>
+                <a:tailEnd/>
+              </a14:hiddenLine>
+            </a:ext>
+          </a:extLst>
+        </p:spPr>
+        <p:txBody>
+          <a:bodyPr wrap="square" lIns="0" tIns="0" rIns="0" bIns="0">
+            <a:spAutoFit/>
+          </a:bodyPr>
+          <a:lstStyle/>
+          <a:p>
+            <a:pPr>
+              <a:buFont typeface="Arial" pitchFamily="34" charset="0"/>
+              <a:buNone/>
+            </a:pPr>
+            <a:r>
+              <a:rPr lang="zh-CN" altLang="en-US" sz="3200" dirty="0"/>
+              <a:t>结构化维护：有一个完整的软件配置，保证每一部分的程序内部文档。</a:t>
+            </a:r>
+          </a:p>
+        </p:txBody>
+      </p:sp>
+    </p:spTree>
+    <p:extLst>
+      <p:ext uri="{BB962C8B-B14F-4D97-AF65-F5344CB8AC3E}">
+        <p14:creationId xmlns:p14="http://schemas.microsoft.com/office/powerpoint/2010/main" val="341721182"/>
+      </p:ext>
+    </p:extLst>
+  </p:cSld>
+  <p:clrMapOvr>
+    <a:masterClrMapping/>
+  </p:clrMapOvr>
+  <p:timing>
+    <p:tnLst>
+      <p:par>
+        <p:cTn id="1" dur="indefinite" restart="never" nodeType="tmRoot">
+          <p:childTnLst>
+            <p:seq concurrent="1" nextAc="seek">
+              <p:cTn id="2" dur="indefinite" nodeType="mainSeq">
+                <p:childTnLst>
+                  <p:par>
+                    <p:cTn id="3" fill="hold">
+                      <p:stCondLst>
+                        <p:cond delay="indefinite"/>
+                        <p:cond evt="onBegin" delay="0">
+                          <p:tn val="2"/>
+                        </p:cond>
+                      </p:stCondLst>
+                      <p:childTnLst>
+                        <p:par>
+                          <p:cTn id="4" fill="hold">
+                            <p:stCondLst>
+                              <p:cond delay="0"/>
+                            </p:stCondLst>
+                            <p:childTnLst>
+                              <p:par>
+                                <p:cTn id="5" presetID="10" presetClass="entr" presetSubtype="0" fill="hold" grpId="0" nodeType="withEffect">
+                                  <p:stCondLst>
+                                    <p:cond delay="300"/>
+                                  </p:stCondLst>
+                                  <p:childTnLst>
+                                    <p:set>
+                                      <p:cBhvr>
+                                        <p:cTn id="6" dur="1" fill="hold">
+                                          <p:stCondLst>
+                                            <p:cond delay="0"/>
+                                          </p:stCondLst>
+                                        </p:cTn>
+                                        <p:tgtEl>
+                                          <p:spTgt spid="2"/>
+                                        </p:tgtEl>
+                                        <p:attrNameLst>
+                                          <p:attrName>style.visibility</p:attrName>
+                                        </p:attrNameLst>
+                                      </p:cBhvr>
+                                      <p:to>
+                                        <p:strVal val="visible"/>
+                                      </p:to>
+                                    </p:set>
+                                    <p:animEffect transition="in" filter="fade">
+                                      <p:cBhvr>
+                                        <p:cTn id="7" dur="500"/>
+                                        <p:tgtEl>
+                                          <p:spTgt spid="2"/>
+                                        </p:tgtEl>
+                                      </p:cBhvr>
+                                    </p:animEffect>
+                                  </p:childTnLst>
+                                </p:cTn>
+                              </p:par>
+                              <p:par>
+                                <p:cTn id="8" presetID="10" presetClass="entr" presetSubtype="0" fill="hold" grpId="0" nodeType="withEffect">
+                                  <p:stCondLst>
+                                    <p:cond delay="600"/>
+                                  </p:stCondLst>
+                                  <p:childTnLst>
+                                    <p:set>
+                                      <p:cBhvr>
+                                        <p:cTn id="9" dur="1" fill="hold">
+                                          <p:stCondLst>
+                                            <p:cond delay="0"/>
+                                          </p:stCondLst>
+                                        </p:cTn>
+                                        <p:tgtEl>
+                                          <p:spTgt spid="3"/>
+                                        </p:tgtEl>
+                                        <p:attrNameLst>
+                                          <p:attrName>style.visibility</p:attrName>
+                                        </p:attrNameLst>
+                                      </p:cBhvr>
+                                      <p:to>
+                                        <p:strVal val="visible"/>
+                                      </p:to>
+                                    </p:set>
+                                    <p:animEffect transition="in" filter="fade">
+                                      <p:cBhvr>
+                                        <p:cTn id="10" dur="500"/>
+                                        <p:tgtEl>
+                                          <p:spTgt spid="3"/>
+                                        </p:tgtEl>
+                                      </p:cBhvr>
+                                    </p:animEffect>
+                                  </p:childTnLst>
+                                </p:cTn>
+                              </p:par>
+                              <p:par>
+                                <p:cTn id="11" presetID="10" presetClass="entr" presetSubtype="0" fill="hold" grpId="0" nodeType="withEffect">
+                                  <p:stCondLst>
+                                    <p:cond delay="900"/>
+                                  </p:stCondLst>
+                                  <p:childTnLst>
+                                    <p:set>
+                                      <p:cBhvr>
+                                        <p:cTn id="12" dur="1" fill="hold">
+                                          <p:stCondLst>
+                                            <p:cond delay="0"/>
+                                          </p:stCondLst>
+                                        </p:cTn>
+                                        <p:tgtEl>
+                                          <p:spTgt spid="4"/>
+                                        </p:tgtEl>
+                                        <p:attrNameLst>
+                                          <p:attrName>style.visibility</p:attrName>
+                                        </p:attrNameLst>
+                                      </p:cBhvr>
+                                      <p:to>
+                                        <p:strVal val="visible"/>
+                                      </p:to>
+                                    </p:set>
+                                    <p:animEffect transition="in" filter="fade">
+                                      <p:cBhvr>
+                                        <p:cTn id="13" dur="500"/>
+                                        <p:tgtEl>
+                                          <p:spTgt spid="4"/>
+                                        </p:tgtEl>
+                                      </p:cBhvr>
+                                    </p:animEffect>
+                                  </p:childTnLst>
+                                </p:cTn>
+                              </p:par>
+                              <p:par>
+                                <p:cTn id="14" presetID="10" presetClass="entr" presetSubtype="0" fill="hold" grpId="0" nodeType="withEffect">
+                                  <p:stCondLst>
+                                    <p:cond delay="900"/>
+                                  </p:stCondLst>
+                                  <p:childTnLst>
+                                    <p:set>
+                                      <p:cBhvr>
+                                        <p:cTn id="15" dur="1" fill="hold">
+                                          <p:stCondLst>
+                                            <p:cond delay="0"/>
+                                          </p:stCondLst>
+                                        </p:cTn>
+                                        <p:tgtEl>
+                                          <p:spTgt spid="5"/>
+                                        </p:tgtEl>
+                                        <p:attrNameLst>
+                                          <p:attrName>style.visibility</p:attrName>
+                                        </p:attrNameLst>
+                                      </p:cBhvr>
+                                      <p:to>
+                                        <p:strVal val="visible"/>
+                                      </p:to>
+                                    </p:set>
+                                    <p:animEffect transition="in" filter="fade">
+                                      <p:cBhvr>
+                                        <p:cTn id="16" dur="500"/>
+                                        <p:tgtEl>
+                                          <p:spTgt spid="5"/>
+                                        </p:tgtEl>
+                                      </p:cBhvr>
+                                    </p:animEffect>
+                                  </p:childTnLst>
+                                </p:cTn>
+                              </p:par>
+                            </p:childTnLst>
+                          </p:cTn>
+                        </p:par>
+                      </p:childTnLst>
+                    </p:cTn>
+                  </p:par>
+                </p:childTnLst>
+              </p:cTn>
+              <p:prevCondLst>
+                <p:cond evt="onPrev" delay="0">
+                  <p:tgtEl>
+                    <p:sldTgt/>
+                  </p:tgtEl>
+                </p:cond>
+              </p:prevCondLst>
+              <p:nextCondLst>
+                <p:cond evt="onNext" delay="0">
+                  <p:tgtEl>
+                    <p:sldTgt/>
+                  </p:tgtEl>
+                </p:cond>
+              </p:nextCondLst>
+            </p:seq>
+          </p:childTnLst>
+        </p:cTn>
+      </p:par>
+    </p:tnLst>
+    <p:bldLst>
+      <p:bldP spid="2" grpId="0" animBg="1" autoUpdateAnimBg="0"/>
+      <p:bldP spid="3" grpId="0" animBg="1" autoUpdateAnimBg="0"/>
+      <p:bldP spid="4" grpId="0"/>
+      <p:bldP spid="5" grpId="0"/>
+    </p:bldLst>
+  </p:timing>
+</p:sld>
+</file>
+
+<file path=ppt/slides/slide33.xml><?xml version="1.0" encoding="utf-8"?>
+<p:sld xmlns:a="http://schemas.openxmlformats.org/drawingml/2006/main" xmlns:r="http://schemas.openxmlformats.org/officeDocument/2006/relationships" xmlns:p="http://schemas.openxmlformats.org/presentationml/2006/main">
+  <p:cSld>
+    <p:spTree>
+      <p:nvGrpSpPr>
+        <p:cNvPr id="1" name=""/>
+        <p:cNvGrpSpPr/>
+        <p:nvPr/>
+      </p:nvGrpSpPr>
+      <p:grpSpPr>
+        <a:xfrm>
+          <a:off x="0" y="0"/>
+          <a:ext cx="0" cy="0"/>
+          <a:chOff x="0" y="0"/>
+          <a:chExt cx="0" cy="0"/>
+        </a:xfrm>
+      </p:grpSpPr>
+      <p:sp>
+        <p:nvSpPr>
+          <p:cNvPr id="10250" name="PA_淘宝店chenying0907 10"/>
+          <p:cNvSpPr>
+            <a:spLocks noChangeArrowheads="1"/>
+          </p:cNvSpPr>
+          <p:nvPr>
+            <p:custDataLst>
+              <p:tags r:id="rId1"/>
+            </p:custDataLst>
+          </p:nvPr>
+        </p:nvSpPr>
+        <p:spPr bwMode="auto">
+          <a:xfrm>
+            <a:off x="1116013" y="1274019"/>
+            <a:ext cx="2087562" cy="3097931"/>
+          </a:xfrm>
+          <a:prstGeom prst="rect">
+            <a:avLst/>
+          </a:prstGeom>
+          <a:solidFill>
+            <a:schemeClr val="accent4">
+              <a:alpha val="89999"/>
+            </a:schemeClr>
+          </a:solidFill>
+          <a:ln>
+            <a:noFill/>
+          </a:ln>
+          <a:effectLst/>
+        </p:spPr>
+        <p:txBody>
+          <a:bodyPr wrap="none" anchor="ctr"/>
+          <a:lstStyle/>
+          <a:p>
+            <a:endParaRPr lang="zh-CN" altLang="en-US"/>
+          </a:p>
+        </p:txBody>
+      </p:sp>
+      <p:sp>
+        <p:nvSpPr>
+          <p:cNvPr id="10251" name="PA_文本框 11"/>
+          <p:cNvSpPr txBox="1">
+            <a:spLocks noChangeArrowheads="1"/>
+          </p:cNvSpPr>
+          <p:nvPr>
+            <p:custDataLst>
+              <p:tags r:id="rId2"/>
+            </p:custDataLst>
+          </p:nvPr>
+        </p:nvSpPr>
+        <p:spPr bwMode="auto">
+          <a:xfrm>
+            <a:off x="1234253" y="2504756"/>
+            <a:ext cx="2092324" cy="636456"/>
+          </a:xfrm>
+          <a:prstGeom prst="rect">
+            <a:avLst/>
+          </a:prstGeom>
+          <a:noFill/>
+          <a:ln>
+            <a:noFill/>
+          </a:ln>
+          <a:effectLst/>
+          <a:extLst>
+            <a:ext uri="{909E8E84-426E-40DD-AFC4-6F175D3DCCD1}">
+              <a14:hiddenFill xmlns:a14="http://schemas.microsoft.com/office/drawing/2010/main">
+                <a:solidFill>
+                  <a:schemeClr val="accent1"/>
+                </a:solidFill>
+              </a14:hiddenFill>
+            </a:ext>
+            <a:ext uri="{91240B29-F687-4F45-9708-019B960494DF}">
+              <a14:hiddenLine xmlns:a14="http://schemas.microsoft.com/office/drawing/2010/main" w="9525">
+                <a:solidFill>
+                  <a:srgbClr val="000000"/>
+                </a:solidFill>
+                <a:miter lim="800000"/>
+                <a:headEnd/>
+                <a:tailEnd/>
+              </a14:hiddenLine>
+            </a:ext>
+            <a:ext uri="{AF507438-7753-43E0-B8FC-AC1667EBCBE1}">
+              <a14:hiddenEffects xmlns:a14="http://schemas.microsoft.com/office/drawing/2010/main">
+                <a:effectLst>
+                  <a:outerShdw dist="35921" dir="2700000" algn="ctr" rotWithShape="0">
+                    <a:schemeClr val="bg2"/>
+                  </a:outerShdw>
+                </a:effectLst>
+              </a14:hiddenEffects>
+            </a:ext>
+          </a:extLst>
+        </p:spPr>
+        <p:txBody>
+          <a:bodyPr wrap="square">
+            <a:spAutoFit/>
+          </a:bodyPr>
+          <a:lstStyle/>
+          <a:p>
+            <a:pPr algn="ctr">
+              <a:lnSpc>
+                <a:spcPct val="120000"/>
+              </a:lnSpc>
+            </a:pPr>
+            <a:r>
+              <a:rPr lang="zh-CN" altLang="en-US" sz="3200" dirty="0">
+                <a:solidFill>
+                  <a:schemeClr val="bg1"/>
+                </a:solidFill>
+                <a:latin typeface="微软雅黑 Light" panose="020B0502040204020203" pitchFamily="34" charset="-122"/>
+                <a:ea typeface="微软雅黑 Light" panose="020B0502040204020203" pitchFamily="34" charset="-122"/>
+              </a:rPr>
+              <a:t>问题：</a:t>
+            </a:r>
+            <a:endParaRPr lang="zh-CN" altLang="zh-CN" sz="3200" dirty="0">
+              <a:solidFill>
+                <a:schemeClr val="bg1"/>
+              </a:solidFill>
+              <a:latin typeface="微软雅黑 Light" panose="020B0502040204020203" pitchFamily="34" charset="-122"/>
+              <a:ea typeface="微软雅黑 Light" panose="020B0502040204020203" pitchFamily="34" charset="-122"/>
+            </a:endParaRPr>
+          </a:p>
+        </p:txBody>
+      </p:sp>
+      <p:grpSp>
+        <p:nvGrpSpPr>
+          <p:cNvPr id="25" name="PA_淘宝店chenying0907 24"/>
+          <p:cNvGrpSpPr/>
+          <p:nvPr>
+            <p:custDataLst>
+              <p:tags r:id="rId3"/>
+            </p:custDataLst>
+          </p:nvPr>
+        </p:nvGrpSpPr>
+        <p:grpSpPr>
+          <a:xfrm>
+            <a:off x="-9190" y="0"/>
+            <a:ext cx="620750" cy="791858"/>
+            <a:chOff x="0" y="-21236"/>
+            <a:chExt cx="3311527" cy="4224338"/>
+          </a:xfrm>
+        </p:grpSpPr>
+        <p:sp>
+          <p:nvSpPr>
+            <p:cNvPr id="27" name="淘宝店chenying0907 37"/>
+            <p:cNvSpPr>
+              <a:spLocks/>
+            </p:cNvSpPr>
+            <p:nvPr/>
+          </p:nvSpPr>
+          <p:spPr bwMode="auto">
+            <a:xfrm rot="5400000">
+              <a:off x="-264318" y="627258"/>
+              <a:ext cx="3840163" cy="3311525"/>
+            </a:xfrm>
+            <a:custGeom>
+              <a:avLst/>
+              <a:gdLst>
+                <a:gd name="T0" fmla="*/ 0 w 2419"/>
+                <a:gd name="T1" fmla="*/ 0 h 2086"/>
+                <a:gd name="T2" fmla="*/ 753 w 2419"/>
+                <a:gd name="T3" fmla="*/ 2008 h 2086"/>
+                <a:gd name="T4" fmla="*/ 1228 w 2419"/>
+                <a:gd name="T5" fmla="*/ 2086 h 2086"/>
+                <a:gd name="T6" fmla="*/ 2419 w 2419"/>
+                <a:gd name="T7" fmla="*/ 2086 h 2086"/>
+                <a:gd name="T8" fmla="*/ 0 w 2419"/>
+                <a:gd name="T9" fmla="*/ 0 h 2086"/>
+              </a:gdLst>
+              <a:ahLst/>
+              <a:cxnLst>
+                <a:cxn ang="0">
+                  <a:pos x="T0" y="T1"/>
+                </a:cxn>
+                <a:cxn ang="0">
+                  <a:pos x="T2" y="T3"/>
+                </a:cxn>
+                <a:cxn ang="0">
+                  <a:pos x="T4" y="T5"/>
+                </a:cxn>
+                <a:cxn ang="0">
+                  <a:pos x="T6" y="T7"/>
+                </a:cxn>
+                <a:cxn ang="0">
+                  <a:pos x="T8" y="T9"/>
+                </a:cxn>
+              </a:cxnLst>
+              <a:rect l="0" t="0" r="r" b="b"/>
+              <a:pathLst>
+                <a:path w="2419" h="2086">
+                  <a:moveTo>
+                    <a:pt x="0" y="0"/>
+                  </a:moveTo>
+                  <a:lnTo>
+                    <a:pt x="753" y="2008"/>
+                  </a:lnTo>
+                  <a:lnTo>
+                    <a:pt x="1228" y="2086"/>
+                  </a:lnTo>
+                  <a:lnTo>
+                    <a:pt x="2419" y="2086"/>
+                  </a:lnTo>
+                  <a:lnTo>
+                    <a:pt x="0" y="0"/>
+                  </a:lnTo>
+                  <a:close/>
+                </a:path>
+              </a:pathLst>
+            </a:custGeom>
+            <a:solidFill>
+              <a:schemeClr val="accent2"/>
+            </a:solidFill>
+            <a:ln>
+              <a:noFill/>
+            </a:ln>
+            <a:extLst>
+              <a:ext uri="{91240B29-F687-4F45-9708-019B960494DF}">
+                <a14:hiddenLine xmlns:a14="http://schemas.microsoft.com/office/drawing/2010/main" w="9525">
+                  <a:solidFill>
+                    <a:srgbClr val="000000"/>
+                  </a:solidFill>
+                  <a:round/>
+                  <a:headEnd/>
+                  <a:tailEnd/>
+                </a14:hiddenLine>
+              </a:ext>
+            </a:extLst>
+          </p:spPr>
+          <p:txBody>
+            <a:bodyPr vert="horz" wrap="square" lIns="91440" tIns="45720" rIns="91440" bIns="45720" numCol="1" anchor="t" anchorCtr="0" compatLnSpc="1">
+              <a:prstTxWarp prst="textNoShape">
+                <a:avLst/>
+              </a:prstTxWarp>
+            </a:bodyPr>
+            <a:lstStyle/>
+            <a:p>
+              <a:endParaRPr lang="zh-CN" altLang="en-US"/>
+            </a:p>
+          </p:txBody>
+        </p:sp>
+        <p:sp>
+          <p:nvSpPr>
+            <p:cNvPr id="28" name="淘宝店chenying0907 38"/>
+            <p:cNvSpPr>
+              <a:spLocks/>
+            </p:cNvSpPr>
+            <p:nvPr/>
+          </p:nvSpPr>
+          <p:spPr bwMode="auto">
+            <a:xfrm rot="5400000">
+              <a:off x="927895" y="-825304"/>
+              <a:ext cx="1579563" cy="3187700"/>
+            </a:xfrm>
+            <a:custGeom>
+              <a:avLst/>
+              <a:gdLst>
+                <a:gd name="T0" fmla="*/ 242 w 995"/>
+                <a:gd name="T1" fmla="*/ 0 h 2008"/>
+                <a:gd name="T2" fmla="*/ 0 w 995"/>
+                <a:gd name="T3" fmla="*/ 305 h 2008"/>
+                <a:gd name="T4" fmla="*/ 0 w 995"/>
+                <a:gd name="T5" fmla="*/ 1845 h 2008"/>
+                <a:gd name="T6" fmla="*/ 995 w 995"/>
+                <a:gd name="T7" fmla="*/ 2008 h 2008"/>
+                <a:gd name="T8" fmla="*/ 242 w 995"/>
+                <a:gd name="T9" fmla="*/ 0 h 2008"/>
+              </a:gdLst>
+              <a:ahLst/>
+              <a:cxnLst>
+                <a:cxn ang="0">
+                  <a:pos x="T0" y="T1"/>
+                </a:cxn>
+                <a:cxn ang="0">
+                  <a:pos x="T2" y="T3"/>
+                </a:cxn>
+                <a:cxn ang="0">
+                  <a:pos x="T4" y="T5"/>
+                </a:cxn>
+                <a:cxn ang="0">
+                  <a:pos x="T6" y="T7"/>
+                </a:cxn>
+                <a:cxn ang="0">
+                  <a:pos x="T8" y="T9"/>
+                </a:cxn>
+              </a:cxnLst>
+              <a:rect l="0" t="0" r="r" b="b"/>
+              <a:pathLst>
+                <a:path w="995" h="2008">
+                  <a:moveTo>
+                    <a:pt x="242" y="0"/>
+                  </a:moveTo>
+                  <a:lnTo>
+                    <a:pt x="0" y="305"/>
+                  </a:lnTo>
+                  <a:lnTo>
+                    <a:pt x="0" y="1845"/>
+                  </a:lnTo>
+                  <a:lnTo>
+                    <a:pt x="995" y="2008"/>
+                  </a:lnTo>
+                  <a:lnTo>
+                    <a:pt x="242" y="0"/>
+                  </a:lnTo>
+                  <a:close/>
+                </a:path>
+              </a:pathLst>
+            </a:custGeom>
+            <a:solidFill>
+              <a:schemeClr val="accent1"/>
+            </a:solidFill>
+            <a:ln>
+              <a:noFill/>
+            </a:ln>
+            <a:extLst>
+              <a:ext uri="{91240B29-F687-4F45-9708-019B960494DF}">
+                <a14:hiddenLine xmlns:a14="http://schemas.microsoft.com/office/drawing/2010/main" w="9525">
+                  <a:solidFill>
+                    <a:srgbClr val="000000"/>
+                  </a:solidFill>
+                  <a:round/>
+                  <a:headEnd/>
+                  <a:tailEnd/>
+                </a14:hiddenLine>
+              </a:ext>
+            </a:extLst>
+          </p:spPr>
+          <p:txBody>
+            <a:bodyPr vert="horz" wrap="square" lIns="91440" tIns="45720" rIns="91440" bIns="45720" numCol="1" anchor="t" anchorCtr="0" compatLnSpc="1">
+              <a:prstTxWarp prst="textNoShape">
+                <a:avLst/>
+              </a:prstTxWarp>
+            </a:bodyPr>
+            <a:lstStyle/>
+            <a:p>
+              <a:endParaRPr lang="zh-CN" altLang="en-US"/>
+            </a:p>
+          </p:txBody>
+        </p:sp>
+        <p:sp>
+          <p:nvSpPr>
+            <p:cNvPr id="29" name="淘宝店chenying0907 39"/>
+            <p:cNvSpPr>
+              <a:spLocks/>
+            </p:cNvSpPr>
+            <p:nvPr/>
+          </p:nvSpPr>
+          <p:spPr bwMode="auto">
+            <a:xfrm rot="5400000">
+              <a:off x="-975519" y="954283"/>
+              <a:ext cx="2333625" cy="382588"/>
+            </a:xfrm>
+            <a:custGeom>
+              <a:avLst/>
+              <a:gdLst>
+                <a:gd name="T0" fmla="*/ 0 w 1470"/>
+                <a:gd name="T1" fmla="*/ 0 h 241"/>
+                <a:gd name="T2" fmla="*/ 0 w 1470"/>
+                <a:gd name="T3" fmla="*/ 233 h 241"/>
+                <a:gd name="T4" fmla="*/ 0 w 1470"/>
+                <a:gd name="T5" fmla="*/ 241 h 241"/>
+                <a:gd name="T6" fmla="*/ 1470 w 1470"/>
+                <a:gd name="T7" fmla="*/ 241 h 241"/>
+                <a:gd name="T8" fmla="*/ 0 w 1470"/>
+                <a:gd name="T9" fmla="*/ 0 h 241"/>
+              </a:gdLst>
+              <a:ahLst/>
+              <a:cxnLst>
+                <a:cxn ang="0">
+                  <a:pos x="T0" y="T1"/>
+                </a:cxn>
+                <a:cxn ang="0">
+                  <a:pos x="T2" y="T3"/>
+                </a:cxn>
+                <a:cxn ang="0">
+                  <a:pos x="T4" y="T5"/>
+                </a:cxn>
+                <a:cxn ang="0">
+                  <a:pos x="T6" y="T7"/>
+                </a:cxn>
+                <a:cxn ang="0">
+                  <a:pos x="T8" y="T9"/>
+                </a:cxn>
+              </a:cxnLst>
+              <a:rect l="0" t="0" r="r" b="b"/>
+              <a:pathLst>
+                <a:path w="1470" h="241">
+                  <a:moveTo>
+                    <a:pt x="0" y="0"/>
+                  </a:moveTo>
+                  <a:lnTo>
+                    <a:pt x="0" y="233"/>
+                  </a:lnTo>
+                  <a:lnTo>
+                    <a:pt x="0" y="241"/>
+                  </a:lnTo>
+                  <a:lnTo>
+                    <a:pt x="1470" y="241"/>
+                  </a:lnTo>
+                  <a:lnTo>
+                    <a:pt x="0" y="0"/>
+                  </a:lnTo>
+                  <a:close/>
+                </a:path>
+              </a:pathLst>
+            </a:custGeom>
+            <a:solidFill>
+              <a:schemeClr val="accent3"/>
+            </a:solidFill>
+            <a:ln>
+              <a:noFill/>
+            </a:ln>
+            <a:extLst>
+              <a:ext uri="{91240B29-F687-4F45-9708-019B960494DF}">
+                <a14:hiddenLine xmlns:a14="http://schemas.microsoft.com/office/drawing/2010/main" w="9525">
+                  <a:solidFill>
+                    <a:srgbClr val="000000"/>
+                  </a:solidFill>
+                  <a:round/>
+                  <a:headEnd/>
+                  <a:tailEnd/>
+                </a14:hiddenLine>
+              </a:ext>
+            </a:extLst>
+          </p:spPr>
+          <p:txBody>
+            <a:bodyPr vert="horz" wrap="square" lIns="91440" tIns="45720" rIns="91440" bIns="45720" numCol="1" anchor="t" anchorCtr="0" compatLnSpc="1">
+              <a:prstTxWarp prst="textNoShape">
+                <a:avLst/>
+              </a:prstTxWarp>
+            </a:bodyPr>
+            <a:lstStyle/>
+            <a:p>
+              <a:endParaRPr lang="zh-CN" altLang="en-US"/>
+            </a:p>
+          </p:txBody>
+        </p:sp>
+      </p:grpSp>
+      <p:sp>
+        <p:nvSpPr>
+          <p:cNvPr id="30" name="PA_文本框 4"/>
+          <p:cNvSpPr txBox="1">
+            <a:spLocks noChangeArrowheads="1"/>
+          </p:cNvSpPr>
+          <p:nvPr>
+            <p:custDataLst>
+              <p:tags r:id="rId4"/>
+            </p:custDataLst>
+          </p:nvPr>
+        </p:nvSpPr>
+        <p:spPr bwMode="auto">
+          <a:xfrm>
+            <a:off x="535359" y="184337"/>
+            <a:ext cx="1127232" cy="400110"/>
+          </a:xfrm>
+          <a:prstGeom prst="rect">
+            <a:avLst/>
+          </a:prstGeom>
+          <a:noFill/>
+          <a:ln>
+            <a:noFill/>
+          </a:ln>
+          <a:effectLst/>
+          <a:extLst>
+            <a:ext uri="{909E8E84-426E-40DD-AFC4-6F175D3DCCD1}">
+              <a14:hiddenFill xmlns:a14="http://schemas.microsoft.com/office/drawing/2010/main">
+                <a:solidFill>
+                  <a:schemeClr val="accent1"/>
+                </a:solidFill>
+              </a14:hiddenFill>
+            </a:ext>
+            <a:ext uri="{91240B29-F687-4F45-9708-019B960494DF}">
+              <a14:hiddenLine xmlns:a14="http://schemas.microsoft.com/office/drawing/2010/main" w="9525">
+                <a:solidFill>
+                  <a:srgbClr val="000000"/>
+                </a:solidFill>
+                <a:miter lim="800000"/>
+                <a:headEnd/>
+                <a:tailEnd/>
+              </a14:hiddenLine>
+            </a:ext>
+            <a:ext uri="{AF507438-7753-43E0-B8FC-AC1667EBCBE1}">
+              <a14:hiddenEffects xmlns:a14="http://schemas.microsoft.com/office/drawing/2010/main">
+                <a:effectLst>
+                  <a:outerShdw dist="35921" dir="2700000" algn="ctr" rotWithShape="0">
+                    <a:schemeClr val="bg2"/>
+                  </a:outerShdw>
+                </a:effectLst>
+              </a14:hiddenEffects>
+            </a:ext>
+          </a:extLst>
+        </p:spPr>
+        <p:txBody>
+          <a:bodyPr wrap="none">
+            <a:spAutoFit/>
+          </a:bodyPr>
+          <a:lstStyle/>
+          <a:p>
+            <a:pPr>
+              <a:buFont typeface="Arial" pitchFamily="34" charset="0"/>
+              <a:buNone/>
+            </a:pPr>
+            <a:r>
+              <a:rPr lang="en-US" altLang="zh-CN" sz="2000" dirty="0">
+                <a:solidFill>
+                  <a:schemeClr val="tx1">
+                    <a:lumMod val="65000"/>
+                    <a:lumOff val="35000"/>
+                  </a:schemeClr>
+                </a:solidFill>
+                <a:latin typeface="微软雅黑 Light" panose="020B0502040204020203" pitchFamily="34" charset="-122"/>
+                <a:ea typeface="微软雅黑 Light" panose="020B0502040204020203" pitchFamily="34" charset="-122"/>
+              </a:rPr>
+              <a:t>Q&amp;A</a:t>
+            </a:r>
+            <a:r>
+              <a:rPr lang="en-US" altLang="zh-CN" sz="1100" dirty="0">
+                <a:solidFill>
+                  <a:schemeClr val="accent3"/>
+                </a:solidFill>
+                <a:latin typeface="微软雅黑 Light" panose="020B0502040204020203" pitchFamily="34" charset="-122"/>
+                <a:ea typeface="微软雅黑 Light" panose="020B0502040204020203" pitchFamily="34" charset="-122"/>
+              </a:rPr>
+              <a:t>【1】</a:t>
+            </a:r>
+          </a:p>
+        </p:txBody>
+      </p:sp>
+      <p:sp>
+        <p:nvSpPr>
+          <p:cNvPr id="10" name="PA_淘宝店chenying0907 12"/>
+          <p:cNvSpPr>
+            <a:spLocks noChangeArrowheads="1"/>
+          </p:cNvSpPr>
+          <p:nvPr>
+            <p:custDataLst>
+              <p:tags r:id="rId5"/>
+            </p:custDataLst>
+          </p:nvPr>
+        </p:nvSpPr>
+        <p:spPr bwMode="auto">
+          <a:xfrm>
+            <a:off x="3851920" y="1714988"/>
+            <a:ext cx="4896544" cy="2215991"/>
+          </a:xfrm>
+          <a:prstGeom prst="rect">
+            <a:avLst/>
+          </a:prstGeom>
+          <a:noFill/>
+          <a:ln>
+            <a:noFill/>
+          </a:ln>
+          <a:extLst>
+            <a:ext uri="{909E8E84-426E-40DD-AFC4-6F175D3DCCD1}">
+              <a14:hiddenFill xmlns:a14="http://schemas.microsoft.com/office/drawing/2010/main">
+                <a:solidFill>
+                  <a:srgbClr val="FFFFFF"/>
+                </a:solidFill>
+              </a14:hiddenFill>
+            </a:ext>
+            <a:ext uri="{91240B29-F687-4F45-9708-019B960494DF}">
+              <a14:hiddenLine xmlns:a14="http://schemas.microsoft.com/office/drawing/2010/main" w="9525">
+                <a:solidFill>
+                  <a:srgbClr val="000000"/>
+                </a:solidFill>
+                <a:miter lim="800000"/>
+                <a:headEnd/>
+                <a:tailEnd/>
+              </a14:hiddenLine>
+            </a:ext>
+          </a:extLst>
+        </p:spPr>
+        <p:txBody>
+          <a:bodyPr wrap="square" lIns="0" tIns="0" rIns="0" bIns="0">
+            <a:spAutoFit/>
+          </a:bodyPr>
+          <a:lstStyle/>
+          <a:p>
+            <a:pPr>
+              <a:buFont typeface="Arial" pitchFamily="34" charset="0"/>
+              <a:buNone/>
+            </a:pPr>
+            <a:r>
+              <a:rPr lang="zh-CN" altLang="en-US" sz="3200" dirty="0">
+                <a:solidFill>
+                  <a:schemeClr val="tx1">
+                    <a:lumMod val="65000"/>
+                    <a:lumOff val="35000"/>
+                  </a:schemeClr>
+                </a:solidFill>
+                <a:latin typeface="微软雅黑 Light" panose="020B0502040204020203" pitchFamily="34" charset="-122"/>
+                <a:ea typeface="微软雅黑 Light" panose="020B0502040204020203" pitchFamily="34" charset="-122"/>
+              </a:rPr>
+              <a:t>请问最右边倒数第二位同学：</a:t>
+            </a:r>
+            <a:endParaRPr lang="en-US" altLang="zh-CN" sz="3200" dirty="0">
+              <a:solidFill>
+                <a:schemeClr val="tx1">
+                  <a:lumMod val="65000"/>
+                  <a:lumOff val="35000"/>
+                </a:schemeClr>
+              </a:solidFill>
+              <a:latin typeface="微软雅黑 Light" panose="020B0502040204020203" pitchFamily="34" charset="-122"/>
+              <a:ea typeface="微软雅黑 Light" panose="020B0502040204020203" pitchFamily="34" charset="-122"/>
+            </a:endParaRPr>
+          </a:p>
+          <a:p>
+            <a:pPr>
+              <a:buFont typeface="Arial" pitchFamily="34" charset="0"/>
+              <a:buNone/>
+            </a:pPr>
+            <a:r>
+              <a:rPr lang="zh-CN" altLang="en-US" sz="2800" dirty="0">
+                <a:solidFill>
+                  <a:schemeClr val="bg1">
+                    <a:lumMod val="50000"/>
+                  </a:schemeClr>
+                </a:solidFill>
+                <a:latin typeface="微软雅黑 Light" panose="020B0502040204020203" pitchFamily="34" charset="-122"/>
+                <a:ea typeface="微软雅黑 Light" panose="020B0502040204020203" pitchFamily="34" charset="-122"/>
+              </a:rPr>
+              <a:t>    通过这份</a:t>
+            </a:r>
+            <a:r>
+              <a:rPr lang="en-US" altLang="zh-CN" sz="2800" dirty="0" err="1">
+                <a:solidFill>
+                  <a:schemeClr val="bg1">
+                    <a:lumMod val="50000"/>
+                  </a:schemeClr>
+                </a:solidFill>
+                <a:latin typeface="微软雅黑 Light" panose="020B0502040204020203" pitchFamily="34" charset="-122"/>
+                <a:ea typeface="微软雅黑 Light" panose="020B0502040204020203" pitchFamily="34" charset="-122"/>
+              </a:rPr>
+              <a:t>ppt</a:t>
+            </a:r>
+            <a:r>
+              <a:rPr lang="zh-CN" altLang="en-US" sz="2800" dirty="0">
+                <a:solidFill>
+                  <a:schemeClr val="bg1">
+                    <a:lumMod val="50000"/>
+                  </a:schemeClr>
+                </a:solidFill>
+                <a:latin typeface="微软雅黑 Light" panose="020B0502040204020203" pitchFamily="34" charset="-122"/>
+                <a:ea typeface="微软雅黑 Light" panose="020B0502040204020203" pitchFamily="34" charset="-122"/>
+              </a:rPr>
+              <a:t>了解到的软件维护的定义和特点中，您知道了能怎样来</a:t>
+            </a:r>
+            <a:r>
+              <a:rPr lang="zh-CN" altLang="en-US" sz="2800" u="sng" dirty="0">
+                <a:solidFill>
+                  <a:schemeClr val="accent1">
+                    <a:lumMod val="75000"/>
+                  </a:schemeClr>
+                </a:solidFill>
+                <a:latin typeface="微软雅黑 Light" panose="020B0502040204020203" pitchFamily="34" charset="-122"/>
+                <a:ea typeface="微软雅黑 Light" panose="020B0502040204020203" pitchFamily="34" charset="-122"/>
+              </a:rPr>
+              <a:t>提高软件和软件维护</a:t>
+            </a:r>
+            <a:r>
+              <a:rPr lang="zh-CN" altLang="en-US" sz="2800" dirty="0">
+                <a:solidFill>
+                  <a:schemeClr val="bg1">
+                    <a:lumMod val="50000"/>
+                  </a:schemeClr>
+                </a:solidFill>
+                <a:latin typeface="微软雅黑 Light" panose="020B0502040204020203" pitchFamily="34" charset="-122"/>
+                <a:ea typeface="微软雅黑 Light" panose="020B0502040204020203" pitchFamily="34" charset="-122"/>
+              </a:rPr>
+              <a:t>的质量？</a:t>
+            </a:r>
+          </a:p>
+        </p:txBody>
+      </p:sp>
+    </p:spTree>
+    <p:extLst>
+      <p:ext uri="{BB962C8B-B14F-4D97-AF65-F5344CB8AC3E}">
+        <p14:creationId xmlns:p14="http://schemas.microsoft.com/office/powerpoint/2010/main" val="578779556"/>
+      </p:ext>
+    </p:extLst>
+  </p:cSld>
+  <p:clrMapOvr>
+    <a:masterClrMapping/>
+  </p:clrMapOvr>
+  <p:transition spd="slow">
+    <p:wipe/>
+  </p:transition>
+  <p:timing>
+    <p:tnLst>
+      <p:par>
+        <p:cTn id="1" dur="indefinite" restart="never" nodeType="tmRoot">
+          <p:childTnLst>
+            <p:seq concurrent="1" nextAc="seek">
+              <p:cTn id="2" dur="indefinite" nodeType="mainSeq">
+                <p:childTnLst>
+                  <p:par>
+                    <p:cTn id="3" fill="hold">
+                      <p:stCondLst>
+                        <p:cond delay="indefinite"/>
+                        <p:cond evt="onBegin" delay="0">
+                          <p:tn val="2"/>
+                        </p:cond>
+                      </p:stCondLst>
+                      <p:childTnLst>
+                        <p:par>
+                          <p:cTn id="4" fill="hold">
+                            <p:stCondLst>
+                              <p:cond delay="0"/>
+                            </p:stCondLst>
+                            <p:childTnLst>
+                              <p:par>
+                                <p:cTn id="5" presetID="10" presetClass="entr" presetSubtype="0" fill="hold" grpId="0" nodeType="withEffect">
+                                  <p:stCondLst>
+                                    <p:cond delay="300"/>
+                                  </p:stCondLst>
+                                  <p:childTnLst>
+                                    <p:set>
+                                      <p:cBhvr>
+                                        <p:cTn id="6" dur="1" fill="hold">
+                                          <p:stCondLst>
+                                            <p:cond delay="0"/>
+                                          </p:stCondLst>
+                                        </p:cTn>
+                                        <p:tgtEl>
+                                          <p:spTgt spid="10250"/>
+                                        </p:tgtEl>
+                                        <p:attrNameLst>
+                                          <p:attrName>style.visibility</p:attrName>
+                                        </p:attrNameLst>
+                                      </p:cBhvr>
+                                      <p:to>
+                                        <p:strVal val="visible"/>
+                                      </p:to>
+                                    </p:set>
+                                    <p:animEffect transition="in" filter="fade">
+                                      <p:cBhvr>
+                                        <p:cTn id="7" dur="500"/>
+                                        <p:tgtEl>
+                                          <p:spTgt spid="10250"/>
+                                        </p:tgtEl>
+                                      </p:cBhvr>
+                                    </p:animEffect>
+                                  </p:childTnLst>
+                                </p:cTn>
+                              </p:par>
+                              <p:par>
+                                <p:cTn id="8" presetID="10" presetClass="entr" presetSubtype="0" fill="hold" grpId="0" nodeType="withEffect">
+                                  <p:stCondLst>
+                                    <p:cond delay="600"/>
+                                  </p:stCondLst>
+                                  <p:childTnLst>
+                                    <p:set>
+                                      <p:cBhvr>
+                                        <p:cTn id="9" dur="1" fill="hold">
+                                          <p:stCondLst>
+                                            <p:cond delay="0"/>
+                                          </p:stCondLst>
+                                        </p:cTn>
+                                        <p:tgtEl>
+                                          <p:spTgt spid="10251"/>
+                                        </p:tgtEl>
+                                        <p:attrNameLst>
+                                          <p:attrName>style.visibility</p:attrName>
+                                        </p:attrNameLst>
+                                      </p:cBhvr>
+                                      <p:to>
+                                        <p:strVal val="visible"/>
+                                      </p:to>
+                                    </p:set>
+                                    <p:animEffect transition="in" filter="fade">
+                                      <p:cBhvr>
+                                        <p:cTn id="10" dur="500"/>
+                                        <p:tgtEl>
+                                          <p:spTgt spid="10251"/>
+                                        </p:tgtEl>
+                                      </p:cBhvr>
+                                    </p:animEffect>
+                                  </p:childTnLst>
+                                </p:cTn>
+                              </p:par>
+                              <p:par>
+                                <p:cTn id="11" presetID="10" presetClass="entr" presetSubtype="0" fill="hold" nodeType="withEffect">
+                                  <p:stCondLst>
+                                    <p:cond delay="1500"/>
+                                  </p:stCondLst>
+                                  <p:childTnLst>
+                                    <p:set>
+                                      <p:cBhvr>
+                                        <p:cTn id="12" dur="1" fill="hold">
+                                          <p:stCondLst>
+                                            <p:cond delay="0"/>
+                                          </p:stCondLst>
+                                        </p:cTn>
+                                        <p:tgtEl>
+                                          <p:spTgt spid="25"/>
+                                        </p:tgtEl>
+                                        <p:attrNameLst>
+                                          <p:attrName>style.visibility</p:attrName>
+                                        </p:attrNameLst>
+                                      </p:cBhvr>
+                                      <p:to>
+                                        <p:strVal val="visible"/>
+                                      </p:to>
+                                    </p:set>
+                                    <p:animEffect transition="in" filter="fade">
+                                      <p:cBhvr>
+                                        <p:cTn id="13" dur="500"/>
+                                        <p:tgtEl>
+                                          <p:spTgt spid="25"/>
+                                        </p:tgtEl>
+                                      </p:cBhvr>
+                                    </p:animEffect>
+                                  </p:childTnLst>
+                                </p:cTn>
+                              </p:par>
+                              <p:par>
+                                <p:cTn id="14" presetID="10" presetClass="entr" presetSubtype="0" fill="hold" grpId="0" nodeType="withEffect">
+                                  <p:stCondLst>
+                                    <p:cond delay="1800"/>
+                                  </p:stCondLst>
+                                  <p:childTnLst>
+                                    <p:set>
+                                      <p:cBhvr>
+                                        <p:cTn id="15" dur="1" fill="hold">
+                                          <p:stCondLst>
+                                            <p:cond delay="0"/>
+                                          </p:stCondLst>
+                                        </p:cTn>
+                                        <p:tgtEl>
+                                          <p:spTgt spid="30"/>
+                                        </p:tgtEl>
+                                        <p:attrNameLst>
+                                          <p:attrName>style.visibility</p:attrName>
+                                        </p:attrNameLst>
+                                      </p:cBhvr>
+                                      <p:to>
+                                        <p:strVal val="visible"/>
+                                      </p:to>
+                                    </p:set>
+                                    <p:animEffect transition="in" filter="fade">
+                                      <p:cBhvr>
+                                        <p:cTn id="16" dur="500"/>
+                                        <p:tgtEl>
+                                          <p:spTgt spid="30"/>
+                                        </p:tgtEl>
+                                      </p:cBhvr>
+                                    </p:animEffect>
+                                  </p:childTnLst>
+                                </p:cTn>
+                              </p:par>
+                              <p:par>
+                                <p:cTn id="17" presetID="10" presetClass="entr" presetSubtype="0" fill="hold" grpId="0" nodeType="withEffect">
+                                  <p:stCondLst>
+                                    <p:cond delay="900"/>
+                                  </p:stCondLst>
+                                  <p:childTnLst>
+                                    <p:set>
+                                      <p:cBhvr>
+                                        <p:cTn id="18" dur="1" fill="hold">
+                                          <p:stCondLst>
+                                            <p:cond delay="0"/>
+                                          </p:stCondLst>
+                                        </p:cTn>
+                                        <p:tgtEl>
+                                          <p:spTgt spid="10"/>
+                                        </p:tgtEl>
+                                        <p:attrNameLst>
+                                          <p:attrName>style.visibility</p:attrName>
+                                        </p:attrNameLst>
+                                      </p:cBhvr>
+                                      <p:to>
+                                        <p:strVal val="visible"/>
+                                      </p:to>
+                                    </p:set>
+                                    <p:animEffect transition="in" filter="fade">
+                                      <p:cBhvr>
+                                        <p:cTn id="19" dur="500"/>
+                                        <p:tgtEl>
+                                          <p:spTgt spid="10"/>
+                                        </p:tgtEl>
+                                      </p:cBhvr>
+                                    </p:animEffect>
+                                  </p:childTnLst>
+                                </p:cTn>
+                              </p:par>
+                            </p:childTnLst>
+                          </p:cTn>
+                        </p:par>
+                      </p:childTnLst>
+                    </p:cTn>
+                  </p:par>
+                </p:childTnLst>
+              </p:cTn>
+              <p:prevCondLst>
+                <p:cond evt="onPrev" delay="0">
+                  <p:tgtEl>
+                    <p:sldTgt/>
+                  </p:tgtEl>
+                </p:cond>
+              </p:prevCondLst>
+              <p:nextCondLst>
+                <p:cond evt="onNext" delay="0">
+                  <p:tgtEl>
+                    <p:sldTgt/>
+                  </p:tgtEl>
+                </p:cond>
+              </p:nextCondLst>
+            </p:seq>
+          </p:childTnLst>
+        </p:cTn>
+      </p:par>
+    </p:tnLst>
+    <p:bldLst>
+      <p:bldP spid="10250" grpId="0" animBg="1" autoUpdateAnimBg="0"/>
+      <p:bldP spid="10251" grpId="0" animBg="1" autoUpdateAnimBg="0"/>
+      <p:bldP spid="30" grpId="0"/>
+      <p:bldP spid="10" grpId="0"/>
+    </p:bldLst>
+  </p:timing>
+</p:sld>
+</file>
+
+<file path=ppt/slides/slide34.xml><?xml version="1.0" encoding="utf-8"?>
 <p:sld xmlns:a="http://schemas.openxmlformats.org/drawingml/2006/main" xmlns:r="http://schemas.openxmlformats.org/officeDocument/2006/relationships" xmlns:p="http://schemas.openxmlformats.org/presentationml/2006/main">
   <p:cSld>
     <p:spTree>
@@ -26382,7 +28407,7 @@
 </p:sld>
 </file>
 
-<file path=ppt/slides/slide31.xml><?xml version="1.0" encoding="utf-8"?>
+<file path=ppt/slides/slide35.xml><?xml version="1.0" encoding="utf-8"?>
 <p:sld xmlns:a="http://schemas.openxmlformats.org/drawingml/2006/main" xmlns:r="http://schemas.openxmlformats.org/officeDocument/2006/relationships" xmlns:p="http://schemas.openxmlformats.org/presentationml/2006/main">
   <p:cSld>
     <p:spTree>
@@ -27266,7 +29291,7 @@
 </p:sld>
 </file>
 
-<file path=ppt/slides/slide32.xml><?xml version="1.0" encoding="utf-8"?>
+<file path=ppt/slides/slide36.xml><?xml version="1.0" encoding="utf-8"?>
 <p:sld xmlns:a="http://schemas.openxmlformats.org/drawingml/2006/main" xmlns:r="http://schemas.openxmlformats.org/officeDocument/2006/relationships" xmlns:p="http://schemas.openxmlformats.org/presentationml/2006/main">
   <p:cSld>
     <p:spTree>
@@ -28565,7 +30590,7 @@
 </p:sld>
 </file>
 
-<file path=ppt/slides/slide33.xml><?xml version="1.0" encoding="utf-8"?>
+<file path=ppt/slides/slide37.xml><?xml version="1.0" encoding="utf-8"?>
 <p:sld xmlns:a="http://schemas.openxmlformats.org/drawingml/2006/main" xmlns:r="http://schemas.openxmlformats.org/officeDocument/2006/relationships" xmlns:p="http://schemas.openxmlformats.org/presentationml/2006/main">
   <p:cSld>
     <p:spTree>
@@ -29108,7 +31133,7 @@
 </p:sld>
 </file>
 
-<file path=ppt/slides/slide34.xml><?xml version="1.0" encoding="utf-8"?>
+<file path=ppt/slides/slide38.xml><?xml version="1.0" encoding="utf-8"?>
 <p:sld xmlns:a="http://schemas.openxmlformats.org/drawingml/2006/main" xmlns:r="http://schemas.openxmlformats.org/officeDocument/2006/relationships" xmlns:p="http://schemas.openxmlformats.org/presentationml/2006/main">
   <p:cSld>
     <p:spTree>
@@ -36701,13 +38726,97 @@
 </p:tagLst>
 </file>
 
+<file path=ppt/tags/tag137.xml><?xml version="1.0" encoding="utf-8"?>
+<p:tagLst xmlns:a="http://schemas.openxmlformats.org/drawingml/2006/main" xmlns:r="http://schemas.openxmlformats.org/officeDocument/2006/relationships" xmlns:p="http://schemas.openxmlformats.org/presentationml/2006/main">
+  <p:tag name="PA" val="v3.0.0"/>
+</p:tagLst>
+</file>
+
+<file path=ppt/tags/tag138.xml><?xml version="1.0" encoding="utf-8"?>
+<p:tagLst xmlns:a="http://schemas.openxmlformats.org/drawingml/2006/main" xmlns:r="http://schemas.openxmlformats.org/officeDocument/2006/relationships" xmlns:p="http://schemas.openxmlformats.org/presentationml/2006/main">
+  <p:tag name="PA" val="v3.0.0"/>
+</p:tagLst>
+</file>
+
+<file path=ppt/tags/tag139.xml><?xml version="1.0" encoding="utf-8"?>
+<p:tagLst xmlns:a="http://schemas.openxmlformats.org/drawingml/2006/main" xmlns:r="http://schemas.openxmlformats.org/officeDocument/2006/relationships" xmlns:p="http://schemas.openxmlformats.org/presentationml/2006/main">
+  <p:tag name="PA" val="v3.0.0"/>
+</p:tagLst>
+</file>
+
 <file path=ppt/tags/tag14.xml><?xml version="1.0" encoding="utf-8"?>
 <p:tagLst xmlns:a="http://schemas.openxmlformats.org/drawingml/2006/main" xmlns:r="http://schemas.openxmlformats.org/officeDocument/2006/relationships" xmlns:p="http://schemas.openxmlformats.org/presentationml/2006/main">
   <p:tag name="PA" val="v3.0.0"/>
 </p:tagLst>
 </file>
 
+<file path=ppt/tags/tag140.xml><?xml version="1.0" encoding="utf-8"?>
+<p:tagLst xmlns:a="http://schemas.openxmlformats.org/drawingml/2006/main" xmlns:r="http://schemas.openxmlformats.org/officeDocument/2006/relationships" xmlns:p="http://schemas.openxmlformats.org/presentationml/2006/main">
+  <p:tag name="PA" val="v3.0.0"/>
+</p:tagLst>
+</file>
+
+<file path=ppt/tags/tag141.xml><?xml version="1.0" encoding="utf-8"?>
+<p:tagLst xmlns:a="http://schemas.openxmlformats.org/drawingml/2006/main" xmlns:r="http://schemas.openxmlformats.org/officeDocument/2006/relationships" xmlns:p="http://schemas.openxmlformats.org/presentationml/2006/main">
+  <p:tag name="PA" val="v3.0.0"/>
+</p:tagLst>
+</file>
+
+<file path=ppt/tags/tag142.xml><?xml version="1.0" encoding="utf-8"?>
+<p:tagLst xmlns:a="http://schemas.openxmlformats.org/drawingml/2006/main" xmlns:r="http://schemas.openxmlformats.org/officeDocument/2006/relationships" xmlns:p="http://schemas.openxmlformats.org/presentationml/2006/main">
+  <p:tag name="PA" val="v3.0.0"/>
+</p:tagLst>
+</file>
+
+<file path=ppt/tags/tag143.xml><?xml version="1.0" encoding="utf-8"?>
+<p:tagLst xmlns:a="http://schemas.openxmlformats.org/drawingml/2006/main" xmlns:r="http://schemas.openxmlformats.org/officeDocument/2006/relationships" xmlns:p="http://schemas.openxmlformats.org/presentationml/2006/main">
+  <p:tag name="PA" val="v3.0.0"/>
+</p:tagLst>
+</file>
+
+<file path=ppt/tags/tag144.xml><?xml version="1.0" encoding="utf-8"?>
+<p:tagLst xmlns:a="http://schemas.openxmlformats.org/drawingml/2006/main" xmlns:r="http://schemas.openxmlformats.org/officeDocument/2006/relationships" xmlns:p="http://schemas.openxmlformats.org/presentationml/2006/main">
+  <p:tag name="PA" val="v3.0.0"/>
+</p:tagLst>
+</file>
+
+<file path=ppt/tags/tag145.xml><?xml version="1.0" encoding="utf-8"?>
+<p:tagLst xmlns:a="http://schemas.openxmlformats.org/drawingml/2006/main" xmlns:r="http://schemas.openxmlformats.org/officeDocument/2006/relationships" xmlns:p="http://schemas.openxmlformats.org/presentationml/2006/main">
+  <p:tag name="PA" val="v3.0.0"/>
+</p:tagLst>
+</file>
+
+<file path=ppt/tags/tag146.xml><?xml version="1.0" encoding="utf-8"?>
+<p:tagLst xmlns:a="http://schemas.openxmlformats.org/drawingml/2006/main" xmlns:r="http://schemas.openxmlformats.org/officeDocument/2006/relationships" xmlns:p="http://schemas.openxmlformats.org/presentationml/2006/main">
+  <p:tag name="PA" val="v3.0.0"/>
+</p:tagLst>
+</file>
+
+<file path=ppt/tags/tag147.xml><?xml version="1.0" encoding="utf-8"?>
+<p:tagLst xmlns:a="http://schemas.openxmlformats.org/drawingml/2006/main" xmlns:r="http://schemas.openxmlformats.org/officeDocument/2006/relationships" xmlns:p="http://schemas.openxmlformats.org/presentationml/2006/main">
+  <p:tag name="PA" val="v3.0.0"/>
+</p:tagLst>
+</file>
+
+<file path=ppt/tags/tag148.xml><?xml version="1.0" encoding="utf-8"?>
+<p:tagLst xmlns:a="http://schemas.openxmlformats.org/drawingml/2006/main" xmlns:r="http://schemas.openxmlformats.org/officeDocument/2006/relationships" xmlns:p="http://schemas.openxmlformats.org/presentationml/2006/main">
+  <p:tag name="PA" val="v3.0.0"/>
+</p:tagLst>
+</file>
+
+<file path=ppt/tags/tag149.xml><?xml version="1.0" encoding="utf-8"?>
+<p:tagLst xmlns:a="http://schemas.openxmlformats.org/drawingml/2006/main" xmlns:r="http://schemas.openxmlformats.org/officeDocument/2006/relationships" xmlns:p="http://schemas.openxmlformats.org/presentationml/2006/main">
+  <p:tag name="PA" val="v3.0.0"/>
+</p:tagLst>
+</file>
+
 <file path=ppt/tags/tag15.xml><?xml version="1.0" encoding="utf-8"?>
+<p:tagLst xmlns:a="http://schemas.openxmlformats.org/drawingml/2006/main" xmlns:r="http://schemas.openxmlformats.org/officeDocument/2006/relationships" xmlns:p="http://schemas.openxmlformats.org/presentationml/2006/main">
+  <p:tag name="PA" val="v3.0.0"/>
+</p:tagLst>
+</file>
+
+<file path=ppt/tags/tag150.xml><?xml version="1.0" encoding="utf-8"?>
 <p:tagLst xmlns:a="http://schemas.openxmlformats.org/drawingml/2006/main" xmlns:r="http://schemas.openxmlformats.org/officeDocument/2006/relationships" xmlns:p="http://schemas.openxmlformats.org/presentationml/2006/main">
   <p:tag name="PA" val="v3.0.0"/>
 </p:tagLst>

--- a/小组作业/SE2019春-G06-软件维护的定义和特点.pptx
+++ b/小组作业/SE2019春-G06-软件维护的定义和特点.pptx
@@ -5,7 +5,7 @@
     <p:sldMasterId id="2147483648" r:id="rId1"/>
   </p:sldMasterIdLst>
   <p:notesMasterIdLst>
-    <p:notesMasterId r:id="rId40"/>
+    <p:notesMasterId r:id="rId41"/>
   </p:notesMasterIdLst>
   <p:sldIdLst>
     <p:sldId id="285" r:id="rId2"/>
@@ -23,29 +23,30 @@
     <p:sldId id="315" r:id="rId14"/>
     <p:sldId id="309" r:id="rId15"/>
     <p:sldId id="299" r:id="rId16"/>
-    <p:sldId id="300" r:id="rId17"/>
-    <p:sldId id="316" r:id="rId18"/>
-    <p:sldId id="295" r:id="rId19"/>
-    <p:sldId id="317" r:id="rId20"/>
-    <p:sldId id="298" r:id="rId21"/>
-    <p:sldId id="301" r:id="rId22"/>
-    <p:sldId id="303" r:id="rId23"/>
-    <p:sldId id="302" r:id="rId24"/>
-    <p:sldId id="304" r:id="rId25"/>
-    <p:sldId id="306" r:id="rId26"/>
-    <p:sldId id="305" r:id="rId27"/>
-    <p:sldId id="307" r:id="rId28"/>
-    <p:sldId id="308" r:id="rId29"/>
-    <p:sldId id="319" r:id="rId30"/>
-    <p:sldId id="320" r:id="rId31"/>
-    <p:sldId id="321" r:id="rId32"/>
-    <p:sldId id="322" r:id="rId33"/>
-    <p:sldId id="310" r:id="rId34"/>
-    <p:sldId id="311" r:id="rId35"/>
-    <p:sldId id="294" r:id="rId36"/>
-    <p:sldId id="290" r:id="rId37"/>
-    <p:sldId id="318" r:id="rId38"/>
-    <p:sldId id="283" r:id="rId39"/>
+    <p:sldId id="323" r:id="rId17"/>
+    <p:sldId id="300" r:id="rId18"/>
+    <p:sldId id="316" r:id="rId19"/>
+    <p:sldId id="295" r:id="rId20"/>
+    <p:sldId id="317" r:id="rId21"/>
+    <p:sldId id="298" r:id="rId22"/>
+    <p:sldId id="301" r:id="rId23"/>
+    <p:sldId id="303" r:id="rId24"/>
+    <p:sldId id="302" r:id="rId25"/>
+    <p:sldId id="304" r:id="rId26"/>
+    <p:sldId id="306" r:id="rId27"/>
+    <p:sldId id="305" r:id="rId28"/>
+    <p:sldId id="307" r:id="rId29"/>
+    <p:sldId id="308" r:id="rId30"/>
+    <p:sldId id="319" r:id="rId31"/>
+    <p:sldId id="320" r:id="rId32"/>
+    <p:sldId id="321" r:id="rId33"/>
+    <p:sldId id="322" r:id="rId34"/>
+    <p:sldId id="310" r:id="rId35"/>
+    <p:sldId id="311" r:id="rId36"/>
+    <p:sldId id="294" r:id="rId37"/>
+    <p:sldId id="290" r:id="rId38"/>
+    <p:sldId id="318" r:id="rId39"/>
+    <p:sldId id="283" r:id="rId40"/>
   </p:sldIdLst>
   <p:sldSz cx="9144000" cy="5143500" type="screen16x9"/>
   <p:notesSz cx="6858000" cy="9144000"/>
@@ -2661,7 +2662,7 @@
           <a:p>
             <a:fld id="{3A8DAAC2-3404-4325-BA90-11E1B895004A}" type="slidenum">
               <a:rPr lang="zh-CN" altLang="en-US" smtClean="0"/>
-              <a:t>22</a:t>
+              <a:t>23</a:t>
             </a:fld>
             <a:endParaRPr lang="zh-CN" altLang="en-US"/>
           </a:p>
@@ -2745,7 +2746,7 @@
           <a:p>
             <a:fld id="{3A8DAAC2-3404-4325-BA90-11E1B895004A}" type="slidenum">
               <a:rPr lang="zh-CN" altLang="en-US" smtClean="0"/>
-              <a:t>23</a:t>
+              <a:t>24</a:t>
             </a:fld>
             <a:endParaRPr lang="zh-CN" altLang="en-US"/>
           </a:p>
@@ -2829,7 +2830,7 @@
           <a:p>
             <a:fld id="{3A8DAAC2-3404-4325-BA90-11E1B895004A}" type="slidenum">
               <a:rPr lang="zh-CN" altLang="en-US" smtClean="0"/>
-              <a:t>24</a:t>
+              <a:t>25</a:t>
             </a:fld>
             <a:endParaRPr lang="zh-CN" altLang="en-US"/>
           </a:p>
@@ -2913,7 +2914,7 @@
           <a:p>
             <a:fld id="{3A8DAAC2-3404-4325-BA90-11E1B895004A}" type="slidenum">
               <a:rPr lang="zh-CN" altLang="en-US" smtClean="0"/>
-              <a:t>25</a:t>
+              <a:t>26</a:t>
             </a:fld>
             <a:endParaRPr lang="zh-CN" altLang="en-US"/>
           </a:p>
@@ -2997,7 +2998,7 @@
           <a:p>
             <a:fld id="{3A8DAAC2-3404-4325-BA90-11E1B895004A}" type="slidenum">
               <a:rPr lang="zh-CN" altLang="en-US" smtClean="0"/>
-              <a:t>26</a:t>
+              <a:t>27</a:t>
             </a:fld>
             <a:endParaRPr lang="zh-CN" altLang="en-US"/>
           </a:p>
@@ -3081,7 +3082,7 @@
           <a:p>
             <a:fld id="{3A8DAAC2-3404-4325-BA90-11E1B895004A}" type="slidenum">
               <a:rPr lang="zh-CN" altLang="en-US" smtClean="0"/>
-              <a:t>27</a:t>
+              <a:t>28</a:t>
             </a:fld>
             <a:endParaRPr lang="zh-CN" altLang="en-US"/>
           </a:p>
@@ -3165,7 +3166,7 @@
           <a:p>
             <a:fld id="{3A8DAAC2-3404-4325-BA90-11E1B895004A}" type="slidenum">
               <a:rPr lang="zh-CN" altLang="en-US" smtClean="0"/>
-              <a:t>28</a:t>
+              <a:t>29</a:t>
             </a:fld>
             <a:endParaRPr lang="zh-CN" altLang="en-US"/>
           </a:p>
@@ -3249,7 +3250,7 @@
           <a:p>
             <a:fld id="{3A8DAAC2-3404-4325-BA90-11E1B895004A}" type="slidenum">
               <a:rPr lang="zh-CN" altLang="en-US" smtClean="0"/>
-              <a:t>33</a:t>
+              <a:t>34</a:t>
             </a:fld>
             <a:endParaRPr lang="zh-CN" altLang="en-US"/>
           </a:p>
@@ -3333,7 +3334,7 @@
           <a:p>
             <a:fld id="{3A8DAAC2-3404-4325-BA90-11E1B895004A}" type="slidenum">
               <a:rPr lang="zh-CN" altLang="en-US" smtClean="0"/>
-              <a:t>34</a:t>
+              <a:t>35</a:t>
             </a:fld>
             <a:endParaRPr lang="zh-CN" altLang="en-US"/>
           </a:p>
@@ -3837,7 +3838,7 @@
           <a:p>
             <a:fld id="{3A8DAAC2-3404-4325-BA90-11E1B895004A}" type="slidenum">
               <a:rPr lang="zh-CN" altLang="en-US" smtClean="0"/>
-              <a:t>16</a:t>
+              <a:t>17</a:t>
             </a:fld>
             <a:endParaRPr lang="zh-CN" altLang="en-US"/>
           </a:p>
@@ -3921,7 +3922,7 @@
           <a:p>
             <a:fld id="{3A8DAAC2-3404-4325-BA90-11E1B895004A}" type="slidenum">
               <a:rPr lang="zh-CN" altLang="en-US" smtClean="0"/>
-              <a:t>20</a:t>
+              <a:t>21</a:t>
             </a:fld>
             <a:endParaRPr lang="zh-CN" altLang="en-US"/>
           </a:p>
@@ -4005,7 +4006,7 @@
           <a:p>
             <a:fld id="{3A8DAAC2-3404-4325-BA90-11E1B895004A}" type="slidenum">
               <a:rPr lang="zh-CN" altLang="en-US" smtClean="0"/>
-              <a:t>21</a:t>
+              <a:t>22</a:t>
             </a:fld>
             <a:endParaRPr lang="zh-CN" altLang="en-US"/>
           </a:p>
@@ -11319,6 +11320,343 @@
       </p:grpSpPr>
       <p:sp>
         <p:nvSpPr>
+          <p:cNvPr id="2" name="PA_淘宝店chenying0907 10">
+            <a:extLst>
+              <a:ext uri="{FF2B5EF4-FFF2-40B4-BE49-F238E27FC236}">
+                <a16:creationId xmlns:a16="http://schemas.microsoft.com/office/drawing/2014/main" id="{681E8D98-30B3-4A7C-AF00-88E3E7D1F8AD}"/>
+              </a:ext>
+            </a:extLst>
+          </p:cNvPr>
+          <p:cNvSpPr>
+            <a:spLocks noChangeArrowheads="1"/>
+          </p:cNvSpPr>
+          <p:nvPr>
+            <p:custDataLst>
+              <p:tags r:id="rId1"/>
+            </p:custDataLst>
+          </p:nvPr>
+        </p:nvSpPr>
+        <p:spPr bwMode="auto">
+          <a:xfrm>
+            <a:off x="755576" y="699542"/>
+            <a:ext cx="2087562" cy="3097931"/>
+          </a:xfrm>
+          <a:prstGeom prst="rect">
+            <a:avLst/>
+          </a:prstGeom>
+          <a:solidFill>
+            <a:schemeClr val="accent4">
+              <a:alpha val="89999"/>
+            </a:schemeClr>
+          </a:solidFill>
+          <a:ln>
+            <a:noFill/>
+          </a:ln>
+          <a:effectLst/>
+        </p:spPr>
+        <p:txBody>
+          <a:bodyPr wrap="none" anchor="ctr"/>
+          <a:lstStyle/>
+          <a:p>
+            <a:endParaRPr lang="zh-CN" altLang="en-US"/>
+          </a:p>
+        </p:txBody>
+      </p:sp>
+      <p:sp>
+        <p:nvSpPr>
+          <p:cNvPr id="3" name="PA_文本框 11">
+            <a:extLst>
+              <a:ext uri="{FF2B5EF4-FFF2-40B4-BE49-F238E27FC236}">
+                <a16:creationId xmlns:a16="http://schemas.microsoft.com/office/drawing/2014/main" id="{9F60EF35-914D-4F16-9350-A6A5D056D737}"/>
+              </a:ext>
+            </a:extLst>
+          </p:cNvPr>
+          <p:cNvSpPr txBox="1">
+            <a:spLocks noChangeArrowheads="1"/>
+          </p:cNvSpPr>
+          <p:nvPr>
+            <p:custDataLst>
+              <p:tags r:id="rId2"/>
+            </p:custDataLst>
+          </p:nvPr>
+        </p:nvSpPr>
+        <p:spPr bwMode="auto">
+          <a:xfrm>
+            <a:off x="861613" y="1930279"/>
+            <a:ext cx="2092324" cy="636456"/>
+          </a:xfrm>
+          <a:prstGeom prst="rect">
+            <a:avLst/>
+          </a:prstGeom>
+          <a:noFill/>
+          <a:ln>
+            <a:noFill/>
+          </a:ln>
+          <a:effectLst/>
+          <a:extLst>
+            <a:ext uri="{909E8E84-426E-40DD-AFC4-6F175D3DCCD1}">
+              <a14:hiddenFill xmlns:a14="http://schemas.microsoft.com/office/drawing/2010/main">
+                <a:solidFill>
+                  <a:schemeClr val="accent1"/>
+                </a:solidFill>
+              </a14:hiddenFill>
+            </a:ext>
+            <a:ext uri="{91240B29-F687-4F45-9708-019B960494DF}">
+              <a14:hiddenLine xmlns:a14="http://schemas.microsoft.com/office/drawing/2010/main" w="9525">
+                <a:solidFill>
+                  <a:srgbClr val="000000"/>
+                </a:solidFill>
+                <a:miter lim="800000"/>
+                <a:headEnd/>
+                <a:tailEnd/>
+              </a14:hiddenLine>
+            </a:ext>
+            <a:ext uri="{AF507438-7753-43E0-B8FC-AC1667EBCBE1}">
+              <a14:hiddenEffects xmlns:a14="http://schemas.microsoft.com/office/drawing/2010/main">
+                <a:effectLst>
+                  <a:outerShdw dist="35921" dir="2700000" algn="ctr" rotWithShape="0">
+                    <a:schemeClr val="bg2"/>
+                  </a:outerShdw>
+                </a:effectLst>
+              </a14:hiddenEffects>
+            </a:ext>
+          </a:extLst>
+        </p:spPr>
+        <p:txBody>
+          <a:bodyPr wrap="square">
+            <a:spAutoFit/>
+          </a:bodyPr>
+          <a:lstStyle/>
+          <a:p>
+            <a:pPr algn="ctr">
+              <a:lnSpc>
+                <a:spcPct val="120000"/>
+              </a:lnSpc>
+            </a:pPr>
+            <a:r>
+              <a:rPr lang="zh-CN" altLang="en-US" sz="3200" dirty="0">
+                <a:solidFill>
+                  <a:schemeClr val="bg1"/>
+                </a:solidFill>
+                <a:latin typeface="微软雅黑 Light" panose="020B0502040204020203" pitchFamily="34" charset="-122"/>
+                <a:ea typeface="微软雅黑 Light" panose="020B0502040204020203" pitchFamily="34" charset="-122"/>
+              </a:rPr>
+              <a:t>问题：</a:t>
+            </a:r>
+            <a:endParaRPr lang="zh-CN" altLang="zh-CN" sz="3200" dirty="0">
+              <a:solidFill>
+                <a:schemeClr val="bg1"/>
+              </a:solidFill>
+              <a:latin typeface="微软雅黑 Light" panose="020B0502040204020203" pitchFamily="34" charset="-122"/>
+              <a:ea typeface="微软雅黑 Light" panose="020B0502040204020203" pitchFamily="34" charset="-122"/>
+            </a:endParaRPr>
+          </a:p>
+        </p:txBody>
+      </p:sp>
+      <p:sp>
+        <p:nvSpPr>
+          <p:cNvPr id="4" name="文本框 3">
+            <a:extLst>
+              <a:ext uri="{FF2B5EF4-FFF2-40B4-BE49-F238E27FC236}">
+                <a16:creationId xmlns:a16="http://schemas.microsoft.com/office/drawing/2014/main" id="{6E63A7F3-3624-4FB8-BF4F-C87B14EDA693}"/>
+              </a:ext>
+            </a:extLst>
+          </p:cNvPr>
+          <p:cNvSpPr txBox="1"/>
+          <p:nvPr/>
+        </p:nvSpPr>
+        <p:spPr>
+          <a:xfrm>
+            <a:off x="4101833" y="1347614"/>
+            <a:ext cx="4176464" cy="369332"/>
+          </a:xfrm>
+          <a:prstGeom prst="rect">
+            <a:avLst/>
+          </a:prstGeom>
+          <a:noFill/>
+        </p:spPr>
+        <p:txBody>
+          <a:bodyPr wrap="square" rtlCol="0">
+            <a:spAutoFit/>
+          </a:bodyPr>
+          <a:lstStyle/>
+          <a:p>
+            <a:pPr>
+              <a:buFont typeface="Arial" pitchFamily="34" charset="0"/>
+              <a:buNone/>
+            </a:pPr>
+            <a:r>
+              <a:rPr lang="zh-CN" altLang="en-US" dirty="0">
+                <a:solidFill>
+                  <a:schemeClr val="bg1">
+                    <a:lumMod val="50000"/>
+                  </a:schemeClr>
+                </a:solidFill>
+                <a:latin typeface="微软雅黑 Light" panose="020B0502040204020203" pitchFamily="34" charset="-122"/>
+                <a:ea typeface="微软雅黑 Light" panose="020B0502040204020203" pitchFamily="34" charset="-122"/>
+              </a:rPr>
+              <a:t>哪种维护占维护工作的最大部分？</a:t>
+            </a:r>
+          </a:p>
+        </p:txBody>
+      </p:sp>
+    </p:spTree>
+    <p:extLst>
+      <p:ext uri="{BB962C8B-B14F-4D97-AF65-F5344CB8AC3E}">
+        <p14:creationId xmlns:p14="http://schemas.microsoft.com/office/powerpoint/2010/main" val="2613769471"/>
+      </p:ext>
+    </p:extLst>
+  </p:cSld>
+  <p:clrMapOvr>
+    <a:masterClrMapping/>
+  </p:clrMapOvr>
+  <p:timing>
+    <p:tnLst>
+      <p:par>
+        <p:cTn id="1" dur="indefinite" restart="never" nodeType="tmRoot">
+          <p:childTnLst>
+            <p:seq concurrent="1" nextAc="seek">
+              <p:cTn id="2" dur="indefinite" nodeType="mainSeq">
+                <p:childTnLst>
+                  <p:par>
+                    <p:cTn id="3" fill="hold">
+                      <p:stCondLst>
+                        <p:cond delay="indefinite"/>
+                        <p:cond evt="onBegin" delay="0">
+                          <p:tn val="2"/>
+                        </p:cond>
+                      </p:stCondLst>
+                      <p:childTnLst>
+                        <p:par>
+                          <p:cTn id="4" fill="hold">
+                            <p:stCondLst>
+                              <p:cond delay="0"/>
+                            </p:stCondLst>
+                            <p:childTnLst>
+                              <p:par>
+                                <p:cTn id="5" presetID="10" presetClass="entr" presetSubtype="0" fill="hold" grpId="0" nodeType="withEffect">
+                                  <p:stCondLst>
+                                    <p:cond delay="300"/>
+                                  </p:stCondLst>
+                                  <p:childTnLst>
+                                    <p:set>
+                                      <p:cBhvr>
+                                        <p:cTn id="6" dur="1" fill="hold">
+                                          <p:stCondLst>
+                                            <p:cond delay="0"/>
+                                          </p:stCondLst>
+                                        </p:cTn>
+                                        <p:tgtEl>
+                                          <p:spTgt spid="2"/>
+                                        </p:tgtEl>
+                                        <p:attrNameLst>
+                                          <p:attrName>style.visibility</p:attrName>
+                                        </p:attrNameLst>
+                                      </p:cBhvr>
+                                      <p:to>
+                                        <p:strVal val="visible"/>
+                                      </p:to>
+                                    </p:set>
+                                    <p:animEffect transition="in" filter="fade">
+                                      <p:cBhvr>
+                                        <p:cTn id="7" dur="500"/>
+                                        <p:tgtEl>
+                                          <p:spTgt spid="2"/>
+                                        </p:tgtEl>
+                                      </p:cBhvr>
+                                    </p:animEffect>
+                                  </p:childTnLst>
+                                </p:cTn>
+                              </p:par>
+                              <p:par>
+                                <p:cTn id="8" presetID="10" presetClass="entr" presetSubtype="0" fill="hold" grpId="0" nodeType="withEffect">
+                                  <p:stCondLst>
+                                    <p:cond delay="600"/>
+                                  </p:stCondLst>
+                                  <p:childTnLst>
+                                    <p:set>
+                                      <p:cBhvr>
+                                        <p:cTn id="9" dur="1" fill="hold">
+                                          <p:stCondLst>
+                                            <p:cond delay="0"/>
+                                          </p:stCondLst>
+                                        </p:cTn>
+                                        <p:tgtEl>
+                                          <p:spTgt spid="3"/>
+                                        </p:tgtEl>
+                                        <p:attrNameLst>
+                                          <p:attrName>style.visibility</p:attrName>
+                                        </p:attrNameLst>
+                                      </p:cBhvr>
+                                      <p:to>
+                                        <p:strVal val="visible"/>
+                                      </p:to>
+                                    </p:set>
+                                    <p:animEffect transition="in" filter="fade">
+                                      <p:cBhvr>
+                                        <p:cTn id="10" dur="500"/>
+                                        <p:tgtEl>
+                                          <p:spTgt spid="3"/>
+                                        </p:tgtEl>
+                                      </p:cBhvr>
+                                    </p:animEffect>
+                                  </p:childTnLst>
+                                </p:cTn>
+                              </p:par>
+                            </p:childTnLst>
+                          </p:cTn>
+                        </p:par>
+                      </p:childTnLst>
+                    </p:cTn>
+                  </p:par>
+                </p:childTnLst>
+              </p:cTn>
+              <p:prevCondLst>
+                <p:cond evt="onPrev" delay="0">
+                  <p:tgtEl>
+                    <p:sldTgt/>
+                  </p:tgtEl>
+                </p:cond>
+              </p:prevCondLst>
+              <p:nextCondLst>
+                <p:cond evt="onNext" delay="0">
+                  <p:tgtEl>
+                    <p:sldTgt/>
+                  </p:tgtEl>
+                </p:cond>
+              </p:nextCondLst>
+            </p:seq>
+          </p:childTnLst>
+        </p:cTn>
+      </p:par>
+    </p:tnLst>
+    <p:bldLst>
+      <p:bldP spid="2" grpId="0" animBg="1" autoUpdateAnimBg="0"/>
+      <p:bldP spid="3" grpId="0" animBg="1" autoUpdateAnimBg="0"/>
+    </p:bldLst>
+  </p:timing>
+</p:sld>
+</file>
+
+<file path=ppt/slides/slide17.xml><?xml version="1.0" encoding="utf-8"?>
+<p:sld xmlns:a="http://schemas.openxmlformats.org/drawingml/2006/main" xmlns:r="http://schemas.openxmlformats.org/officeDocument/2006/relationships" xmlns:p="http://schemas.openxmlformats.org/presentationml/2006/main">
+  <p:cSld>
+    <p:spTree>
+      <p:nvGrpSpPr>
+        <p:cNvPr id="1" name=""/>
+        <p:cNvGrpSpPr/>
+        <p:nvPr/>
+      </p:nvGrpSpPr>
+      <p:grpSpPr>
+        <a:xfrm>
+          <a:off x="0" y="0"/>
+          <a:ext cx="0" cy="0"/>
+          <a:chOff x="0" y="0"/>
+          <a:chExt cx="0" cy="0"/>
+        </a:xfrm>
+      </p:grpSpPr>
+      <p:sp>
+        <p:nvSpPr>
           <p:cNvPr id="10251" name="PA_文本框 11"/>
           <p:cNvSpPr txBox="1">
             <a:spLocks noChangeArrowheads="1"/>
@@ -12081,7 +12419,7 @@
 </p:sld>
 </file>
 
-<file path=ppt/slides/slide17.xml><?xml version="1.0" encoding="utf-8"?>
+<file path=ppt/slides/slide18.xml><?xml version="1.0" encoding="utf-8"?>
 <p:sld xmlns:a="http://schemas.openxmlformats.org/drawingml/2006/main" xmlns:r="http://schemas.openxmlformats.org/officeDocument/2006/relationships" xmlns:p="http://schemas.openxmlformats.org/presentationml/2006/main">
   <p:cSld>
     <p:spTree>
@@ -12789,7 +13127,7 @@
 </p:sld>
 </file>
 
-<file path=ppt/slides/slide18.xml><?xml version="1.0" encoding="utf-8"?>
+<file path=ppt/slides/slide19.xml><?xml version="1.0" encoding="utf-8"?>
 <p:sld xmlns:a="http://schemas.openxmlformats.org/drawingml/2006/main" xmlns:r="http://schemas.openxmlformats.org/officeDocument/2006/relationships" xmlns:p="http://schemas.openxmlformats.org/presentationml/2006/main">
   <p:cSld>
     <p:spTree>
@@ -13668,911 +14006,6 @@
       <p:bldP spid="14" grpId="0" animBg="1" autoUpdateAnimBg="0"/>
       <p:bldP spid="17" grpId="0" animBg="1" autoUpdateAnimBg="0"/>
       <p:bldP spid="18" grpId="0"/>
-    </p:bldLst>
-  </p:timing>
-</p:sld>
-</file>
-
-<file path=ppt/slides/slide19.xml><?xml version="1.0" encoding="utf-8"?>
-<p:sld xmlns:a="http://schemas.openxmlformats.org/drawingml/2006/main" xmlns:r="http://schemas.openxmlformats.org/officeDocument/2006/relationships" xmlns:p="http://schemas.openxmlformats.org/presentationml/2006/main">
-  <p:cSld>
-    <p:spTree>
-      <p:nvGrpSpPr>
-        <p:cNvPr id="1" name=""/>
-        <p:cNvGrpSpPr/>
-        <p:nvPr/>
-      </p:nvGrpSpPr>
-      <p:grpSpPr>
-        <a:xfrm>
-          <a:off x="0" y="0"/>
-          <a:ext cx="0" cy="0"/>
-          <a:chOff x="0" y="0"/>
-          <a:chExt cx="0" cy="0"/>
-        </a:xfrm>
-      </p:grpSpPr>
-      <p:sp>
-        <p:nvSpPr>
-          <p:cNvPr id="4" name="PA_文本框 11">
-            <a:extLst>
-              <a:ext uri="{FF2B5EF4-FFF2-40B4-BE49-F238E27FC236}">
-                <a16:creationId xmlns:a16="http://schemas.microsoft.com/office/drawing/2014/main" id="{E9303382-6753-4F44-8CD1-F1875DE4E780}"/>
-              </a:ext>
-            </a:extLst>
-          </p:cNvPr>
-          <p:cNvSpPr txBox="1">
-            <a:spLocks noChangeArrowheads="1"/>
-          </p:cNvSpPr>
-          <p:nvPr>
-            <p:custDataLst>
-              <p:tags r:id="rId1"/>
-            </p:custDataLst>
-          </p:nvPr>
-        </p:nvSpPr>
-        <p:spPr bwMode="auto">
-          <a:xfrm>
-            <a:off x="-252536" y="1962352"/>
-            <a:ext cx="8056185" cy="609398"/>
-          </a:xfrm>
-          <a:prstGeom prst="rect">
-            <a:avLst/>
-          </a:prstGeom>
-          <a:noFill/>
-          <a:ln>
-            <a:noFill/>
-          </a:ln>
-          <a:effectLst/>
-          <a:extLst>
-            <a:ext uri="{909E8E84-426E-40DD-AFC4-6F175D3DCCD1}">
-              <a14:hiddenFill xmlns:a14="http://schemas.microsoft.com/office/drawing/2010/main">
-                <a:solidFill>
-                  <a:schemeClr val="accent1"/>
-                </a:solidFill>
-              </a14:hiddenFill>
-            </a:ext>
-            <a:ext uri="{91240B29-F687-4F45-9708-019B960494DF}">
-              <a14:hiddenLine xmlns:a14="http://schemas.microsoft.com/office/drawing/2010/main" w="9525">
-                <a:solidFill>
-                  <a:srgbClr val="000000"/>
-                </a:solidFill>
-                <a:miter lim="800000"/>
-                <a:headEnd/>
-                <a:tailEnd/>
-              </a14:hiddenLine>
-            </a:ext>
-            <a:ext uri="{AF507438-7753-43E0-B8FC-AC1667EBCBE1}">
-              <a14:hiddenEffects xmlns:a14="http://schemas.microsoft.com/office/drawing/2010/main">
-                <a:effectLst>
-                  <a:outerShdw dist="35921" dir="2700000" algn="ctr" rotWithShape="0">
-                    <a:schemeClr val="bg2"/>
-                  </a:outerShdw>
-                </a:effectLst>
-              </a14:hiddenEffects>
-            </a:ext>
-          </a:extLst>
-        </p:spPr>
-        <p:txBody>
-          <a:bodyPr wrap="square">
-            <a:spAutoFit/>
-          </a:bodyPr>
-          <a:lstStyle/>
-          <a:p>
-            <a:pPr algn="ctr">
-              <a:lnSpc>
-                <a:spcPct val="120000"/>
-              </a:lnSpc>
-            </a:pPr>
-            <a:r>
-              <a:rPr lang="zh-CN" altLang="en-US" sz="2800" dirty="0">
-                <a:latin typeface="微软雅黑 Light" panose="020B0502040204020203" pitchFamily="34" charset="-122"/>
-                <a:ea typeface="微软雅黑 Light" panose="020B0502040204020203" pitchFamily="34" charset="-122"/>
-              </a:rPr>
-              <a:t>特点二：维护的代价高昂</a:t>
-            </a:r>
-            <a:r>
-              <a:rPr lang="en-US" altLang="zh-CN" sz="2800" dirty="0">
-                <a:latin typeface="微软雅黑 Light" panose="020B0502040204020203" pitchFamily="34" charset="-122"/>
-                <a:ea typeface="微软雅黑 Light" panose="020B0502040204020203" pitchFamily="34" charset="-122"/>
-              </a:rPr>
-              <a:t>——</a:t>
-            </a:r>
-            <a:r>
-              <a:rPr lang="zh-CN" altLang="en-US" sz="2800" dirty="0">
-                <a:latin typeface="微软雅黑 Light" panose="020B0502040204020203" pitchFamily="34" charset="-122"/>
-                <a:ea typeface="微软雅黑 Light" panose="020B0502040204020203" pitchFamily="34" charset="-122"/>
-              </a:rPr>
-              <a:t>维护费用</a:t>
-            </a:r>
-          </a:p>
-        </p:txBody>
-      </p:sp>
-      <p:sp>
-        <p:nvSpPr>
-          <p:cNvPr id="5" name="PA_文本框 11">
-            <a:extLst>
-              <a:ext uri="{FF2B5EF4-FFF2-40B4-BE49-F238E27FC236}">
-                <a16:creationId xmlns:a16="http://schemas.microsoft.com/office/drawing/2014/main" id="{8D8F78E6-84D3-453D-B274-57ADEF5DD177}"/>
-              </a:ext>
-            </a:extLst>
-          </p:cNvPr>
-          <p:cNvSpPr txBox="1">
-            <a:spLocks noChangeArrowheads="1"/>
-          </p:cNvSpPr>
-          <p:nvPr>
-            <p:custDataLst>
-              <p:tags r:id="rId2"/>
-            </p:custDataLst>
-          </p:nvPr>
-        </p:nvSpPr>
-        <p:spPr bwMode="auto">
-          <a:xfrm>
-            <a:off x="-1332656" y="3550386"/>
-            <a:ext cx="8056185" cy="568425"/>
-          </a:xfrm>
-          <a:prstGeom prst="rect">
-            <a:avLst/>
-          </a:prstGeom>
-          <a:noFill/>
-          <a:ln>
-            <a:noFill/>
-          </a:ln>
-          <a:effectLst/>
-          <a:extLst>
-            <a:ext uri="{909E8E84-426E-40DD-AFC4-6F175D3DCCD1}">
-              <a14:hiddenFill xmlns:a14="http://schemas.microsoft.com/office/drawing/2010/main">
-                <a:solidFill>
-                  <a:schemeClr val="accent1"/>
-                </a:solidFill>
-              </a14:hiddenFill>
-            </a:ext>
-            <a:ext uri="{91240B29-F687-4F45-9708-019B960494DF}">
-              <a14:hiddenLine xmlns:a14="http://schemas.microsoft.com/office/drawing/2010/main" w="9525">
-                <a:solidFill>
-                  <a:srgbClr val="000000"/>
-                </a:solidFill>
-                <a:miter lim="800000"/>
-                <a:headEnd/>
-                <a:tailEnd/>
-              </a14:hiddenLine>
-            </a:ext>
-            <a:ext uri="{AF507438-7753-43E0-B8FC-AC1667EBCBE1}">
-              <a14:hiddenEffects xmlns:a14="http://schemas.microsoft.com/office/drawing/2010/main">
-                <a:effectLst>
-                  <a:outerShdw dist="35921" dir="2700000" algn="ctr" rotWithShape="0">
-                    <a:schemeClr val="bg2"/>
-                  </a:outerShdw>
-                </a:effectLst>
-              </a14:hiddenEffects>
-            </a:ext>
-          </a:extLst>
-        </p:spPr>
-        <p:txBody>
-          <a:bodyPr wrap="square">
-            <a:spAutoFit/>
-          </a:bodyPr>
-          <a:lstStyle/>
-          <a:p>
-            <a:pPr algn="ctr">
-              <a:lnSpc>
-                <a:spcPct val="120000"/>
-              </a:lnSpc>
-            </a:pPr>
-            <a:r>
-              <a:rPr lang="zh-CN" altLang="en-US" sz="2800" dirty="0">
-                <a:latin typeface="微软雅黑 Light" panose="020B0502040204020203" pitchFamily="34" charset="-122"/>
-                <a:ea typeface="微软雅黑 Light" panose="020B0502040204020203" pitchFamily="34" charset="-122"/>
-              </a:rPr>
-              <a:t>特点三：维护的问题很多</a:t>
-            </a:r>
-          </a:p>
-        </p:txBody>
-      </p:sp>
-      <p:grpSp>
-        <p:nvGrpSpPr>
-          <p:cNvPr id="6" name="PA_淘宝店chenying0907 21">
-            <a:extLst>
-              <a:ext uri="{FF2B5EF4-FFF2-40B4-BE49-F238E27FC236}">
-                <a16:creationId xmlns:a16="http://schemas.microsoft.com/office/drawing/2014/main" id="{BC00076B-0FB3-4662-A40F-B20542FF3F3E}"/>
-              </a:ext>
-            </a:extLst>
-          </p:cNvPr>
-          <p:cNvGrpSpPr/>
-          <p:nvPr>
-            <p:custDataLst>
-              <p:tags r:id="rId3"/>
-            </p:custDataLst>
-          </p:nvPr>
-        </p:nvGrpSpPr>
-        <p:grpSpPr>
-          <a:xfrm>
-            <a:off x="5832473" y="-21235"/>
-            <a:ext cx="3311527" cy="5164735"/>
-            <a:chOff x="5832473" y="-21235"/>
-            <a:chExt cx="3311527" cy="5164735"/>
-          </a:xfrm>
-        </p:grpSpPr>
-        <p:sp>
-          <p:nvSpPr>
-            <p:cNvPr id="7" name="淘宝店chenying0907 36">
-              <a:extLst>
-                <a:ext uri="{FF2B5EF4-FFF2-40B4-BE49-F238E27FC236}">
-                  <a16:creationId xmlns:a16="http://schemas.microsoft.com/office/drawing/2014/main" id="{EBE75D1F-7954-4FCE-A964-D577152E4469}"/>
-                </a:ext>
-              </a:extLst>
-            </p:cNvPr>
-            <p:cNvSpPr>
-              <a:spLocks/>
-            </p:cNvSpPr>
-            <p:nvPr/>
-          </p:nvSpPr>
-          <p:spPr bwMode="auto">
-            <a:xfrm rot="16200000">
-              <a:off x="7445263" y="403114"/>
-              <a:ext cx="2123086" cy="1274387"/>
-            </a:xfrm>
-            <a:custGeom>
-              <a:avLst/>
-              <a:gdLst/>
-              <a:ahLst/>
-              <a:cxnLst/>
-              <a:rect l="l" t="t" r="r" b="b"/>
-              <a:pathLst>
-                <a:path w="2123086" h="1274387">
-                  <a:moveTo>
-                    <a:pt x="0" y="252037"/>
-                  </a:moveTo>
-                  <a:lnTo>
-                    <a:pt x="2123086" y="0"/>
-                  </a:lnTo>
-                  <a:lnTo>
-                    <a:pt x="2123086" y="1274387"/>
-                  </a:lnTo>
-                  <a:lnTo>
-                    <a:pt x="1182688" y="1274387"/>
-                  </a:lnTo>
-                  <a:close/>
-                </a:path>
-              </a:pathLst>
-            </a:custGeom>
-            <a:solidFill>
-              <a:srgbClr val="E5AAA4"/>
-            </a:solidFill>
-            <a:ln>
-              <a:noFill/>
-            </a:ln>
-            <a:extLst/>
-          </p:spPr>
-          <p:txBody>
-            <a:bodyPr vert="horz" wrap="square" lIns="91440" tIns="45720" rIns="91440" bIns="45720" numCol="1" anchor="t" anchorCtr="0" compatLnSpc="1">
-              <a:prstTxWarp prst="textNoShape">
-                <a:avLst/>
-              </a:prstTxWarp>
-            </a:bodyPr>
-            <a:lstStyle/>
-            <a:p>
-              <a:endParaRPr lang="zh-CN" altLang="en-US"/>
-            </a:p>
-          </p:txBody>
-        </p:sp>
-        <p:sp>
-          <p:nvSpPr>
-            <p:cNvPr id="8" name="淘宝店chenying0907 37">
-              <a:extLst>
-                <a:ext uri="{FF2B5EF4-FFF2-40B4-BE49-F238E27FC236}">
-                  <a16:creationId xmlns:a16="http://schemas.microsoft.com/office/drawing/2014/main" id="{7E0E65EB-A50D-44E2-AD47-78F3B484EEC2}"/>
-                </a:ext>
-              </a:extLst>
-            </p:cNvPr>
-            <p:cNvSpPr>
-              <a:spLocks/>
-            </p:cNvSpPr>
-            <p:nvPr/>
-          </p:nvSpPr>
-          <p:spPr bwMode="auto">
-            <a:xfrm rot="16200000">
-              <a:off x="5568154" y="1183482"/>
-              <a:ext cx="3840163" cy="3311525"/>
-            </a:xfrm>
-            <a:custGeom>
-              <a:avLst/>
-              <a:gdLst>
-                <a:gd name="T0" fmla="*/ 0 w 2419"/>
-                <a:gd name="T1" fmla="*/ 0 h 2086"/>
-                <a:gd name="T2" fmla="*/ 753 w 2419"/>
-                <a:gd name="T3" fmla="*/ 2008 h 2086"/>
-                <a:gd name="T4" fmla="*/ 1228 w 2419"/>
-                <a:gd name="T5" fmla="*/ 2086 h 2086"/>
-                <a:gd name="T6" fmla="*/ 2419 w 2419"/>
-                <a:gd name="T7" fmla="*/ 2086 h 2086"/>
-                <a:gd name="T8" fmla="*/ 0 w 2419"/>
-                <a:gd name="T9" fmla="*/ 0 h 2086"/>
-              </a:gdLst>
-              <a:ahLst/>
-              <a:cxnLst>
-                <a:cxn ang="0">
-                  <a:pos x="T0" y="T1"/>
-                </a:cxn>
-                <a:cxn ang="0">
-                  <a:pos x="T2" y="T3"/>
-                </a:cxn>
-                <a:cxn ang="0">
-                  <a:pos x="T4" y="T5"/>
-                </a:cxn>
-                <a:cxn ang="0">
-                  <a:pos x="T6" y="T7"/>
-                </a:cxn>
-                <a:cxn ang="0">
-                  <a:pos x="T8" y="T9"/>
-                </a:cxn>
-              </a:cxnLst>
-              <a:rect l="0" t="0" r="r" b="b"/>
-              <a:pathLst>
-                <a:path w="2419" h="2086">
-                  <a:moveTo>
-                    <a:pt x="0" y="0"/>
-                  </a:moveTo>
-                  <a:lnTo>
-                    <a:pt x="753" y="2008"/>
-                  </a:lnTo>
-                  <a:lnTo>
-                    <a:pt x="1228" y="2086"/>
-                  </a:lnTo>
-                  <a:lnTo>
-                    <a:pt x="2419" y="2086"/>
-                  </a:lnTo>
-                  <a:lnTo>
-                    <a:pt x="0" y="0"/>
-                  </a:lnTo>
-                  <a:close/>
-                </a:path>
-              </a:pathLst>
-            </a:custGeom>
-            <a:solidFill>
-              <a:srgbClr val="F1CFCD"/>
-            </a:solidFill>
-            <a:ln>
-              <a:noFill/>
-            </a:ln>
-            <a:extLst>
-              <a:ext uri="{91240B29-F687-4F45-9708-019B960494DF}">
-                <a14:hiddenLine xmlns:a14="http://schemas.microsoft.com/office/drawing/2010/main" w="9525">
-                  <a:solidFill>
-                    <a:srgbClr val="000000"/>
-                  </a:solidFill>
-                  <a:round/>
-                  <a:headEnd/>
-                  <a:tailEnd/>
-                </a14:hiddenLine>
-              </a:ext>
-            </a:extLst>
-          </p:spPr>
-          <p:txBody>
-            <a:bodyPr vert="horz" wrap="square" lIns="91440" tIns="45720" rIns="91440" bIns="45720" numCol="1" anchor="t" anchorCtr="0" compatLnSpc="1">
-              <a:prstTxWarp prst="textNoShape">
-                <a:avLst/>
-              </a:prstTxWarp>
-            </a:bodyPr>
-            <a:lstStyle/>
-            <a:p>
-              <a:endParaRPr lang="zh-CN" altLang="en-US"/>
-            </a:p>
-          </p:txBody>
-        </p:sp>
-        <p:sp>
-          <p:nvSpPr>
-            <p:cNvPr id="9" name="淘宝店chenying0907 38">
-              <a:extLst>
-                <a:ext uri="{FF2B5EF4-FFF2-40B4-BE49-F238E27FC236}">
-                  <a16:creationId xmlns:a16="http://schemas.microsoft.com/office/drawing/2014/main" id="{E28EC4EF-6261-457A-82F6-D0D83E155F84}"/>
-                </a:ext>
-              </a:extLst>
-            </p:cNvPr>
-            <p:cNvSpPr>
-              <a:spLocks/>
-            </p:cNvSpPr>
-            <p:nvPr/>
-          </p:nvSpPr>
-          <p:spPr bwMode="auto">
-            <a:xfrm rot="16200000">
-              <a:off x="6636541" y="2759869"/>
-              <a:ext cx="1579563" cy="3187700"/>
-            </a:xfrm>
-            <a:custGeom>
-              <a:avLst/>
-              <a:gdLst>
-                <a:gd name="T0" fmla="*/ 242 w 995"/>
-                <a:gd name="T1" fmla="*/ 0 h 2008"/>
-                <a:gd name="T2" fmla="*/ 0 w 995"/>
-                <a:gd name="T3" fmla="*/ 305 h 2008"/>
-                <a:gd name="T4" fmla="*/ 0 w 995"/>
-                <a:gd name="T5" fmla="*/ 1845 h 2008"/>
-                <a:gd name="T6" fmla="*/ 995 w 995"/>
-                <a:gd name="T7" fmla="*/ 2008 h 2008"/>
-                <a:gd name="T8" fmla="*/ 242 w 995"/>
-                <a:gd name="T9" fmla="*/ 0 h 2008"/>
-              </a:gdLst>
-              <a:ahLst/>
-              <a:cxnLst>
-                <a:cxn ang="0">
-                  <a:pos x="T0" y="T1"/>
-                </a:cxn>
-                <a:cxn ang="0">
-                  <a:pos x="T2" y="T3"/>
-                </a:cxn>
-                <a:cxn ang="0">
-                  <a:pos x="T4" y="T5"/>
-                </a:cxn>
-                <a:cxn ang="0">
-                  <a:pos x="T6" y="T7"/>
-                </a:cxn>
-                <a:cxn ang="0">
-                  <a:pos x="T8" y="T9"/>
-                </a:cxn>
-              </a:cxnLst>
-              <a:rect l="0" t="0" r="r" b="b"/>
-              <a:pathLst>
-                <a:path w="995" h="2008">
-                  <a:moveTo>
-                    <a:pt x="242" y="0"/>
-                  </a:moveTo>
-                  <a:lnTo>
-                    <a:pt x="0" y="305"/>
-                  </a:lnTo>
-                  <a:lnTo>
-                    <a:pt x="0" y="1845"/>
-                  </a:lnTo>
-                  <a:lnTo>
-                    <a:pt x="995" y="2008"/>
-                  </a:lnTo>
-                  <a:lnTo>
-                    <a:pt x="242" y="0"/>
-                  </a:lnTo>
-                  <a:close/>
-                </a:path>
-              </a:pathLst>
-            </a:custGeom>
-            <a:solidFill>
-              <a:srgbClr val="F9E7E3"/>
-            </a:solidFill>
-            <a:ln>
-              <a:noFill/>
-            </a:ln>
-            <a:extLst>
-              <a:ext uri="{91240B29-F687-4F45-9708-019B960494DF}">
-                <a14:hiddenLine xmlns:a14="http://schemas.microsoft.com/office/drawing/2010/main" w="9525">
-                  <a:solidFill>
-                    <a:srgbClr val="000000"/>
-                  </a:solidFill>
-                  <a:round/>
-                  <a:headEnd/>
-                  <a:tailEnd/>
-                </a14:hiddenLine>
-              </a:ext>
-            </a:extLst>
-          </p:spPr>
-          <p:txBody>
-            <a:bodyPr vert="horz" wrap="square" lIns="91440" tIns="45720" rIns="91440" bIns="45720" numCol="1" anchor="t" anchorCtr="0" compatLnSpc="1">
-              <a:prstTxWarp prst="textNoShape">
-                <a:avLst/>
-              </a:prstTxWarp>
-            </a:bodyPr>
-            <a:lstStyle/>
-            <a:p>
-              <a:endParaRPr lang="zh-CN" altLang="en-US"/>
-            </a:p>
-          </p:txBody>
-        </p:sp>
-        <p:sp>
-          <p:nvSpPr>
-            <p:cNvPr id="10" name="淘宝店chenying0907 39">
-              <a:extLst>
-                <a:ext uri="{FF2B5EF4-FFF2-40B4-BE49-F238E27FC236}">
-                  <a16:creationId xmlns:a16="http://schemas.microsoft.com/office/drawing/2014/main" id="{990217EC-83BC-4FC4-90BA-73C7CE12EB78}"/>
-                </a:ext>
-              </a:extLst>
-            </p:cNvPr>
-            <p:cNvSpPr>
-              <a:spLocks/>
-            </p:cNvSpPr>
-            <p:nvPr/>
-          </p:nvSpPr>
-          <p:spPr bwMode="auto">
-            <a:xfrm rot="16200000">
-              <a:off x="7785893" y="3785394"/>
-              <a:ext cx="2333625" cy="382588"/>
-            </a:xfrm>
-            <a:custGeom>
-              <a:avLst/>
-              <a:gdLst>
-                <a:gd name="T0" fmla="*/ 0 w 1470"/>
-                <a:gd name="T1" fmla="*/ 0 h 241"/>
-                <a:gd name="T2" fmla="*/ 0 w 1470"/>
-                <a:gd name="T3" fmla="*/ 233 h 241"/>
-                <a:gd name="T4" fmla="*/ 0 w 1470"/>
-                <a:gd name="T5" fmla="*/ 241 h 241"/>
-                <a:gd name="T6" fmla="*/ 1470 w 1470"/>
-                <a:gd name="T7" fmla="*/ 241 h 241"/>
-                <a:gd name="T8" fmla="*/ 0 w 1470"/>
-                <a:gd name="T9" fmla="*/ 0 h 241"/>
-              </a:gdLst>
-              <a:ahLst/>
-              <a:cxnLst>
-                <a:cxn ang="0">
-                  <a:pos x="T0" y="T1"/>
-                </a:cxn>
-                <a:cxn ang="0">
-                  <a:pos x="T2" y="T3"/>
-                </a:cxn>
-                <a:cxn ang="0">
-                  <a:pos x="T4" y="T5"/>
-                </a:cxn>
-                <a:cxn ang="0">
-                  <a:pos x="T6" y="T7"/>
-                </a:cxn>
-                <a:cxn ang="0">
-                  <a:pos x="T8" y="T9"/>
-                </a:cxn>
-              </a:cxnLst>
-              <a:rect l="0" t="0" r="r" b="b"/>
-              <a:pathLst>
-                <a:path w="1470" h="241">
-                  <a:moveTo>
-                    <a:pt x="0" y="0"/>
-                  </a:moveTo>
-                  <a:lnTo>
-                    <a:pt x="0" y="233"/>
-                  </a:lnTo>
-                  <a:lnTo>
-                    <a:pt x="0" y="241"/>
-                  </a:lnTo>
-                  <a:lnTo>
-                    <a:pt x="1470" y="241"/>
-                  </a:lnTo>
-                  <a:lnTo>
-                    <a:pt x="0" y="0"/>
-                  </a:lnTo>
-                  <a:close/>
-                </a:path>
-              </a:pathLst>
-            </a:custGeom>
-            <a:solidFill>
-              <a:srgbClr val="E5AAA4"/>
-            </a:solidFill>
-            <a:ln>
-              <a:noFill/>
-            </a:ln>
-            <a:extLst>
-              <a:ext uri="{91240B29-F687-4F45-9708-019B960494DF}">
-                <a14:hiddenLine xmlns:a14="http://schemas.microsoft.com/office/drawing/2010/main" w="9525">
-                  <a:solidFill>
-                    <a:srgbClr val="000000"/>
-                  </a:solidFill>
-                  <a:round/>
-                  <a:headEnd/>
-                  <a:tailEnd/>
-                </a14:hiddenLine>
-              </a:ext>
-            </a:extLst>
-          </p:spPr>
-          <p:txBody>
-            <a:bodyPr vert="horz" wrap="square" lIns="91440" tIns="45720" rIns="91440" bIns="45720" numCol="1" anchor="t" anchorCtr="0" compatLnSpc="1">
-              <a:prstTxWarp prst="textNoShape">
-                <a:avLst/>
-              </a:prstTxWarp>
-            </a:bodyPr>
-            <a:lstStyle/>
-            <a:p>
-              <a:endParaRPr lang="zh-CN" altLang="en-US"/>
-            </a:p>
-          </p:txBody>
-        </p:sp>
-      </p:grpSp>
-      <p:sp>
-        <p:nvSpPr>
-          <p:cNvPr id="3" name="PA_文本框 11">
-            <a:extLst>
-              <a:ext uri="{FF2B5EF4-FFF2-40B4-BE49-F238E27FC236}">
-                <a16:creationId xmlns:a16="http://schemas.microsoft.com/office/drawing/2014/main" id="{7944740E-1FBB-4030-9EE6-D186DD481E5A}"/>
-              </a:ext>
-            </a:extLst>
-          </p:cNvPr>
-          <p:cNvSpPr txBox="1">
-            <a:spLocks noChangeArrowheads="1"/>
-          </p:cNvSpPr>
-          <p:nvPr>
-            <p:custDataLst>
-              <p:tags r:id="rId4"/>
-            </p:custDataLst>
-          </p:nvPr>
-        </p:nvSpPr>
-        <p:spPr bwMode="auto">
-          <a:xfrm>
-            <a:off x="467544" y="555526"/>
-            <a:ext cx="8056185" cy="568425"/>
-          </a:xfrm>
-          <a:prstGeom prst="rect">
-            <a:avLst/>
-          </a:prstGeom>
-          <a:noFill/>
-          <a:ln>
-            <a:noFill/>
-          </a:ln>
-          <a:effectLst/>
-          <a:extLst>
-            <a:ext uri="{909E8E84-426E-40DD-AFC4-6F175D3DCCD1}">
-              <a14:hiddenFill xmlns:a14="http://schemas.microsoft.com/office/drawing/2010/main">
-                <a:solidFill>
-                  <a:schemeClr val="accent1"/>
-                </a:solidFill>
-              </a14:hiddenFill>
-            </a:ext>
-            <a:ext uri="{91240B29-F687-4F45-9708-019B960494DF}">
-              <a14:hiddenLine xmlns:a14="http://schemas.microsoft.com/office/drawing/2010/main" w="9525">
-                <a:solidFill>
-                  <a:srgbClr val="000000"/>
-                </a:solidFill>
-                <a:miter lim="800000"/>
-                <a:headEnd/>
-                <a:tailEnd/>
-              </a14:hiddenLine>
-            </a:ext>
-            <a:ext uri="{AF507438-7753-43E0-B8FC-AC1667EBCBE1}">
-              <a14:hiddenEffects xmlns:a14="http://schemas.microsoft.com/office/drawing/2010/main">
-                <a:effectLst>
-                  <a:outerShdw dist="35921" dir="2700000" algn="ctr" rotWithShape="0">
-                    <a:schemeClr val="bg2"/>
-                  </a:outerShdw>
-                </a:effectLst>
-              </a14:hiddenEffects>
-            </a:ext>
-          </a:extLst>
-        </p:spPr>
-        <p:txBody>
-          <a:bodyPr wrap="square">
-            <a:spAutoFit/>
-          </a:bodyPr>
-          <a:lstStyle/>
-          <a:p>
-            <a:pPr algn="ctr">
-              <a:lnSpc>
-                <a:spcPct val="120000"/>
-              </a:lnSpc>
-            </a:pPr>
-            <a:r>
-              <a:rPr lang="zh-CN" altLang="en-US" sz="2800" dirty="0">
-                <a:latin typeface="微软雅黑 Light" panose="020B0502040204020203" pitchFamily="34" charset="-122"/>
-                <a:ea typeface="微软雅黑 Light" panose="020B0502040204020203" pitchFamily="34" charset="-122"/>
-              </a:rPr>
-              <a:t>特点一：结构化维护与非结构化维护的差别巨大</a:t>
-            </a:r>
-            <a:endParaRPr lang="zh-CN" altLang="zh-CN" sz="2800" dirty="0">
-              <a:latin typeface="微软雅黑 Light" panose="020B0502040204020203" pitchFamily="34" charset="-122"/>
-              <a:ea typeface="微软雅黑 Light" panose="020B0502040204020203" pitchFamily="34" charset="-122"/>
-            </a:endParaRPr>
-          </a:p>
-        </p:txBody>
-      </p:sp>
-    </p:spTree>
-    <p:extLst>
-      <p:ext uri="{BB962C8B-B14F-4D97-AF65-F5344CB8AC3E}">
-        <p14:creationId xmlns:p14="http://schemas.microsoft.com/office/powerpoint/2010/main" val="1333882377"/>
-      </p:ext>
-    </p:extLst>
-  </p:cSld>
-  <p:clrMapOvr>
-    <a:masterClrMapping/>
-  </p:clrMapOvr>
-  <p:timing>
-    <p:tnLst>
-      <p:par>
-        <p:cTn id="1" dur="indefinite" restart="never" nodeType="tmRoot">
-          <p:childTnLst>
-            <p:seq concurrent="1" nextAc="seek">
-              <p:cTn id="2" dur="indefinite" nodeType="mainSeq">
-                <p:childTnLst>
-                  <p:par>
-                    <p:cTn id="3" fill="hold">
-                      <p:stCondLst>
-                        <p:cond delay="indefinite"/>
-                        <p:cond evt="onBegin" delay="0">
-                          <p:tn val="2"/>
-                        </p:cond>
-                      </p:stCondLst>
-                      <p:childTnLst>
-                        <p:par>
-                          <p:cTn id="4" fill="hold">
-                            <p:stCondLst>
-                              <p:cond delay="0"/>
-                            </p:stCondLst>
-                            <p:childTnLst>
-                              <p:par>
-                                <p:cTn id="5" presetID="10" presetClass="entr" presetSubtype="0" fill="hold" grpId="0" nodeType="withEffect">
-                                  <p:stCondLst>
-                                    <p:cond delay="600"/>
-                                  </p:stCondLst>
-                                  <p:childTnLst>
-                                    <p:set>
-                                      <p:cBhvr>
-                                        <p:cTn id="6" dur="1" fill="hold">
-                                          <p:stCondLst>
-                                            <p:cond delay="0"/>
-                                          </p:stCondLst>
-                                        </p:cTn>
-                                        <p:tgtEl>
-                                          <p:spTgt spid="3"/>
-                                        </p:tgtEl>
-                                        <p:attrNameLst>
-                                          <p:attrName>style.visibility</p:attrName>
-                                        </p:attrNameLst>
-                                      </p:cBhvr>
-                                      <p:to>
-                                        <p:strVal val="visible"/>
-                                      </p:to>
-                                    </p:set>
-                                    <p:animEffect transition="in" filter="fade">
-                                      <p:cBhvr>
-                                        <p:cTn id="7" dur="500"/>
-                                        <p:tgtEl>
-                                          <p:spTgt spid="3"/>
-                                        </p:tgtEl>
-                                      </p:cBhvr>
-                                    </p:animEffect>
-                                  </p:childTnLst>
-                                </p:cTn>
-                              </p:par>
-                              <p:par>
-                                <p:cTn id="8" presetID="10" presetClass="entr" presetSubtype="0" fill="hold" grpId="0" nodeType="withEffect">
-                                  <p:stCondLst>
-                                    <p:cond delay="600"/>
-                                  </p:stCondLst>
-                                  <p:childTnLst>
-                                    <p:set>
-                                      <p:cBhvr>
-                                        <p:cTn id="9" dur="1" fill="hold">
-                                          <p:stCondLst>
-                                            <p:cond delay="0"/>
-                                          </p:stCondLst>
-                                        </p:cTn>
-                                        <p:tgtEl>
-                                          <p:spTgt spid="4"/>
-                                        </p:tgtEl>
-                                        <p:attrNameLst>
-                                          <p:attrName>style.visibility</p:attrName>
-                                        </p:attrNameLst>
-                                      </p:cBhvr>
-                                      <p:to>
-                                        <p:strVal val="visible"/>
-                                      </p:to>
-                                    </p:set>
-                                    <p:animEffect transition="in" filter="fade">
-                                      <p:cBhvr>
-                                        <p:cTn id="10" dur="500"/>
-                                        <p:tgtEl>
-                                          <p:spTgt spid="4"/>
-                                        </p:tgtEl>
-                                      </p:cBhvr>
-                                    </p:animEffect>
-                                  </p:childTnLst>
-                                </p:cTn>
-                              </p:par>
-                              <p:par>
-                                <p:cTn id="11" presetID="10" presetClass="entr" presetSubtype="0" fill="hold" grpId="0" nodeType="withEffect">
-                                  <p:stCondLst>
-                                    <p:cond delay="600"/>
-                                  </p:stCondLst>
-                                  <p:childTnLst>
-                                    <p:set>
-                                      <p:cBhvr>
-                                        <p:cTn id="12" dur="1" fill="hold">
-                                          <p:stCondLst>
-                                            <p:cond delay="0"/>
-                                          </p:stCondLst>
-                                        </p:cTn>
-                                        <p:tgtEl>
-                                          <p:spTgt spid="5"/>
-                                        </p:tgtEl>
-                                        <p:attrNameLst>
-                                          <p:attrName>style.visibility</p:attrName>
-                                        </p:attrNameLst>
-                                      </p:cBhvr>
-                                      <p:to>
-                                        <p:strVal val="visible"/>
-                                      </p:to>
-                                    </p:set>
-                                    <p:animEffect transition="in" filter="fade">
-                                      <p:cBhvr>
-                                        <p:cTn id="13" dur="500"/>
-                                        <p:tgtEl>
-                                          <p:spTgt spid="5"/>
-                                        </p:tgtEl>
-                                      </p:cBhvr>
-                                    </p:animEffect>
-                                  </p:childTnLst>
-                                </p:cTn>
-                              </p:par>
-                            </p:childTnLst>
-                          </p:cTn>
-                        </p:par>
-                      </p:childTnLst>
-                    </p:cTn>
-                  </p:par>
-                  <p:par>
-                    <p:cTn id="14" fill="hold">
-                      <p:stCondLst>
-                        <p:cond delay="indefinite"/>
-                      </p:stCondLst>
-                      <p:childTnLst>
-                        <p:par>
-                          <p:cTn id="15" fill="hold">
-                            <p:stCondLst>
-                              <p:cond delay="0"/>
-                            </p:stCondLst>
-                            <p:childTnLst>
-                              <p:par>
-                                <p:cTn id="16" presetID="10" presetClass="entr" presetSubtype="0" fill="hold" nodeType="clickEffect">
-                                  <p:stCondLst>
-                                    <p:cond delay="0"/>
-                                  </p:stCondLst>
-                                  <p:childTnLst>
-                                    <p:set>
-                                      <p:cBhvr>
-                                        <p:cTn id="17" dur="1" fill="hold">
-                                          <p:stCondLst>
-                                            <p:cond delay="0"/>
-                                          </p:stCondLst>
-                                        </p:cTn>
-                                        <p:tgtEl>
-                                          <p:spTgt spid="6"/>
-                                        </p:tgtEl>
-                                        <p:attrNameLst>
-                                          <p:attrName>style.visibility</p:attrName>
-                                        </p:attrNameLst>
-                                      </p:cBhvr>
-                                      <p:to>
-                                        <p:strVal val="visible"/>
-                                      </p:to>
-                                    </p:set>
-                                    <p:animEffect transition="in" filter="fade">
-                                      <p:cBhvr>
-                                        <p:cTn id="18" dur="500"/>
-                                        <p:tgtEl>
-                                          <p:spTgt spid="6"/>
-                                        </p:tgtEl>
-                                      </p:cBhvr>
-                                    </p:animEffect>
-                                  </p:childTnLst>
-                                </p:cTn>
-                              </p:par>
-                            </p:childTnLst>
-                          </p:cTn>
-                        </p:par>
-                      </p:childTnLst>
-                    </p:cTn>
-                  </p:par>
-                </p:childTnLst>
-              </p:cTn>
-              <p:prevCondLst>
-                <p:cond evt="onPrev" delay="0">
-                  <p:tgtEl>
-                    <p:sldTgt/>
-                  </p:tgtEl>
-                </p:cond>
-              </p:prevCondLst>
-              <p:nextCondLst>
-                <p:cond evt="onNext" delay="0">
-                  <p:tgtEl>
-                    <p:sldTgt/>
-                  </p:tgtEl>
-                </p:cond>
-              </p:nextCondLst>
-            </p:seq>
-          </p:childTnLst>
-        </p:cTn>
-      </p:par>
-    </p:tnLst>
-    <p:bldLst>
-      <p:bldP spid="4" grpId="0"/>
-      <p:bldP spid="5" grpId="0"/>
-      <p:bldP spid="3" grpId="0"/>
     </p:bldLst>
   </p:timing>
 </p:sld>
@@ -16135,6 +15568,911 @@
       </p:grpSpPr>
       <p:sp>
         <p:nvSpPr>
+          <p:cNvPr id="4" name="PA_文本框 11">
+            <a:extLst>
+              <a:ext uri="{FF2B5EF4-FFF2-40B4-BE49-F238E27FC236}">
+                <a16:creationId xmlns:a16="http://schemas.microsoft.com/office/drawing/2014/main" id="{E9303382-6753-4F44-8CD1-F1875DE4E780}"/>
+              </a:ext>
+            </a:extLst>
+          </p:cNvPr>
+          <p:cNvSpPr txBox="1">
+            <a:spLocks noChangeArrowheads="1"/>
+          </p:cNvSpPr>
+          <p:nvPr>
+            <p:custDataLst>
+              <p:tags r:id="rId1"/>
+            </p:custDataLst>
+          </p:nvPr>
+        </p:nvSpPr>
+        <p:spPr bwMode="auto">
+          <a:xfrm>
+            <a:off x="-252536" y="1962352"/>
+            <a:ext cx="8056185" cy="609398"/>
+          </a:xfrm>
+          <a:prstGeom prst="rect">
+            <a:avLst/>
+          </a:prstGeom>
+          <a:noFill/>
+          <a:ln>
+            <a:noFill/>
+          </a:ln>
+          <a:effectLst/>
+          <a:extLst>
+            <a:ext uri="{909E8E84-426E-40DD-AFC4-6F175D3DCCD1}">
+              <a14:hiddenFill xmlns:a14="http://schemas.microsoft.com/office/drawing/2010/main">
+                <a:solidFill>
+                  <a:schemeClr val="accent1"/>
+                </a:solidFill>
+              </a14:hiddenFill>
+            </a:ext>
+            <a:ext uri="{91240B29-F687-4F45-9708-019B960494DF}">
+              <a14:hiddenLine xmlns:a14="http://schemas.microsoft.com/office/drawing/2010/main" w="9525">
+                <a:solidFill>
+                  <a:srgbClr val="000000"/>
+                </a:solidFill>
+                <a:miter lim="800000"/>
+                <a:headEnd/>
+                <a:tailEnd/>
+              </a14:hiddenLine>
+            </a:ext>
+            <a:ext uri="{AF507438-7753-43E0-B8FC-AC1667EBCBE1}">
+              <a14:hiddenEffects xmlns:a14="http://schemas.microsoft.com/office/drawing/2010/main">
+                <a:effectLst>
+                  <a:outerShdw dist="35921" dir="2700000" algn="ctr" rotWithShape="0">
+                    <a:schemeClr val="bg2"/>
+                  </a:outerShdw>
+                </a:effectLst>
+              </a14:hiddenEffects>
+            </a:ext>
+          </a:extLst>
+        </p:spPr>
+        <p:txBody>
+          <a:bodyPr wrap="square">
+            <a:spAutoFit/>
+          </a:bodyPr>
+          <a:lstStyle/>
+          <a:p>
+            <a:pPr algn="ctr">
+              <a:lnSpc>
+                <a:spcPct val="120000"/>
+              </a:lnSpc>
+            </a:pPr>
+            <a:r>
+              <a:rPr lang="zh-CN" altLang="en-US" sz="2800" dirty="0">
+                <a:latin typeface="微软雅黑 Light" panose="020B0502040204020203" pitchFamily="34" charset="-122"/>
+                <a:ea typeface="微软雅黑 Light" panose="020B0502040204020203" pitchFamily="34" charset="-122"/>
+              </a:rPr>
+              <a:t>特点二：维护的代价高昂</a:t>
+            </a:r>
+            <a:r>
+              <a:rPr lang="en-US" altLang="zh-CN" sz="2800" dirty="0">
+                <a:latin typeface="微软雅黑 Light" panose="020B0502040204020203" pitchFamily="34" charset="-122"/>
+                <a:ea typeface="微软雅黑 Light" panose="020B0502040204020203" pitchFamily="34" charset="-122"/>
+              </a:rPr>
+              <a:t>——</a:t>
+            </a:r>
+            <a:r>
+              <a:rPr lang="zh-CN" altLang="en-US" sz="2800" dirty="0">
+                <a:latin typeface="微软雅黑 Light" panose="020B0502040204020203" pitchFamily="34" charset="-122"/>
+                <a:ea typeface="微软雅黑 Light" panose="020B0502040204020203" pitchFamily="34" charset="-122"/>
+              </a:rPr>
+              <a:t>维护费用</a:t>
+            </a:r>
+          </a:p>
+        </p:txBody>
+      </p:sp>
+      <p:sp>
+        <p:nvSpPr>
+          <p:cNvPr id="5" name="PA_文本框 11">
+            <a:extLst>
+              <a:ext uri="{FF2B5EF4-FFF2-40B4-BE49-F238E27FC236}">
+                <a16:creationId xmlns:a16="http://schemas.microsoft.com/office/drawing/2014/main" id="{8D8F78E6-84D3-453D-B274-57ADEF5DD177}"/>
+              </a:ext>
+            </a:extLst>
+          </p:cNvPr>
+          <p:cNvSpPr txBox="1">
+            <a:spLocks noChangeArrowheads="1"/>
+          </p:cNvSpPr>
+          <p:nvPr>
+            <p:custDataLst>
+              <p:tags r:id="rId2"/>
+            </p:custDataLst>
+          </p:nvPr>
+        </p:nvSpPr>
+        <p:spPr bwMode="auto">
+          <a:xfrm>
+            <a:off x="-1332656" y="3550386"/>
+            <a:ext cx="8056185" cy="568425"/>
+          </a:xfrm>
+          <a:prstGeom prst="rect">
+            <a:avLst/>
+          </a:prstGeom>
+          <a:noFill/>
+          <a:ln>
+            <a:noFill/>
+          </a:ln>
+          <a:effectLst/>
+          <a:extLst>
+            <a:ext uri="{909E8E84-426E-40DD-AFC4-6F175D3DCCD1}">
+              <a14:hiddenFill xmlns:a14="http://schemas.microsoft.com/office/drawing/2010/main">
+                <a:solidFill>
+                  <a:schemeClr val="accent1"/>
+                </a:solidFill>
+              </a14:hiddenFill>
+            </a:ext>
+            <a:ext uri="{91240B29-F687-4F45-9708-019B960494DF}">
+              <a14:hiddenLine xmlns:a14="http://schemas.microsoft.com/office/drawing/2010/main" w="9525">
+                <a:solidFill>
+                  <a:srgbClr val="000000"/>
+                </a:solidFill>
+                <a:miter lim="800000"/>
+                <a:headEnd/>
+                <a:tailEnd/>
+              </a14:hiddenLine>
+            </a:ext>
+            <a:ext uri="{AF507438-7753-43E0-B8FC-AC1667EBCBE1}">
+              <a14:hiddenEffects xmlns:a14="http://schemas.microsoft.com/office/drawing/2010/main">
+                <a:effectLst>
+                  <a:outerShdw dist="35921" dir="2700000" algn="ctr" rotWithShape="0">
+                    <a:schemeClr val="bg2"/>
+                  </a:outerShdw>
+                </a:effectLst>
+              </a14:hiddenEffects>
+            </a:ext>
+          </a:extLst>
+        </p:spPr>
+        <p:txBody>
+          <a:bodyPr wrap="square">
+            <a:spAutoFit/>
+          </a:bodyPr>
+          <a:lstStyle/>
+          <a:p>
+            <a:pPr algn="ctr">
+              <a:lnSpc>
+                <a:spcPct val="120000"/>
+              </a:lnSpc>
+            </a:pPr>
+            <a:r>
+              <a:rPr lang="zh-CN" altLang="en-US" sz="2800" dirty="0">
+                <a:latin typeface="微软雅黑 Light" panose="020B0502040204020203" pitchFamily="34" charset="-122"/>
+                <a:ea typeface="微软雅黑 Light" panose="020B0502040204020203" pitchFamily="34" charset="-122"/>
+              </a:rPr>
+              <a:t>特点三：维护的问题很多</a:t>
+            </a:r>
+          </a:p>
+        </p:txBody>
+      </p:sp>
+      <p:grpSp>
+        <p:nvGrpSpPr>
+          <p:cNvPr id="6" name="PA_淘宝店chenying0907 21">
+            <a:extLst>
+              <a:ext uri="{FF2B5EF4-FFF2-40B4-BE49-F238E27FC236}">
+                <a16:creationId xmlns:a16="http://schemas.microsoft.com/office/drawing/2014/main" id="{BC00076B-0FB3-4662-A40F-B20542FF3F3E}"/>
+              </a:ext>
+            </a:extLst>
+          </p:cNvPr>
+          <p:cNvGrpSpPr/>
+          <p:nvPr>
+            <p:custDataLst>
+              <p:tags r:id="rId3"/>
+            </p:custDataLst>
+          </p:nvPr>
+        </p:nvGrpSpPr>
+        <p:grpSpPr>
+          <a:xfrm>
+            <a:off x="5832473" y="-21235"/>
+            <a:ext cx="3311527" cy="5164735"/>
+            <a:chOff x="5832473" y="-21235"/>
+            <a:chExt cx="3311527" cy="5164735"/>
+          </a:xfrm>
+        </p:grpSpPr>
+        <p:sp>
+          <p:nvSpPr>
+            <p:cNvPr id="7" name="淘宝店chenying0907 36">
+              <a:extLst>
+                <a:ext uri="{FF2B5EF4-FFF2-40B4-BE49-F238E27FC236}">
+                  <a16:creationId xmlns:a16="http://schemas.microsoft.com/office/drawing/2014/main" id="{EBE75D1F-7954-4FCE-A964-D577152E4469}"/>
+                </a:ext>
+              </a:extLst>
+            </p:cNvPr>
+            <p:cNvSpPr>
+              <a:spLocks/>
+            </p:cNvSpPr>
+            <p:nvPr/>
+          </p:nvSpPr>
+          <p:spPr bwMode="auto">
+            <a:xfrm rot="16200000">
+              <a:off x="7445263" y="403114"/>
+              <a:ext cx="2123086" cy="1274387"/>
+            </a:xfrm>
+            <a:custGeom>
+              <a:avLst/>
+              <a:gdLst/>
+              <a:ahLst/>
+              <a:cxnLst/>
+              <a:rect l="l" t="t" r="r" b="b"/>
+              <a:pathLst>
+                <a:path w="2123086" h="1274387">
+                  <a:moveTo>
+                    <a:pt x="0" y="252037"/>
+                  </a:moveTo>
+                  <a:lnTo>
+                    <a:pt x="2123086" y="0"/>
+                  </a:lnTo>
+                  <a:lnTo>
+                    <a:pt x="2123086" y="1274387"/>
+                  </a:lnTo>
+                  <a:lnTo>
+                    <a:pt x="1182688" y="1274387"/>
+                  </a:lnTo>
+                  <a:close/>
+                </a:path>
+              </a:pathLst>
+            </a:custGeom>
+            <a:solidFill>
+              <a:srgbClr val="E5AAA4"/>
+            </a:solidFill>
+            <a:ln>
+              <a:noFill/>
+            </a:ln>
+            <a:extLst/>
+          </p:spPr>
+          <p:txBody>
+            <a:bodyPr vert="horz" wrap="square" lIns="91440" tIns="45720" rIns="91440" bIns="45720" numCol="1" anchor="t" anchorCtr="0" compatLnSpc="1">
+              <a:prstTxWarp prst="textNoShape">
+                <a:avLst/>
+              </a:prstTxWarp>
+            </a:bodyPr>
+            <a:lstStyle/>
+            <a:p>
+              <a:endParaRPr lang="zh-CN" altLang="en-US"/>
+            </a:p>
+          </p:txBody>
+        </p:sp>
+        <p:sp>
+          <p:nvSpPr>
+            <p:cNvPr id="8" name="淘宝店chenying0907 37">
+              <a:extLst>
+                <a:ext uri="{FF2B5EF4-FFF2-40B4-BE49-F238E27FC236}">
+                  <a16:creationId xmlns:a16="http://schemas.microsoft.com/office/drawing/2014/main" id="{7E0E65EB-A50D-44E2-AD47-78F3B484EEC2}"/>
+                </a:ext>
+              </a:extLst>
+            </p:cNvPr>
+            <p:cNvSpPr>
+              <a:spLocks/>
+            </p:cNvSpPr>
+            <p:nvPr/>
+          </p:nvSpPr>
+          <p:spPr bwMode="auto">
+            <a:xfrm rot="16200000">
+              <a:off x="5568154" y="1183482"/>
+              <a:ext cx="3840163" cy="3311525"/>
+            </a:xfrm>
+            <a:custGeom>
+              <a:avLst/>
+              <a:gdLst>
+                <a:gd name="T0" fmla="*/ 0 w 2419"/>
+                <a:gd name="T1" fmla="*/ 0 h 2086"/>
+                <a:gd name="T2" fmla="*/ 753 w 2419"/>
+                <a:gd name="T3" fmla="*/ 2008 h 2086"/>
+                <a:gd name="T4" fmla="*/ 1228 w 2419"/>
+                <a:gd name="T5" fmla="*/ 2086 h 2086"/>
+                <a:gd name="T6" fmla="*/ 2419 w 2419"/>
+                <a:gd name="T7" fmla="*/ 2086 h 2086"/>
+                <a:gd name="T8" fmla="*/ 0 w 2419"/>
+                <a:gd name="T9" fmla="*/ 0 h 2086"/>
+              </a:gdLst>
+              <a:ahLst/>
+              <a:cxnLst>
+                <a:cxn ang="0">
+                  <a:pos x="T0" y="T1"/>
+                </a:cxn>
+                <a:cxn ang="0">
+                  <a:pos x="T2" y="T3"/>
+                </a:cxn>
+                <a:cxn ang="0">
+                  <a:pos x="T4" y="T5"/>
+                </a:cxn>
+                <a:cxn ang="0">
+                  <a:pos x="T6" y="T7"/>
+                </a:cxn>
+                <a:cxn ang="0">
+                  <a:pos x="T8" y="T9"/>
+                </a:cxn>
+              </a:cxnLst>
+              <a:rect l="0" t="0" r="r" b="b"/>
+              <a:pathLst>
+                <a:path w="2419" h="2086">
+                  <a:moveTo>
+                    <a:pt x="0" y="0"/>
+                  </a:moveTo>
+                  <a:lnTo>
+                    <a:pt x="753" y="2008"/>
+                  </a:lnTo>
+                  <a:lnTo>
+                    <a:pt x="1228" y="2086"/>
+                  </a:lnTo>
+                  <a:lnTo>
+                    <a:pt x="2419" y="2086"/>
+                  </a:lnTo>
+                  <a:lnTo>
+                    <a:pt x="0" y="0"/>
+                  </a:lnTo>
+                  <a:close/>
+                </a:path>
+              </a:pathLst>
+            </a:custGeom>
+            <a:solidFill>
+              <a:srgbClr val="F1CFCD"/>
+            </a:solidFill>
+            <a:ln>
+              <a:noFill/>
+            </a:ln>
+            <a:extLst>
+              <a:ext uri="{91240B29-F687-4F45-9708-019B960494DF}">
+                <a14:hiddenLine xmlns:a14="http://schemas.microsoft.com/office/drawing/2010/main" w="9525">
+                  <a:solidFill>
+                    <a:srgbClr val="000000"/>
+                  </a:solidFill>
+                  <a:round/>
+                  <a:headEnd/>
+                  <a:tailEnd/>
+                </a14:hiddenLine>
+              </a:ext>
+            </a:extLst>
+          </p:spPr>
+          <p:txBody>
+            <a:bodyPr vert="horz" wrap="square" lIns="91440" tIns="45720" rIns="91440" bIns="45720" numCol="1" anchor="t" anchorCtr="0" compatLnSpc="1">
+              <a:prstTxWarp prst="textNoShape">
+                <a:avLst/>
+              </a:prstTxWarp>
+            </a:bodyPr>
+            <a:lstStyle/>
+            <a:p>
+              <a:endParaRPr lang="zh-CN" altLang="en-US"/>
+            </a:p>
+          </p:txBody>
+        </p:sp>
+        <p:sp>
+          <p:nvSpPr>
+            <p:cNvPr id="9" name="淘宝店chenying0907 38">
+              <a:extLst>
+                <a:ext uri="{FF2B5EF4-FFF2-40B4-BE49-F238E27FC236}">
+                  <a16:creationId xmlns:a16="http://schemas.microsoft.com/office/drawing/2014/main" id="{E28EC4EF-6261-457A-82F6-D0D83E155F84}"/>
+                </a:ext>
+              </a:extLst>
+            </p:cNvPr>
+            <p:cNvSpPr>
+              <a:spLocks/>
+            </p:cNvSpPr>
+            <p:nvPr/>
+          </p:nvSpPr>
+          <p:spPr bwMode="auto">
+            <a:xfrm rot="16200000">
+              <a:off x="6636541" y="2759869"/>
+              <a:ext cx="1579563" cy="3187700"/>
+            </a:xfrm>
+            <a:custGeom>
+              <a:avLst/>
+              <a:gdLst>
+                <a:gd name="T0" fmla="*/ 242 w 995"/>
+                <a:gd name="T1" fmla="*/ 0 h 2008"/>
+                <a:gd name="T2" fmla="*/ 0 w 995"/>
+                <a:gd name="T3" fmla="*/ 305 h 2008"/>
+                <a:gd name="T4" fmla="*/ 0 w 995"/>
+                <a:gd name="T5" fmla="*/ 1845 h 2008"/>
+                <a:gd name="T6" fmla="*/ 995 w 995"/>
+                <a:gd name="T7" fmla="*/ 2008 h 2008"/>
+                <a:gd name="T8" fmla="*/ 242 w 995"/>
+                <a:gd name="T9" fmla="*/ 0 h 2008"/>
+              </a:gdLst>
+              <a:ahLst/>
+              <a:cxnLst>
+                <a:cxn ang="0">
+                  <a:pos x="T0" y="T1"/>
+                </a:cxn>
+                <a:cxn ang="0">
+                  <a:pos x="T2" y="T3"/>
+                </a:cxn>
+                <a:cxn ang="0">
+                  <a:pos x="T4" y="T5"/>
+                </a:cxn>
+                <a:cxn ang="0">
+                  <a:pos x="T6" y="T7"/>
+                </a:cxn>
+                <a:cxn ang="0">
+                  <a:pos x="T8" y="T9"/>
+                </a:cxn>
+              </a:cxnLst>
+              <a:rect l="0" t="0" r="r" b="b"/>
+              <a:pathLst>
+                <a:path w="995" h="2008">
+                  <a:moveTo>
+                    <a:pt x="242" y="0"/>
+                  </a:moveTo>
+                  <a:lnTo>
+                    <a:pt x="0" y="305"/>
+                  </a:lnTo>
+                  <a:lnTo>
+                    <a:pt x="0" y="1845"/>
+                  </a:lnTo>
+                  <a:lnTo>
+                    <a:pt x="995" y="2008"/>
+                  </a:lnTo>
+                  <a:lnTo>
+                    <a:pt x="242" y="0"/>
+                  </a:lnTo>
+                  <a:close/>
+                </a:path>
+              </a:pathLst>
+            </a:custGeom>
+            <a:solidFill>
+              <a:srgbClr val="F9E7E3"/>
+            </a:solidFill>
+            <a:ln>
+              <a:noFill/>
+            </a:ln>
+            <a:extLst>
+              <a:ext uri="{91240B29-F687-4F45-9708-019B960494DF}">
+                <a14:hiddenLine xmlns:a14="http://schemas.microsoft.com/office/drawing/2010/main" w="9525">
+                  <a:solidFill>
+                    <a:srgbClr val="000000"/>
+                  </a:solidFill>
+                  <a:round/>
+                  <a:headEnd/>
+                  <a:tailEnd/>
+                </a14:hiddenLine>
+              </a:ext>
+            </a:extLst>
+          </p:spPr>
+          <p:txBody>
+            <a:bodyPr vert="horz" wrap="square" lIns="91440" tIns="45720" rIns="91440" bIns="45720" numCol="1" anchor="t" anchorCtr="0" compatLnSpc="1">
+              <a:prstTxWarp prst="textNoShape">
+                <a:avLst/>
+              </a:prstTxWarp>
+            </a:bodyPr>
+            <a:lstStyle/>
+            <a:p>
+              <a:endParaRPr lang="zh-CN" altLang="en-US"/>
+            </a:p>
+          </p:txBody>
+        </p:sp>
+        <p:sp>
+          <p:nvSpPr>
+            <p:cNvPr id="10" name="淘宝店chenying0907 39">
+              <a:extLst>
+                <a:ext uri="{FF2B5EF4-FFF2-40B4-BE49-F238E27FC236}">
+                  <a16:creationId xmlns:a16="http://schemas.microsoft.com/office/drawing/2014/main" id="{990217EC-83BC-4FC4-90BA-73C7CE12EB78}"/>
+                </a:ext>
+              </a:extLst>
+            </p:cNvPr>
+            <p:cNvSpPr>
+              <a:spLocks/>
+            </p:cNvSpPr>
+            <p:nvPr/>
+          </p:nvSpPr>
+          <p:spPr bwMode="auto">
+            <a:xfrm rot="16200000">
+              <a:off x="7785893" y="3785394"/>
+              <a:ext cx="2333625" cy="382588"/>
+            </a:xfrm>
+            <a:custGeom>
+              <a:avLst/>
+              <a:gdLst>
+                <a:gd name="T0" fmla="*/ 0 w 1470"/>
+                <a:gd name="T1" fmla="*/ 0 h 241"/>
+                <a:gd name="T2" fmla="*/ 0 w 1470"/>
+                <a:gd name="T3" fmla="*/ 233 h 241"/>
+                <a:gd name="T4" fmla="*/ 0 w 1470"/>
+                <a:gd name="T5" fmla="*/ 241 h 241"/>
+                <a:gd name="T6" fmla="*/ 1470 w 1470"/>
+                <a:gd name="T7" fmla="*/ 241 h 241"/>
+                <a:gd name="T8" fmla="*/ 0 w 1470"/>
+                <a:gd name="T9" fmla="*/ 0 h 241"/>
+              </a:gdLst>
+              <a:ahLst/>
+              <a:cxnLst>
+                <a:cxn ang="0">
+                  <a:pos x="T0" y="T1"/>
+                </a:cxn>
+                <a:cxn ang="0">
+                  <a:pos x="T2" y="T3"/>
+                </a:cxn>
+                <a:cxn ang="0">
+                  <a:pos x="T4" y="T5"/>
+                </a:cxn>
+                <a:cxn ang="0">
+                  <a:pos x="T6" y="T7"/>
+                </a:cxn>
+                <a:cxn ang="0">
+                  <a:pos x="T8" y="T9"/>
+                </a:cxn>
+              </a:cxnLst>
+              <a:rect l="0" t="0" r="r" b="b"/>
+              <a:pathLst>
+                <a:path w="1470" h="241">
+                  <a:moveTo>
+                    <a:pt x="0" y="0"/>
+                  </a:moveTo>
+                  <a:lnTo>
+                    <a:pt x="0" y="233"/>
+                  </a:lnTo>
+                  <a:lnTo>
+                    <a:pt x="0" y="241"/>
+                  </a:lnTo>
+                  <a:lnTo>
+                    <a:pt x="1470" y="241"/>
+                  </a:lnTo>
+                  <a:lnTo>
+                    <a:pt x="0" y="0"/>
+                  </a:lnTo>
+                  <a:close/>
+                </a:path>
+              </a:pathLst>
+            </a:custGeom>
+            <a:solidFill>
+              <a:srgbClr val="E5AAA4"/>
+            </a:solidFill>
+            <a:ln>
+              <a:noFill/>
+            </a:ln>
+            <a:extLst>
+              <a:ext uri="{91240B29-F687-4F45-9708-019B960494DF}">
+                <a14:hiddenLine xmlns:a14="http://schemas.microsoft.com/office/drawing/2010/main" w="9525">
+                  <a:solidFill>
+                    <a:srgbClr val="000000"/>
+                  </a:solidFill>
+                  <a:round/>
+                  <a:headEnd/>
+                  <a:tailEnd/>
+                </a14:hiddenLine>
+              </a:ext>
+            </a:extLst>
+          </p:spPr>
+          <p:txBody>
+            <a:bodyPr vert="horz" wrap="square" lIns="91440" tIns="45720" rIns="91440" bIns="45720" numCol="1" anchor="t" anchorCtr="0" compatLnSpc="1">
+              <a:prstTxWarp prst="textNoShape">
+                <a:avLst/>
+              </a:prstTxWarp>
+            </a:bodyPr>
+            <a:lstStyle/>
+            <a:p>
+              <a:endParaRPr lang="zh-CN" altLang="en-US"/>
+            </a:p>
+          </p:txBody>
+        </p:sp>
+      </p:grpSp>
+      <p:sp>
+        <p:nvSpPr>
+          <p:cNvPr id="3" name="PA_文本框 11">
+            <a:extLst>
+              <a:ext uri="{FF2B5EF4-FFF2-40B4-BE49-F238E27FC236}">
+                <a16:creationId xmlns:a16="http://schemas.microsoft.com/office/drawing/2014/main" id="{7944740E-1FBB-4030-9EE6-D186DD481E5A}"/>
+              </a:ext>
+            </a:extLst>
+          </p:cNvPr>
+          <p:cNvSpPr txBox="1">
+            <a:spLocks noChangeArrowheads="1"/>
+          </p:cNvSpPr>
+          <p:nvPr>
+            <p:custDataLst>
+              <p:tags r:id="rId4"/>
+            </p:custDataLst>
+          </p:nvPr>
+        </p:nvSpPr>
+        <p:spPr bwMode="auto">
+          <a:xfrm>
+            <a:off x="467544" y="555526"/>
+            <a:ext cx="8056185" cy="568425"/>
+          </a:xfrm>
+          <a:prstGeom prst="rect">
+            <a:avLst/>
+          </a:prstGeom>
+          <a:noFill/>
+          <a:ln>
+            <a:noFill/>
+          </a:ln>
+          <a:effectLst/>
+          <a:extLst>
+            <a:ext uri="{909E8E84-426E-40DD-AFC4-6F175D3DCCD1}">
+              <a14:hiddenFill xmlns:a14="http://schemas.microsoft.com/office/drawing/2010/main">
+                <a:solidFill>
+                  <a:schemeClr val="accent1"/>
+                </a:solidFill>
+              </a14:hiddenFill>
+            </a:ext>
+            <a:ext uri="{91240B29-F687-4F45-9708-019B960494DF}">
+              <a14:hiddenLine xmlns:a14="http://schemas.microsoft.com/office/drawing/2010/main" w="9525">
+                <a:solidFill>
+                  <a:srgbClr val="000000"/>
+                </a:solidFill>
+                <a:miter lim="800000"/>
+                <a:headEnd/>
+                <a:tailEnd/>
+              </a14:hiddenLine>
+            </a:ext>
+            <a:ext uri="{AF507438-7753-43E0-B8FC-AC1667EBCBE1}">
+              <a14:hiddenEffects xmlns:a14="http://schemas.microsoft.com/office/drawing/2010/main">
+                <a:effectLst>
+                  <a:outerShdw dist="35921" dir="2700000" algn="ctr" rotWithShape="0">
+                    <a:schemeClr val="bg2"/>
+                  </a:outerShdw>
+                </a:effectLst>
+              </a14:hiddenEffects>
+            </a:ext>
+          </a:extLst>
+        </p:spPr>
+        <p:txBody>
+          <a:bodyPr wrap="square">
+            <a:spAutoFit/>
+          </a:bodyPr>
+          <a:lstStyle/>
+          <a:p>
+            <a:pPr algn="ctr">
+              <a:lnSpc>
+                <a:spcPct val="120000"/>
+              </a:lnSpc>
+            </a:pPr>
+            <a:r>
+              <a:rPr lang="zh-CN" altLang="en-US" sz="2800" dirty="0">
+                <a:latin typeface="微软雅黑 Light" panose="020B0502040204020203" pitchFamily="34" charset="-122"/>
+                <a:ea typeface="微软雅黑 Light" panose="020B0502040204020203" pitchFamily="34" charset="-122"/>
+              </a:rPr>
+              <a:t>特点一：结构化维护与非结构化维护的差别巨大</a:t>
+            </a:r>
+            <a:endParaRPr lang="zh-CN" altLang="zh-CN" sz="2800" dirty="0">
+              <a:latin typeface="微软雅黑 Light" panose="020B0502040204020203" pitchFamily="34" charset="-122"/>
+              <a:ea typeface="微软雅黑 Light" panose="020B0502040204020203" pitchFamily="34" charset="-122"/>
+            </a:endParaRPr>
+          </a:p>
+        </p:txBody>
+      </p:sp>
+    </p:spTree>
+    <p:extLst>
+      <p:ext uri="{BB962C8B-B14F-4D97-AF65-F5344CB8AC3E}">
+        <p14:creationId xmlns:p14="http://schemas.microsoft.com/office/powerpoint/2010/main" val="1333882377"/>
+      </p:ext>
+    </p:extLst>
+  </p:cSld>
+  <p:clrMapOvr>
+    <a:masterClrMapping/>
+  </p:clrMapOvr>
+  <p:timing>
+    <p:tnLst>
+      <p:par>
+        <p:cTn id="1" dur="indefinite" restart="never" nodeType="tmRoot">
+          <p:childTnLst>
+            <p:seq concurrent="1" nextAc="seek">
+              <p:cTn id="2" dur="indefinite" nodeType="mainSeq">
+                <p:childTnLst>
+                  <p:par>
+                    <p:cTn id="3" fill="hold">
+                      <p:stCondLst>
+                        <p:cond delay="indefinite"/>
+                        <p:cond evt="onBegin" delay="0">
+                          <p:tn val="2"/>
+                        </p:cond>
+                      </p:stCondLst>
+                      <p:childTnLst>
+                        <p:par>
+                          <p:cTn id="4" fill="hold">
+                            <p:stCondLst>
+                              <p:cond delay="0"/>
+                            </p:stCondLst>
+                            <p:childTnLst>
+                              <p:par>
+                                <p:cTn id="5" presetID="10" presetClass="entr" presetSubtype="0" fill="hold" grpId="0" nodeType="withEffect">
+                                  <p:stCondLst>
+                                    <p:cond delay="600"/>
+                                  </p:stCondLst>
+                                  <p:childTnLst>
+                                    <p:set>
+                                      <p:cBhvr>
+                                        <p:cTn id="6" dur="1" fill="hold">
+                                          <p:stCondLst>
+                                            <p:cond delay="0"/>
+                                          </p:stCondLst>
+                                        </p:cTn>
+                                        <p:tgtEl>
+                                          <p:spTgt spid="3"/>
+                                        </p:tgtEl>
+                                        <p:attrNameLst>
+                                          <p:attrName>style.visibility</p:attrName>
+                                        </p:attrNameLst>
+                                      </p:cBhvr>
+                                      <p:to>
+                                        <p:strVal val="visible"/>
+                                      </p:to>
+                                    </p:set>
+                                    <p:animEffect transition="in" filter="fade">
+                                      <p:cBhvr>
+                                        <p:cTn id="7" dur="500"/>
+                                        <p:tgtEl>
+                                          <p:spTgt spid="3"/>
+                                        </p:tgtEl>
+                                      </p:cBhvr>
+                                    </p:animEffect>
+                                  </p:childTnLst>
+                                </p:cTn>
+                              </p:par>
+                              <p:par>
+                                <p:cTn id="8" presetID="10" presetClass="entr" presetSubtype="0" fill="hold" grpId="0" nodeType="withEffect">
+                                  <p:stCondLst>
+                                    <p:cond delay="600"/>
+                                  </p:stCondLst>
+                                  <p:childTnLst>
+                                    <p:set>
+                                      <p:cBhvr>
+                                        <p:cTn id="9" dur="1" fill="hold">
+                                          <p:stCondLst>
+                                            <p:cond delay="0"/>
+                                          </p:stCondLst>
+                                        </p:cTn>
+                                        <p:tgtEl>
+                                          <p:spTgt spid="4"/>
+                                        </p:tgtEl>
+                                        <p:attrNameLst>
+                                          <p:attrName>style.visibility</p:attrName>
+                                        </p:attrNameLst>
+                                      </p:cBhvr>
+                                      <p:to>
+                                        <p:strVal val="visible"/>
+                                      </p:to>
+                                    </p:set>
+                                    <p:animEffect transition="in" filter="fade">
+                                      <p:cBhvr>
+                                        <p:cTn id="10" dur="500"/>
+                                        <p:tgtEl>
+                                          <p:spTgt spid="4"/>
+                                        </p:tgtEl>
+                                      </p:cBhvr>
+                                    </p:animEffect>
+                                  </p:childTnLst>
+                                </p:cTn>
+                              </p:par>
+                              <p:par>
+                                <p:cTn id="11" presetID="10" presetClass="entr" presetSubtype="0" fill="hold" grpId="0" nodeType="withEffect">
+                                  <p:stCondLst>
+                                    <p:cond delay="600"/>
+                                  </p:stCondLst>
+                                  <p:childTnLst>
+                                    <p:set>
+                                      <p:cBhvr>
+                                        <p:cTn id="12" dur="1" fill="hold">
+                                          <p:stCondLst>
+                                            <p:cond delay="0"/>
+                                          </p:stCondLst>
+                                        </p:cTn>
+                                        <p:tgtEl>
+                                          <p:spTgt spid="5"/>
+                                        </p:tgtEl>
+                                        <p:attrNameLst>
+                                          <p:attrName>style.visibility</p:attrName>
+                                        </p:attrNameLst>
+                                      </p:cBhvr>
+                                      <p:to>
+                                        <p:strVal val="visible"/>
+                                      </p:to>
+                                    </p:set>
+                                    <p:animEffect transition="in" filter="fade">
+                                      <p:cBhvr>
+                                        <p:cTn id="13" dur="500"/>
+                                        <p:tgtEl>
+                                          <p:spTgt spid="5"/>
+                                        </p:tgtEl>
+                                      </p:cBhvr>
+                                    </p:animEffect>
+                                  </p:childTnLst>
+                                </p:cTn>
+                              </p:par>
+                            </p:childTnLst>
+                          </p:cTn>
+                        </p:par>
+                      </p:childTnLst>
+                    </p:cTn>
+                  </p:par>
+                  <p:par>
+                    <p:cTn id="14" fill="hold">
+                      <p:stCondLst>
+                        <p:cond delay="indefinite"/>
+                      </p:stCondLst>
+                      <p:childTnLst>
+                        <p:par>
+                          <p:cTn id="15" fill="hold">
+                            <p:stCondLst>
+                              <p:cond delay="0"/>
+                            </p:stCondLst>
+                            <p:childTnLst>
+                              <p:par>
+                                <p:cTn id="16" presetID="10" presetClass="entr" presetSubtype="0" fill="hold" nodeType="clickEffect">
+                                  <p:stCondLst>
+                                    <p:cond delay="0"/>
+                                  </p:stCondLst>
+                                  <p:childTnLst>
+                                    <p:set>
+                                      <p:cBhvr>
+                                        <p:cTn id="17" dur="1" fill="hold">
+                                          <p:stCondLst>
+                                            <p:cond delay="0"/>
+                                          </p:stCondLst>
+                                        </p:cTn>
+                                        <p:tgtEl>
+                                          <p:spTgt spid="6"/>
+                                        </p:tgtEl>
+                                        <p:attrNameLst>
+                                          <p:attrName>style.visibility</p:attrName>
+                                        </p:attrNameLst>
+                                      </p:cBhvr>
+                                      <p:to>
+                                        <p:strVal val="visible"/>
+                                      </p:to>
+                                    </p:set>
+                                    <p:animEffect transition="in" filter="fade">
+                                      <p:cBhvr>
+                                        <p:cTn id="18" dur="500"/>
+                                        <p:tgtEl>
+                                          <p:spTgt spid="6"/>
+                                        </p:tgtEl>
+                                      </p:cBhvr>
+                                    </p:animEffect>
+                                  </p:childTnLst>
+                                </p:cTn>
+                              </p:par>
+                            </p:childTnLst>
+                          </p:cTn>
+                        </p:par>
+                      </p:childTnLst>
+                    </p:cTn>
+                  </p:par>
+                </p:childTnLst>
+              </p:cTn>
+              <p:prevCondLst>
+                <p:cond evt="onPrev" delay="0">
+                  <p:tgtEl>
+                    <p:sldTgt/>
+                  </p:tgtEl>
+                </p:cond>
+              </p:prevCondLst>
+              <p:nextCondLst>
+                <p:cond evt="onNext" delay="0">
+                  <p:tgtEl>
+                    <p:sldTgt/>
+                  </p:tgtEl>
+                </p:cond>
+              </p:nextCondLst>
+            </p:seq>
+          </p:childTnLst>
+        </p:cTn>
+      </p:par>
+    </p:tnLst>
+    <p:bldLst>
+      <p:bldP spid="4" grpId="0"/>
+      <p:bldP spid="5" grpId="0"/>
+      <p:bldP spid="3" grpId="0"/>
+    </p:bldLst>
+  </p:timing>
+</p:sld>
+</file>
+
+<file path=ppt/slides/slide21.xml><?xml version="1.0" encoding="utf-8"?>
+<p:sld xmlns:a="http://schemas.openxmlformats.org/drawingml/2006/main" xmlns:r="http://schemas.openxmlformats.org/officeDocument/2006/relationships" xmlns:p="http://schemas.openxmlformats.org/presentationml/2006/main">
+  <p:cSld>
+    <p:spTree>
+      <p:nvGrpSpPr>
+        <p:cNvPr id="1" name=""/>
+        <p:cNvGrpSpPr/>
+        <p:nvPr/>
+      </p:nvGrpSpPr>
+      <p:grpSpPr>
+        <a:xfrm>
+          <a:off x="0" y="0"/>
+          <a:ext cx="0" cy="0"/>
+          <a:chOff x="0" y="0"/>
+          <a:chExt cx="0" cy="0"/>
+        </a:xfrm>
+      </p:grpSpPr>
+      <p:sp>
+        <p:nvSpPr>
           <p:cNvPr id="10251" name="PA_文本框 11"/>
           <p:cNvSpPr txBox="1">
             <a:spLocks noChangeArrowheads="1"/>
@@ -16904,7 +17242,7 @@
 </p:sld>
 </file>
 
-<file path=ppt/slides/slide21.xml><?xml version="1.0" encoding="utf-8"?>
+<file path=ppt/slides/slide22.xml><?xml version="1.0" encoding="utf-8"?>
 <p:sld xmlns:a="http://schemas.openxmlformats.org/drawingml/2006/main" xmlns:r="http://schemas.openxmlformats.org/officeDocument/2006/relationships" xmlns:p="http://schemas.openxmlformats.org/presentationml/2006/main">
   <p:cSld>
     <p:spTree>
@@ -17705,7 +18043,7 @@
 </p:sld>
 </file>
 
-<file path=ppt/slides/slide22.xml><?xml version="1.0" encoding="utf-8"?>
+<file path=ppt/slides/slide23.xml><?xml version="1.0" encoding="utf-8"?>
 <p:sld xmlns:a="http://schemas.openxmlformats.org/drawingml/2006/main" xmlns:r="http://schemas.openxmlformats.org/officeDocument/2006/relationships" xmlns:p="http://schemas.openxmlformats.org/presentationml/2006/main">
   <p:cSld>
     <p:spTree>
@@ -18546,7 +18884,7 @@
 </p:sld>
 </file>
 
-<file path=ppt/slides/slide23.xml><?xml version="1.0" encoding="utf-8"?>
+<file path=ppt/slides/slide24.xml><?xml version="1.0" encoding="utf-8"?>
 <p:sld xmlns:a="http://schemas.openxmlformats.org/drawingml/2006/main" xmlns:r="http://schemas.openxmlformats.org/officeDocument/2006/relationships" xmlns:p="http://schemas.openxmlformats.org/presentationml/2006/main">
   <p:cSld>
     <p:spTree>
@@ -19327,7 +19665,7 @@
 </p:sld>
 </file>
 
-<file path=ppt/slides/slide24.xml><?xml version="1.0" encoding="utf-8"?>
+<file path=ppt/slides/slide25.xml><?xml version="1.0" encoding="utf-8"?>
 <p:sld xmlns:a="http://schemas.openxmlformats.org/drawingml/2006/main" xmlns:r="http://schemas.openxmlformats.org/officeDocument/2006/relationships" xmlns:p="http://schemas.openxmlformats.org/presentationml/2006/main">
   <p:cSld>
     <p:spTree>
@@ -20096,7 +20434,7 @@
 </p:sld>
 </file>
 
-<file path=ppt/slides/slide25.xml><?xml version="1.0" encoding="utf-8"?>
+<file path=ppt/slides/slide26.xml><?xml version="1.0" encoding="utf-8"?>
 <p:sld xmlns:a="http://schemas.openxmlformats.org/drawingml/2006/main" xmlns:r="http://schemas.openxmlformats.org/officeDocument/2006/relationships" xmlns:p="http://schemas.openxmlformats.org/presentationml/2006/main">
   <p:cSld>
     <p:spTree>
@@ -21015,7 +21353,7 @@
 </p:sld>
 </file>
 
-<file path=ppt/slides/slide26.xml><?xml version="1.0" encoding="utf-8"?>
+<file path=ppt/slides/slide27.xml><?xml version="1.0" encoding="utf-8"?>
 <p:sld xmlns:a="http://schemas.openxmlformats.org/drawingml/2006/main" xmlns:r="http://schemas.openxmlformats.org/officeDocument/2006/relationships" xmlns:p="http://schemas.openxmlformats.org/presentationml/2006/main">
   <p:cSld>
     <p:spTree>
@@ -21915,7 +22253,7 @@
 </p:sld>
 </file>
 
-<file path=ppt/slides/slide27.xml><?xml version="1.0" encoding="utf-8"?>
+<file path=ppt/slides/slide28.xml><?xml version="1.0" encoding="utf-8"?>
 <p:sld xmlns:a="http://schemas.openxmlformats.org/drawingml/2006/main" xmlns:r="http://schemas.openxmlformats.org/officeDocument/2006/relationships" xmlns:p="http://schemas.openxmlformats.org/presentationml/2006/main">
   <p:cSld>
     <p:spTree>
@@ -22713,7 +23051,7 @@
 </p:sld>
 </file>
 
-<file path=ppt/slides/slide28.xml><?xml version="1.0" encoding="utf-8"?>
+<file path=ppt/slides/slide29.xml><?xml version="1.0" encoding="utf-8"?>
 <p:sld xmlns:a="http://schemas.openxmlformats.org/drawingml/2006/main" xmlns:r="http://schemas.openxmlformats.org/officeDocument/2006/relationships" xmlns:p="http://schemas.openxmlformats.org/presentationml/2006/main">
   <p:cSld>
     <p:spTree>
@@ -23560,504 +23898,6 @@
     <p:bldLst>
       <p:bldP spid="10251" grpId="0"/>
       <p:bldP spid="30" grpId="0"/>
-    </p:bldLst>
-  </p:timing>
-</p:sld>
-</file>
-
-<file path=ppt/slides/slide29.xml><?xml version="1.0" encoding="utf-8"?>
-<p:sld xmlns:a="http://schemas.openxmlformats.org/drawingml/2006/main" xmlns:r="http://schemas.openxmlformats.org/officeDocument/2006/relationships" xmlns:p="http://schemas.openxmlformats.org/presentationml/2006/main">
-  <p:cSld>
-    <p:spTree>
-      <p:nvGrpSpPr>
-        <p:cNvPr id="1" name=""/>
-        <p:cNvGrpSpPr/>
-        <p:nvPr/>
-      </p:nvGrpSpPr>
-      <p:grpSpPr>
-        <a:xfrm>
-          <a:off x="0" y="0"/>
-          <a:ext cx="0" cy="0"/>
-          <a:chOff x="0" y="0"/>
-          <a:chExt cx="0" cy="0"/>
-        </a:xfrm>
-      </p:grpSpPr>
-      <p:sp>
-        <p:nvSpPr>
-          <p:cNvPr id="2" name="PA_文本框 4">
-            <a:extLst>
-              <a:ext uri="{FF2B5EF4-FFF2-40B4-BE49-F238E27FC236}">
-                <a16:creationId xmlns:a16="http://schemas.microsoft.com/office/drawing/2014/main" id="{AC73789D-FE95-442B-8B9A-286387DA2DF4}"/>
-              </a:ext>
-            </a:extLst>
-          </p:cNvPr>
-          <p:cNvSpPr txBox="1">
-            <a:spLocks noChangeArrowheads="1"/>
-          </p:cNvSpPr>
-          <p:nvPr>
-            <p:custDataLst>
-              <p:tags r:id="rId1"/>
-            </p:custDataLst>
-          </p:nvPr>
-        </p:nvSpPr>
-        <p:spPr bwMode="auto">
-          <a:xfrm>
-            <a:off x="535359" y="184337"/>
-            <a:ext cx="1127232" cy="400110"/>
-          </a:xfrm>
-          <a:prstGeom prst="rect">
-            <a:avLst/>
-          </a:prstGeom>
-          <a:noFill/>
-          <a:ln>
-            <a:noFill/>
-          </a:ln>
-          <a:effectLst/>
-          <a:extLst>
-            <a:ext uri="{909E8E84-426E-40DD-AFC4-6F175D3DCCD1}">
-              <a14:hiddenFill xmlns:a14="http://schemas.microsoft.com/office/drawing/2010/main">
-                <a:solidFill>
-                  <a:schemeClr val="accent1"/>
-                </a:solidFill>
-              </a14:hiddenFill>
-            </a:ext>
-            <a:ext uri="{91240B29-F687-4F45-9708-019B960494DF}">
-              <a14:hiddenLine xmlns:a14="http://schemas.microsoft.com/office/drawing/2010/main" w="9525">
-                <a:solidFill>
-                  <a:srgbClr val="000000"/>
-                </a:solidFill>
-                <a:miter lim="800000"/>
-                <a:headEnd/>
-                <a:tailEnd/>
-              </a14:hiddenLine>
-            </a:ext>
-            <a:ext uri="{AF507438-7753-43E0-B8FC-AC1667EBCBE1}">
-              <a14:hiddenEffects xmlns:a14="http://schemas.microsoft.com/office/drawing/2010/main">
-                <a:effectLst>
-                  <a:outerShdw dist="35921" dir="2700000" algn="ctr" rotWithShape="0">
-                    <a:schemeClr val="bg2"/>
-                  </a:outerShdw>
-                </a:effectLst>
-              </a14:hiddenEffects>
-            </a:ext>
-          </a:extLst>
-        </p:spPr>
-        <p:txBody>
-          <a:bodyPr wrap="none">
-            <a:spAutoFit/>
-          </a:bodyPr>
-          <a:lstStyle/>
-          <a:p>
-            <a:pPr>
-              <a:buFont typeface="Arial" pitchFamily="34" charset="0"/>
-              <a:buNone/>
-            </a:pPr>
-            <a:r>
-              <a:rPr lang="en-US" altLang="zh-CN" sz="2000" dirty="0">
-                <a:solidFill>
-                  <a:schemeClr val="tx1">
-                    <a:lumMod val="65000"/>
-                    <a:lumOff val="35000"/>
-                  </a:schemeClr>
-                </a:solidFill>
-                <a:latin typeface="微软雅黑 Light" panose="020B0502040204020203" pitchFamily="34" charset="-122"/>
-                <a:ea typeface="微软雅黑 Light" panose="020B0502040204020203" pitchFamily="34" charset="-122"/>
-              </a:rPr>
-              <a:t>Q&amp;A</a:t>
-            </a:r>
-            <a:r>
-              <a:rPr lang="en-US" altLang="zh-CN" sz="1100" dirty="0">
-                <a:solidFill>
-                  <a:schemeClr val="accent3"/>
-                </a:solidFill>
-                <a:latin typeface="微软雅黑 Light" panose="020B0502040204020203" pitchFamily="34" charset="-122"/>
-                <a:ea typeface="微软雅黑 Light" panose="020B0502040204020203" pitchFamily="34" charset="-122"/>
-              </a:rPr>
-              <a:t>【1】</a:t>
-            </a:r>
-          </a:p>
-        </p:txBody>
-      </p:sp>
-      <p:sp>
-        <p:nvSpPr>
-          <p:cNvPr id="3" name="PA_淘宝店chenying0907 10">
-            <a:extLst>
-              <a:ext uri="{FF2B5EF4-FFF2-40B4-BE49-F238E27FC236}">
-                <a16:creationId xmlns:a16="http://schemas.microsoft.com/office/drawing/2014/main" id="{721B998F-33A5-4620-9B9A-ABEDE0E906FF}"/>
-              </a:ext>
-            </a:extLst>
-          </p:cNvPr>
-          <p:cNvSpPr>
-            <a:spLocks noChangeArrowheads="1"/>
-          </p:cNvSpPr>
-          <p:nvPr>
-            <p:custDataLst>
-              <p:tags r:id="rId2"/>
-            </p:custDataLst>
-          </p:nvPr>
-        </p:nvSpPr>
-        <p:spPr bwMode="auto">
-          <a:xfrm>
-            <a:off x="992938" y="915566"/>
-            <a:ext cx="2087562" cy="3097931"/>
-          </a:xfrm>
-          <a:prstGeom prst="rect">
-            <a:avLst/>
-          </a:prstGeom>
-          <a:solidFill>
-            <a:schemeClr val="accent4">
-              <a:alpha val="89999"/>
-            </a:schemeClr>
-          </a:solidFill>
-          <a:ln>
-            <a:noFill/>
-          </a:ln>
-          <a:effectLst/>
-        </p:spPr>
-        <p:txBody>
-          <a:bodyPr wrap="none" anchor="ctr"/>
-          <a:lstStyle/>
-          <a:p>
-            <a:endParaRPr lang="zh-CN" altLang="en-US"/>
-          </a:p>
-        </p:txBody>
-      </p:sp>
-      <p:sp>
-        <p:nvSpPr>
-          <p:cNvPr id="4" name="PA_文本框 11">
-            <a:extLst>
-              <a:ext uri="{FF2B5EF4-FFF2-40B4-BE49-F238E27FC236}">
-                <a16:creationId xmlns:a16="http://schemas.microsoft.com/office/drawing/2014/main" id="{BCCA68D1-798B-4E9E-81CE-9ABF0EE6CD4A}"/>
-              </a:ext>
-            </a:extLst>
-          </p:cNvPr>
-          <p:cNvSpPr txBox="1">
-            <a:spLocks noChangeArrowheads="1"/>
-          </p:cNvSpPr>
-          <p:nvPr>
-            <p:custDataLst>
-              <p:tags r:id="rId3"/>
-            </p:custDataLst>
-          </p:nvPr>
-        </p:nvSpPr>
-        <p:spPr bwMode="auto">
-          <a:xfrm>
-            <a:off x="1098975" y="2146303"/>
-            <a:ext cx="2092324" cy="636456"/>
-          </a:xfrm>
-          <a:prstGeom prst="rect">
-            <a:avLst/>
-          </a:prstGeom>
-          <a:noFill/>
-          <a:ln>
-            <a:noFill/>
-          </a:ln>
-          <a:effectLst/>
-          <a:extLst>
-            <a:ext uri="{909E8E84-426E-40DD-AFC4-6F175D3DCCD1}">
-              <a14:hiddenFill xmlns:a14="http://schemas.microsoft.com/office/drawing/2010/main">
-                <a:solidFill>
-                  <a:schemeClr val="accent1"/>
-                </a:solidFill>
-              </a14:hiddenFill>
-            </a:ext>
-            <a:ext uri="{91240B29-F687-4F45-9708-019B960494DF}">
-              <a14:hiddenLine xmlns:a14="http://schemas.microsoft.com/office/drawing/2010/main" w="9525">
-                <a:solidFill>
-                  <a:srgbClr val="000000"/>
-                </a:solidFill>
-                <a:miter lim="800000"/>
-                <a:headEnd/>
-                <a:tailEnd/>
-              </a14:hiddenLine>
-            </a:ext>
-            <a:ext uri="{AF507438-7753-43E0-B8FC-AC1667EBCBE1}">
-              <a14:hiddenEffects xmlns:a14="http://schemas.microsoft.com/office/drawing/2010/main">
-                <a:effectLst>
-                  <a:outerShdw dist="35921" dir="2700000" algn="ctr" rotWithShape="0">
-                    <a:schemeClr val="bg2"/>
-                  </a:outerShdw>
-                </a:effectLst>
-              </a14:hiddenEffects>
-            </a:ext>
-          </a:extLst>
-        </p:spPr>
-        <p:txBody>
-          <a:bodyPr wrap="square">
-            <a:spAutoFit/>
-          </a:bodyPr>
-          <a:lstStyle/>
-          <a:p>
-            <a:pPr algn="ctr">
-              <a:lnSpc>
-                <a:spcPct val="120000"/>
-              </a:lnSpc>
-            </a:pPr>
-            <a:r>
-              <a:rPr lang="zh-CN" altLang="en-US" sz="3200" dirty="0">
-                <a:solidFill>
-                  <a:schemeClr val="bg1"/>
-                </a:solidFill>
-                <a:latin typeface="微软雅黑 Light" panose="020B0502040204020203" pitchFamily="34" charset="-122"/>
-                <a:ea typeface="微软雅黑 Light" panose="020B0502040204020203" pitchFamily="34" charset="-122"/>
-              </a:rPr>
-              <a:t>问题：</a:t>
-            </a:r>
-            <a:endParaRPr lang="zh-CN" altLang="zh-CN" sz="3200" dirty="0">
-              <a:solidFill>
-                <a:schemeClr val="bg1"/>
-              </a:solidFill>
-              <a:latin typeface="微软雅黑 Light" panose="020B0502040204020203" pitchFamily="34" charset="-122"/>
-              <a:ea typeface="微软雅黑 Light" panose="020B0502040204020203" pitchFamily="34" charset="-122"/>
-            </a:endParaRPr>
-          </a:p>
-        </p:txBody>
-      </p:sp>
-      <p:sp>
-        <p:nvSpPr>
-          <p:cNvPr id="5" name="文本框 4">
-            <a:extLst>
-              <a:ext uri="{FF2B5EF4-FFF2-40B4-BE49-F238E27FC236}">
-                <a16:creationId xmlns:a16="http://schemas.microsoft.com/office/drawing/2014/main" id="{C9AB9478-E65A-44FF-833A-00050B23AAE8}"/>
-              </a:ext>
-            </a:extLst>
-          </p:cNvPr>
-          <p:cNvSpPr txBox="1"/>
-          <p:nvPr/>
-        </p:nvSpPr>
-        <p:spPr>
-          <a:xfrm>
-            <a:off x="4139952" y="1347614"/>
-            <a:ext cx="4176464" cy="677108"/>
-          </a:xfrm>
-          <a:prstGeom prst="rect">
-            <a:avLst/>
-          </a:prstGeom>
-          <a:noFill/>
-        </p:spPr>
-        <p:txBody>
-          <a:bodyPr wrap="square" rtlCol="0">
-            <a:spAutoFit/>
-          </a:bodyPr>
-          <a:lstStyle/>
-          <a:p>
-            <a:pPr>
-              <a:buFont typeface="Arial" pitchFamily="34" charset="0"/>
-              <a:buNone/>
-            </a:pPr>
-            <a:r>
-              <a:rPr lang="zh-CN" altLang="en-US" sz="2000" dirty="0">
-                <a:solidFill>
-                  <a:schemeClr val="tx1">
-                    <a:lumMod val="65000"/>
-                    <a:lumOff val="35000"/>
-                  </a:schemeClr>
-                </a:solidFill>
-                <a:latin typeface="微软雅黑 Light" panose="020B0502040204020203" pitchFamily="34" charset="-122"/>
-                <a:ea typeface="微软雅黑 Light" panose="020B0502040204020203" pitchFamily="34" charset="-122"/>
-              </a:rPr>
-              <a:t>请问最左边倒数第二位同学：</a:t>
-            </a:r>
-            <a:endParaRPr lang="en-US" altLang="zh-CN" sz="2000" dirty="0">
-              <a:solidFill>
-                <a:schemeClr val="tx1">
-                  <a:lumMod val="65000"/>
-                  <a:lumOff val="35000"/>
-                </a:schemeClr>
-              </a:solidFill>
-              <a:latin typeface="微软雅黑 Light" panose="020B0502040204020203" pitchFamily="34" charset="-122"/>
-              <a:ea typeface="微软雅黑 Light" panose="020B0502040204020203" pitchFamily="34" charset="-122"/>
-            </a:endParaRPr>
-          </a:p>
-          <a:p>
-            <a:pPr>
-              <a:buFont typeface="Arial" pitchFamily="34" charset="0"/>
-              <a:buNone/>
-            </a:pPr>
-            <a:r>
-              <a:rPr lang="zh-CN" altLang="en-US" dirty="0">
-                <a:solidFill>
-                  <a:schemeClr val="bg1">
-                    <a:lumMod val="50000"/>
-                  </a:schemeClr>
-                </a:solidFill>
-                <a:latin typeface="微软雅黑 Light" panose="020B0502040204020203" pitchFamily="34" charset="-122"/>
-                <a:ea typeface="微软雅黑 Light" panose="020B0502040204020203" pitchFamily="34" charset="-122"/>
-              </a:rPr>
-              <a:t>    软件维护的最终任务是什么？？</a:t>
-            </a:r>
-          </a:p>
-        </p:txBody>
-      </p:sp>
-    </p:spTree>
-    <p:extLst>
-      <p:ext uri="{BB962C8B-B14F-4D97-AF65-F5344CB8AC3E}">
-        <p14:creationId xmlns:p14="http://schemas.microsoft.com/office/powerpoint/2010/main" val="1825911742"/>
-      </p:ext>
-    </p:extLst>
-  </p:cSld>
-  <p:clrMapOvr>
-    <a:masterClrMapping/>
-  </p:clrMapOvr>
-  <p:timing>
-    <p:tnLst>
-      <p:par>
-        <p:cTn id="1" dur="indefinite" restart="never" nodeType="tmRoot">
-          <p:childTnLst>
-            <p:seq concurrent="1" nextAc="seek">
-              <p:cTn id="2" dur="indefinite" nodeType="mainSeq">
-                <p:childTnLst>
-                  <p:par>
-                    <p:cTn id="3" fill="hold">
-                      <p:stCondLst>
-                        <p:cond delay="indefinite"/>
-                        <p:cond evt="onBegin" delay="0">
-                          <p:tn val="2"/>
-                        </p:cond>
-                      </p:stCondLst>
-                      <p:childTnLst>
-                        <p:par>
-                          <p:cTn id="4" fill="hold">
-                            <p:stCondLst>
-                              <p:cond delay="0"/>
-                            </p:stCondLst>
-                            <p:childTnLst>
-                              <p:par>
-                                <p:cTn id="5" presetID="10" presetClass="entr" presetSubtype="0" fill="hold" grpId="0" nodeType="withEffect">
-                                  <p:stCondLst>
-                                    <p:cond delay="1800"/>
-                                  </p:stCondLst>
-                                  <p:childTnLst>
-                                    <p:set>
-                                      <p:cBhvr>
-                                        <p:cTn id="6" dur="1" fill="hold">
-                                          <p:stCondLst>
-                                            <p:cond delay="0"/>
-                                          </p:stCondLst>
-                                        </p:cTn>
-                                        <p:tgtEl>
-                                          <p:spTgt spid="2"/>
-                                        </p:tgtEl>
-                                        <p:attrNameLst>
-                                          <p:attrName>style.visibility</p:attrName>
-                                        </p:attrNameLst>
-                                      </p:cBhvr>
-                                      <p:to>
-                                        <p:strVal val="visible"/>
-                                      </p:to>
-                                    </p:set>
-                                    <p:animEffect transition="in" filter="fade">
-                                      <p:cBhvr>
-                                        <p:cTn id="7" dur="500"/>
-                                        <p:tgtEl>
-                                          <p:spTgt spid="2"/>
-                                        </p:tgtEl>
-                                      </p:cBhvr>
-                                    </p:animEffect>
-                                  </p:childTnLst>
-                                </p:cTn>
-                              </p:par>
-                              <p:par>
-                                <p:cTn id="8" presetID="10" presetClass="entr" presetSubtype="0" fill="hold" grpId="0" nodeType="withEffect">
-                                  <p:stCondLst>
-                                    <p:cond delay="300"/>
-                                  </p:stCondLst>
-                                  <p:childTnLst>
-                                    <p:set>
-                                      <p:cBhvr>
-                                        <p:cTn id="9" dur="1" fill="hold">
-                                          <p:stCondLst>
-                                            <p:cond delay="0"/>
-                                          </p:stCondLst>
-                                        </p:cTn>
-                                        <p:tgtEl>
-                                          <p:spTgt spid="3"/>
-                                        </p:tgtEl>
-                                        <p:attrNameLst>
-                                          <p:attrName>style.visibility</p:attrName>
-                                        </p:attrNameLst>
-                                      </p:cBhvr>
-                                      <p:to>
-                                        <p:strVal val="visible"/>
-                                      </p:to>
-                                    </p:set>
-                                    <p:animEffect transition="in" filter="fade">
-                                      <p:cBhvr>
-                                        <p:cTn id="10" dur="500"/>
-                                        <p:tgtEl>
-                                          <p:spTgt spid="3"/>
-                                        </p:tgtEl>
-                                      </p:cBhvr>
-                                    </p:animEffect>
-                                  </p:childTnLst>
-                                </p:cTn>
-                              </p:par>
-                              <p:par>
-                                <p:cTn id="11" presetID="10" presetClass="entr" presetSubtype="0" fill="hold" grpId="0" nodeType="withEffect">
-                                  <p:stCondLst>
-                                    <p:cond delay="600"/>
-                                  </p:stCondLst>
-                                  <p:childTnLst>
-                                    <p:set>
-                                      <p:cBhvr>
-                                        <p:cTn id="12" dur="1" fill="hold">
-                                          <p:stCondLst>
-                                            <p:cond delay="0"/>
-                                          </p:stCondLst>
-                                        </p:cTn>
-                                        <p:tgtEl>
-                                          <p:spTgt spid="4"/>
-                                        </p:tgtEl>
-                                        <p:attrNameLst>
-                                          <p:attrName>style.visibility</p:attrName>
-                                        </p:attrNameLst>
-                                      </p:cBhvr>
-                                      <p:to>
-                                        <p:strVal val="visible"/>
-                                      </p:to>
-                                    </p:set>
-                                    <p:animEffect transition="in" filter="fade">
-                                      <p:cBhvr>
-                                        <p:cTn id="13" dur="500"/>
-                                        <p:tgtEl>
-                                          <p:spTgt spid="4"/>
-                                        </p:tgtEl>
-                                      </p:cBhvr>
-                                    </p:animEffect>
-                                  </p:childTnLst>
-                                </p:cTn>
-                              </p:par>
-                            </p:childTnLst>
-                          </p:cTn>
-                        </p:par>
-                      </p:childTnLst>
-                    </p:cTn>
-                  </p:par>
-                </p:childTnLst>
-              </p:cTn>
-              <p:prevCondLst>
-                <p:cond evt="onPrev" delay="0">
-                  <p:tgtEl>
-                    <p:sldTgt/>
-                  </p:tgtEl>
-                </p:cond>
-              </p:prevCondLst>
-              <p:nextCondLst>
-                <p:cond evt="onNext" delay="0">
-                  <p:tgtEl>
-                    <p:sldTgt/>
-                  </p:tgtEl>
-                </p:cond>
-              </p:nextCondLst>
-            </p:seq>
-          </p:childTnLst>
-        </p:cTn>
-      </p:par>
-    </p:tnLst>
-    <p:bldLst>
-      <p:bldP spid="2" grpId="0"/>
-      <p:bldP spid="3" grpId="0" animBg="1" autoUpdateAnimBg="0"/>
-      <p:bldP spid="4" grpId="0" animBg="1" autoUpdateAnimBg="0"/>
     </p:bldLst>
   </p:timing>
 </p:sld>
@@ -24969,6 +24809,504 @@
           <p:cNvPr id="2" name="PA_文本框 4">
             <a:extLst>
               <a:ext uri="{FF2B5EF4-FFF2-40B4-BE49-F238E27FC236}">
+                <a16:creationId xmlns:a16="http://schemas.microsoft.com/office/drawing/2014/main" id="{AC73789D-FE95-442B-8B9A-286387DA2DF4}"/>
+              </a:ext>
+            </a:extLst>
+          </p:cNvPr>
+          <p:cNvSpPr txBox="1">
+            <a:spLocks noChangeArrowheads="1"/>
+          </p:cNvSpPr>
+          <p:nvPr>
+            <p:custDataLst>
+              <p:tags r:id="rId1"/>
+            </p:custDataLst>
+          </p:nvPr>
+        </p:nvSpPr>
+        <p:spPr bwMode="auto">
+          <a:xfrm>
+            <a:off x="535359" y="184337"/>
+            <a:ext cx="1127232" cy="400110"/>
+          </a:xfrm>
+          <a:prstGeom prst="rect">
+            <a:avLst/>
+          </a:prstGeom>
+          <a:noFill/>
+          <a:ln>
+            <a:noFill/>
+          </a:ln>
+          <a:effectLst/>
+          <a:extLst>
+            <a:ext uri="{909E8E84-426E-40DD-AFC4-6F175D3DCCD1}">
+              <a14:hiddenFill xmlns:a14="http://schemas.microsoft.com/office/drawing/2010/main">
+                <a:solidFill>
+                  <a:schemeClr val="accent1"/>
+                </a:solidFill>
+              </a14:hiddenFill>
+            </a:ext>
+            <a:ext uri="{91240B29-F687-4F45-9708-019B960494DF}">
+              <a14:hiddenLine xmlns:a14="http://schemas.microsoft.com/office/drawing/2010/main" w="9525">
+                <a:solidFill>
+                  <a:srgbClr val="000000"/>
+                </a:solidFill>
+                <a:miter lim="800000"/>
+                <a:headEnd/>
+                <a:tailEnd/>
+              </a14:hiddenLine>
+            </a:ext>
+            <a:ext uri="{AF507438-7753-43E0-B8FC-AC1667EBCBE1}">
+              <a14:hiddenEffects xmlns:a14="http://schemas.microsoft.com/office/drawing/2010/main">
+                <a:effectLst>
+                  <a:outerShdw dist="35921" dir="2700000" algn="ctr" rotWithShape="0">
+                    <a:schemeClr val="bg2"/>
+                  </a:outerShdw>
+                </a:effectLst>
+              </a14:hiddenEffects>
+            </a:ext>
+          </a:extLst>
+        </p:spPr>
+        <p:txBody>
+          <a:bodyPr wrap="none">
+            <a:spAutoFit/>
+          </a:bodyPr>
+          <a:lstStyle/>
+          <a:p>
+            <a:pPr>
+              <a:buFont typeface="Arial" pitchFamily="34" charset="0"/>
+              <a:buNone/>
+            </a:pPr>
+            <a:r>
+              <a:rPr lang="en-US" altLang="zh-CN" sz="2000" dirty="0">
+                <a:solidFill>
+                  <a:schemeClr val="tx1">
+                    <a:lumMod val="65000"/>
+                    <a:lumOff val="35000"/>
+                  </a:schemeClr>
+                </a:solidFill>
+                <a:latin typeface="微软雅黑 Light" panose="020B0502040204020203" pitchFamily="34" charset="-122"/>
+                <a:ea typeface="微软雅黑 Light" panose="020B0502040204020203" pitchFamily="34" charset="-122"/>
+              </a:rPr>
+              <a:t>Q&amp;A</a:t>
+            </a:r>
+            <a:r>
+              <a:rPr lang="en-US" altLang="zh-CN" sz="1100" dirty="0">
+                <a:solidFill>
+                  <a:schemeClr val="accent3"/>
+                </a:solidFill>
+                <a:latin typeface="微软雅黑 Light" panose="020B0502040204020203" pitchFamily="34" charset="-122"/>
+                <a:ea typeface="微软雅黑 Light" panose="020B0502040204020203" pitchFamily="34" charset="-122"/>
+              </a:rPr>
+              <a:t>【1】</a:t>
+            </a:r>
+          </a:p>
+        </p:txBody>
+      </p:sp>
+      <p:sp>
+        <p:nvSpPr>
+          <p:cNvPr id="3" name="PA_淘宝店chenying0907 10">
+            <a:extLst>
+              <a:ext uri="{FF2B5EF4-FFF2-40B4-BE49-F238E27FC236}">
+                <a16:creationId xmlns:a16="http://schemas.microsoft.com/office/drawing/2014/main" id="{721B998F-33A5-4620-9B9A-ABEDE0E906FF}"/>
+              </a:ext>
+            </a:extLst>
+          </p:cNvPr>
+          <p:cNvSpPr>
+            <a:spLocks noChangeArrowheads="1"/>
+          </p:cNvSpPr>
+          <p:nvPr>
+            <p:custDataLst>
+              <p:tags r:id="rId2"/>
+            </p:custDataLst>
+          </p:nvPr>
+        </p:nvSpPr>
+        <p:spPr bwMode="auto">
+          <a:xfrm>
+            <a:off x="992938" y="915566"/>
+            <a:ext cx="2087562" cy="3097931"/>
+          </a:xfrm>
+          <a:prstGeom prst="rect">
+            <a:avLst/>
+          </a:prstGeom>
+          <a:solidFill>
+            <a:schemeClr val="accent4">
+              <a:alpha val="89999"/>
+            </a:schemeClr>
+          </a:solidFill>
+          <a:ln>
+            <a:noFill/>
+          </a:ln>
+          <a:effectLst/>
+        </p:spPr>
+        <p:txBody>
+          <a:bodyPr wrap="none" anchor="ctr"/>
+          <a:lstStyle/>
+          <a:p>
+            <a:endParaRPr lang="zh-CN" altLang="en-US"/>
+          </a:p>
+        </p:txBody>
+      </p:sp>
+      <p:sp>
+        <p:nvSpPr>
+          <p:cNvPr id="4" name="PA_文本框 11">
+            <a:extLst>
+              <a:ext uri="{FF2B5EF4-FFF2-40B4-BE49-F238E27FC236}">
+                <a16:creationId xmlns:a16="http://schemas.microsoft.com/office/drawing/2014/main" id="{BCCA68D1-798B-4E9E-81CE-9ABF0EE6CD4A}"/>
+              </a:ext>
+            </a:extLst>
+          </p:cNvPr>
+          <p:cNvSpPr txBox="1">
+            <a:spLocks noChangeArrowheads="1"/>
+          </p:cNvSpPr>
+          <p:nvPr>
+            <p:custDataLst>
+              <p:tags r:id="rId3"/>
+            </p:custDataLst>
+          </p:nvPr>
+        </p:nvSpPr>
+        <p:spPr bwMode="auto">
+          <a:xfrm>
+            <a:off x="1098975" y="2146303"/>
+            <a:ext cx="2092324" cy="636456"/>
+          </a:xfrm>
+          <a:prstGeom prst="rect">
+            <a:avLst/>
+          </a:prstGeom>
+          <a:noFill/>
+          <a:ln>
+            <a:noFill/>
+          </a:ln>
+          <a:effectLst/>
+          <a:extLst>
+            <a:ext uri="{909E8E84-426E-40DD-AFC4-6F175D3DCCD1}">
+              <a14:hiddenFill xmlns:a14="http://schemas.microsoft.com/office/drawing/2010/main">
+                <a:solidFill>
+                  <a:schemeClr val="accent1"/>
+                </a:solidFill>
+              </a14:hiddenFill>
+            </a:ext>
+            <a:ext uri="{91240B29-F687-4F45-9708-019B960494DF}">
+              <a14:hiddenLine xmlns:a14="http://schemas.microsoft.com/office/drawing/2010/main" w="9525">
+                <a:solidFill>
+                  <a:srgbClr val="000000"/>
+                </a:solidFill>
+                <a:miter lim="800000"/>
+                <a:headEnd/>
+                <a:tailEnd/>
+              </a14:hiddenLine>
+            </a:ext>
+            <a:ext uri="{AF507438-7753-43E0-B8FC-AC1667EBCBE1}">
+              <a14:hiddenEffects xmlns:a14="http://schemas.microsoft.com/office/drawing/2010/main">
+                <a:effectLst>
+                  <a:outerShdw dist="35921" dir="2700000" algn="ctr" rotWithShape="0">
+                    <a:schemeClr val="bg2"/>
+                  </a:outerShdw>
+                </a:effectLst>
+              </a14:hiddenEffects>
+            </a:ext>
+          </a:extLst>
+        </p:spPr>
+        <p:txBody>
+          <a:bodyPr wrap="square">
+            <a:spAutoFit/>
+          </a:bodyPr>
+          <a:lstStyle/>
+          <a:p>
+            <a:pPr algn="ctr">
+              <a:lnSpc>
+                <a:spcPct val="120000"/>
+              </a:lnSpc>
+            </a:pPr>
+            <a:r>
+              <a:rPr lang="zh-CN" altLang="en-US" sz="3200" dirty="0">
+                <a:solidFill>
+                  <a:schemeClr val="bg1"/>
+                </a:solidFill>
+                <a:latin typeface="微软雅黑 Light" panose="020B0502040204020203" pitchFamily="34" charset="-122"/>
+                <a:ea typeface="微软雅黑 Light" panose="020B0502040204020203" pitchFamily="34" charset="-122"/>
+              </a:rPr>
+              <a:t>问题：</a:t>
+            </a:r>
+            <a:endParaRPr lang="zh-CN" altLang="zh-CN" sz="3200" dirty="0">
+              <a:solidFill>
+                <a:schemeClr val="bg1"/>
+              </a:solidFill>
+              <a:latin typeface="微软雅黑 Light" panose="020B0502040204020203" pitchFamily="34" charset="-122"/>
+              <a:ea typeface="微软雅黑 Light" panose="020B0502040204020203" pitchFamily="34" charset="-122"/>
+            </a:endParaRPr>
+          </a:p>
+        </p:txBody>
+      </p:sp>
+      <p:sp>
+        <p:nvSpPr>
+          <p:cNvPr id="5" name="文本框 4">
+            <a:extLst>
+              <a:ext uri="{FF2B5EF4-FFF2-40B4-BE49-F238E27FC236}">
+                <a16:creationId xmlns:a16="http://schemas.microsoft.com/office/drawing/2014/main" id="{C9AB9478-E65A-44FF-833A-00050B23AAE8}"/>
+              </a:ext>
+            </a:extLst>
+          </p:cNvPr>
+          <p:cNvSpPr txBox="1"/>
+          <p:nvPr/>
+        </p:nvSpPr>
+        <p:spPr>
+          <a:xfrm>
+            <a:off x="4139952" y="1347614"/>
+            <a:ext cx="4176464" cy="677108"/>
+          </a:xfrm>
+          <a:prstGeom prst="rect">
+            <a:avLst/>
+          </a:prstGeom>
+          <a:noFill/>
+        </p:spPr>
+        <p:txBody>
+          <a:bodyPr wrap="square" rtlCol="0">
+            <a:spAutoFit/>
+          </a:bodyPr>
+          <a:lstStyle/>
+          <a:p>
+            <a:pPr>
+              <a:buFont typeface="Arial" pitchFamily="34" charset="0"/>
+              <a:buNone/>
+            </a:pPr>
+            <a:r>
+              <a:rPr lang="zh-CN" altLang="en-US" sz="2000" dirty="0">
+                <a:solidFill>
+                  <a:schemeClr val="tx1">
+                    <a:lumMod val="65000"/>
+                    <a:lumOff val="35000"/>
+                  </a:schemeClr>
+                </a:solidFill>
+                <a:latin typeface="微软雅黑 Light" panose="020B0502040204020203" pitchFamily="34" charset="-122"/>
+                <a:ea typeface="微软雅黑 Light" panose="020B0502040204020203" pitchFamily="34" charset="-122"/>
+              </a:rPr>
+              <a:t>请问最左边倒数第二位同学：</a:t>
+            </a:r>
+            <a:endParaRPr lang="en-US" altLang="zh-CN" sz="2000" dirty="0">
+              <a:solidFill>
+                <a:schemeClr val="tx1">
+                  <a:lumMod val="65000"/>
+                  <a:lumOff val="35000"/>
+                </a:schemeClr>
+              </a:solidFill>
+              <a:latin typeface="微软雅黑 Light" panose="020B0502040204020203" pitchFamily="34" charset="-122"/>
+              <a:ea typeface="微软雅黑 Light" panose="020B0502040204020203" pitchFamily="34" charset="-122"/>
+            </a:endParaRPr>
+          </a:p>
+          <a:p>
+            <a:pPr>
+              <a:buFont typeface="Arial" pitchFamily="34" charset="0"/>
+              <a:buNone/>
+            </a:pPr>
+            <a:r>
+              <a:rPr lang="zh-CN" altLang="en-US" dirty="0">
+                <a:solidFill>
+                  <a:schemeClr val="bg1">
+                    <a:lumMod val="50000"/>
+                  </a:schemeClr>
+                </a:solidFill>
+                <a:latin typeface="微软雅黑 Light" panose="020B0502040204020203" pitchFamily="34" charset="-122"/>
+                <a:ea typeface="微软雅黑 Light" panose="020B0502040204020203" pitchFamily="34" charset="-122"/>
+              </a:rPr>
+              <a:t>    软件维护的最终任务是什么？？</a:t>
+            </a:r>
+          </a:p>
+        </p:txBody>
+      </p:sp>
+    </p:spTree>
+    <p:extLst>
+      <p:ext uri="{BB962C8B-B14F-4D97-AF65-F5344CB8AC3E}">
+        <p14:creationId xmlns:p14="http://schemas.microsoft.com/office/powerpoint/2010/main" val="1825911742"/>
+      </p:ext>
+    </p:extLst>
+  </p:cSld>
+  <p:clrMapOvr>
+    <a:masterClrMapping/>
+  </p:clrMapOvr>
+  <p:timing>
+    <p:tnLst>
+      <p:par>
+        <p:cTn id="1" dur="indefinite" restart="never" nodeType="tmRoot">
+          <p:childTnLst>
+            <p:seq concurrent="1" nextAc="seek">
+              <p:cTn id="2" dur="indefinite" nodeType="mainSeq">
+                <p:childTnLst>
+                  <p:par>
+                    <p:cTn id="3" fill="hold">
+                      <p:stCondLst>
+                        <p:cond delay="indefinite"/>
+                        <p:cond evt="onBegin" delay="0">
+                          <p:tn val="2"/>
+                        </p:cond>
+                      </p:stCondLst>
+                      <p:childTnLst>
+                        <p:par>
+                          <p:cTn id="4" fill="hold">
+                            <p:stCondLst>
+                              <p:cond delay="0"/>
+                            </p:stCondLst>
+                            <p:childTnLst>
+                              <p:par>
+                                <p:cTn id="5" presetID="10" presetClass="entr" presetSubtype="0" fill="hold" grpId="0" nodeType="withEffect">
+                                  <p:stCondLst>
+                                    <p:cond delay="1800"/>
+                                  </p:stCondLst>
+                                  <p:childTnLst>
+                                    <p:set>
+                                      <p:cBhvr>
+                                        <p:cTn id="6" dur="1" fill="hold">
+                                          <p:stCondLst>
+                                            <p:cond delay="0"/>
+                                          </p:stCondLst>
+                                        </p:cTn>
+                                        <p:tgtEl>
+                                          <p:spTgt spid="2"/>
+                                        </p:tgtEl>
+                                        <p:attrNameLst>
+                                          <p:attrName>style.visibility</p:attrName>
+                                        </p:attrNameLst>
+                                      </p:cBhvr>
+                                      <p:to>
+                                        <p:strVal val="visible"/>
+                                      </p:to>
+                                    </p:set>
+                                    <p:animEffect transition="in" filter="fade">
+                                      <p:cBhvr>
+                                        <p:cTn id="7" dur="500"/>
+                                        <p:tgtEl>
+                                          <p:spTgt spid="2"/>
+                                        </p:tgtEl>
+                                      </p:cBhvr>
+                                    </p:animEffect>
+                                  </p:childTnLst>
+                                </p:cTn>
+                              </p:par>
+                              <p:par>
+                                <p:cTn id="8" presetID="10" presetClass="entr" presetSubtype="0" fill="hold" grpId="0" nodeType="withEffect">
+                                  <p:stCondLst>
+                                    <p:cond delay="300"/>
+                                  </p:stCondLst>
+                                  <p:childTnLst>
+                                    <p:set>
+                                      <p:cBhvr>
+                                        <p:cTn id="9" dur="1" fill="hold">
+                                          <p:stCondLst>
+                                            <p:cond delay="0"/>
+                                          </p:stCondLst>
+                                        </p:cTn>
+                                        <p:tgtEl>
+                                          <p:spTgt spid="3"/>
+                                        </p:tgtEl>
+                                        <p:attrNameLst>
+                                          <p:attrName>style.visibility</p:attrName>
+                                        </p:attrNameLst>
+                                      </p:cBhvr>
+                                      <p:to>
+                                        <p:strVal val="visible"/>
+                                      </p:to>
+                                    </p:set>
+                                    <p:animEffect transition="in" filter="fade">
+                                      <p:cBhvr>
+                                        <p:cTn id="10" dur="500"/>
+                                        <p:tgtEl>
+                                          <p:spTgt spid="3"/>
+                                        </p:tgtEl>
+                                      </p:cBhvr>
+                                    </p:animEffect>
+                                  </p:childTnLst>
+                                </p:cTn>
+                              </p:par>
+                              <p:par>
+                                <p:cTn id="11" presetID="10" presetClass="entr" presetSubtype="0" fill="hold" grpId="0" nodeType="withEffect">
+                                  <p:stCondLst>
+                                    <p:cond delay="600"/>
+                                  </p:stCondLst>
+                                  <p:childTnLst>
+                                    <p:set>
+                                      <p:cBhvr>
+                                        <p:cTn id="12" dur="1" fill="hold">
+                                          <p:stCondLst>
+                                            <p:cond delay="0"/>
+                                          </p:stCondLst>
+                                        </p:cTn>
+                                        <p:tgtEl>
+                                          <p:spTgt spid="4"/>
+                                        </p:tgtEl>
+                                        <p:attrNameLst>
+                                          <p:attrName>style.visibility</p:attrName>
+                                        </p:attrNameLst>
+                                      </p:cBhvr>
+                                      <p:to>
+                                        <p:strVal val="visible"/>
+                                      </p:to>
+                                    </p:set>
+                                    <p:animEffect transition="in" filter="fade">
+                                      <p:cBhvr>
+                                        <p:cTn id="13" dur="500"/>
+                                        <p:tgtEl>
+                                          <p:spTgt spid="4"/>
+                                        </p:tgtEl>
+                                      </p:cBhvr>
+                                    </p:animEffect>
+                                  </p:childTnLst>
+                                </p:cTn>
+                              </p:par>
+                            </p:childTnLst>
+                          </p:cTn>
+                        </p:par>
+                      </p:childTnLst>
+                    </p:cTn>
+                  </p:par>
+                </p:childTnLst>
+              </p:cTn>
+              <p:prevCondLst>
+                <p:cond evt="onPrev" delay="0">
+                  <p:tgtEl>
+                    <p:sldTgt/>
+                  </p:tgtEl>
+                </p:cond>
+              </p:prevCondLst>
+              <p:nextCondLst>
+                <p:cond evt="onNext" delay="0">
+                  <p:tgtEl>
+                    <p:sldTgt/>
+                  </p:tgtEl>
+                </p:cond>
+              </p:nextCondLst>
+            </p:seq>
+          </p:childTnLst>
+        </p:cTn>
+      </p:par>
+    </p:tnLst>
+    <p:bldLst>
+      <p:bldP spid="2" grpId="0"/>
+      <p:bldP spid="3" grpId="0" animBg="1" autoUpdateAnimBg="0"/>
+      <p:bldP spid="4" grpId="0" animBg="1" autoUpdateAnimBg="0"/>
+    </p:bldLst>
+  </p:timing>
+</p:sld>
+</file>
+
+<file path=ppt/slides/slide31.xml><?xml version="1.0" encoding="utf-8"?>
+<p:sld xmlns:a="http://schemas.openxmlformats.org/drawingml/2006/main" xmlns:r="http://schemas.openxmlformats.org/officeDocument/2006/relationships" xmlns:p="http://schemas.openxmlformats.org/presentationml/2006/main">
+  <p:cSld>
+    <p:spTree>
+      <p:nvGrpSpPr>
+        <p:cNvPr id="1" name=""/>
+        <p:cNvGrpSpPr/>
+        <p:nvPr/>
+      </p:nvGrpSpPr>
+      <p:grpSpPr>
+        <a:xfrm>
+          <a:off x="0" y="0"/>
+          <a:ext cx="0" cy="0"/>
+          <a:chOff x="0" y="0"/>
+          <a:chExt cx="0" cy="0"/>
+        </a:xfrm>
+      </p:grpSpPr>
+      <p:sp>
+        <p:nvSpPr>
+          <p:cNvPr id="2" name="PA_文本框 4">
+            <a:extLst>
+              <a:ext uri="{FF2B5EF4-FFF2-40B4-BE49-F238E27FC236}">
                 <a16:creationId xmlns:a16="http://schemas.microsoft.com/office/drawing/2014/main" id="{2D3A5B91-7179-415D-9C1E-C2421A9EA20F}"/>
               </a:ext>
             </a:extLst>
@@ -25412,7 +25750,7 @@
 </p:sld>
 </file>
 
-<file path=ppt/slides/slide31.xml><?xml version="1.0" encoding="utf-8"?>
+<file path=ppt/slides/slide32.xml><?xml version="1.0" encoding="utf-8"?>
 <p:sld xmlns:a="http://schemas.openxmlformats.org/drawingml/2006/main" xmlns:r="http://schemas.openxmlformats.org/officeDocument/2006/relationships" xmlns:p="http://schemas.openxmlformats.org/presentationml/2006/main">
   <p:cSld>
     <p:spTree>
@@ -25974,7 +26312,7 @@
 </p:sld>
 </file>
 
-<file path=ppt/slides/slide32.xml><?xml version="1.0" encoding="utf-8"?>
+<file path=ppt/slides/slide33.xml><?xml version="1.0" encoding="utf-8"?>
 <p:sld xmlns:a="http://schemas.openxmlformats.org/drawingml/2006/main" xmlns:r="http://schemas.openxmlformats.org/officeDocument/2006/relationships" xmlns:p="http://schemas.openxmlformats.org/presentationml/2006/main">
   <p:cSld>
     <p:spTree>
@@ -26470,7 +26808,7 @@
 </p:sld>
 </file>
 
-<file path=ppt/slides/slide33.xml><?xml version="1.0" encoding="utf-8"?>
+<file path=ppt/slides/slide34.xml><?xml version="1.0" encoding="utf-8"?>
 <p:sld xmlns:a="http://schemas.openxmlformats.org/drawingml/2006/main" xmlns:r="http://schemas.openxmlformats.org/officeDocument/2006/relationships" xmlns:p="http://schemas.openxmlformats.org/presentationml/2006/main">
   <p:cSld>
     <p:spTree>
@@ -27407,7 +27745,7 @@
 </p:sld>
 </file>
 
-<file path=ppt/slides/slide34.xml><?xml version="1.0" encoding="utf-8"?>
+<file path=ppt/slides/slide35.xml><?xml version="1.0" encoding="utf-8"?>
 <p:sld xmlns:a="http://schemas.openxmlformats.org/drawingml/2006/main" xmlns:r="http://schemas.openxmlformats.org/officeDocument/2006/relationships" xmlns:p="http://schemas.openxmlformats.org/presentationml/2006/main">
   <p:cSld>
     <p:spTree>
@@ -28407,7 +28745,7 @@
 </p:sld>
 </file>
 
-<file path=ppt/slides/slide35.xml><?xml version="1.0" encoding="utf-8"?>
+<file path=ppt/slides/slide36.xml><?xml version="1.0" encoding="utf-8"?>
 <p:sld xmlns:a="http://schemas.openxmlformats.org/drawingml/2006/main" xmlns:r="http://schemas.openxmlformats.org/officeDocument/2006/relationships" xmlns:p="http://schemas.openxmlformats.org/presentationml/2006/main">
   <p:cSld>
     <p:spTree>
@@ -29291,7 +29629,7 @@
 </p:sld>
 </file>
 
-<file path=ppt/slides/slide36.xml><?xml version="1.0" encoding="utf-8"?>
+<file path=ppt/slides/slide37.xml><?xml version="1.0" encoding="utf-8"?>
 <p:sld xmlns:a="http://schemas.openxmlformats.org/drawingml/2006/main" xmlns:r="http://schemas.openxmlformats.org/officeDocument/2006/relationships" xmlns:p="http://schemas.openxmlformats.org/presentationml/2006/main">
   <p:cSld>
     <p:spTree>
@@ -30590,7 +30928,7 @@
 </p:sld>
 </file>
 
-<file path=ppt/slides/slide37.xml><?xml version="1.0" encoding="utf-8"?>
+<file path=ppt/slides/slide38.xml><?xml version="1.0" encoding="utf-8"?>
 <p:sld xmlns:a="http://schemas.openxmlformats.org/drawingml/2006/main" xmlns:r="http://schemas.openxmlformats.org/officeDocument/2006/relationships" xmlns:p="http://schemas.openxmlformats.org/presentationml/2006/main">
   <p:cSld>
     <p:spTree>
@@ -31133,7 +31471,7 @@
 </p:sld>
 </file>
 
-<file path=ppt/slides/slide38.xml><?xml version="1.0" encoding="utf-8"?>
+<file path=ppt/slides/slide39.xml><?xml version="1.0" encoding="utf-8"?>
 <p:sld xmlns:a="http://schemas.openxmlformats.org/drawingml/2006/main" xmlns:r="http://schemas.openxmlformats.org/officeDocument/2006/relationships" xmlns:p="http://schemas.openxmlformats.org/presentationml/2006/main">
   <p:cSld>
     <p:spTree>
@@ -38822,6 +39160,18 @@
 </p:tagLst>
 </file>
 
+<file path=ppt/tags/tag151.xml><?xml version="1.0" encoding="utf-8"?>
+<p:tagLst xmlns:a="http://schemas.openxmlformats.org/drawingml/2006/main" xmlns:r="http://schemas.openxmlformats.org/officeDocument/2006/relationships" xmlns:p="http://schemas.openxmlformats.org/presentationml/2006/main">
+  <p:tag name="PA" val="v3.0.0"/>
+</p:tagLst>
+</file>
+
+<file path=ppt/tags/tag152.xml><?xml version="1.0" encoding="utf-8"?>
+<p:tagLst xmlns:a="http://schemas.openxmlformats.org/drawingml/2006/main" xmlns:r="http://schemas.openxmlformats.org/officeDocument/2006/relationships" xmlns:p="http://schemas.openxmlformats.org/presentationml/2006/main">
+  <p:tag name="PA" val="v3.0.0"/>
+</p:tagLst>
+</file>
+
 <file path=ppt/tags/tag16.xml><?xml version="1.0" encoding="utf-8"?>
 <p:tagLst xmlns:a="http://schemas.openxmlformats.org/drawingml/2006/main" xmlns:r="http://schemas.openxmlformats.org/officeDocument/2006/relationships" xmlns:p="http://schemas.openxmlformats.org/presentationml/2006/main">
   <p:tag name="PA" val="v3.0.0"/>

--- a/小组作业/SE2019春-G06-软件维护的定义和特点.pptx
+++ b/小组作业/SE2019春-G06-软件维护的定义和特点.pptx
@@ -5,7 +5,7 @@
     <p:sldMasterId id="2147483648" r:id="rId1"/>
   </p:sldMasterIdLst>
   <p:notesMasterIdLst>
-    <p:notesMasterId r:id="rId41"/>
+    <p:notesMasterId r:id="rId42"/>
   </p:notesMasterIdLst>
   <p:sldIdLst>
     <p:sldId id="285" r:id="rId2"/>
@@ -14,39 +14,40 @@
     <p:sldId id="289" r:id="rId5"/>
     <p:sldId id="292" r:id="rId6"/>
     <p:sldId id="263" r:id="rId7"/>
-    <p:sldId id="293" r:id="rId8"/>
-    <p:sldId id="312" r:id="rId9"/>
-    <p:sldId id="313" r:id="rId10"/>
-    <p:sldId id="296" r:id="rId11"/>
-    <p:sldId id="314" r:id="rId12"/>
-    <p:sldId id="297" r:id="rId13"/>
-    <p:sldId id="315" r:id="rId14"/>
-    <p:sldId id="309" r:id="rId15"/>
-    <p:sldId id="299" r:id="rId16"/>
-    <p:sldId id="323" r:id="rId17"/>
-    <p:sldId id="300" r:id="rId18"/>
-    <p:sldId id="316" r:id="rId19"/>
-    <p:sldId id="295" r:id="rId20"/>
-    <p:sldId id="317" r:id="rId21"/>
-    <p:sldId id="298" r:id="rId22"/>
-    <p:sldId id="301" r:id="rId23"/>
-    <p:sldId id="303" r:id="rId24"/>
-    <p:sldId id="302" r:id="rId25"/>
-    <p:sldId id="304" r:id="rId26"/>
-    <p:sldId id="306" r:id="rId27"/>
-    <p:sldId id="305" r:id="rId28"/>
-    <p:sldId id="307" r:id="rId29"/>
-    <p:sldId id="308" r:id="rId30"/>
-    <p:sldId id="319" r:id="rId31"/>
-    <p:sldId id="320" r:id="rId32"/>
-    <p:sldId id="321" r:id="rId33"/>
-    <p:sldId id="322" r:id="rId34"/>
-    <p:sldId id="310" r:id="rId35"/>
-    <p:sldId id="311" r:id="rId36"/>
-    <p:sldId id="294" r:id="rId37"/>
-    <p:sldId id="290" r:id="rId38"/>
-    <p:sldId id="318" r:id="rId39"/>
-    <p:sldId id="283" r:id="rId40"/>
+    <p:sldId id="324" r:id="rId8"/>
+    <p:sldId id="293" r:id="rId9"/>
+    <p:sldId id="312" r:id="rId10"/>
+    <p:sldId id="313" r:id="rId11"/>
+    <p:sldId id="296" r:id="rId12"/>
+    <p:sldId id="314" r:id="rId13"/>
+    <p:sldId id="297" r:id="rId14"/>
+    <p:sldId id="315" r:id="rId15"/>
+    <p:sldId id="309" r:id="rId16"/>
+    <p:sldId id="299" r:id="rId17"/>
+    <p:sldId id="323" r:id="rId18"/>
+    <p:sldId id="300" r:id="rId19"/>
+    <p:sldId id="316" r:id="rId20"/>
+    <p:sldId id="295" r:id="rId21"/>
+    <p:sldId id="317" r:id="rId22"/>
+    <p:sldId id="298" r:id="rId23"/>
+    <p:sldId id="301" r:id="rId24"/>
+    <p:sldId id="303" r:id="rId25"/>
+    <p:sldId id="302" r:id="rId26"/>
+    <p:sldId id="304" r:id="rId27"/>
+    <p:sldId id="306" r:id="rId28"/>
+    <p:sldId id="305" r:id="rId29"/>
+    <p:sldId id="307" r:id="rId30"/>
+    <p:sldId id="308" r:id="rId31"/>
+    <p:sldId id="319" r:id="rId32"/>
+    <p:sldId id="320" r:id="rId33"/>
+    <p:sldId id="321" r:id="rId34"/>
+    <p:sldId id="322" r:id="rId35"/>
+    <p:sldId id="310" r:id="rId36"/>
+    <p:sldId id="311" r:id="rId37"/>
+    <p:sldId id="294" r:id="rId38"/>
+    <p:sldId id="290" r:id="rId39"/>
+    <p:sldId id="318" r:id="rId40"/>
+    <p:sldId id="283" r:id="rId41"/>
   </p:sldIdLst>
   <p:sldSz cx="9144000" cy="5143500" type="screen16x9"/>
   <p:notesSz cx="6858000" cy="9144000"/>
@@ -2662,7 +2663,7 @@
           <a:p>
             <a:fld id="{3A8DAAC2-3404-4325-BA90-11E1B895004A}" type="slidenum">
               <a:rPr lang="zh-CN" altLang="en-US" smtClean="0"/>
-              <a:t>23</a:t>
+              <a:t>24</a:t>
             </a:fld>
             <a:endParaRPr lang="zh-CN" altLang="en-US"/>
           </a:p>
@@ -2746,7 +2747,7 @@
           <a:p>
             <a:fld id="{3A8DAAC2-3404-4325-BA90-11E1B895004A}" type="slidenum">
               <a:rPr lang="zh-CN" altLang="en-US" smtClean="0"/>
-              <a:t>24</a:t>
+              <a:t>25</a:t>
             </a:fld>
             <a:endParaRPr lang="zh-CN" altLang="en-US"/>
           </a:p>
@@ -2830,7 +2831,7 @@
           <a:p>
             <a:fld id="{3A8DAAC2-3404-4325-BA90-11E1B895004A}" type="slidenum">
               <a:rPr lang="zh-CN" altLang="en-US" smtClean="0"/>
-              <a:t>25</a:t>
+              <a:t>26</a:t>
             </a:fld>
             <a:endParaRPr lang="zh-CN" altLang="en-US"/>
           </a:p>
@@ -2914,7 +2915,7 @@
           <a:p>
             <a:fld id="{3A8DAAC2-3404-4325-BA90-11E1B895004A}" type="slidenum">
               <a:rPr lang="zh-CN" altLang="en-US" smtClean="0"/>
-              <a:t>26</a:t>
+              <a:t>27</a:t>
             </a:fld>
             <a:endParaRPr lang="zh-CN" altLang="en-US"/>
           </a:p>
@@ -2998,7 +2999,7 @@
           <a:p>
             <a:fld id="{3A8DAAC2-3404-4325-BA90-11E1B895004A}" type="slidenum">
               <a:rPr lang="zh-CN" altLang="en-US" smtClean="0"/>
-              <a:t>27</a:t>
+              <a:t>28</a:t>
             </a:fld>
             <a:endParaRPr lang="zh-CN" altLang="en-US"/>
           </a:p>
@@ -3082,7 +3083,7 @@
           <a:p>
             <a:fld id="{3A8DAAC2-3404-4325-BA90-11E1B895004A}" type="slidenum">
               <a:rPr lang="zh-CN" altLang="en-US" smtClean="0"/>
-              <a:t>28</a:t>
+              <a:t>29</a:t>
             </a:fld>
             <a:endParaRPr lang="zh-CN" altLang="en-US"/>
           </a:p>
@@ -3166,7 +3167,7 @@
           <a:p>
             <a:fld id="{3A8DAAC2-3404-4325-BA90-11E1B895004A}" type="slidenum">
               <a:rPr lang="zh-CN" altLang="en-US" smtClean="0"/>
-              <a:t>29</a:t>
+              <a:t>30</a:t>
             </a:fld>
             <a:endParaRPr lang="zh-CN" altLang="en-US"/>
           </a:p>
@@ -3250,7 +3251,7 @@
           <a:p>
             <a:fld id="{3A8DAAC2-3404-4325-BA90-11E1B895004A}" type="slidenum">
               <a:rPr lang="zh-CN" altLang="en-US" smtClean="0"/>
-              <a:t>34</a:t>
+              <a:t>35</a:t>
             </a:fld>
             <a:endParaRPr lang="zh-CN" altLang="en-US"/>
           </a:p>
@@ -3334,7 +3335,7 @@
           <a:p>
             <a:fld id="{3A8DAAC2-3404-4325-BA90-11E1B895004A}" type="slidenum">
               <a:rPr lang="zh-CN" altLang="en-US" smtClean="0"/>
-              <a:t>35</a:t>
+              <a:t>36</a:t>
             </a:fld>
             <a:endParaRPr lang="zh-CN" altLang="en-US"/>
           </a:p>
@@ -3502,7 +3503,7 @@
           <a:p>
             <a:fld id="{3A8DAAC2-3404-4325-BA90-11E1B895004A}" type="slidenum">
               <a:rPr lang="zh-CN" altLang="en-US" smtClean="0"/>
-              <a:t>10</a:t>
+              <a:t>11</a:t>
             </a:fld>
             <a:endParaRPr lang="zh-CN" altLang="en-US"/>
           </a:p>
@@ -3586,7 +3587,7 @@
           <a:p>
             <a:fld id="{3A8DAAC2-3404-4325-BA90-11E1B895004A}" type="slidenum">
               <a:rPr lang="zh-CN" altLang="en-US" smtClean="0"/>
-              <a:t>12</a:t>
+              <a:t>13</a:t>
             </a:fld>
             <a:endParaRPr lang="zh-CN" altLang="en-US"/>
           </a:p>
@@ -3670,7 +3671,7 @@
           <a:p>
             <a:fld id="{3A8DAAC2-3404-4325-BA90-11E1B895004A}" type="slidenum">
               <a:rPr lang="zh-CN" altLang="en-US" smtClean="0"/>
-              <a:t>14</a:t>
+              <a:t>15</a:t>
             </a:fld>
             <a:endParaRPr lang="zh-CN" altLang="en-US"/>
           </a:p>
@@ -3754,7 +3755,7 @@
           <a:p>
             <a:fld id="{3A8DAAC2-3404-4325-BA90-11E1B895004A}" type="slidenum">
               <a:rPr lang="zh-CN" altLang="en-US" smtClean="0"/>
-              <a:t>15</a:t>
+              <a:t>16</a:t>
             </a:fld>
             <a:endParaRPr lang="zh-CN" altLang="en-US"/>
           </a:p>
@@ -3838,7 +3839,7 @@
           <a:p>
             <a:fld id="{3A8DAAC2-3404-4325-BA90-11E1B895004A}" type="slidenum">
               <a:rPr lang="zh-CN" altLang="en-US" smtClean="0"/>
-              <a:t>17</a:t>
+              <a:t>18</a:t>
             </a:fld>
             <a:endParaRPr lang="zh-CN" altLang="en-US"/>
           </a:p>
@@ -3922,7 +3923,7 @@
           <a:p>
             <a:fld id="{3A8DAAC2-3404-4325-BA90-11E1B895004A}" type="slidenum">
               <a:rPr lang="zh-CN" altLang="en-US" smtClean="0"/>
-              <a:t>21</a:t>
+              <a:t>22</a:t>
             </a:fld>
             <a:endParaRPr lang="zh-CN" altLang="en-US"/>
           </a:p>
@@ -4006,7 +4007,7 @@
           <a:p>
             <a:fld id="{3A8DAAC2-3404-4325-BA90-11E1B895004A}" type="slidenum">
               <a:rPr lang="zh-CN" altLang="en-US" smtClean="0"/>
-              <a:t>22</a:t>
+              <a:t>23</a:t>
             </a:fld>
             <a:endParaRPr lang="zh-CN" altLang="en-US"/>
           </a:p>
@@ -6888,6 +6889,754 @@
       </p:grpSpPr>
       <p:sp>
         <p:nvSpPr>
+          <p:cNvPr id="3" name="文本框 2">
+            <a:extLst>
+              <a:ext uri="{FF2B5EF4-FFF2-40B4-BE49-F238E27FC236}">
+                <a16:creationId xmlns:a16="http://schemas.microsoft.com/office/drawing/2014/main" id="{932E3036-D3B4-4760-8C18-DBC5A7897E61}"/>
+              </a:ext>
+            </a:extLst>
+          </p:cNvPr>
+          <p:cNvSpPr txBox="1"/>
+          <p:nvPr/>
+        </p:nvSpPr>
+        <p:spPr>
+          <a:xfrm>
+            <a:off x="755576" y="1375251"/>
+            <a:ext cx="6696744" cy="738664"/>
+          </a:xfrm>
+          <a:prstGeom prst="rect">
+            <a:avLst/>
+          </a:prstGeom>
+          <a:noFill/>
+        </p:spPr>
+        <p:txBody>
+          <a:bodyPr wrap="square" rtlCol="0">
+            <a:spAutoFit/>
+          </a:bodyPr>
+          <a:lstStyle/>
+          <a:p>
+            <a:r>
+              <a:rPr lang="zh-CN" altLang="en-US" dirty="0"/>
+              <a:t>开发时测试的</a:t>
+            </a:r>
+            <a:r>
+              <a:rPr lang="zh-CN" altLang="en-US" sz="2400" u="sng" dirty="0">
+                <a:solidFill>
+                  <a:schemeClr val="accent2">
+                    <a:lumMod val="75000"/>
+                  </a:schemeClr>
+                </a:solidFill>
+              </a:rPr>
+              <a:t>不彻底、不完全</a:t>
+            </a:r>
+            <a:r>
+              <a:rPr lang="zh-CN" altLang="en-US" dirty="0"/>
+              <a:t>导致部分</a:t>
+            </a:r>
+            <a:r>
+              <a:rPr lang="zh-CN" altLang="en-US" sz="2400" u="sng" dirty="0">
+                <a:solidFill>
+                  <a:schemeClr val="accent2">
+                    <a:lumMod val="75000"/>
+                  </a:schemeClr>
+                </a:solidFill>
+              </a:rPr>
+              <a:t>隐藏</a:t>
+            </a:r>
+            <a:r>
+              <a:rPr lang="zh-CN" altLang="en-US" dirty="0"/>
+              <a:t>错误遗留至运行阶段</a:t>
+            </a:r>
+          </a:p>
+        </p:txBody>
+      </p:sp>
+      <p:sp>
+        <p:nvSpPr>
+          <p:cNvPr id="5" name="文本框 4">
+            <a:extLst>
+              <a:ext uri="{FF2B5EF4-FFF2-40B4-BE49-F238E27FC236}">
+                <a16:creationId xmlns:a16="http://schemas.microsoft.com/office/drawing/2014/main" id="{0AC1ED9C-25F5-4A09-B096-0E8B7BDA5FC7}"/>
+              </a:ext>
+            </a:extLst>
+          </p:cNvPr>
+          <p:cNvSpPr txBox="1"/>
+          <p:nvPr/>
+        </p:nvSpPr>
+        <p:spPr>
+          <a:xfrm>
+            <a:off x="763464" y="2715766"/>
+            <a:ext cx="6696744" cy="461665"/>
+          </a:xfrm>
+          <a:prstGeom prst="rect">
+            <a:avLst/>
+          </a:prstGeom>
+          <a:noFill/>
+        </p:spPr>
+        <p:txBody>
+          <a:bodyPr wrap="square" rtlCol="0">
+            <a:spAutoFit/>
+          </a:bodyPr>
+          <a:lstStyle/>
+          <a:p>
+            <a:r>
+              <a:rPr lang="zh-CN" altLang="en-US" dirty="0"/>
+              <a:t>隐藏下来的错误在某些</a:t>
+            </a:r>
+            <a:r>
+              <a:rPr lang="zh-CN" altLang="en-US" sz="2400" u="sng" dirty="0">
+                <a:solidFill>
+                  <a:schemeClr val="accent2">
+                    <a:lumMod val="75000"/>
+                  </a:schemeClr>
+                </a:solidFill>
+              </a:rPr>
+              <a:t>特定的使用环境</a:t>
+            </a:r>
+            <a:r>
+              <a:rPr lang="zh-CN" altLang="en-US" dirty="0"/>
+              <a:t>下就会暴露出来</a:t>
+            </a:r>
+          </a:p>
+        </p:txBody>
+      </p:sp>
+      <p:grpSp>
+        <p:nvGrpSpPr>
+          <p:cNvPr id="7" name="PA_淘宝店chenying0907 21">
+            <a:extLst>
+              <a:ext uri="{FF2B5EF4-FFF2-40B4-BE49-F238E27FC236}">
+                <a16:creationId xmlns:a16="http://schemas.microsoft.com/office/drawing/2014/main" id="{111E560A-30D8-4FE2-A2B3-C6BFB5B1929C}"/>
+              </a:ext>
+            </a:extLst>
+          </p:cNvPr>
+          <p:cNvGrpSpPr/>
+          <p:nvPr>
+            <p:custDataLst>
+              <p:tags r:id="rId1"/>
+            </p:custDataLst>
+          </p:nvPr>
+        </p:nvGrpSpPr>
+        <p:grpSpPr>
+          <a:xfrm>
+            <a:off x="5832473" y="-21235"/>
+            <a:ext cx="3311527" cy="5164735"/>
+            <a:chOff x="5832473" y="-21235"/>
+            <a:chExt cx="3311527" cy="5164735"/>
+          </a:xfrm>
+        </p:grpSpPr>
+        <p:sp>
+          <p:nvSpPr>
+            <p:cNvPr id="8" name="淘宝店chenying0907 36">
+              <a:extLst>
+                <a:ext uri="{FF2B5EF4-FFF2-40B4-BE49-F238E27FC236}">
+                  <a16:creationId xmlns:a16="http://schemas.microsoft.com/office/drawing/2014/main" id="{0E0C44CB-0734-454C-A09A-EA8DB3012C73}"/>
+                </a:ext>
+              </a:extLst>
+            </p:cNvPr>
+            <p:cNvSpPr>
+              <a:spLocks/>
+            </p:cNvSpPr>
+            <p:nvPr/>
+          </p:nvSpPr>
+          <p:spPr bwMode="auto">
+            <a:xfrm rot="16200000">
+              <a:off x="7445263" y="403114"/>
+              <a:ext cx="2123086" cy="1274387"/>
+            </a:xfrm>
+            <a:custGeom>
+              <a:avLst/>
+              <a:gdLst/>
+              <a:ahLst/>
+              <a:cxnLst/>
+              <a:rect l="l" t="t" r="r" b="b"/>
+              <a:pathLst>
+                <a:path w="2123086" h="1274387">
+                  <a:moveTo>
+                    <a:pt x="0" y="252037"/>
+                  </a:moveTo>
+                  <a:lnTo>
+                    <a:pt x="2123086" y="0"/>
+                  </a:lnTo>
+                  <a:lnTo>
+                    <a:pt x="2123086" y="1274387"/>
+                  </a:lnTo>
+                  <a:lnTo>
+                    <a:pt x="1182688" y="1274387"/>
+                  </a:lnTo>
+                  <a:close/>
+                </a:path>
+              </a:pathLst>
+            </a:custGeom>
+            <a:solidFill>
+              <a:srgbClr val="E5AAA4"/>
+            </a:solidFill>
+            <a:ln>
+              <a:noFill/>
+            </a:ln>
+            <a:extLst/>
+          </p:spPr>
+          <p:txBody>
+            <a:bodyPr vert="horz" wrap="square" lIns="91440" tIns="45720" rIns="91440" bIns="45720" numCol="1" anchor="t" anchorCtr="0" compatLnSpc="1">
+              <a:prstTxWarp prst="textNoShape">
+                <a:avLst/>
+              </a:prstTxWarp>
+            </a:bodyPr>
+            <a:lstStyle/>
+            <a:p>
+              <a:endParaRPr lang="zh-CN" altLang="en-US"/>
+            </a:p>
+          </p:txBody>
+        </p:sp>
+        <p:sp>
+          <p:nvSpPr>
+            <p:cNvPr id="9" name="淘宝店chenying0907 37">
+              <a:extLst>
+                <a:ext uri="{FF2B5EF4-FFF2-40B4-BE49-F238E27FC236}">
+                  <a16:creationId xmlns:a16="http://schemas.microsoft.com/office/drawing/2014/main" id="{7BF8F725-1D92-4791-B091-6C3F8DA5A12D}"/>
+                </a:ext>
+              </a:extLst>
+            </p:cNvPr>
+            <p:cNvSpPr>
+              <a:spLocks/>
+            </p:cNvSpPr>
+            <p:nvPr/>
+          </p:nvSpPr>
+          <p:spPr bwMode="auto">
+            <a:xfrm rot="16200000">
+              <a:off x="5568154" y="1183482"/>
+              <a:ext cx="3840163" cy="3311525"/>
+            </a:xfrm>
+            <a:custGeom>
+              <a:avLst/>
+              <a:gdLst>
+                <a:gd name="T0" fmla="*/ 0 w 2419"/>
+                <a:gd name="T1" fmla="*/ 0 h 2086"/>
+                <a:gd name="T2" fmla="*/ 753 w 2419"/>
+                <a:gd name="T3" fmla="*/ 2008 h 2086"/>
+                <a:gd name="T4" fmla="*/ 1228 w 2419"/>
+                <a:gd name="T5" fmla="*/ 2086 h 2086"/>
+                <a:gd name="T6" fmla="*/ 2419 w 2419"/>
+                <a:gd name="T7" fmla="*/ 2086 h 2086"/>
+                <a:gd name="T8" fmla="*/ 0 w 2419"/>
+                <a:gd name="T9" fmla="*/ 0 h 2086"/>
+              </a:gdLst>
+              <a:ahLst/>
+              <a:cxnLst>
+                <a:cxn ang="0">
+                  <a:pos x="T0" y="T1"/>
+                </a:cxn>
+                <a:cxn ang="0">
+                  <a:pos x="T2" y="T3"/>
+                </a:cxn>
+                <a:cxn ang="0">
+                  <a:pos x="T4" y="T5"/>
+                </a:cxn>
+                <a:cxn ang="0">
+                  <a:pos x="T6" y="T7"/>
+                </a:cxn>
+                <a:cxn ang="0">
+                  <a:pos x="T8" y="T9"/>
+                </a:cxn>
+              </a:cxnLst>
+              <a:rect l="0" t="0" r="r" b="b"/>
+              <a:pathLst>
+                <a:path w="2419" h="2086">
+                  <a:moveTo>
+                    <a:pt x="0" y="0"/>
+                  </a:moveTo>
+                  <a:lnTo>
+                    <a:pt x="753" y="2008"/>
+                  </a:lnTo>
+                  <a:lnTo>
+                    <a:pt x="1228" y="2086"/>
+                  </a:lnTo>
+                  <a:lnTo>
+                    <a:pt x="2419" y="2086"/>
+                  </a:lnTo>
+                  <a:lnTo>
+                    <a:pt x="0" y="0"/>
+                  </a:lnTo>
+                  <a:close/>
+                </a:path>
+              </a:pathLst>
+            </a:custGeom>
+            <a:solidFill>
+              <a:srgbClr val="F1CFCD"/>
+            </a:solidFill>
+            <a:ln>
+              <a:noFill/>
+            </a:ln>
+            <a:extLst>
+              <a:ext uri="{91240B29-F687-4F45-9708-019B960494DF}">
+                <a14:hiddenLine xmlns:a14="http://schemas.microsoft.com/office/drawing/2010/main" w="9525">
+                  <a:solidFill>
+                    <a:srgbClr val="000000"/>
+                  </a:solidFill>
+                  <a:round/>
+                  <a:headEnd/>
+                  <a:tailEnd/>
+                </a14:hiddenLine>
+              </a:ext>
+            </a:extLst>
+          </p:spPr>
+          <p:txBody>
+            <a:bodyPr vert="horz" wrap="square" lIns="91440" tIns="45720" rIns="91440" bIns="45720" numCol="1" anchor="t" anchorCtr="0" compatLnSpc="1">
+              <a:prstTxWarp prst="textNoShape">
+                <a:avLst/>
+              </a:prstTxWarp>
+            </a:bodyPr>
+            <a:lstStyle/>
+            <a:p>
+              <a:endParaRPr lang="zh-CN" altLang="en-US"/>
+            </a:p>
+          </p:txBody>
+        </p:sp>
+        <p:sp>
+          <p:nvSpPr>
+            <p:cNvPr id="10" name="淘宝店chenying0907 38">
+              <a:extLst>
+                <a:ext uri="{FF2B5EF4-FFF2-40B4-BE49-F238E27FC236}">
+                  <a16:creationId xmlns:a16="http://schemas.microsoft.com/office/drawing/2014/main" id="{2E51A55B-9AFF-46CB-A95D-234800DB0A29}"/>
+                </a:ext>
+              </a:extLst>
+            </p:cNvPr>
+            <p:cNvSpPr>
+              <a:spLocks/>
+            </p:cNvSpPr>
+            <p:nvPr/>
+          </p:nvSpPr>
+          <p:spPr bwMode="auto">
+            <a:xfrm rot="16200000">
+              <a:off x="6636541" y="2759869"/>
+              <a:ext cx="1579563" cy="3187700"/>
+            </a:xfrm>
+            <a:custGeom>
+              <a:avLst/>
+              <a:gdLst>
+                <a:gd name="T0" fmla="*/ 242 w 995"/>
+                <a:gd name="T1" fmla="*/ 0 h 2008"/>
+                <a:gd name="T2" fmla="*/ 0 w 995"/>
+                <a:gd name="T3" fmla="*/ 305 h 2008"/>
+                <a:gd name="T4" fmla="*/ 0 w 995"/>
+                <a:gd name="T5" fmla="*/ 1845 h 2008"/>
+                <a:gd name="T6" fmla="*/ 995 w 995"/>
+                <a:gd name="T7" fmla="*/ 2008 h 2008"/>
+                <a:gd name="T8" fmla="*/ 242 w 995"/>
+                <a:gd name="T9" fmla="*/ 0 h 2008"/>
+              </a:gdLst>
+              <a:ahLst/>
+              <a:cxnLst>
+                <a:cxn ang="0">
+                  <a:pos x="T0" y="T1"/>
+                </a:cxn>
+                <a:cxn ang="0">
+                  <a:pos x="T2" y="T3"/>
+                </a:cxn>
+                <a:cxn ang="0">
+                  <a:pos x="T4" y="T5"/>
+                </a:cxn>
+                <a:cxn ang="0">
+                  <a:pos x="T6" y="T7"/>
+                </a:cxn>
+                <a:cxn ang="0">
+                  <a:pos x="T8" y="T9"/>
+                </a:cxn>
+              </a:cxnLst>
+              <a:rect l="0" t="0" r="r" b="b"/>
+              <a:pathLst>
+                <a:path w="995" h="2008">
+                  <a:moveTo>
+                    <a:pt x="242" y="0"/>
+                  </a:moveTo>
+                  <a:lnTo>
+                    <a:pt x="0" y="305"/>
+                  </a:lnTo>
+                  <a:lnTo>
+                    <a:pt x="0" y="1845"/>
+                  </a:lnTo>
+                  <a:lnTo>
+                    <a:pt x="995" y="2008"/>
+                  </a:lnTo>
+                  <a:lnTo>
+                    <a:pt x="242" y="0"/>
+                  </a:lnTo>
+                  <a:close/>
+                </a:path>
+              </a:pathLst>
+            </a:custGeom>
+            <a:solidFill>
+              <a:srgbClr val="F9E7E3"/>
+            </a:solidFill>
+            <a:ln>
+              <a:noFill/>
+            </a:ln>
+            <a:extLst>
+              <a:ext uri="{91240B29-F687-4F45-9708-019B960494DF}">
+                <a14:hiddenLine xmlns:a14="http://schemas.microsoft.com/office/drawing/2010/main" w="9525">
+                  <a:solidFill>
+                    <a:srgbClr val="000000"/>
+                  </a:solidFill>
+                  <a:round/>
+                  <a:headEnd/>
+                  <a:tailEnd/>
+                </a14:hiddenLine>
+              </a:ext>
+            </a:extLst>
+          </p:spPr>
+          <p:txBody>
+            <a:bodyPr vert="horz" wrap="square" lIns="91440" tIns="45720" rIns="91440" bIns="45720" numCol="1" anchor="t" anchorCtr="0" compatLnSpc="1">
+              <a:prstTxWarp prst="textNoShape">
+                <a:avLst/>
+              </a:prstTxWarp>
+            </a:bodyPr>
+            <a:lstStyle/>
+            <a:p>
+              <a:endParaRPr lang="zh-CN" altLang="en-US"/>
+            </a:p>
+          </p:txBody>
+        </p:sp>
+        <p:sp>
+          <p:nvSpPr>
+            <p:cNvPr id="11" name="淘宝店chenying0907 39">
+              <a:extLst>
+                <a:ext uri="{FF2B5EF4-FFF2-40B4-BE49-F238E27FC236}">
+                  <a16:creationId xmlns:a16="http://schemas.microsoft.com/office/drawing/2014/main" id="{D1E43B85-8979-4C3D-9C23-302EDA3F6308}"/>
+                </a:ext>
+              </a:extLst>
+            </p:cNvPr>
+            <p:cNvSpPr>
+              <a:spLocks/>
+            </p:cNvSpPr>
+            <p:nvPr/>
+          </p:nvSpPr>
+          <p:spPr bwMode="auto">
+            <a:xfrm rot="16200000">
+              <a:off x="7785893" y="3785394"/>
+              <a:ext cx="2333625" cy="382588"/>
+            </a:xfrm>
+            <a:custGeom>
+              <a:avLst/>
+              <a:gdLst>
+                <a:gd name="T0" fmla="*/ 0 w 1470"/>
+                <a:gd name="T1" fmla="*/ 0 h 241"/>
+                <a:gd name="T2" fmla="*/ 0 w 1470"/>
+                <a:gd name="T3" fmla="*/ 233 h 241"/>
+                <a:gd name="T4" fmla="*/ 0 w 1470"/>
+                <a:gd name="T5" fmla="*/ 241 h 241"/>
+                <a:gd name="T6" fmla="*/ 1470 w 1470"/>
+                <a:gd name="T7" fmla="*/ 241 h 241"/>
+                <a:gd name="T8" fmla="*/ 0 w 1470"/>
+                <a:gd name="T9" fmla="*/ 0 h 241"/>
+              </a:gdLst>
+              <a:ahLst/>
+              <a:cxnLst>
+                <a:cxn ang="0">
+                  <a:pos x="T0" y="T1"/>
+                </a:cxn>
+                <a:cxn ang="0">
+                  <a:pos x="T2" y="T3"/>
+                </a:cxn>
+                <a:cxn ang="0">
+                  <a:pos x="T4" y="T5"/>
+                </a:cxn>
+                <a:cxn ang="0">
+                  <a:pos x="T6" y="T7"/>
+                </a:cxn>
+                <a:cxn ang="0">
+                  <a:pos x="T8" y="T9"/>
+                </a:cxn>
+              </a:cxnLst>
+              <a:rect l="0" t="0" r="r" b="b"/>
+              <a:pathLst>
+                <a:path w="1470" h="241">
+                  <a:moveTo>
+                    <a:pt x="0" y="0"/>
+                  </a:moveTo>
+                  <a:lnTo>
+                    <a:pt x="0" y="233"/>
+                  </a:lnTo>
+                  <a:lnTo>
+                    <a:pt x="0" y="241"/>
+                  </a:lnTo>
+                  <a:lnTo>
+                    <a:pt x="1470" y="241"/>
+                  </a:lnTo>
+                  <a:lnTo>
+                    <a:pt x="0" y="0"/>
+                  </a:lnTo>
+                  <a:close/>
+                </a:path>
+              </a:pathLst>
+            </a:custGeom>
+            <a:solidFill>
+              <a:srgbClr val="E5AAA4"/>
+            </a:solidFill>
+            <a:ln>
+              <a:noFill/>
+            </a:ln>
+            <a:extLst>
+              <a:ext uri="{91240B29-F687-4F45-9708-019B960494DF}">
+                <a14:hiddenLine xmlns:a14="http://schemas.microsoft.com/office/drawing/2010/main" w="9525">
+                  <a:solidFill>
+                    <a:srgbClr val="000000"/>
+                  </a:solidFill>
+                  <a:round/>
+                  <a:headEnd/>
+                  <a:tailEnd/>
+                </a14:hiddenLine>
+              </a:ext>
+            </a:extLst>
+          </p:spPr>
+          <p:txBody>
+            <a:bodyPr vert="horz" wrap="square" lIns="91440" tIns="45720" rIns="91440" bIns="45720" numCol="1" anchor="t" anchorCtr="0" compatLnSpc="1">
+              <a:prstTxWarp prst="textNoShape">
+                <a:avLst/>
+              </a:prstTxWarp>
+            </a:bodyPr>
+            <a:lstStyle/>
+            <a:p>
+              <a:endParaRPr lang="zh-CN" altLang="en-US"/>
+            </a:p>
+          </p:txBody>
+        </p:sp>
+      </p:grpSp>
+      <p:sp>
+        <p:nvSpPr>
+          <p:cNvPr id="12" name="PA_文本框 11">
+            <a:extLst>
+              <a:ext uri="{FF2B5EF4-FFF2-40B4-BE49-F238E27FC236}">
+                <a16:creationId xmlns:a16="http://schemas.microsoft.com/office/drawing/2014/main" id="{D0073D1C-356A-44BD-89DF-7589577FD9CE}"/>
+              </a:ext>
+            </a:extLst>
+          </p:cNvPr>
+          <p:cNvSpPr txBox="1">
+            <a:spLocks noChangeArrowheads="1"/>
+          </p:cNvSpPr>
+          <p:nvPr>
+            <p:custDataLst>
+              <p:tags r:id="rId2"/>
+            </p:custDataLst>
+          </p:nvPr>
+        </p:nvSpPr>
+        <p:spPr bwMode="auto">
+          <a:xfrm>
+            <a:off x="1907704" y="267494"/>
+            <a:ext cx="3600759" cy="636456"/>
+          </a:xfrm>
+          <a:prstGeom prst="rect">
+            <a:avLst/>
+          </a:prstGeom>
+          <a:noFill/>
+          <a:ln>
+            <a:noFill/>
+          </a:ln>
+          <a:effectLst/>
+          <a:extLst>
+            <a:ext uri="{909E8E84-426E-40DD-AFC4-6F175D3DCCD1}">
+              <a14:hiddenFill xmlns:a14="http://schemas.microsoft.com/office/drawing/2010/main">
+                <a:solidFill>
+                  <a:schemeClr val="accent1"/>
+                </a:solidFill>
+              </a14:hiddenFill>
+            </a:ext>
+            <a:ext uri="{91240B29-F687-4F45-9708-019B960494DF}">
+              <a14:hiddenLine xmlns:a14="http://schemas.microsoft.com/office/drawing/2010/main" w="9525">
+                <a:solidFill>
+                  <a:srgbClr val="000000"/>
+                </a:solidFill>
+                <a:miter lim="800000"/>
+                <a:headEnd/>
+                <a:tailEnd/>
+              </a14:hiddenLine>
+            </a:ext>
+            <a:ext uri="{AF507438-7753-43E0-B8FC-AC1667EBCBE1}">
+              <a14:hiddenEffects xmlns:a14="http://schemas.microsoft.com/office/drawing/2010/main">
+                <a:effectLst>
+                  <a:outerShdw dist="35921" dir="2700000" algn="ctr" rotWithShape="0">
+                    <a:schemeClr val="bg2"/>
+                  </a:outerShdw>
+                </a:effectLst>
+              </a14:hiddenEffects>
+            </a:ext>
+          </a:extLst>
+        </p:spPr>
+        <p:txBody>
+          <a:bodyPr wrap="square">
+            <a:spAutoFit/>
+          </a:bodyPr>
+          <a:lstStyle/>
+          <a:p>
+            <a:pPr algn="ctr">
+              <a:lnSpc>
+                <a:spcPct val="120000"/>
+              </a:lnSpc>
+            </a:pPr>
+            <a:r>
+              <a:rPr lang="zh-CN" altLang="en-US" sz="3200" dirty="0">
+                <a:latin typeface="微软雅黑 Light" panose="020B0502040204020203" pitchFamily="34" charset="-122"/>
+                <a:ea typeface="微软雅黑 Light" panose="020B0502040204020203" pitchFamily="34" charset="-122"/>
+              </a:rPr>
+              <a:t>改正性维护原因：</a:t>
+            </a:r>
+            <a:endParaRPr lang="zh-CN" altLang="zh-CN" sz="3200" dirty="0">
+              <a:latin typeface="微软雅黑 Light" panose="020B0502040204020203" pitchFamily="34" charset="-122"/>
+              <a:ea typeface="微软雅黑 Light" panose="020B0502040204020203" pitchFamily="34" charset="-122"/>
+            </a:endParaRPr>
+          </a:p>
+        </p:txBody>
+      </p:sp>
+    </p:spTree>
+    <p:extLst>
+      <p:ext uri="{BB962C8B-B14F-4D97-AF65-F5344CB8AC3E}">
+        <p14:creationId xmlns:p14="http://schemas.microsoft.com/office/powerpoint/2010/main" val="4016361058"/>
+      </p:ext>
+    </p:extLst>
+  </p:cSld>
+  <p:clrMapOvr>
+    <a:masterClrMapping/>
+  </p:clrMapOvr>
+  <p:timing>
+    <p:tnLst>
+      <p:par>
+        <p:cTn id="1" dur="indefinite" restart="never" nodeType="tmRoot">
+          <p:childTnLst>
+            <p:seq concurrent="1" nextAc="seek">
+              <p:cTn id="2" dur="indefinite" nodeType="mainSeq">
+                <p:childTnLst>
+                  <p:par>
+                    <p:cTn id="3" fill="hold">
+                      <p:stCondLst>
+                        <p:cond delay="indefinite"/>
+                      </p:stCondLst>
+                      <p:childTnLst>
+                        <p:par>
+                          <p:cTn id="4" fill="hold">
+                            <p:stCondLst>
+                              <p:cond delay="0"/>
+                            </p:stCondLst>
+                            <p:childTnLst>
+                              <p:par>
+                                <p:cTn id="5" presetID="10" presetClass="entr" presetSubtype="0" fill="hold" nodeType="clickEffect">
+                                  <p:stCondLst>
+                                    <p:cond delay="0"/>
+                                  </p:stCondLst>
+                                  <p:childTnLst>
+                                    <p:set>
+                                      <p:cBhvr>
+                                        <p:cTn id="6" dur="1" fill="hold">
+                                          <p:stCondLst>
+                                            <p:cond delay="0"/>
+                                          </p:stCondLst>
+                                        </p:cTn>
+                                        <p:tgtEl>
+                                          <p:spTgt spid="7"/>
+                                        </p:tgtEl>
+                                        <p:attrNameLst>
+                                          <p:attrName>style.visibility</p:attrName>
+                                        </p:attrNameLst>
+                                      </p:cBhvr>
+                                      <p:to>
+                                        <p:strVal val="visible"/>
+                                      </p:to>
+                                    </p:set>
+                                    <p:animEffect transition="in" filter="fade">
+                                      <p:cBhvr>
+                                        <p:cTn id="7" dur="500"/>
+                                        <p:tgtEl>
+                                          <p:spTgt spid="7"/>
+                                        </p:tgtEl>
+                                      </p:cBhvr>
+                                    </p:animEffect>
+                                  </p:childTnLst>
+                                </p:cTn>
+                              </p:par>
+                              <p:par>
+                                <p:cTn id="8" presetID="10" presetClass="entr" presetSubtype="0" fill="hold" grpId="0" nodeType="withEffect">
+                                  <p:stCondLst>
+                                    <p:cond delay="600"/>
+                                  </p:stCondLst>
+                                  <p:childTnLst>
+                                    <p:set>
+                                      <p:cBhvr>
+                                        <p:cTn id="9" dur="1" fill="hold">
+                                          <p:stCondLst>
+                                            <p:cond delay="0"/>
+                                          </p:stCondLst>
+                                        </p:cTn>
+                                        <p:tgtEl>
+                                          <p:spTgt spid="12"/>
+                                        </p:tgtEl>
+                                        <p:attrNameLst>
+                                          <p:attrName>style.visibility</p:attrName>
+                                        </p:attrNameLst>
+                                      </p:cBhvr>
+                                      <p:to>
+                                        <p:strVal val="visible"/>
+                                      </p:to>
+                                    </p:set>
+                                    <p:animEffect transition="in" filter="fade">
+                                      <p:cBhvr>
+                                        <p:cTn id="10" dur="500"/>
+                                        <p:tgtEl>
+                                          <p:spTgt spid="12"/>
+                                        </p:tgtEl>
+                                      </p:cBhvr>
+                                    </p:animEffect>
+                                  </p:childTnLst>
+                                </p:cTn>
+                              </p:par>
+                            </p:childTnLst>
+                          </p:cTn>
+                        </p:par>
+                      </p:childTnLst>
+                    </p:cTn>
+                  </p:par>
+                </p:childTnLst>
+              </p:cTn>
+              <p:prevCondLst>
+                <p:cond evt="onPrev" delay="0">
+                  <p:tgtEl>
+                    <p:sldTgt/>
+                  </p:tgtEl>
+                </p:cond>
+              </p:prevCondLst>
+              <p:nextCondLst>
+                <p:cond evt="onNext" delay="0">
+                  <p:tgtEl>
+                    <p:sldTgt/>
+                  </p:tgtEl>
+                </p:cond>
+              </p:nextCondLst>
+            </p:seq>
+          </p:childTnLst>
+        </p:cTn>
+      </p:par>
+    </p:tnLst>
+    <p:bldLst>
+      <p:bldP spid="12" grpId="0"/>
+    </p:bldLst>
+  </p:timing>
+</p:sld>
+</file>
+
+<file path=ppt/slides/slide11.xml><?xml version="1.0" encoding="utf-8"?>
+<p:sld xmlns:a="http://schemas.openxmlformats.org/drawingml/2006/main" xmlns:r="http://schemas.openxmlformats.org/officeDocument/2006/relationships" xmlns:p="http://schemas.openxmlformats.org/presentationml/2006/main">
+  <p:cSld>
+    <p:spTree>
+      <p:nvGrpSpPr>
+        <p:cNvPr id="1" name=""/>
+        <p:cNvGrpSpPr/>
+        <p:nvPr/>
+      </p:nvGrpSpPr>
+      <p:grpSpPr>
+        <a:xfrm>
+          <a:off x="0" y="0"/>
+          <a:ext cx="0" cy="0"/>
+          <a:chOff x="0" y="0"/>
+          <a:chExt cx="0" cy="0"/>
+        </a:xfrm>
+      </p:grpSpPr>
+      <p:sp>
+        <p:nvSpPr>
           <p:cNvPr id="10251" name="PA_文本框 11"/>
           <p:cNvSpPr txBox="1">
             <a:spLocks noChangeArrowheads="1"/>
@@ -7631,7 +8380,7 @@
 </p:sld>
 </file>
 
-<file path=ppt/slides/slide11.xml><?xml version="1.0" encoding="utf-8"?>
+<file path=ppt/slides/slide12.xml><?xml version="1.0" encoding="utf-8"?>
 <p:sld xmlns:a="http://schemas.openxmlformats.org/drawingml/2006/main" xmlns:r="http://schemas.openxmlformats.org/officeDocument/2006/relationships" xmlns:p="http://schemas.openxmlformats.org/presentationml/2006/main">
   <p:cSld>
     <p:spTree>
@@ -8356,7 +9105,7 @@
 </p:sld>
 </file>
 
-<file path=ppt/slides/slide12.xml><?xml version="1.0" encoding="utf-8"?>
+<file path=ppt/slides/slide13.xml><?xml version="1.0" encoding="utf-8"?>
 <p:sld xmlns:a="http://schemas.openxmlformats.org/drawingml/2006/main" xmlns:r="http://schemas.openxmlformats.org/officeDocument/2006/relationships" xmlns:p="http://schemas.openxmlformats.org/presentationml/2006/main">
   <p:cSld>
     <p:spTree>
@@ -9125,7 +9874,7 @@
 </p:sld>
 </file>
 
-<file path=ppt/slides/slide13.xml><?xml version="1.0" encoding="utf-8"?>
+<file path=ppt/slides/slide14.xml><?xml version="1.0" encoding="utf-8"?>
 <p:sld xmlns:a="http://schemas.openxmlformats.org/drawingml/2006/main" xmlns:r="http://schemas.openxmlformats.org/officeDocument/2006/relationships" xmlns:p="http://schemas.openxmlformats.org/presentationml/2006/main">
   <p:cSld>
     <p:spTree>
@@ -9796,7 +10545,7 @@
 </p:sld>
 </file>
 
-<file path=ppt/slides/slide14.xml><?xml version="1.0" encoding="utf-8"?>
+<file path=ppt/slides/slide15.xml><?xml version="1.0" encoding="utf-8"?>
 <p:sld xmlns:a="http://schemas.openxmlformats.org/drawingml/2006/main" xmlns:r="http://schemas.openxmlformats.org/officeDocument/2006/relationships" xmlns:p="http://schemas.openxmlformats.org/presentationml/2006/main">
   <p:cSld>
     <p:spTree>
@@ -10544,7 +11293,7 @@
 </p:sld>
 </file>
 
-<file path=ppt/slides/slide15.xml><?xml version="1.0" encoding="utf-8"?>
+<file path=ppt/slides/slide16.xml><?xml version="1.0" encoding="utf-8"?>
 <p:sld xmlns:a="http://schemas.openxmlformats.org/drawingml/2006/main" xmlns:r="http://schemas.openxmlformats.org/officeDocument/2006/relationships" xmlns:p="http://schemas.openxmlformats.org/presentationml/2006/main">
   <p:cSld>
     <p:spTree>
@@ -11301,7 +12050,7 @@
 </p:sld>
 </file>
 
-<file path=ppt/slides/slide16.xml><?xml version="1.0" encoding="utf-8"?>
+<file path=ppt/slides/slide17.xml><?xml version="1.0" encoding="utf-8"?>
 <p:sld xmlns:a="http://schemas.openxmlformats.org/drawingml/2006/main" xmlns:r="http://schemas.openxmlformats.org/officeDocument/2006/relationships" xmlns:p="http://schemas.openxmlformats.org/presentationml/2006/main">
   <p:cSld>
     <p:spTree>
@@ -11638,7 +12387,7 @@
 </p:sld>
 </file>
 
-<file path=ppt/slides/slide17.xml><?xml version="1.0" encoding="utf-8"?>
+<file path=ppt/slides/slide18.xml><?xml version="1.0" encoding="utf-8"?>
 <p:sld xmlns:a="http://schemas.openxmlformats.org/drawingml/2006/main" xmlns:r="http://schemas.openxmlformats.org/officeDocument/2006/relationships" xmlns:p="http://schemas.openxmlformats.org/presentationml/2006/main">
   <p:cSld>
     <p:spTree>
@@ -12419,7 +13168,7 @@
 </p:sld>
 </file>
 
-<file path=ppt/slides/slide18.xml><?xml version="1.0" encoding="utf-8"?>
+<file path=ppt/slides/slide19.xml><?xml version="1.0" encoding="utf-8"?>
 <p:sld xmlns:a="http://schemas.openxmlformats.org/drawingml/2006/main" xmlns:r="http://schemas.openxmlformats.org/officeDocument/2006/relationships" xmlns:p="http://schemas.openxmlformats.org/presentationml/2006/main">
   <p:cSld>
     <p:spTree>
@@ -13122,890 +13871,6 @@
     </p:tnLst>
     <p:bldLst>
       <p:bldP spid="2" grpId="0"/>
-    </p:bldLst>
-  </p:timing>
-</p:sld>
-</file>
-
-<file path=ppt/slides/slide19.xml><?xml version="1.0" encoding="utf-8"?>
-<p:sld xmlns:a="http://schemas.openxmlformats.org/drawingml/2006/main" xmlns:r="http://schemas.openxmlformats.org/officeDocument/2006/relationships" xmlns:p="http://schemas.openxmlformats.org/presentationml/2006/main">
-  <p:cSld>
-    <p:spTree>
-      <p:nvGrpSpPr>
-        <p:cNvPr id="1" name=""/>
-        <p:cNvGrpSpPr/>
-        <p:nvPr/>
-      </p:nvGrpSpPr>
-      <p:grpSpPr>
-        <a:xfrm>
-          <a:off x="0" y="0"/>
-          <a:ext cx="0" cy="0"/>
-          <a:chOff x="0" y="0"/>
-          <a:chExt cx="0" cy="0"/>
-        </a:xfrm>
-      </p:grpSpPr>
-      <p:grpSp>
-        <p:nvGrpSpPr>
-          <p:cNvPr id="22" name="PA_淘宝店chenying0907 21"/>
-          <p:cNvGrpSpPr/>
-          <p:nvPr>
-            <p:custDataLst>
-              <p:tags r:id="rId1"/>
-            </p:custDataLst>
-          </p:nvPr>
-        </p:nvGrpSpPr>
-        <p:grpSpPr>
-          <a:xfrm>
-            <a:off x="5832473" y="-21235"/>
-            <a:ext cx="3311527" cy="5164735"/>
-            <a:chOff x="5832473" y="-21235"/>
-            <a:chExt cx="3311527" cy="5164735"/>
-          </a:xfrm>
-        </p:grpSpPr>
-        <p:sp>
-          <p:nvSpPr>
-            <p:cNvPr id="10" name="淘宝店chenying0907 36"/>
-            <p:cNvSpPr>
-              <a:spLocks/>
-            </p:cNvSpPr>
-            <p:nvPr/>
-          </p:nvSpPr>
-          <p:spPr bwMode="auto">
-            <a:xfrm rot="16200000">
-              <a:off x="7445263" y="403114"/>
-              <a:ext cx="2123086" cy="1274387"/>
-            </a:xfrm>
-            <a:custGeom>
-              <a:avLst/>
-              <a:gdLst/>
-              <a:ahLst/>
-              <a:cxnLst/>
-              <a:rect l="l" t="t" r="r" b="b"/>
-              <a:pathLst>
-                <a:path w="2123086" h="1274387">
-                  <a:moveTo>
-                    <a:pt x="0" y="252037"/>
-                  </a:moveTo>
-                  <a:lnTo>
-                    <a:pt x="2123086" y="0"/>
-                  </a:lnTo>
-                  <a:lnTo>
-                    <a:pt x="2123086" y="1274387"/>
-                  </a:lnTo>
-                  <a:lnTo>
-                    <a:pt x="1182688" y="1274387"/>
-                  </a:lnTo>
-                  <a:close/>
-                </a:path>
-              </a:pathLst>
-            </a:custGeom>
-            <a:solidFill>
-              <a:srgbClr val="E5AAA4"/>
-            </a:solidFill>
-            <a:ln>
-              <a:noFill/>
-            </a:ln>
-            <a:extLst/>
-          </p:spPr>
-          <p:txBody>
-            <a:bodyPr vert="horz" wrap="square" lIns="91440" tIns="45720" rIns="91440" bIns="45720" numCol="1" anchor="t" anchorCtr="0" compatLnSpc="1">
-              <a:prstTxWarp prst="textNoShape">
-                <a:avLst/>
-              </a:prstTxWarp>
-            </a:bodyPr>
-            <a:lstStyle/>
-            <a:p>
-              <a:endParaRPr lang="zh-CN" altLang="en-US"/>
-            </a:p>
-          </p:txBody>
-        </p:sp>
-        <p:sp>
-          <p:nvSpPr>
-            <p:cNvPr id="11" name="淘宝店chenying0907 37"/>
-            <p:cNvSpPr>
-              <a:spLocks/>
-            </p:cNvSpPr>
-            <p:nvPr/>
-          </p:nvSpPr>
-          <p:spPr bwMode="auto">
-            <a:xfrm rot="16200000">
-              <a:off x="5568154" y="1183482"/>
-              <a:ext cx="3840163" cy="3311525"/>
-            </a:xfrm>
-            <a:custGeom>
-              <a:avLst/>
-              <a:gdLst>
-                <a:gd name="T0" fmla="*/ 0 w 2419"/>
-                <a:gd name="T1" fmla="*/ 0 h 2086"/>
-                <a:gd name="T2" fmla="*/ 753 w 2419"/>
-                <a:gd name="T3" fmla="*/ 2008 h 2086"/>
-                <a:gd name="T4" fmla="*/ 1228 w 2419"/>
-                <a:gd name="T5" fmla="*/ 2086 h 2086"/>
-                <a:gd name="T6" fmla="*/ 2419 w 2419"/>
-                <a:gd name="T7" fmla="*/ 2086 h 2086"/>
-                <a:gd name="T8" fmla="*/ 0 w 2419"/>
-                <a:gd name="T9" fmla="*/ 0 h 2086"/>
-              </a:gdLst>
-              <a:ahLst/>
-              <a:cxnLst>
-                <a:cxn ang="0">
-                  <a:pos x="T0" y="T1"/>
-                </a:cxn>
-                <a:cxn ang="0">
-                  <a:pos x="T2" y="T3"/>
-                </a:cxn>
-                <a:cxn ang="0">
-                  <a:pos x="T4" y="T5"/>
-                </a:cxn>
-                <a:cxn ang="0">
-                  <a:pos x="T6" y="T7"/>
-                </a:cxn>
-                <a:cxn ang="0">
-                  <a:pos x="T8" y="T9"/>
-                </a:cxn>
-              </a:cxnLst>
-              <a:rect l="0" t="0" r="r" b="b"/>
-              <a:pathLst>
-                <a:path w="2419" h="2086">
-                  <a:moveTo>
-                    <a:pt x="0" y="0"/>
-                  </a:moveTo>
-                  <a:lnTo>
-                    <a:pt x="753" y="2008"/>
-                  </a:lnTo>
-                  <a:lnTo>
-                    <a:pt x="1228" y="2086"/>
-                  </a:lnTo>
-                  <a:lnTo>
-                    <a:pt x="2419" y="2086"/>
-                  </a:lnTo>
-                  <a:lnTo>
-                    <a:pt x="0" y="0"/>
-                  </a:lnTo>
-                  <a:close/>
-                </a:path>
-              </a:pathLst>
-            </a:custGeom>
-            <a:solidFill>
-              <a:srgbClr val="F1CFCD"/>
-            </a:solidFill>
-            <a:ln>
-              <a:noFill/>
-            </a:ln>
-            <a:extLst>
-              <a:ext uri="{91240B29-F687-4F45-9708-019B960494DF}">
-                <a14:hiddenLine xmlns:a14="http://schemas.microsoft.com/office/drawing/2010/main" w="9525">
-                  <a:solidFill>
-                    <a:srgbClr val="000000"/>
-                  </a:solidFill>
-                  <a:round/>
-                  <a:headEnd/>
-                  <a:tailEnd/>
-                </a14:hiddenLine>
-              </a:ext>
-            </a:extLst>
-          </p:spPr>
-          <p:txBody>
-            <a:bodyPr vert="horz" wrap="square" lIns="91440" tIns="45720" rIns="91440" bIns="45720" numCol="1" anchor="t" anchorCtr="0" compatLnSpc="1">
-              <a:prstTxWarp prst="textNoShape">
-                <a:avLst/>
-              </a:prstTxWarp>
-            </a:bodyPr>
-            <a:lstStyle/>
-            <a:p>
-              <a:endParaRPr lang="zh-CN" altLang="en-US"/>
-            </a:p>
-          </p:txBody>
-        </p:sp>
-        <p:sp>
-          <p:nvSpPr>
-            <p:cNvPr id="12" name="淘宝店chenying0907 38"/>
-            <p:cNvSpPr>
-              <a:spLocks/>
-            </p:cNvSpPr>
-            <p:nvPr/>
-          </p:nvSpPr>
-          <p:spPr bwMode="auto">
-            <a:xfrm rot="16200000">
-              <a:off x="6636541" y="2759869"/>
-              <a:ext cx="1579563" cy="3187700"/>
-            </a:xfrm>
-            <a:custGeom>
-              <a:avLst/>
-              <a:gdLst>
-                <a:gd name="T0" fmla="*/ 242 w 995"/>
-                <a:gd name="T1" fmla="*/ 0 h 2008"/>
-                <a:gd name="T2" fmla="*/ 0 w 995"/>
-                <a:gd name="T3" fmla="*/ 305 h 2008"/>
-                <a:gd name="T4" fmla="*/ 0 w 995"/>
-                <a:gd name="T5" fmla="*/ 1845 h 2008"/>
-                <a:gd name="T6" fmla="*/ 995 w 995"/>
-                <a:gd name="T7" fmla="*/ 2008 h 2008"/>
-                <a:gd name="T8" fmla="*/ 242 w 995"/>
-                <a:gd name="T9" fmla="*/ 0 h 2008"/>
-              </a:gdLst>
-              <a:ahLst/>
-              <a:cxnLst>
-                <a:cxn ang="0">
-                  <a:pos x="T0" y="T1"/>
-                </a:cxn>
-                <a:cxn ang="0">
-                  <a:pos x="T2" y="T3"/>
-                </a:cxn>
-                <a:cxn ang="0">
-                  <a:pos x="T4" y="T5"/>
-                </a:cxn>
-                <a:cxn ang="0">
-                  <a:pos x="T6" y="T7"/>
-                </a:cxn>
-                <a:cxn ang="0">
-                  <a:pos x="T8" y="T9"/>
-                </a:cxn>
-              </a:cxnLst>
-              <a:rect l="0" t="0" r="r" b="b"/>
-              <a:pathLst>
-                <a:path w="995" h="2008">
-                  <a:moveTo>
-                    <a:pt x="242" y="0"/>
-                  </a:moveTo>
-                  <a:lnTo>
-                    <a:pt x="0" y="305"/>
-                  </a:lnTo>
-                  <a:lnTo>
-                    <a:pt x="0" y="1845"/>
-                  </a:lnTo>
-                  <a:lnTo>
-                    <a:pt x="995" y="2008"/>
-                  </a:lnTo>
-                  <a:lnTo>
-                    <a:pt x="242" y="0"/>
-                  </a:lnTo>
-                  <a:close/>
-                </a:path>
-              </a:pathLst>
-            </a:custGeom>
-            <a:solidFill>
-              <a:srgbClr val="F9E7E3"/>
-            </a:solidFill>
-            <a:ln>
-              <a:noFill/>
-            </a:ln>
-            <a:extLst>
-              <a:ext uri="{91240B29-F687-4F45-9708-019B960494DF}">
-                <a14:hiddenLine xmlns:a14="http://schemas.microsoft.com/office/drawing/2010/main" w="9525">
-                  <a:solidFill>
-                    <a:srgbClr val="000000"/>
-                  </a:solidFill>
-                  <a:round/>
-                  <a:headEnd/>
-                  <a:tailEnd/>
-                </a14:hiddenLine>
-              </a:ext>
-            </a:extLst>
-          </p:spPr>
-          <p:txBody>
-            <a:bodyPr vert="horz" wrap="square" lIns="91440" tIns="45720" rIns="91440" bIns="45720" numCol="1" anchor="t" anchorCtr="0" compatLnSpc="1">
-              <a:prstTxWarp prst="textNoShape">
-                <a:avLst/>
-              </a:prstTxWarp>
-            </a:bodyPr>
-            <a:lstStyle/>
-            <a:p>
-              <a:endParaRPr lang="zh-CN" altLang="en-US"/>
-            </a:p>
-          </p:txBody>
-        </p:sp>
-        <p:sp>
-          <p:nvSpPr>
-            <p:cNvPr id="13" name="淘宝店chenying0907 39"/>
-            <p:cNvSpPr>
-              <a:spLocks/>
-            </p:cNvSpPr>
-            <p:nvPr/>
-          </p:nvSpPr>
-          <p:spPr bwMode="auto">
-            <a:xfrm rot="16200000">
-              <a:off x="7785893" y="3785394"/>
-              <a:ext cx="2333625" cy="382588"/>
-            </a:xfrm>
-            <a:custGeom>
-              <a:avLst/>
-              <a:gdLst>
-                <a:gd name="T0" fmla="*/ 0 w 1470"/>
-                <a:gd name="T1" fmla="*/ 0 h 241"/>
-                <a:gd name="T2" fmla="*/ 0 w 1470"/>
-                <a:gd name="T3" fmla="*/ 233 h 241"/>
-                <a:gd name="T4" fmla="*/ 0 w 1470"/>
-                <a:gd name="T5" fmla="*/ 241 h 241"/>
-                <a:gd name="T6" fmla="*/ 1470 w 1470"/>
-                <a:gd name="T7" fmla="*/ 241 h 241"/>
-                <a:gd name="T8" fmla="*/ 0 w 1470"/>
-                <a:gd name="T9" fmla="*/ 0 h 241"/>
-              </a:gdLst>
-              <a:ahLst/>
-              <a:cxnLst>
-                <a:cxn ang="0">
-                  <a:pos x="T0" y="T1"/>
-                </a:cxn>
-                <a:cxn ang="0">
-                  <a:pos x="T2" y="T3"/>
-                </a:cxn>
-                <a:cxn ang="0">
-                  <a:pos x="T4" y="T5"/>
-                </a:cxn>
-                <a:cxn ang="0">
-                  <a:pos x="T6" y="T7"/>
-                </a:cxn>
-                <a:cxn ang="0">
-                  <a:pos x="T8" y="T9"/>
-                </a:cxn>
-              </a:cxnLst>
-              <a:rect l="0" t="0" r="r" b="b"/>
-              <a:pathLst>
-                <a:path w="1470" h="241">
-                  <a:moveTo>
-                    <a:pt x="0" y="0"/>
-                  </a:moveTo>
-                  <a:lnTo>
-                    <a:pt x="0" y="233"/>
-                  </a:lnTo>
-                  <a:lnTo>
-                    <a:pt x="0" y="241"/>
-                  </a:lnTo>
-                  <a:lnTo>
-                    <a:pt x="1470" y="241"/>
-                  </a:lnTo>
-                  <a:lnTo>
-                    <a:pt x="0" y="0"/>
-                  </a:lnTo>
-                  <a:close/>
-                </a:path>
-              </a:pathLst>
-            </a:custGeom>
-            <a:solidFill>
-              <a:srgbClr val="E5AAA4"/>
-            </a:solidFill>
-            <a:ln>
-              <a:noFill/>
-            </a:ln>
-            <a:extLst>
-              <a:ext uri="{91240B29-F687-4F45-9708-019B960494DF}">
-                <a14:hiddenLine xmlns:a14="http://schemas.microsoft.com/office/drawing/2010/main" w="9525">
-                  <a:solidFill>
-                    <a:srgbClr val="000000"/>
-                  </a:solidFill>
-                  <a:round/>
-                  <a:headEnd/>
-                  <a:tailEnd/>
-                </a14:hiddenLine>
-              </a:ext>
-            </a:extLst>
-          </p:spPr>
-          <p:txBody>
-            <a:bodyPr vert="horz" wrap="square" lIns="91440" tIns="45720" rIns="91440" bIns="45720" numCol="1" anchor="t" anchorCtr="0" compatLnSpc="1">
-              <a:prstTxWarp prst="textNoShape">
-                <a:avLst/>
-              </a:prstTxWarp>
-            </a:bodyPr>
-            <a:lstStyle/>
-            <a:p>
-              <a:endParaRPr lang="zh-CN" altLang="en-US"/>
-            </a:p>
-          </p:txBody>
-        </p:sp>
-      </p:grpSp>
-      <p:sp>
-        <p:nvSpPr>
-          <p:cNvPr id="14" name="PA_淘宝店chenying0907 13"/>
-          <p:cNvSpPr/>
-          <p:nvPr>
-            <p:custDataLst>
-              <p:tags r:id="rId2"/>
-            </p:custDataLst>
-          </p:nvPr>
-        </p:nvSpPr>
-        <p:spPr>
-          <a:xfrm>
-            <a:off x="3203847" y="1226820"/>
-            <a:ext cx="5557563" cy="2689858"/>
-          </a:xfrm>
-          <a:prstGeom prst="rect">
-            <a:avLst/>
-          </a:prstGeom>
-          <a:solidFill>
-            <a:schemeClr val="bg1">
-              <a:alpha val="85000"/>
-            </a:schemeClr>
-          </a:solidFill>
-          <a:ln>
-            <a:noFill/>
-          </a:ln>
-          <a:effectLst>
-            <a:outerShdw blurRad="368300" dist="63500" dir="4620000" algn="tl" rotWithShape="0">
-              <a:schemeClr val="tx1">
-                <a:alpha val="20000"/>
-              </a:schemeClr>
-            </a:outerShdw>
-          </a:effectLst>
-        </p:spPr>
-        <p:style>
-          <a:lnRef idx="2">
-            <a:schemeClr val="accent1">
-              <a:shade val="50000"/>
-            </a:schemeClr>
-          </a:lnRef>
-          <a:fillRef idx="1">
-            <a:schemeClr val="accent1"/>
-          </a:fillRef>
-          <a:effectRef idx="0">
-            <a:schemeClr val="accent1"/>
-          </a:effectRef>
-          <a:fontRef idx="minor">
-            <a:schemeClr val="lt1"/>
-          </a:fontRef>
-        </p:style>
-        <p:txBody>
-          <a:bodyPr rtlCol="0" anchor="ctr"/>
-          <a:lstStyle/>
-          <a:p>
-            <a:pPr algn="ctr"/>
-            <a:endParaRPr lang="zh-CN" altLang="en-US"/>
-          </a:p>
-        </p:txBody>
-      </p:sp>
-      <p:sp>
-        <p:nvSpPr>
-          <p:cNvPr id="17" name="PA_文本框 16"/>
-          <p:cNvSpPr txBox="1"/>
-          <p:nvPr>
-            <p:custDataLst>
-              <p:tags r:id="rId3"/>
-            </p:custDataLst>
-          </p:nvPr>
-        </p:nvSpPr>
-        <p:spPr>
-          <a:xfrm>
-            <a:off x="1841644" y="2126925"/>
-            <a:ext cx="899396" cy="830997"/>
-          </a:xfrm>
-          <a:prstGeom prst="rect">
-            <a:avLst/>
-          </a:prstGeom>
-          <a:noFill/>
-        </p:spPr>
-        <p:txBody>
-          <a:bodyPr wrap="square" rtlCol="0">
-            <a:spAutoFit/>
-          </a:bodyPr>
-          <a:lstStyle/>
-          <a:p>
-            <a:r>
-              <a:rPr lang="en-US" altLang="zh-CN" sz="4800" dirty="0">
-                <a:solidFill>
-                  <a:schemeClr val="bg1">
-                    <a:lumMod val="50000"/>
-                  </a:schemeClr>
-                </a:solidFill>
-                <a:latin typeface="微软雅黑 Light" panose="020B0502040204020203" pitchFamily="34" charset="-122"/>
-                <a:ea typeface="微软雅黑 Light" panose="020B0502040204020203" pitchFamily="34" charset="-122"/>
-              </a:rPr>
-              <a:t>02</a:t>
-            </a:r>
-            <a:endParaRPr lang="zh-CN" altLang="en-US" sz="4800" dirty="0">
-              <a:solidFill>
-                <a:schemeClr val="bg1">
-                  <a:lumMod val="50000"/>
-                </a:schemeClr>
-              </a:solidFill>
-              <a:latin typeface="微软雅黑 Light" panose="020B0502040204020203" pitchFamily="34" charset="-122"/>
-              <a:ea typeface="微软雅黑 Light" panose="020B0502040204020203" pitchFamily="34" charset="-122"/>
-            </a:endParaRPr>
-          </a:p>
-        </p:txBody>
-      </p:sp>
-      <p:sp>
-        <p:nvSpPr>
-          <p:cNvPr id="18" name="PA_文本框 17"/>
-          <p:cNvSpPr txBox="1"/>
-          <p:nvPr>
-            <p:custDataLst>
-              <p:tags r:id="rId4"/>
-            </p:custDataLst>
-          </p:nvPr>
-        </p:nvSpPr>
-        <p:spPr>
-          <a:xfrm>
-            <a:off x="3396665" y="2126633"/>
-            <a:ext cx="3775393" cy="707886"/>
-          </a:xfrm>
-          <a:prstGeom prst="rect">
-            <a:avLst/>
-          </a:prstGeom>
-          <a:noFill/>
-        </p:spPr>
-        <p:txBody>
-          <a:bodyPr wrap="none" rtlCol="0">
-            <a:spAutoFit/>
-          </a:bodyPr>
-          <a:lstStyle/>
-          <a:p>
-            <a:r>
-              <a:rPr lang="zh-CN" altLang="en-US" sz="4000" dirty="0">
-                <a:solidFill>
-                  <a:schemeClr val="bg1">
-                    <a:lumMod val="50000"/>
-                  </a:schemeClr>
-                </a:solidFill>
-                <a:latin typeface="微软雅黑 Light" panose="020B0502040204020203" pitchFamily="34" charset="-122"/>
-                <a:ea typeface="微软雅黑 Light" panose="020B0502040204020203" pitchFamily="34" charset="-122"/>
-              </a:rPr>
-              <a:t>软件维护的特点</a:t>
-            </a:r>
-          </a:p>
-        </p:txBody>
-      </p:sp>
-      <p:grpSp>
-        <p:nvGrpSpPr>
-          <p:cNvPr id="19" name="PA_淘宝店chenying0907 18"/>
-          <p:cNvGrpSpPr/>
-          <p:nvPr>
-            <p:custDataLst>
-              <p:tags r:id="rId5"/>
-            </p:custDataLst>
-          </p:nvPr>
-        </p:nvGrpSpPr>
-        <p:grpSpPr>
-          <a:xfrm>
-            <a:off x="2212740" y="2227407"/>
-            <a:ext cx="528300" cy="710884"/>
-            <a:chOff x="4211960" y="594800"/>
-            <a:chExt cx="374475" cy="662059"/>
-          </a:xfrm>
-        </p:grpSpPr>
-        <p:sp>
-          <p:nvSpPr>
-            <p:cNvPr id="20" name="直角三角形 19"/>
-            <p:cNvSpPr/>
-            <p:nvPr/>
-          </p:nvSpPr>
-          <p:spPr>
-            <a:xfrm rot="16200000">
-              <a:off x="4068168" y="738592"/>
-              <a:ext cx="662059" cy="374475"/>
-            </a:xfrm>
-            <a:prstGeom prst="rtTriangle">
-              <a:avLst/>
-            </a:prstGeom>
-            <a:solidFill>
-              <a:schemeClr val="bg1"/>
-            </a:solidFill>
-            <a:ln>
-              <a:noFill/>
-            </a:ln>
-          </p:spPr>
-          <p:style>
-            <a:lnRef idx="2">
-              <a:schemeClr val="accent1">
-                <a:shade val="50000"/>
-              </a:schemeClr>
-            </a:lnRef>
-            <a:fillRef idx="1">
-              <a:schemeClr val="accent1"/>
-            </a:fillRef>
-            <a:effectRef idx="0">
-              <a:schemeClr val="accent1"/>
-            </a:effectRef>
-            <a:fontRef idx="minor">
-              <a:schemeClr val="lt1"/>
-            </a:fontRef>
-          </p:style>
-          <p:txBody>
-            <a:bodyPr rtlCol="0" anchor="ctr"/>
-            <a:lstStyle/>
-            <a:p>
-              <a:pPr algn="ctr"/>
-              <a:endParaRPr lang="zh-CN" altLang="en-US"/>
-            </a:p>
-          </p:txBody>
-        </p:sp>
-        <p:cxnSp>
-          <p:nvCxnSpPr>
-            <p:cNvPr id="21" name="直接连接符 20"/>
-            <p:cNvCxnSpPr>
-              <a:stCxn id="20" idx="4"/>
-              <a:endCxn id="20" idx="0"/>
-            </p:cNvCxnSpPr>
-            <p:nvPr/>
-          </p:nvCxnSpPr>
-          <p:spPr>
-            <a:xfrm flipH="1">
-              <a:off x="4211960" y="594800"/>
-              <a:ext cx="374475" cy="662059"/>
-            </a:xfrm>
-            <a:prstGeom prst="line">
-              <a:avLst/>
-            </a:prstGeom>
-            <a:ln w="6350" cap="rnd">
-              <a:solidFill>
-                <a:schemeClr val="accent3"/>
-              </a:solidFill>
-            </a:ln>
-          </p:spPr>
-          <p:style>
-            <a:lnRef idx="1">
-              <a:schemeClr val="accent1"/>
-            </a:lnRef>
-            <a:fillRef idx="0">
-              <a:schemeClr val="accent1"/>
-            </a:fillRef>
-            <a:effectRef idx="0">
-              <a:schemeClr val="accent1"/>
-            </a:effectRef>
-            <a:fontRef idx="minor">
-              <a:schemeClr val="tx1"/>
-            </a:fontRef>
-          </p:style>
-        </p:cxnSp>
-      </p:grpSp>
-    </p:spTree>
-    <p:extLst>
-      <p:ext uri="{BB962C8B-B14F-4D97-AF65-F5344CB8AC3E}">
-        <p14:creationId xmlns:p14="http://schemas.microsoft.com/office/powerpoint/2010/main" val="4154245123"/>
-      </p:ext>
-    </p:extLst>
-  </p:cSld>
-  <p:clrMapOvr>
-    <a:masterClrMapping/>
-  </p:clrMapOvr>
-  <p:transition spd="slow">
-    <p:wipe/>
-  </p:transition>
-  <p:timing>
-    <p:tnLst>
-      <p:par>
-        <p:cTn id="1" dur="indefinite" restart="never" nodeType="tmRoot">
-          <p:childTnLst>
-            <p:seq concurrent="1" nextAc="seek">
-              <p:cTn id="2" dur="indefinite" nodeType="mainSeq">
-                <p:childTnLst>
-                  <p:par>
-                    <p:cTn id="3" fill="hold">
-                      <p:stCondLst>
-                        <p:cond delay="indefinite"/>
-                      </p:stCondLst>
-                      <p:childTnLst>
-                        <p:par>
-                          <p:cTn id="4" fill="hold">
-                            <p:stCondLst>
-                              <p:cond delay="0"/>
-                            </p:stCondLst>
-                            <p:childTnLst>
-                              <p:par>
-                                <p:cTn id="5" presetID="10" presetClass="entr" presetSubtype="0" fill="hold" nodeType="clickEffect">
-                                  <p:stCondLst>
-                                    <p:cond delay="0"/>
-                                  </p:stCondLst>
-                                  <p:childTnLst>
-                                    <p:set>
-                                      <p:cBhvr>
-                                        <p:cTn id="6" dur="1" fill="hold">
-                                          <p:stCondLst>
-                                            <p:cond delay="0"/>
-                                          </p:stCondLst>
-                                        </p:cTn>
-                                        <p:tgtEl>
-                                          <p:spTgt spid="22"/>
-                                        </p:tgtEl>
-                                        <p:attrNameLst>
-                                          <p:attrName>style.visibility</p:attrName>
-                                        </p:attrNameLst>
-                                      </p:cBhvr>
-                                      <p:to>
-                                        <p:strVal val="visible"/>
-                                      </p:to>
-                                    </p:set>
-                                    <p:animEffect transition="in" filter="fade">
-                                      <p:cBhvr>
-                                        <p:cTn id="7" dur="500"/>
-                                        <p:tgtEl>
-                                          <p:spTgt spid="22"/>
-                                        </p:tgtEl>
-                                      </p:cBhvr>
-                                    </p:animEffect>
-                                  </p:childTnLst>
-                                </p:cTn>
-                              </p:par>
-                              <p:par>
-                                <p:cTn id="8" presetID="10" presetClass="entr" presetSubtype="0" fill="hold" grpId="0" nodeType="withEffect">
-                                  <p:stCondLst>
-                                    <p:cond delay="300"/>
-                                  </p:stCondLst>
-                                  <p:childTnLst>
-                                    <p:set>
-                                      <p:cBhvr>
-                                        <p:cTn id="9" dur="1" fill="hold">
-                                          <p:stCondLst>
-                                            <p:cond delay="0"/>
-                                          </p:stCondLst>
-                                        </p:cTn>
-                                        <p:tgtEl>
-                                          <p:spTgt spid="14"/>
-                                        </p:tgtEl>
-                                        <p:attrNameLst>
-                                          <p:attrName>style.visibility</p:attrName>
-                                        </p:attrNameLst>
-                                      </p:cBhvr>
-                                      <p:to>
-                                        <p:strVal val="visible"/>
-                                      </p:to>
-                                    </p:set>
-                                    <p:animEffect transition="in" filter="fade">
-                                      <p:cBhvr>
-                                        <p:cTn id="10" dur="500"/>
-                                        <p:tgtEl>
-                                          <p:spTgt spid="14"/>
-                                        </p:tgtEl>
-                                      </p:cBhvr>
-                                    </p:animEffect>
-                                  </p:childTnLst>
-                                </p:cTn>
-                              </p:par>
-                              <p:par>
-                                <p:cTn id="11" presetID="10" presetClass="entr" presetSubtype="0" fill="hold" grpId="0" nodeType="withEffect">
-                                  <p:stCondLst>
-                                    <p:cond delay="600"/>
-                                  </p:stCondLst>
-                                  <p:childTnLst>
-                                    <p:set>
-                                      <p:cBhvr>
-                                        <p:cTn id="12" dur="1" fill="hold">
-                                          <p:stCondLst>
-                                            <p:cond delay="0"/>
-                                          </p:stCondLst>
-                                        </p:cTn>
-                                        <p:tgtEl>
-                                          <p:spTgt spid="17"/>
-                                        </p:tgtEl>
-                                        <p:attrNameLst>
-                                          <p:attrName>style.visibility</p:attrName>
-                                        </p:attrNameLst>
-                                      </p:cBhvr>
-                                      <p:to>
-                                        <p:strVal val="visible"/>
-                                      </p:to>
-                                    </p:set>
-                                    <p:animEffect transition="in" filter="fade">
-                                      <p:cBhvr>
-                                        <p:cTn id="13" dur="500"/>
-                                        <p:tgtEl>
-                                          <p:spTgt spid="17"/>
-                                        </p:tgtEl>
-                                      </p:cBhvr>
-                                    </p:animEffect>
-                                  </p:childTnLst>
-                                </p:cTn>
-                              </p:par>
-                              <p:par>
-                                <p:cTn id="14" presetID="10" presetClass="entr" presetSubtype="0" fill="hold" grpId="0" nodeType="withEffect">
-                                  <p:stCondLst>
-                                    <p:cond delay="900"/>
-                                  </p:stCondLst>
-                                  <p:childTnLst>
-                                    <p:set>
-                                      <p:cBhvr>
-                                        <p:cTn id="15" dur="1" fill="hold">
-                                          <p:stCondLst>
-                                            <p:cond delay="0"/>
-                                          </p:stCondLst>
-                                        </p:cTn>
-                                        <p:tgtEl>
-                                          <p:spTgt spid="18"/>
-                                        </p:tgtEl>
-                                        <p:attrNameLst>
-                                          <p:attrName>style.visibility</p:attrName>
-                                        </p:attrNameLst>
-                                      </p:cBhvr>
-                                      <p:to>
-                                        <p:strVal val="visible"/>
-                                      </p:to>
-                                    </p:set>
-                                    <p:animEffect transition="in" filter="fade">
-                                      <p:cBhvr>
-                                        <p:cTn id="16" dur="500"/>
-                                        <p:tgtEl>
-                                          <p:spTgt spid="18"/>
-                                        </p:tgtEl>
-                                      </p:cBhvr>
-                                    </p:animEffect>
-                                  </p:childTnLst>
-                                </p:cTn>
-                              </p:par>
-                              <p:par>
-                                <p:cTn id="17" presetID="10" presetClass="entr" presetSubtype="0" fill="hold" nodeType="withEffect">
-                                  <p:stCondLst>
-                                    <p:cond delay="1200"/>
-                                  </p:stCondLst>
-                                  <p:childTnLst>
-                                    <p:set>
-                                      <p:cBhvr>
-                                        <p:cTn id="18" dur="1" fill="hold">
-                                          <p:stCondLst>
-                                            <p:cond delay="0"/>
-                                          </p:stCondLst>
-                                        </p:cTn>
-                                        <p:tgtEl>
-                                          <p:spTgt spid="19"/>
-                                        </p:tgtEl>
-                                        <p:attrNameLst>
-                                          <p:attrName>style.visibility</p:attrName>
-                                        </p:attrNameLst>
-                                      </p:cBhvr>
-                                      <p:to>
-                                        <p:strVal val="visible"/>
-                                      </p:to>
-                                    </p:set>
-                                    <p:animEffect transition="in" filter="fade">
-                                      <p:cBhvr>
-                                        <p:cTn id="19" dur="500"/>
-                                        <p:tgtEl>
-                                          <p:spTgt spid="19"/>
-                                        </p:tgtEl>
-                                      </p:cBhvr>
-                                    </p:animEffect>
-                                  </p:childTnLst>
-                                </p:cTn>
-                              </p:par>
-                            </p:childTnLst>
-                          </p:cTn>
-                        </p:par>
-                      </p:childTnLst>
-                    </p:cTn>
-                  </p:par>
-                </p:childTnLst>
-              </p:cTn>
-              <p:prevCondLst>
-                <p:cond evt="onPrev" delay="0">
-                  <p:tgtEl>
-                    <p:sldTgt/>
-                  </p:tgtEl>
-                </p:cond>
-              </p:prevCondLst>
-              <p:nextCondLst>
-                <p:cond evt="onNext" delay="0">
-                  <p:tgtEl>
-                    <p:sldTgt/>
-                  </p:tgtEl>
-                </p:cond>
-              </p:nextCondLst>
-            </p:seq>
-          </p:childTnLst>
-        </p:cTn>
-      </p:par>
-    </p:tnLst>
-    <p:bldLst>
-      <p:bldP spid="14" grpId="0" animBg="1" autoUpdateAnimBg="0"/>
-      <p:bldP spid="17" grpId="0" animBg="1" autoUpdateAnimBg="0"/>
-      <p:bldP spid="18" grpId="0"/>
     </p:bldLst>
   </p:timing>
 </p:sld>
@@ -15566,6 +15431,890 @@
           <a:chExt cx="0" cy="0"/>
         </a:xfrm>
       </p:grpSpPr>
+      <p:grpSp>
+        <p:nvGrpSpPr>
+          <p:cNvPr id="22" name="PA_淘宝店chenying0907 21"/>
+          <p:cNvGrpSpPr/>
+          <p:nvPr>
+            <p:custDataLst>
+              <p:tags r:id="rId1"/>
+            </p:custDataLst>
+          </p:nvPr>
+        </p:nvGrpSpPr>
+        <p:grpSpPr>
+          <a:xfrm>
+            <a:off x="5832473" y="-21235"/>
+            <a:ext cx="3311527" cy="5164735"/>
+            <a:chOff x="5832473" y="-21235"/>
+            <a:chExt cx="3311527" cy="5164735"/>
+          </a:xfrm>
+        </p:grpSpPr>
+        <p:sp>
+          <p:nvSpPr>
+            <p:cNvPr id="10" name="淘宝店chenying0907 36"/>
+            <p:cNvSpPr>
+              <a:spLocks/>
+            </p:cNvSpPr>
+            <p:nvPr/>
+          </p:nvSpPr>
+          <p:spPr bwMode="auto">
+            <a:xfrm rot="16200000">
+              <a:off x="7445263" y="403114"/>
+              <a:ext cx="2123086" cy="1274387"/>
+            </a:xfrm>
+            <a:custGeom>
+              <a:avLst/>
+              <a:gdLst/>
+              <a:ahLst/>
+              <a:cxnLst/>
+              <a:rect l="l" t="t" r="r" b="b"/>
+              <a:pathLst>
+                <a:path w="2123086" h="1274387">
+                  <a:moveTo>
+                    <a:pt x="0" y="252037"/>
+                  </a:moveTo>
+                  <a:lnTo>
+                    <a:pt x="2123086" y="0"/>
+                  </a:lnTo>
+                  <a:lnTo>
+                    <a:pt x="2123086" y="1274387"/>
+                  </a:lnTo>
+                  <a:lnTo>
+                    <a:pt x="1182688" y="1274387"/>
+                  </a:lnTo>
+                  <a:close/>
+                </a:path>
+              </a:pathLst>
+            </a:custGeom>
+            <a:solidFill>
+              <a:srgbClr val="E5AAA4"/>
+            </a:solidFill>
+            <a:ln>
+              <a:noFill/>
+            </a:ln>
+            <a:extLst/>
+          </p:spPr>
+          <p:txBody>
+            <a:bodyPr vert="horz" wrap="square" lIns="91440" tIns="45720" rIns="91440" bIns="45720" numCol="1" anchor="t" anchorCtr="0" compatLnSpc="1">
+              <a:prstTxWarp prst="textNoShape">
+                <a:avLst/>
+              </a:prstTxWarp>
+            </a:bodyPr>
+            <a:lstStyle/>
+            <a:p>
+              <a:endParaRPr lang="zh-CN" altLang="en-US"/>
+            </a:p>
+          </p:txBody>
+        </p:sp>
+        <p:sp>
+          <p:nvSpPr>
+            <p:cNvPr id="11" name="淘宝店chenying0907 37"/>
+            <p:cNvSpPr>
+              <a:spLocks/>
+            </p:cNvSpPr>
+            <p:nvPr/>
+          </p:nvSpPr>
+          <p:spPr bwMode="auto">
+            <a:xfrm rot="16200000">
+              <a:off x="5568154" y="1183482"/>
+              <a:ext cx="3840163" cy="3311525"/>
+            </a:xfrm>
+            <a:custGeom>
+              <a:avLst/>
+              <a:gdLst>
+                <a:gd name="T0" fmla="*/ 0 w 2419"/>
+                <a:gd name="T1" fmla="*/ 0 h 2086"/>
+                <a:gd name="T2" fmla="*/ 753 w 2419"/>
+                <a:gd name="T3" fmla="*/ 2008 h 2086"/>
+                <a:gd name="T4" fmla="*/ 1228 w 2419"/>
+                <a:gd name="T5" fmla="*/ 2086 h 2086"/>
+                <a:gd name="T6" fmla="*/ 2419 w 2419"/>
+                <a:gd name="T7" fmla="*/ 2086 h 2086"/>
+                <a:gd name="T8" fmla="*/ 0 w 2419"/>
+                <a:gd name="T9" fmla="*/ 0 h 2086"/>
+              </a:gdLst>
+              <a:ahLst/>
+              <a:cxnLst>
+                <a:cxn ang="0">
+                  <a:pos x="T0" y="T1"/>
+                </a:cxn>
+                <a:cxn ang="0">
+                  <a:pos x="T2" y="T3"/>
+                </a:cxn>
+                <a:cxn ang="0">
+                  <a:pos x="T4" y="T5"/>
+                </a:cxn>
+                <a:cxn ang="0">
+                  <a:pos x="T6" y="T7"/>
+                </a:cxn>
+                <a:cxn ang="0">
+                  <a:pos x="T8" y="T9"/>
+                </a:cxn>
+              </a:cxnLst>
+              <a:rect l="0" t="0" r="r" b="b"/>
+              <a:pathLst>
+                <a:path w="2419" h="2086">
+                  <a:moveTo>
+                    <a:pt x="0" y="0"/>
+                  </a:moveTo>
+                  <a:lnTo>
+                    <a:pt x="753" y="2008"/>
+                  </a:lnTo>
+                  <a:lnTo>
+                    <a:pt x="1228" y="2086"/>
+                  </a:lnTo>
+                  <a:lnTo>
+                    <a:pt x="2419" y="2086"/>
+                  </a:lnTo>
+                  <a:lnTo>
+                    <a:pt x="0" y="0"/>
+                  </a:lnTo>
+                  <a:close/>
+                </a:path>
+              </a:pathLst>
+            </a:custGeom>
+            <a:solidFill>
+              <a:srgbClr val="F1CFCD"/>
+            </a:solidFill>
+            <a:ln>
+              <a:noFill/>
+            </a:ln>
+            <a:extLst>
+              <a:ext uri="{91240B29-F687-4F45-9708-019B960494DF}">
+                <a14:hiddenLine xmlns:a14="http://schemas.microsoft.com/office/drawing/2010/main" w="9525">
+                  <a:solidFill>
+                    <a:srgbClr val="000000"/>
+                  </a:solidFill>
+                  <a:round/>
+                  <a:headEnd/>
+                  <a:tailEnd/>
+                </a14:hiddenLine>
+              </a:ext>
+            </a:extLst>
+          </p:spPr>
+          <p:txBody>
+            <a:bodyPr vert="horz" wrap="square" lIns="91440" tIns="45720" rIns="91440" bIns="45720" numCol="1" anchor="t" anchorCtr="0" compatLnSpc="1">
+              <a:prstTxWarp prst="textNoShape">
+                <a:avLst/>
+              </a:prstTxWarp>
+            </a:bodyPr>
+            <a:lstStyle/>
+            <a:p>
+              <a:endParaRPr lang="zh-CN" altLang="en-US"/>
+            </a:p>
+          </p:txBody>
+        </p:sp>
+        <p:sp>
+          <p:nvSpPr>
+            <p:cNvPr id="12" name="淘宝店chenying0907 38"/>
+            <p:cNvSpPr>
+              <a:spLocks/>
+            </p:cNvSpPr>
+            <p:nvPr/>
+          </p:nvSpPr>
+          <p:spPr bwMode="auto">
+            <a:xfrm rot="16200000">
+              <a:off x="6636541" y="2759869"/>
+              <a:ext cx="1579563" cy="3187700"/>
+            </a:xfrm>
+            <a:custGeom>
+              <a:avLst/>
+              <a:gdLst>
+                <a:gd name="T0" fmla="*/ 242 w 995"/>
+                <a:gd name="T1" fmla="*/ 0 h 2008"/>
+                <a:gd name="T2" fmla="*/ 0 w 995"/>
+                <a:gd name="T3" fmla="*/ 305 h 2008"/>
+                <a:gd name="T4" fmla="*/ 0 w 995"/>
+                <a:gd name="T5" fmla="*/ 1845 h 2008"/>
+                <a:gd name="T6" fmla="*/ 995 w 995"/>
+                <a:gd name="T7" fmla="*/ 2008 h 2008"/>
+                <a:gd name="T8" fmla="*/ 242 w 995"/>
+                <a:gd name="T9" fmla="*/ 0 h 2008"/>
+              </a:gdLst>
+              <a:ahLst/>
+              <a:cxnLst>
+                <a:cxn ang="0">
+                  <a:pos x="T0" y="T1"/>
+                </a:cxn>
+                <a:cxn ang="0">
+                  <a:pos x="T2" y="T3"/>
+                </a:cxn>
+                <a:cxn ang="0">
+                  <a:pos x="T4" y="T5"/>
+                </a:cxn>
+                <a:cxn ang="0">
+                  <a:pos x="T6" y="T7"/>
+                </a:cxn>
+                <a:cxn ang="0">
+                  <a:pos x="T8" y="T9"/>
+                </a:cxn>
+              </a:cxnLst>
+              <a:rect l="0" t="0" r="r" b="b"/>
+              <a:pathLst>
+                <a:path w="995" h="2008">
+                  <a:moveTo>
+                    <a:pt x="242" y="0"/>
+                  </a:moveTo>
+                  <a:lnTo>
+                    <a:pt x="0" y="305"/>
+                  </a:lnTo>
+                  <a:lnTo>
+                    <a:pt x="0" y="1845"/>
+                  </a:lnTo>
+                  <a:lnTo>
+                    <a:pt x="995" y="2008"/>
+                  </a:lnTo>
+                  <a:lnTo>
+                    <a:pt x="242" y="0"/>
+                  </a:lnTo>
+                  <a:close/>
+                </a:path>
+              </a:pathLst>
+            </a:custGeom>
+            <a:solidFill>
+              <a:srgbClr val="F9E7E3"/>
+            </a:solidFill>
+            <a:ln>
+              <a:noFill/>
+            </a:ln>
+            <a:extLst>
+              <a:ext uri="{91240B29-F687-4F45-9708-019B960494DF}">
+                <a14:hiddenLine xmlns:a14="http://schemas.microsoft.com/office/drawing/2010/main" w="9525">
+                  <a:solidFill>
+                    <a:srgbClr val="000000"/>
+                  </a:solidFill>
+                  <a:round/>
+                  <a:headEnd/>
+                  <a:tailEnd/>
+                </a14:hiddenLine>
+              </a:ext>
+            </a:extLst>
+          </p:spPr>
+          <p:txBody>
+            <a:bodyPr vert="horz" wrap="square" lIns="91440" tIns="45720" rIns="91440" bIns="45720" numCol="1" anchor="t" anchorCtr="0" compatLnSpc="1">
+              <a:prstTxWarp prst="textNoShape">
+                <a:avLst/>
+              </a:prstTxWarp>
+            </a:bodyPr>
+            <a:lstStyle/>
+            <a:p>
+              <a:endParaRPr lang="zh-CN" altLang="en-US"/>
+            </a:p>
+          </p:txBody>
+        </p:sp>
+        <p:sp>
+          <p:nvSpPr>
+            <p:cNvPr id="13" name="淘宝店chenying0907 39"/>
+            <p:cNvSpPr>
+              <a:spLocks/>
+            </p:cNvSpPr>
+            <p:nvPr/>
+          </p:nvSpPr>
+          <p:spPr bwMode="auto">
+            <a:xfrm rot="16200000">
+              <a:off x="7785893" y="3785394"/>
+              <a:ext cx="2333625" cy="382588"/>
+            </a:xfrm>
+            <a:custGeom>
+              <a:avLst/>
+              <a:gdLst>
+                <a:gd name="T0" fmla="*/ 0 w 1470"/>
+                <a:gd name="T1" fmla="*/ 0 h 241"/>
+                <a:gd name="T2" fmla="*/ 0 w 1470"/>
+                <a:gd name="T3" fmla="*/ 233 h 241"/>
+                <a:gd name="T4" fmla="*/ 0 w 1470"/>
+                <a:gd name="T5" fmla="*/ 241 h 241"/>
+                <a:gd name="T6" fmla="*/ 1470 w 1470"/>
+                <a:gd name="T7" fmla="*/ 241 h 241"/>
+                <a:gd name="T8" fmla="*/ 0 w 1470"/>
+                <a:gd name="T9" fmla="*/ 0 h 241"/>
+              </a:gdLst>
+              <a:ahLst/>
+              <a:cxnLst>
+                <a:cxn ang="0">
+                  <a:pos x="T0" y="T1"/>
+                </a:cxn>
+                <a:cxn ang="0">
+                  <a:pos x="T2" y="T3"/>
+                </a:cxn>
+                <a:cxn ang="0">
+                  <a:pos x="T4" y="T5"/>
+                </a:cxn>
+                <a:cxn ang="0">
+                  <a:pos x="T6" y="T7"/>
+                </a:cxn>
+                <a:cxn ang="0">
+                  <a:pos x="T8" y="T9"/>
+                </a:cxn>
+              </a:cxnLst>
+              <a:rect l="0" t="0" r="r" b="b"/>
+              <a:pathLst>
+                <a:path w="1470" h="241">
+                  <a:moveTo>
+                    <a:pt x="0" y="0"/>
+                  </a:moveTo>
+                  <a:lnTo>
+                    <a:pt x="0" y="233"/>
+                  </a:lnTo>
+                  <a:lnTo>
+                    <a:pt x="0" y="241"/>
+                  </a:lnTo>
+                  <a:lnTo>
+                    <a:pt x="1470" y="241"/>
+                  </a:lnTo>
+                  <a:lnTo>
+                    <a:pt x="0" y="0"/>
+                  </a:lnTo>
+                  <a:close/>
+                </a:path>
+              </a:pathLst>
+            </a:custGeom>
+            <a:solidFill>
+              <a:srgbClr val="E5AAA4"/>
+            </a:solidFill>
+            <a:ln>
+              <a:noFill/>
+            </a:ln>
+            <a:extLst>
+              <a:ext uri="{91240B29-F687-4F45-9708-019B960494DF}">
+                <a14:hiddenLine xmlns:a14="http://schemas.microsoft.com/office/drawing/2010/main" w="9525">
+                  <a:solidFill>
+                    <a:srgbClr val="000000"/>
+                  </a:solidFill>
+                  <a:round/>
+                  <a:headEnd/>
+                  <a:tailEnd/>
+                </a14:hiddenLine>
+              </a:ext>
+            </a:extLst>
+          </p:spPr>
+          <p:txBody>
+            <a:bodyPr vert="horz" wrap="square" lIns="91440" tIns="45720" rIns="91440" bIns="45720" numCol="1" anchor="t" anchorCtr="0" compatLnSpc="1">
+              <a:prstTxWarp prst="textNoShape">
+                <a:avLst/>
+              </a:prstTxWarp>
+            </a:bodyPr>
+            <a:lstStyle/>
+            <a:p>
+              <a:endParaRPr lang="zh-CN" altLang="en-US"/>
+            </a:p>
+          </p:txBody>
+        </p:sp>
+      </p:grpSp>
+      <p:sp>
+        <p:nvSpPr>
+          <p:cNvPr id="14" name="PA_淘宝店chenying0907 13"/>
+          <p:cNvSpPr/>
+          <p:nvPr>
+            <p:custDataLst>
+              <p:tags r:id="rId2"/>
+            </p:custDataLst>
+          </p:nvPr>
+        </p:nvSpPr>
+        <p:spPr>
+          <a:xfrm>
+            <a:off x="3203847" y="1226820"/>
+            <a:ext cx="5557563" cy="2689858"/>
+          </a:xfrm>
+          <a:prstGeom prst="rect">
+            <a:avLst/>
+          </a:prstGeom>
+          <a:solidFill>
+            <a:schemeClr val="bg1">
+              <a:alpha val="85000"/>
+            </a:schemeClr>
+          </a:solidFill>
+          <a:ln>
+            <a:noFill/>
+          </a:ln>
+          <a:effectLst>
+            <a:outerShdw blurRad="368300" dist="63500" dir="4620000" algn="tl" rotWithShape="0">
+              <a:schemeClr val="tx1">
+                <a:alpha val="20000"/>
+              </a:schemeClr>
+            </a:outerShdw>
+          </a:effectLst>
+        </p:spPr>
+        <p:style>
+          <a:lnRef idx="2">
+            <a:schemeClr val="accent1">
+              <a:shade val="50000"/>
+            </a:schemeClr>
+          </a:lnRef>
+          <a:fillRef idx="1">
+            <a:schemeClr val="accent1"/>
+          </a:fillRef>
+          <a:effectRef idx="0">
+            <a:schemeClr val="accent1"/>
+          </a:effectRef>
+          <a:fontRef idx="minor">
+            <a:schemeClr val="lt1"/>
+          </a:fontRef>
+        </p:style>
+        <p:txBody>
+          <a:bodyPr rtlCol="0" anchor="ctr"/>
+          <a:lstStyle/>
+          <a:p>
+            <a:pPr algn="ctr"/>
+            <a:endParaRPr lang="zh-CN" altLang="en-US"/>
+          </a:p>
+        </p:txBody>
+      </p:sp>
+      <p:sp>
+        <p:nvSpPr>
+          <p:cNvPr id="17" name="PA_文本框 16"/>
+          <p:cNvSpPr txBox="1"/>
+          <p:nvPr>
+            <p:custDataLst>
+              <p:tags r:id="rId3"/>
+            </p:custDataLst>
+          </p:nvPr>
+        </p:nvSpPr>
+        <p:spPr>
+          <a:xfrm>
+            <a:off x="1841644" y="2126925"/>
+            <a:ext cx="899396" cy="830997"/>
+          </a:xfrm>
+          <a:prstGeom prst="rect">
+            <a:avLst/>
+          </a:prstGeom>
+          <a:noFill/>
+        </p:spPr>
+        <p:txBody>
+          <a:bodyPr wrap="square" rtlCol="0">
+            <a:spAutoFit/>
+          </a:bodyPr>
+          <a:lstStyle/>
+          <a:p>
+            <a:r>
+              <a:rPr lang="en-US" altLang="zh-CN" sz="4800" dirty="0">
+                <a:solidFill>
+                  <a:schemeClr val="bg1">
+                    <a:lumMod val="50000"/>
+                  </a:schemeClr>
+                </a:solidFill>
+                <a:latin typeface="微软雅黑 Light" panose="020B0502040204020203" pitchFamily="34" charset="-122"/>
+                <a:ea typeface="微软雅黑 Light" panose="020B0502040204020203" pitchFamily="34" charset="-122"/>
+              </a:rPr>
+              <a:t>02</a:t>
+            </a:r>
+            <a:endParaRPr lang="zh-CN" altLang="en-US" sz="4800" dirty="0">
+              <a:solidFill>
+                <a:schemeClr val="bg1">
+                  <a:lumMod val="50000"/>
+                </a:schemeClr>
+              </a:solidFill>
+              <a:latin typeface="微软雅黑 Light" panose="020B0502040204020203" pitchFamily="34" charset="-122"/>
+              <a:ea typeface="微软雅黑 Light" panose="020B0502040204020203" pitchFamily="34" charset="-122"/>
+            </a:endParaRPr>
+          </a:p>
+        </p:txBody>
+      </p:sp>
+      <p:sp>
+        <p:nvSpPr>
+          <p:cNvPr id="18" name="PA_文本框 17"/>
+          <p:cNvSpPr txBox="1"/>
+          <p:nvPr>
+            <p:custDataLst>
+              <p:tags r:id="rId4"/>
+            </p:custDataLst>
+          </p:nvPr>
+        </p:nvSpPr>
+        <p:spPr>
+          <a:xfrm>
+            <a:off x="3396665" y="2126633"/>
+            <a:ext cx="3775393" cy="707886"/>
+          </a:xfrm>
+          <a:prstGeom prst="rect">
+            <a:avLst/>
+          </a:prstGeom>
+          <a:noFill/>
+        </p:spPr>
+        <p:txBody>
+          <a:bodyPr wrap="none" rtlCol="0">
+            <a:spAutoFit/>
+          </a:bodyPr>
+          <a:lstStyle/>
+          <a:p>
+            <a:r>
+              <a:rPr lang="zh-CN" altLang="en-US" sz="4000" dirty="0">
+                <a:solidFill>
+                  <a:schemeClr val="bg1">
+                    <a:lumMod val="50000"/>
+                  </a:schemeClr>
+                </a:solidFill>
+                <a:latin typeface="微软雅黑 Light" panose="020B0502040204020203" pitchFamily="34" charset="-122"/>
+                <a:ea typeface="微软雅黑 Light" panose="020B0502040204020203" pitchFamily="34" charset="-122"/>
+              </a:rPr>
+              <a:t>软件维护的特点</a:t>
+            </a:r>
+          </a:p>
+        </p:txBody>
+      </p:sp>
+      <p:grpSp>
+        <p:nvGrpSpPr>
+          <p:cNvPr id="19" name="PA_淘宝店chenying0907 18"/>
+          <p:cNvGrpSpPr/>
+          <p:nvPr>
+            <p:custDataLst>
+              <p:tags r:id="rId5"/>
+            </p:custDataLst>
+          </p:nvPr>
+        </p:nvGrpSpPr>
+        <p:grpSpPr>
+          <a:xfrm>
+            <a:off x="2212740" y="2227407"/>
+            <a:ext cx="528300" cy="710884"/>
+            <a:chOff x="4211960" y="594800"/>
+            <a:chExt cx="374475" cy="662059"/>
+          </a:xfrm>
+        </p:grpSpPr>
+        <p:sp>
+          <p:nvSpPr>
+            <p:cNvPr id="20" name="直角三角形 19"/>
+            <p:cNvSpPr/>
+            <p:nvPr/>
+          </p:nvSpPr>
+          <p:spPr>
+            <a:xfrm rot="16200000">
+              <a:off x="4068168" y="738592"/>
+              <a:ext cx="662059" cy="374475"/>
+            </a:xfrm>
+            <a:prstGeom prst="rtTriangle">
+              <a:avLst/>
+            </a:prstGeom>
+            <a:solidFill>
+              <a:schemeClr val="bg1"/>
+            </a:solidFill>
+            <a:ln>
+              <a:noFill/>
+            </a:ln>
+          </p:spPr>
+          <p:style>
+            <a:lnRef idx="2">
+              <a:schemeClr val="accent1">
+                <a:shade val="50000"/>
+              </a:schemeClr>
+            </a:lnRef>
+            <a:fillRef idx="1">
+              <a:schemeClr val="accent1"/>
+            </a:fillRef>
+            <a:effectRef idx="0">
+              <a:schemeClr val="accent1"/>
+            </a:effectRef>
+            <a:fontRef idx="minor">
+              <a:schemeClr val="lt1"/>
+            </a:fontRef>
+          </p:style>
+          <p:txBody>
+            <a:bodyPr rtlCol="0" anchor="ctr"/>
+            <a:lstStyle/>
+            <a:p>
+              <a:pPr algn="ctr"/>
+              <a:endParaRPr lang="zh-CN" altLang="en-US"/>
+            </a:p>
+          </p:txBody>
+        </p:sp>
+        <p:cxnSp>
+          <p:nvCxnSpPr>
+            <p:cNvPr id="21" name="直接连接符 20"/>
+            <p:cNvCxnSpPr>
+              <a:stCxn id="20" idx="4"/>
+              <a:endCxn id="20" idx="0"/>
+            </p:cNvCxnSpPr>
+            <p:nvPr/>
+          </p:nvCxnSpPr>
+          <p:spPr>
+            <a:xfrm flipH="1">
+              <a:off x="4211960" y="594800"/>
+              <a:ext cx="374475" cy="662059"/>
+            </a:xfrm>
+            <a:prstGeom prst="line">
+              <a:avLst/>
+            </a:prstGeom>
+            <a:ln w="6350" cap="rnd">
+              <a:solidFill>
+                <a:schemeClr val="accent3"/>
+              </a:solidFill>
+            </a:ln>
+          </p:spPr>
+          <p:style>
+            <a:lnRef idx="1">
+              <a:schemeClr val="accent1"/>
+            </a:lnRef>
+            <a:fillRef idx="0">
+              <a:schemeClr val="accent1"/>
+            </a:fillRef>
+            <a:effectRef idx="0">
+              <a:schemeClr val="accent1"/>
+            </a:effectRef>
+            <a:fontRef idx="minor">
+              <a:schemeClr val="tx1"/>
+            </a:fontRef>
+          </p:style>
+        </p:cxnSp>
+      </p:grpSp>
+    </p:spTree>
+    <p:extLst>
+      <p:ext uri="{BB962C8B-B14F-4D97-AF65-F5344CB8AC3E}">
+        <p14:creationId xmlns:p14="http://schemas.microsoft.com/office/powerpoint/2010/main" val="4154245123"/>
+      </p:ext>
+    </p:extLst>
+  </p:cSld>
+  <p:clrMapOvr>
+    <a:masterClrMapping/>
+  </p:clrMapOvr>
+  <p:transition spd="slow">
+    <p:wipe/>
+  </p:transition>
+  <p:timing>
+    <p:tnLst>
+      <p:par>
+        <p:cTn id="1" dur="indefinite" restart="never" nodeType="tmRoot">
+          <p:childTnLst>
+            <p:seq concurrent="1" nextAc="seek">
+              <p:cTn id="2" dur="indefinite" nodeType="mainSeq">
+                <p:childTnLst>
+                  <p:par>
+                    <p:cTn id="3" fill="hold">
+                      <p:stCondLst>
+                        <p:cond delay="indefinite"/>
+                      </p:stCondLst>
+                      <p:childTnLst>
+                        <p:par>
+                          <p:cTn id="4" fill="hold">
+                            <p:stCondLst>
+                              <p:cond delay="0"/>
+                            </p:stCondLst>
+                            <p:childTnLst>
+                              <p:par>
+                                <p:cTn id="5" presetID="10" presetClass="entr" presetSubtype="0" fill="hold" nodeType="clickEffect">
+                                  <p:stCondLst>
+                                    <p:cond delay="0"/>
+                                  </p:stCondLst>
+                                  <p:childTnLst>
+                                    <p:set>
+                                      <p:cBhvr>
+                                        <p:cTn id="6" dur="1" fill="hold">
+                                          <p:stCondLst>
+                                            <p:cond delay="0"/>
+                                          </p:stCondLst>
+                                        </p:cTn>
+                                        <p:tgtEl>
+                                          <p:spTgt spid="22"/>
+                                        </p:tgtEl>
+                                        <p:attrNameLst>
+                                          <p:attrName>style.visibility</p:attrName>
+                                        </p:attrNameLst>
+                                      </p:cBhvr>
+                                      <p:to>
+                                        <p:strVal val="visible"/>
+                                      </p:to>
+                                    </p:set>
+                                    <p:animEffect transition="in" filter="fade">
+                                      <p:cBhvr>
+                                        <p:cTn id="7" dur="500"/>
+                                        <p:tgtEl>
+                                          <p:spTgt spid="22"/>
+                                        </p:tgtEl>
+                                      </p:cBhvr>
+                                    </p:animEffect>
+                                  </p:childTnLst>
+                                </p:cTn>
+                              </p:par>
+                              <p:par>
+                                <p:cTn id="8" presetID="10" presetClass="entr" presetSubtype="0" fill="hold" grpId="0" nodeType="withEffect">
+                                  <p:stCondLst>
+                                    <p:cond delay="300"/>
+                                  </p:stCondLst>
+                                  <p:childTnLst>
+                                    <p:set>
+                                      <p:cBhvr>
+                                        <p:cTn id="9" dur="1" fill="hold">
+                                          <p:stCondLst>
+                                            <p:cond delay="0"/>
+                                          </p:stCondLst>
+                                        </p:cTn>
+                                        <p:tgtEl>
+                                          <p:spTgt spid="14"/>
+                                        </p:tgtEl>
+                                        <p:attrNameLst>
+                                          <p:attrName>style.visibility</p:attrName>
+                                        </p:attrNameLst>
+                                      </p:cBhvr>
+                                      <p:to>
+                                        <p:strVal val="visible"/>
+                                      </p:to>
+                                    </p:set>
+                                    <p:animEffect transition="in" filter="fade">
+                                      <p:cBhvr>
+                                        <p:cTn id="10" dur="500"/>
+                                        <p:tgtEl>
+                                          <p:spTgt spid="14"/>
+                                        </p:tgtEl>
+                                      </p:cBhvr>
+                                    </p:animEffect>
+                                  </p:childTnLst>
+                                </p:cTn>
+                              </p:par>
+                              <p:par>
+                                <p:cTn id="11" presetID="10" presetClass="entr" presetSubtype="0" fill="hold" grpId="0" nodeType="withEffect">
+                                  <p:stCondLst>
+                                    <p:cond delay="600"/>
+                                  </p:stCondLst>
+                                  <p:childTnLst>
+                                    <p:set>
+                                      <p:cBhvr>
+                                        <p:cTn id="12" dur="1" fill="hold">
+                                          <p:stCondLst>
+                                            <p:cond delay="0"/>
+                                          </p:stCondLst>
+                                        </p:cTn>
+                                        <p:tgtEl>
+                                          <p:spTgt spid="17"/>
+                                        </p:tgtEl>
+                                        <p:attrNameLst>
+                                          <p:attrName>style.visibility</p:attrName>
+                                        </p:attrNameLst>
+                                      </p:cBhvr>
+                                      <p:to>
+                                        <p:strVal val="visible"/>
+                                      </p:to>
+                                    </p:set>
+                                    <p:animEffect transition="in" filter="fade">
+                                      <p:cBhvr>
+                                        <p:cTn id="13" dur="500"/>
+                                        <p:tgtEl>
+                                          <p:spTgt spid="17"/>
+                                        </p:tgtEl>
+                                      </p:cBhvr>
+                                    </p:animEffect>
+                                  </p:childTnLst>
+                                </p:cTn>
+                              </p:par>
+                              <p:par>
+                                <p:cTn id="14" presetID="10" presetClass="entr" presetSubtype="0" fill="hold" grpId="0" nodeType="withEffect">
+                                  <p:stCondLst>
+                                    <p:cond delay="900"/>
+                                  </p:stCondLst>
+                                  <p:childTnLst>
+                                    <p:set>
+                                      <p:cBhvr>
+                                        <p:cTn id="15" dur="1" fill="hold">
+                                          <p:stCondLst>
+                                            <p:cond delay="0"/>
+                                          </p:stCondLst>
+                                        </p:cTn>
+                                        <p:tgtEl>
+                                          <p:spTgt spid="18"/>
+                                        </p:tgtEl>
+                                        <p:attrNameLst>
+                                          <p:attrName>style.visibility</p:attrName>
+                                        </p:attrNameLst>
+                                      </p:cBhvr>
+                                      <p:to>
+                                        <p:strVal val="visible"/>
+                                      </p:to>
+                                    </p:set>
+                                    <p:animEffect transition="in" filter="fade">
+                                      <p:cBhvr>
+                                        <p:cTn id="16" dur="500"/>
+                                        <p:tgtEl>
+                                          <p:spTgt spid="18"/>
+                                        </p:tgtEl>
+                                      </p:cBhvr>
+                                    </p:animEffect>
+                                  </p:childTnLst>
+                                </p:cTn>
+                              </p:par>
+                              <p:par>
+                                <p:cTn id="17" presetID="10" presetClass="entr" presetSubtype="0" fill="hold" nodeType="withEffect">
+                                  <p:stCondLst>
+                                    <p:cond delay="1200"/>
+                                  </p:stCondLst>
+                                  <p:childTnLst>
+                                    <p:set>
+                                      <p:cBhvr>
+                                        <p:cTn id="18" dur="1" fill="hold">
+                                          <p:stCondLst>
+                                            <p:cond delay="0"/>
+                                          </p:stCondLst>
+                                        </p:cTn>
+                                        <p:tgtEl>
+                                          <p:spTgt spid="19"/>
+                                        </p:tgtEl>
+                                        <p:attrNameLst>
+                                          <p:attrName>style.visibility</p:attrName>
+                                        </p:attrNameLst>
+                                      </p:cBhvr>
+                                      <p:to>
+                                        <p:strVal val="visible"/>
+                                      </p:to>
+                                    </p:set>
+                                    <p:animEffect transition="in" filter="fade">
+                                      <p:cBhvr>
+                                        <p:cTn id="19" dur="500"/>
+                                        <p:tgtEl>
+                                          <p:spTgt spid="19"/>
+                                        </p:tgtEl>
+                                      </p:cBhvr>
+                                    </p:animEffect>
+                                  </p:childTnLst>
+                                </p:cTn>
+                              </p:par>
+                            </p:childTnLst>
+                          </p:cTn>
+                        </p:par>
+                      </p:childTnLst>
+                    </p:cTn>
+                  </p:par>
+                </p:childTnLst>
+              </p:cTn>
+              <p:prevCondLst>
+                <p:cond evt="onPrev" delay="0">
+                  <p:tgtEl>
+                    <p:sldTgt/>
+                  </p:tgtEl>
+                </p:cond>
+              </p:prevCondLst>
+              <p:nextCondLst>
+                <p:cond evt="onNext" delay="0">
+                  <p:tgtEl>
+                    <p:sldTgt/>
+                  </p:tgtEl>
+                </p:cond>
+              </p:nextCondLst>
+            </p:seq>
+          </p:childTnLst>
+        </p:cTn>
+      </p:par>
+    </p:tnLst>
+    <p:bldLst>
+      <p:bldP spid="14" grpId="0" animBg="1" autoUpdateAnimBg="0"/>
+      <p:bldP spid="17" grpId="0" animBg="1" autoUpdateAnimBg="0"/>
+      <p:bldP spid="18" grpId="0"/>
+    </p:bldLst>
+  </p:timing>
+</p:sld>
+</file>
+
+<file path=ppt/slides/slide21.xml><?xml version="1.0" encoding="utf-8"?>
+<p:sld xmlns:a="http://schemas.openxmlformats.org/drawingml/2006/main" xmlns:r="http://schemas.openxmlformats.org/officeDocument/2006/relationships" xmlns:p="http://schemas.openxmlformats.org/presentationml/2006/main">
+  <p:cSld>
+    <p:spTree>
+      <p:nvGrpSpPr>
+        <p:cNvPr id="1" name=""/>
+        <p:cNvGrpSpPr/>
+        <p:nvPr/>
+      </p:nvGrpSpPr>
+      <p:grpSpPr>
+        <a:xfrm>
+          <a:off x="0" y="0"/>
+          <a:ext cx="0" cy="0"/>
+          <a:chOff x="0" y="0"/>
+          <a:chExt cx="0" cy="0"/>
+        </a:xfrm>
+      </p:grpSpPr>
       <p:sp>
         <p:nvSpPr>
           <p:cNvPr id="4" name="PA_文本框 11">
@@ -16454,7 +17203,7 @@
 </p:sld>
 </file>
 
-<file path=ppt/slides/slide21.xml><?xml version="1.0" encoding="utf-8"?>
+<file path=ppt/slides/slide22.xml><?xml version="1.0" encoding="utf-8"?>
 <p:sld xmlns:a="http://schemas.openxmlformats.org/drawingml/2006/main" xmlns:r="http://schemas.openxmlformats.org/officeDocument/2006/relationships" xmlns:p="http://schemas.openxmlformats.org/presentationml/2006/main">
   <p:cSld>
     <p:spTree>
@@ -17242,7 +17991,7 @@
 </p:sld>
 </file>
 
-<file path=ppt/slides/slide22.xml><?xml version="1.0" encoding="utf-8"?>
+<file path=ppt/slides/slide23.xml><?xml version="1.0" encoding="utf-8"?>
 <p:sld xmlns:a="http://schemas.openxmlformats.org/drawingml/2006/main" xmlns:r="http://schemas.openxmlformats.org/officeDocument/2006/relationships" xmlns:p="http://schemas.openxmlformats.org/presentationml/2006/main">
   <p:cSld>
     <p:spTree>
@@ -18043,7 +18792,7 @@
 </p:sld>
 </file>
 
-<file path=ppt/slides/slide23.xml><?xml version="1.0" encoding="utf-8"?>
+<file path=ppt/slides/slide24.xml><?xml version="1.0" encoding="utf-8"?>
 <p:sld xmlns:a="http://schemas.openxmlformats.org/drawingml/2006/main" xmlns:r="http://schemas.openxmlformats.org/officeDocument/2006/relationships" xmlns:p="http://schemas.openxmlformats.org/presentationml/2006/main">
   <p:cSld>
     <p:spTree>
@@ -18884,7 +19633,7 @@
 </p:sld>
 </file>
 
-<file path=ppt/slides/slide24.xml><?xml version="1.0" encoding="utf-8"?>
+<file path=ppt/slides/slide25.xml><?xml version="1.0" encoding="utf-8"?>
 <p:sld xmlns:a="http://schemas.openxmlformats.org/drawingml/2006/main" xmlns:r="http://schemas.openxmlformats.org/officeDocument/2006/relationships" xmlns:p="http://schemas.openxmlformats.org/presentationml/2006/main">
   <p:cSld>
     <p:spTree>
@@ -19665,7 +20414,7 @@
 </p:sld>
 </file>
 
-<file path=ppt/slides/slide25.xml><?xml version="1.0" encoding="utf-8"?>
+<file path=ppt/slides/slide26.xml><?xml version="1.0" encoding="utf-8"?>
 <p:sld xmlns:a="http://schemas.openxmlformats.org/drawingml/2006/main" xmlns:r="http://schemas.openxmlformats.org/officeDocument/2006/relationships" xmlns:p="http://schemas.openxmlformats.org/presentationml/2006/main">
   <p:cSld>
     <p:spTree>
@@ -20434,7 +21183,7 @@
 </p:sld>
 </file>
 
-<file path=ppt/slides/slide26.xml><?xml version="1.0" encoding="utf-8"?>
+<file path=ppt/slides/slide27.xml><?xml version="1.0" encoding="utf-8"?>
 <p:sld xmlns:a="http://schemas.openxmlformats.org/drawingml/2006/main" xmlns:r="http://schemas.openxmlformats.org/officeDocument/2006/relationships" xmlns:p="http://schemas.openxmlformats.org/presentationml/2006/main">
   <p:cSld>
     <p:spTree>
@@ -21353,7 +22102,7 @@
 </p:sld>
 </file>
 
-<file path=ppt/slides/slide27.xml><?xml version="1.0" encoding="utf-8"?>
+<file path=ppt/slides/slide28.xml><?xml version="1.0" encoding="utf-8"?>
 <p:sld xmlns:a="http://schemas.openxmlformats.org/drawingml/2006/main" xmlns:r="http://schemas.openxmlformats.org/officeDocument/2006/relationships" xmlns:p="http://schemas.openxmlformats.org/presentationml/2006/main">
   <p:cSld>
     <p:spTree>
@@ -22253,7 +23002,7 @@
 </p:sld>
 </file>
 
-<file path=ppt/slides/slide28.xml><?xml version="1.0" encoding="utf-8"?>
+<file path=ppt/slides/slide29.xml><?xml version="1.0" encoding="utf-8"?>
 <p:sld xmlns:a="http://schemas.openxmlformats.org/drawingml/2006/main" xmlns:r="http://schemas.openxmlformats.org/officeDocument/2006/relationships" xmlns:p="http://schemas.openxmlformats.org/presentationml/2006/main">
   <p:cSld>
     <p:spTree>
@@ -22879,858 +23628,6 @@
     <p:extLst>
       <p:ext uri="{BB962C8B-B14F-4D97-AF65-F5344CB8AC3E}">
         <p14:creationId xmlns:p14="http://schemas.microsoft.com/office/powerpoint/2010/main" val="2973358587"/>
-      </p:ext>
-    </p:extLst>
-  </p:cSld>
-  <p:clrMapOvr>
-    <a:masterClrMapping/>
-  </p:clrMapOvr>
-  <p:transition spd="slow">
-    <p:wipe/>
-  </p:transition>
-  <p:timing>
-    <p:tnLst>
-      <p:par>
-        <p:cTn id="1" dur="indefinite" restart="never" nodeType="tmRoot">
-          <p:childTnLst>
-            <p:seq concurrent="1" nextAc="seek">
-              <p:cTn id="2" dur="indefinite" nodeType="mainSeq">
-                <p:childTnLst>
-                  <p:par>
-                    <p:cTn id="3" fill="hold">
-                      <p:stCondLst>
-                        <p:cond delay="indefinite"/>
-                        <p:cond evt="onBegin" delay="0">
-                          <p:tn val="2"/>
-                        </p:cond>
-                      </p:stCondLst>
-                      <p:childTnLst>
-                        <p:par>
-                          <p:cTn id="4" fill="hold">
-                            <p:stCondLst>
-                              <p:cond delay="0"/>
-                            </p:stCondLst>
-                            <p:childTnLst>
-                              <p:par>
-                                <p:cTn id="5" presetID="10" presetClass="entr" presetSubtype="0" fill="hold" grpId="0" nodeType="withEffect">
-                                  <p:stCondLst>
-                                    <p:cond delay="600"/>
-                                  </p:stCondLst>
-                                  <p:childTnLst>
-                                    <p:set>
-                                      <p:cBhvr>
-                                        <p:cTn id="6" dur="1" fill="hold">
-                                          <p:stCondLst>
-                                            <p:cond delay="0"/>
-                                          </p:stCondLst>
-                                        </p:cTn>
-                                        <p:tgtEl>
-                                          <p:spTgt spid="10251"/>
-                                        </p:tgtEl>
-                                        <p:attrNameLst>
-                                          <p:attrName>style.visibility</p:attrName>
-                                        </p:attrNameLst>
-                                      </p:cBhvr>
-                                      <p:to>
-                                        <p:strVal val="visible"/>
-                                      </p:to>
-                                    </p:set>
-                                    <p:animEffect transition="in" filter="fade">
-                                      <p:cBhvr>
-                                        <p:cTn id="7" dur="500"/>
-                                        <p:tgtEl>
-                                          <p:spTgt spid="10251"/>
-                                        </p:tgtEl>
-                                      </p:cBhvr>
-                                    </p:animEffect>
-                                  </p:childTnLst>
-                                </p:cTn>
-                              </p:par>
-                              <p:par>
-                                <p:cTn id="8" presetID="10" presetClass="entr" presetSubtype="0" fill="hold" nodeType="withEffect">
-                                  <p:stCondLst>
-                                    <p:cond delay="1500"/>
-                                  </p:stCondLst>
-                                  <p:childTnLst>
-                                    <p:set>
-                                      <p:cBhvr>
-                                        <p:cTn id="9" dur="1" fill="hold">
-                                          <p:stCondLst>
-                                            <p:cond delay="0"/>
-                                          </p:stCondLst>
-                                        </p:cTn>
-                                        <p:tgtEl>
-                                          <p:spTgt spid="25"/>
-                                        </p:tgtEl>
-                                        <p:attrNameLst>
-                                          <p:attrName>style.visibility</p:attrName>
-                                        </p:attrNameLst>
-                                      </p:cBhvr>
-                                      <p:to>
-                                        <p:strVal val="visible"/>
-                                      </p:to>
-                                    </p:set>
-                                    <p:animEffect transition="in" filter="fade">
-                                      <p:cBhvr>
-                                        <p:cTn id="10" dur="500"/>
-                                        <p:tgtEl>
-                                          <p:spTgt spid="25"/>
-                                        </p:tgtEl>
-                                      </p:cBhvr>
-                                    </p:animEffect>
-                                  </p:childTnLst>
-                                </p:cTn>
-                              </p:par>
-                              <p:par>
-                                <p:cTn id="11" presetID="10" presetClass="entr" presetSubtype="0" fill="hold" grpId="0" nodeType="withEffect">
-                                  <p:stCondLst>
-                                    <p:cond delay="1800"/>
-                                  </p:stCondLst>
-                                  <p:childTnLst>
-                                    <p:set>
-                                      <p:cBhvr>
-                                        <p:cTn id="12" dur="1" fill="hold">
-                                          <p:stCondLst>
-                                            <p:cond delay="0"/>
-                                          </p:stCondLst>
-                                        </p:cTn>
-                                        <p:tgtEl>
-                                          <p:spTgt spid="30"/>
-                                        </p:tgtEl>
-                                        <p:attrNameLst>
-                                          <p:attrName>style.visibility</p:attrName>
-                                        </p:attrNameLst>
-                                      </p:cBhvr>
-                                      <p:to>
-                                        <p:strVal val="visible"/>
-                                      </p:to>
-                                    </p:set>
-                                    <p:animEffect transition="in" filter="fade">
-                                      <p:cBhvr>
-                                        <p:cTn id="13" dur="500"/>
-                                        <p:tgtEl>
-                                          <p:spTgt spid="30"/>
-                                        </p:tgtEl>
-                                      </p:cBhvr>
-                                    </p:animEffect>
-                                  </p:childTnLst>
-                                </p:cTn>
-                              </p:par>
-                            </p:childTnLst>
-                          </p:cTn>
-                        </p:par>
-                      </p:childTnLst>
-                    </p:cTn>
-                  </p:par>
-                </p:childTnLst>
-              </p:cTn>
-              <p:prevCondLst>
-                <p:cond evt="onPrev" delay="0">
-                  <p:tgtEl>
-                    <p:sldTgt/>
-                  </p:tgtEl>
-                </p:cond>
-              </p:prevCondLst>
-              <p:nextCondLst>
-                <p:cond evt="onNext" delay="0">
-                  <p:tgtEl>
-                    <p:sldTgt/>
-                  </p:tgtEl>
-                </p:cond>
-              </p:nextCondLst>
-            </p:seq>
-          </p:childTnLst>
-        </p:cTn>
-      </p:par>
-    </p:tnLst>
-    <p:bldLst>
-      <p:bldP spid="10251" grpId="0"/>
-      <p:bldP spid="30" grpId="0"/>
-    </p:bldLst>
-  </p:timing>
-</p:sld>
-</file>
-
-<file path=ppt/slides/slide29.xml><?xml version="1.0" encoding="utf-8"?>
-<p:sld xmlns:a="http://schemas.openxmlformats.org/drawingml/2006/main" xmlns:r="http://schemas.openxmlformats.org/officeDocument/2006/relationships" xmlns:p="http://schemas.openxmlformats.org/presentationml/2006/main">
-  <p:cSld>
-    <p:spTree>
-      <p:nvGrpSpPr>
-        <p:cNvPr id="1" name=""/>
-        <p:cNvGrpSpPr/>
-        <p:nvPr/>
-      </p:nvGrpSpPr>
-      <p:grpSpPr>
-        <a:xfrm>
-          <a:off x="0" y="0"/>
-          <a:ext cx="0" cy="0"/>
-          <a:chOff x="0" y="0"/>
-          <a:chExt cx="0" cy="0"/>
-        </a:xfrm>
-      </p:grpSpPr>
-      <p:sp>
-        <p:nvSpPr>
-          <p:cNvPr id="10251" name="PA_文本框 11"/>
-          <p:cNvSpPr txBox="1">
-            <a:spLocks noChangeArrowheads="1"/>
-          </p:cNvSpPr>
-          <p:nvPr>
-            <p:custDataLst>
-              <p:tags r:id="rId1"/>
-            </p:custDataLst>
-          </p:nvPr>
-        </p:nvSpPr>
-        <p:spPr bwMode="auto">
-          <a:xfrm>
-            <a:off x="579312" y="431936"/>
-            <a:ext cx="8056185" cy="568425"/>
-          </a:xfrm>
-          <a:prstGeom prst="rect">
-            <a:avLst/>
-          </a:prstGeom>
-          <a:noFill/>
-          <a:ln>
-            <a:noFill/>
-          </a:ln>
-          <a:effectLst/>
-          <a:extLst>
-            <a:ext uri="{909E8E84-426E-40DD-AFC4-6F175D3DCCD1}">
-              <a14:hiddenFill xmlns:a14="http://schemas.microsoft.com/office/drawing/2010/main">
-                <a:solidFill>
-                  <a:schemeClr val="accent1"/>
-                </a:solidFill>
-              </a14:hiddenFill>
-            </a:ext>
-            <a:ext uri="{91240B29-F687-4F45-9708-019B960494DF}">
-              <a14:hiddenLine xmlns:a14="http://schemas.microsoft.com/office/drawing/2010/main" w="9525">
-                <a:solidFill>
-                  <a:srgbClr val="000000"/>
-                </a:solidFill>
-                <a:miter lim="800000"/>
-                <a:headEnd/>
-                <a:tailEnd/>
-              </a14:hiddenLine>
-            </a:ext>
-            <a:ext uri="{AF507438-7753-43E0-B8FC-AC1667EBCBE1}">
-              <a14:hiddenEffects xmlns:a14="http://schemas.microsoft.com/office/drawing/2010/main">
-                <a:effectLst>
-                  <a:outerShdw dist="35921" dir="2700000" algn="ctr" rotWithShape="0">
-                    <a:schemeClr val="bg2"/>
-                  </a:outerShdw>
-                </a:effectLst>
-              </a14:hiddenEffects>
-            </a:ext>
-          </a:extLst>
-        </p:spPr>
-        <p:txBody>
-          <a:bodyPr wrap="square">
-            <a:spAutoFit/>
-          </a:bodyPr>
-          <a:lstStyle/>
-          <a:p>
-            <a:pPr algn="ctr">
-              <a:lnSpc>
-                <a:spcPct val="120000"/>
-              </a:lnSpc>
-            </a:pPr>
-            <a:r>
-              <a:rPr lang="zh-CN" altLang="en-US" sz="2800" dirty="0">
-                <a:latin typeface="微软雅黑 Light" panose="020B0502040204020203" pitchFamily="34" charset="-122"/>
-                <a:ea typeface="微软雅黑 Light" panose="020B0502040204020203" pitchFamily="34" charset="-122"/>
-              </a:rPr>
-              <a:t>特点三：维护的问题很多</a:t>
-            </a:r>
-          </a:p>
-        </p:txBody>
-      </p:sp>
-      <p:grpSp>
-        <p:nvGrpSpPr>
-          <p:cNvPr id="25" name="PA_淘宝店chenying0907 24"/>
-          <p:cNvGrpSpPr/>
-          <p:nvPr>
-            <p:custDataLst>
-              <p:tags r:id="rId2"/>
-            </p:custDataLst>
-          </p:nvPr>
-        </p:nvGrpSpPr>
-        <p:grpSpPr>
-          <a:xfrm>
-            <a:off x="-9190" y="0"/>
-            <a:ext cx="620750" cy="791858"/>
-            <a:chOff x="0" y="-21236"/>
-            <a:chExt cx="3311527" cy="4224338"/>
-          </a:xfrm>
-        </p:grpSpPr>
-        <p:sp>
-          <p:nvSpPr>
-            <p:cNvPr id="27" name="淘宝店chenying0907 37"/>
-            <p:cNvSpPr>
-              <a:spLocks/>
-            </p:cNvSpPr>
-            <p:nvPr/>
-          </p:nvSpPr>
-          <p:spPr bwMode="auto">
-            <a:xfrm rot="5400000">
-              <a:off x="-264318" y="627258"/>
-              <a:ext cx="3840163" cy="3311525"/>
-            </a:xfrm>
-            <a:custGeom>
-              <a:avLst/>
-              <a:gdLst>
-                <a:gd name="T0" fmla="*/ 0 w 2419"/>
-                <a:gd name="T1" fmla="*/ 0 h 2086"/>
-                <a:gd name="T2" fmla="*/ 753 w 2419"/>
-                <a:gd name="T3" fmla="*/ 2008 h 2086"/>
-                <a:gd name="T4" fmla="*/ 1228 w 2419"/>
-                <a:gd name="T5" fmla="*/ 2086 h 2086"/>
-                <a:gd name="T6" fmla="*/ 2419 w 2419"/>
-                <a:gd name="T7" fmla="*/ 2086 h 2086"/>
-                <a:gd name="T8" fmla="*/ 0 w 2419"/>
-                <a:gd name="T9" fmla="*/ 0 h 2086"/>
-              </a:gdLst>
-              <a:ahLst/>
-              <a:cxnLst>
-                <a:cxn ang="0">
-                  <a:pos x="T0" y="T1"/>
-                </a:cxn>
-                <a:cxn ang="0">
-                  <a:pos x="T2" y="T3"/>
-                </a:cxn>
-                <a:cxn ang="0">
-                  <a:pos x="T4" y="T5"/>
-                </a:cxn>
-                <a:cxn ang="0">
-                  <a:pos x="T6" y="T7"/>
-                </a:cxn>
-                <a:cxn ang="0">
-                  <a:pos x="T8" y="T9"/>
-                </a:cxn>
-              </a:cxnLst>
-              <a:rect l="0" t="0" r="r" b="b"/>
-              <a:pathLst>
-                <a:path w="2419" h="2086">
-                  <a:moveTo>
-                    <a:pt x="0" y="0"/>
-                  </a:moveTo>
-                  <a:lnTo>
-                    <a:pt x="753" y="2008"/>
-                  </a:lnTo>
-                  <a:lnTo>
-                    <a:pt x="1228" y="2086"/>
-                  </a:lnTo>
-                  <a:lnTo>
-                    <a:pt x="2419" y="2086"/>
-                  </a:lnTo>
-                  <a:lnTo>
-                    <a:pt x="0" y="0"/>
-                  </a:lnTo>
-                  <a:close/>
-                </a:path>
-              </a:pathLst>
-            </a:custGeom>
-            <a:solidFill>
-              <a:schemeClr val="accent2"/>
-            </a:solidFill>
-            <a:ln>
-              <a:noFill/>
-            </a:ln>
-            <a:extLst>
-              <a:ext uri="{91240B29-F687-4F45-9708-019B960494DF}">
-                <a14:hiddenLine xmlns:a14="http://schemas.microsoft.com/office/drawing/2010/main" w="9525">
-                  <a:solidFill>
-                    <a:srgbClr val="000000"/>
-                  </a:solidFill>
-                  <a:round/>
-                  <a:headEnd/>
-                  <a:tailEnd/>
-                </a14:hiddenLine>
-              </a:ext>
-            </a:extLst>
-          </p:spPr>
-          <p:txBody>
-            <a:bodyPr vert="horz" wrap="square" lIns="91440" tIns="45720" rIns="91440" bIns="45720" numCol="1" anchor="t" anchorCtr="0" compatLnSpc="1">
-              <a:prstTxWarp prst="textNoShape">
-                <a:avLst/>
-              </a:prstTxWarp>
-            </a:bodyPr>
-            <a:lstStyle/>
-            <a:p>
-              <a:endParaRPr lang="zh-CN" altLang="en-US"/>
-            </a:p>
-          </p:txBody>
-        </p:sp>
-        <p:sp>
-          <p:nvSpPr>
-            <p:cNvPr id="28" name="淘宝店chenying0907 38"/>
-            <p:cNvSpPr>
-              <a:spLocks/>
-            </p:cNvSpPr>
-            <p:nvPr/>
-          </p:nvSpPr>
-          <p:spPr bwMode="auto">
-            <a:xfrm rot="5400000">
-              <a:off x="927895" y="-825304"/>
-              <a:ext cx="1579563" cy="3187700"/>
-            </a:xfrm>
-            <a:custGeom>
-              <a:avLst/>
-              <a:gdLst>
-                <a:gd name="T0" fmla="*/ 242 w 995"/>
-                <a:gd name="T1" fmla="*/ 0 h 2008"/>
-                <a:gd name="T2" fmla="*/ 0 w 995"/>
-                <a:gd name="T3" fmla="*/ 305 h 2008"/>
-                <a:gd name="T4" fmla="*/ 0 w 995"/>
-                <a:gd name="T5" fmla="*/ 1845 h 2008"/>
-                <a:gd name="T6" fmla="*/ 995 w 995"/>
-                <a:gd name="T7" fmla="*/ 2008 h 2008"/>
-                <a:gd name="T8" fmla="*/ 242 w 995"/>
-                <a:gd name="T9" fmla="*/ 0 h 2008"/>
-              </a:gdLst>
-              <a:ahLst/>
-              <a:cxnLst>
-                <a:cxn ang="0">
-                  <a:pos x="T0" y="T1"/>
-                </a:cxn>
-                <a:cxn ang="0">
-                  <a:pos x="T2" y="T3"/>
-                </a:cxn>
-                <a:cxn ang="0">
-                  <a:pos x="T4" y="T5"/>
-                </a:cxn>
-                <a:cxn ang="0">
-                  <a:pos x="T6" y="T7"/>
-                </a:cxn>
-                <a:cxn ang="0">
-                  <a:pos x="T8" y="T9"/>
-                </a:cxn>
-              </a:cxnLst>
-              <a:rect l="0" t="0" r="r" b="b"/>
-              <a:pathLst>
-                <a:path w="995" h="2008">
-                  <a:moveTo>
-                    <a:pt x="242" y="0"/>
-                  </a:moveTo>
-                  <a:lnTo>
-                    <a:pt x="0" y="305"/>
-                  </a:lnTo>
-                  <a:lnTo>
-                    <a:pt x="0" y="1845"/>
-                  </a:lnTo>
-                  <a:lnTo>
-                    <a:pt x="995" y="2008"/>
-                  </a:lnTo>
-                  <a:lnTo>
-                    <a:pt x="242" y="0"/>
-                  </a:lnTo>
-                  <a:close/>
-                </a:path>
-              </a:pathLst>
-            </a:custGeom>
-            <a:solidFill>
-              <a:schemeClr val="accent1"/>
-            </a:solidFill>
-            <a:ln>
-              <a:noFill/>
-            </a:ln>
-            <a:extLst>
-              <a:ext uri="{91240B29-F687-4F45-9708-019B960494DF}">
-                <a14:hiddenLine xmlns:a14="http://schemas.microsoft.com/office/drawing/2010/main" w="9525">
-                  <a:solidFill>
-                    <a:srgbClr val="000000"/>
-                  </a:solidFill>
-                  <a:round/>
-                  <a:headEnd/>
-                  <a:tailEnd/>
-                </a14:hiddenLine>
-              </a:ext>
-            </a:extLst>
-          </p:spPr>
-          <p:txBody>
-            <a:bodyPr vert="horz" wrap="square" lIns="91440" tIns="45720" rIns="91440" bIns="45720" numCol="1" anchor="t" anchorCtr="0" compatLnSpc="1">
-              <a:prstTxWarp prst="textNoShape">
-                <a:avLst/>
-              </a:prstTxWarp>
-            </a:bodyPr>
-            <a:lstStyle/>
-            <a:p>
-              <a:endParaRPr lang="zh-CN" altLang="en-US"/>
-            </a:p>
-          </p:txBody>
-        </p:sp>
-        <p:sp>
-          <p:nvSpPr>
-            <p:cNvPr id="29" name="淘宝店chenying0907 39"/>
-            <p:cNvSpPr>
-              <a:spLocks/>
-            </p:cNvSpPr>
-            <p:nvPr/>
-          </p:nvSpPr>
-          <p:spPr bwMode="auto">
-            <a:xfrm rot="5400000">
-              <a:off x="-975519" y="954283"/>
-              <a:ext cx="2333625" cy="382588"/>
-            </a:xfrm>
-            <a:custGeom>
-              <a:avLst/>
-              <a:gdLst>
-                <a:gd name="T0" fmla="*/ 0 w 1470"/>
-                <a:gd name="T1" fmla="*/ 0 h 241"/>
-                <a:gd name="T2" fmla="*/ 0 w 1470"/>
-                <a:gd name="T3" fmla="*/ 233 h 241"/>
-                <a:gd name="T4" fmla="*/ 0 w 1470"/>
-                <a:gd name="T5" fmla="*/ 241 h 241"/>
-                <a:gd name="T6" fmla="*/ 1470 w 1470"/>
-                <a:gd name="T7" fmla="*/ 241 h 241"/>
-                <a:gd name="T8" fmla="*/ 0 w 1470"/>
-                <a:gd name="T9" fmla="*/ 0 h 241"/>
-              </a:gdLst>
-              <a:ahLst/>
-              <a:cxnLst>
-                <a:cxn ang="0">
-                  <a:pos x="T0" y="T1"/>
-                </a:cxn>
-                <a:cxn ang="0">
-                  <a:pos x="T2" y="T3"/>
-                </a:cxn>
-                <a:cxn ang="0">
-                  <a:pos x="T4" y="T5"/>
-                </a:cxn>
-                <a:cxn ang="0">
-                  <a:pos x="T6" y="T7"/>
-                </a:cxn>
-                <a:cxn ang="0">
-                  <a:pos x="T8" y="T9"/>
-                </a:cxn>
-              </a:cxnLst>
-              <a:rect l="0" t="0" r="r" b="b"/>
-              <a:pathLst>
-                <a:path w="1470" h="241">
-                  <a:moveTo>
-                    <a:pt x="0" y="0"/>
-                  </a:moveTo>
-                  <a:lnTo>
-                    <a:pt x="0" y="233"/>
-                  </a:lnTo>
-                  <a:lnTo>
-                    <a:pt x="0" y="241"/>
-                  </a:lnTo>
-                  <a:lnTo>
-                    <a:pt x="1470" y="241"/>
-                  </a:lnTo>
-                  <a:lnTo>
-                    <a:pt x="0" y="0"/>
-                  </a:lnTo>
-                  <a:close/>
-                </a:path>
-              </a:pathLst>
-            </a:custGeom>
-            <a:solidFill>
-              <a:schemeClr val="accent3"/>
-            </a:solidFill>
-            <a:ln>
-              <a:noFill/>
-            </a:ln>
-            <a:extLst>
-              <a:ext uri="{91240B29-F687-4F45-9708-019B960494DF}">
-                <a14:hiddenLine xmlns:a14="http://schemas.microsoft.com/office/drawing/2010/main" w="9525">
-                  <a:solidFill>
-                    <a:srgbClr val="000000"/>
-                  </a:solidFill>
-                  <a:round/>
-                  <a:headEnd/>
-                  <a:tailEnd/>
-                </a14:hiddenLine>
-              </a:ext>
-            </a:extLst>
-          </p:spPr>
-          <p:txBody>
-            <a:bodyPr vert="horz" wrap="square" lIns="91440" tIns="45720" rIns="91440" bIns="45720" numCol="1" anchor="t" anchorCtr="0" compatLnSpc="1">
-              <a:prstTxWarp prst="textNoShape">
-                <a:avLst/>
-              </a:prstTxWarp>
-            </a:bodyPr>
-            <a:lstStyle/>
-            <a:p>
-              <a:endParaRPr lang="zh-CN" altLang="en-US"/>
-            </a:p>
-          </p:txBody>
-        </p:sp>
-      </p:grpSp>
-      <p:sp>
-        <p:nvSpPr>
-          <p:cNvPr id="30" name="PA_文本框 4"/>
-          <p:cNvSpPr txBox="1">
-            <a:spLocks noChangeArrowheads="1"/>
-          </p:cNvSpPr>
-          <p:nvPr>
-            <p:custDataLst>
-              <p:tags r:id="rId3"/>
-            </p:custDataLst>
-          </p:nvPr>
-        </p:nvSpPr>
-        <p:spPr bwMode="auto">
-          <a:xfrm>
-            <a:off x="535359" y="184337"/>
-            <a:ext cx="2316660" cy="400110"/>
-          </a:xfrm>
-          <a:prstGeom prst="rect">
-            <a:avLst/>
-          </a:prstGeom>
-          <a:noFill/>
-          <a:ln>
-            <a:noFill/>
-          </a:ln>
-          <a:effectLst/>
-          <a:extLst>
-            <a:ext uri="{909E8E84-426E-40DD-AFC4-6F175D3DCCD1}">
-              <a14:hiddenFill xmlns:a14="http://schemas.microsoft.com/office/drawing/2010/main">
-                <a:solidFill>
-                  <a:schemeClr val="accent1"/>
-                </a:solidFill>
-              </a14:hiddenFill>
-            </a:ext>
-            <a:ext uri="{91240B29-F687-4F45-9708-019B960494DF}">
-              <a14:hiddenLine xmlns:a14="http://schemas.microsoft.com/office/drawing/2010/main" w="9525">
-                <a:solidFill>
-                  <a:srgbClr val="000000"/>
-                </a:solidFill>
-                <a:miter lim="800000"/>
-                <a:headEnd/>
-                <a:tailEnd/>
-              </a14:hiddenLine>
-            </a:ext>
-            <a:ext uri="{AF507438-7753-43E0-B8FC-AC1667EBCBE1}">
-              <a14:hiddenEffects xmlns:a14="http://schemas.microsoft.com/office/drawing/2010/main">
-                <a:effectLst>
-                  <a:outerShdw dist="35921" dir="2700000" algn="ctr" rotWithShape="0">
-                    <a:schemeClr val="bg2"/>
-                  </a:outerShdw>
-                </a:effectLst>
-              </a14:hiddenEffects>
-            </a:ext>
-          </a:extLst>
-        </p:spPr>
-        <p:txBody>
-          <a:bodyPr wrap="none">
-            <a:spAutoFit/>
-          </a:bodyPr>
-          <a:lstStyle/>
-          <a:p>
-            <a:pPr>
-              <a:buFont typeface="Arial" pitchFamily="34" charset="0"/>
-              <a:buNone/>
-            </a:pPr>
-            <a:r>
-              <a:rPr lang="zh-CN" altLang="en-US" sz="2000" dirty="0">
-                <a:solidFill>
-                  <a:schemeClr val="tx1">
-                    <a:lumMod val="65000"/>
-                    <a:lumOff val="35000"/>
-                  </a:schemeClr>
-                </a:solidFill>
-                <a:latin typeface="微软雅黑 Light" panose="020B0502040204020203" pitchFamily="34" charset="-122"/>
-                <a:ea typeface="微软雅黑 Light" panose="020B0502040204020203" pitchFamily="34" charset="-122"/>
-              </a:rPr>
-              <a:t>软件维护</a:t>
-            </a:r>
-            <a:r>
-              <a:rPr lang="zh-CN" altLang="en-US" sz="2000" dirty="0">
-                <a:solidFill>
-                  <a:schemeClr val="accent3"/>
-                </a:solidFill>
-                <a:latin typeface="微软雅黑 Light" panose="020B0502040204020203" pitchFamily="34" charset="-122"/>
-                <a:ea typeface="微软雅黑 Light" panose="020B0502040204020203" pitchFamily="34" charset="-122"/>
-              </a:rPr>
-              <a:t>的特点</a:t>
-            </a:r>
-            <a:r>
-              <a:rPr lang="en-US" altLang="zh-CN" sz="1100" dirty="0">
-                <a:solidFill>
-                  <a:schemeClr val="accent3"/>
-                </a:solidFill>
-                <a:latin typeface="微软雅黑 Light" panose="020B0502040204020203" pitchFamily="34" charset="-122"/>
-                <a:ea typeface="微软雅黑 Light" panose="020B0502040204020203" pitchFamily="34" charset="-122"/>
-              </a:rPr>
-              <a:t>【1】</a:t>
-            </a:r>
-          </a:p>
-        </p:txBody>
-      </p:sp>
-      <p:sp>
-        <p:nvSpPr>
-          <p:cNvPr id="12" name="矩形 11"/>
-          <p:cNvSpPr/>
-          <p:nvPr/>
-        </p:nvSpPr>
-        <p:spPr>
-          <a:xfrm>
-            <a:off x="312790" y="1036841"/>
-            <a:ext cx="8362531" cy="4524315"/>
-          </a:xfrm>
-          <a:prstGeom prst="rect">
-            <a:avLst/>
-          </a:prstGeom>
-        </p:spPr>
-        <p:txBody>
-          <a:bodyPr wrap="square">
-            <a:spAutoFit/>
-          </a:bodyPr>
-          <a:lstStyle/>
-          <a:p>
-            <a:r>
-              <a:rPr lang="zh-CN" altLang="en-US" sz="2400" dirty="0">
-                <a:solidFill>
-                  <a:srgbClr val="000000"/>
-                </a:solidFill>
-              </a:rPr>
-              <a:t>（</a:t>
-            </a:r>
-            <a:r>
-              <a:rPr lang="en-US" altLang="zh-CN" sz="2400" dirty="0">
-                <a:solidFill>
-                  <a:srgbClr val="000000"/>
-                </a:solidFill>
-              </a:rPr>
-              <a:t>3</a:t>
-            </a:r>
-            <a:r>
-              <a:rPr lang="zh-CN" altLang="en-US" sz="2400" dirty="0">
-                <a:solidFill>
-                  <a:srgbClr val="000000"/>
-                </a:solidFill>
-              </a:rPr>
-              <a:t>） 当要求对软件进行维护时，不能指望由开发人员给人们仔细说明软件。由于</a:t>
-            </a:r>
-            <a:r>
-              <a:rPr lang="zh-CN" altLang="en-US" sz="2400" u="sng" dirty="0">
-                <a:solidFill>
-                  <a:schemeClr val="accent1">
-                    <a:lumMod val="75000"/>
-                  </a:schemeClr>
-                </a:solidFill>
-              </a:rPr>
-              <a:t>维护阶段持续的时间很长</a:t>
-            </a:r>
-            <a:r>
-              <a:rPr lang="zh-CN" altLang="en-US" sz="2400" dirty="0">
-                <a:solidFill>
-                  <a:srgbClr val="000000"/>
-                </a:solidFill>
-              </a:rPr>
-              <a:t>，因此，当需要解释软件时，往往原来写程序的人已经不在附近了。</a:t>
-            </a:r>
-          </a:p>
-          <a:p>
-            <a:r>
-              <a:rPr lang="zh-CN" altLang="en-US" sz="2400" dirty="0">
-                <a:solidFill>
-                  <a:srgbClr val="000000"/>
-                </a:solidFill>
-              </a:rPr>
-              <a:t>（</a:t>
-            </a:r>
-            <a:r>
-              <a:rPr lang="en-US" altLang="zh-CN" sz="2400" dirty="0">
-                <a:solidFill>
-                  <a:srgbClr val="000000"/>
-                </a:solidFill>
-              </a:rPr>
-              <a:t>4</a:t>
-            </a:r>
-            <a:r>
-              <a:rPr lang="zh-CN" altLang="en-US" sz="2400" dirty="0">
-                <a:solidFill>
-                  <a:srgbClr val="000000"/>
-                </a:solidFill>
-              </a:rPr>
-              <a:t>） 绝大多数软件在</a:t>
-            </a:r>
-            <a:r>
-              <a:rPr lang="zh-CN" altLang="en-US" sz="2400" u="sng" dirty="0">
-                <a:solidFill>
-                  <a:schemeClr val="accent1">
-                    <a:lumMod val="75000"/>
-                  </a:schemeClr>
-                </a:solidFill>
-              </a:rPr>
-              <a:t>设计时没有考虑将来的修改</a:t>
-            </a:r>
-            <a:r>
-              <a:rPr lang="zh-CN" altLang="en-US" sz="2400" dirty="0">
-                <a:solidFill>
-                  <a:srgbClr val="000000"/>
-                </a:solidFill>
-              </a:rPr>
-              <a:t>。除非使用强调模块独立原理的设计方法学，否则修改软件既困难又容易发生差错。</a:t>
-            </a:r>
-          </a:p>
-          <a:p>
-            <a:r>
-              <a:rPr lang="zh-CN" altLang="en-US" sz="2400" dirty="0">
-                <a:solidFill>
-                  <a:srgbClr val="000000"/>
-                </a:solidFill>
-              </a:rPr>
-              <a:t>（</a:t>
-            </a:r>
-            <a:r>
-              <a:rPr lang="en-US" altLang="zh-CN" sz="2400" dirty="0">
-                <a:solidFill>
-                  <a:srgbClr val="000000"/>
-                </a:solidFill>
-              </a:rPr>
-              <a:t>5</a:t>
-            </a:r>
-            <a:r>
-              <a:rPr lang="zh-CN" altLang="en-US" sz="2400" dirty="0">
-                <a:solidFill>
-                  <a:srgbClr val="000000"/>
-                </a:solidFill>
-              </a:rPr>
-              <a:t>）  软件维护不是一项吸引人的工作。形成这种观念很大程度上是因为</a:t>
-            </a:r>
-            <a:r>
-              <a:rPr lang="zh-CN" altLang="en-US" sz="2400" u="sng" dirty="0">
-                <a:solidFill>
-                  <a:schemeClr val="accent1">
-                    <a:lumMod val="75000"/>
-                  </a:schemeClr>
-                </a:solidFill>
-              </a:rPr>
-              <a:t>维护工作经常遭受挫折</a:t>
-            </a:r>
-            <a:r>
-              <a:rPr lang="zh-CN" altLang="en-US" sz="2400" dirty="0">
-                <a:solidFill>
-                  <a:srgbClr val="000000"/>
-                </a:solidFill>
-              </a:rPr>
-              <a:t>。</a:t>
-            </a:r>
-            <a:endParaRPr lang="zh-CN" altLang="en-US" sz="2400" dirty="0"/>
-          </a:p>
-          <a:p>
-            <a:endParaRPr lang="en-US" altLang="zh-CN" dirty="0"/>
-          </a:p>
-          <a:p>
-            <a:r>
-              <a:rPr lang="en-US" altLang="zh-CN" dirty="0"/>
-              <a:t>    </a:t>
-            </a:r>
-            <a:r>
-              <a:rPr lang="zh-CN" altLang="en-US" dirty="0"/>
-              <a:t>上述种种问题在现有的没采用软件工程思想开发出来的软件中，都或多或少地存在着。不应该把一种科学的方法学看做万应灵药，但是，软件工程至少部分地解决了与维护有关的每一个问题。</a:t>
-            </a:r>
-          </a:p>
-          <a:p>
-            <a:endParaRPr lang="zh-CN" altLang="en-US" sz="2400" dirty="0"/>
-          </a:p>
-        </p:txBody>
-      </p:sp>
-    </p:spTree>
-    <p:extLst>
-      <p:ext uri="{BB962C8B-B14F-4D97-AF65-F5344CB8AC3E}">
-        <p14:creationId xmlns:p14="http://schemas.microsoft.com/office/powerpoint/2010/main" val="3947668118"/>
       </p:ext>
     </p:extLst>
   </p:cSld>
@@ -24806,6 +24703,858 @@
       </p:grpSpPr>
       <p:sp>
         <p:nvSpPr>
+          <p:cNvPr id="10251" name="PA_文本框 11"/>
+          <p:cNvSpPr txBox="1">
+            <a:spLocks noChangeArrowheads="1"/>
+          </p:cNvSpPr>
+          <p:nvPr>
+            <p:custDataLst>
+              <p:tags r:id="rId1"/>
+            </p:custDataLst>
+          </p:nvPr>
+        </p:nvSpPr>
+        <p:spPr bwMode="auto">
+          <a:xfrm>
+            <a:off x="579312" y="431936"/>
+            <a:ext cx="8056185" cy="568425"/>
+          </a:xfrm>
+          <a:prstGeom prst="rect">
+            <a:avLst/>
+          </a:prstGeom>
+          <a:noFill/>
+          <a:ln>
+            <a:noFill/>
+          </a:ln>
+          <a:effectLst/>
+          <a:extLst>
+            <a:ext uri="{909E8E84-426E-40DD-AFC4-6F175D3DCCD1}">
+              <a14:hiddenFill xmlns:a14="http://schemas.microsoft.com/office/drawing/2010/main">
+                <a:solidFill>
+                  <a:schemeClr val="accent1"/>
+                </a:solidFill>
+              </a14:hiddenFill>
+            </a:ext>
+            <a:ext uri="{91240B29-F687-4F45-9708-019B960494DF}">
+              <a14:hiddenLine xmlns:a14="http://schemas.microsoft.com/office/drawing/2010/main" w="9525">
+                <a:solidFill>
+                  <a:srgbClr val="000000"/>
+                </a:solidFill>
+                <a:miter lim="800000"/>
+                <a:headEnd/>
+                <a:tailEnd/>
+              </a14:hiddenLine>
+            </a:ext>
+            <a:ext uri="{AF507438-7753-43E0-B8FC-AC1667EBCBE1}">
+              <a14:hiddenEffects xmlns:a14="http://schemas.microsoft.com/office/drawing/2010/main">
+                <a:effectLst>
+                  <a:outerShdw dist="35921" dir="2700000" algn="ctr" rotWithShape="0">
+                    <a:schemeClr val="bg2"/>
+                  </a:outerShdw>
+                </a:effectLst>
+              </a14:hiddenEffects>
+            </a:ext>
+          </a:extLst>
+        </p:spPr>
+        <p:txBody>
+          <a:bodyPr wrap="square">
+            <a:spAutoFit/>
+          </a:bodyPr>
+          <a:lstStyle/>
+          <a:p>
+            <a:pPr algn="ctr">
+              <a:lnSpc>
+                <a:spcPct val="120000"/>
+              </a:lnSpc>
+            </a:pPr>
+            <a:r>
+              <a:rPr lang="zh-CN" altLang="en-US" sz="2800" dirty="0">
+                <a:latin typeface="微软雅黑 Light" panose="020B0502040204020203" pitchFamily="34" charset="-122"/>
+                <a:ea typeface="微软雅黑 Light" panose="020B0502040204020203" pitchFamily="34" charset="-122"/>
+              </a:rPr>
+              <a:t>特点三：维护的问题很多</a:t>
+            </a:r>
+          </a:p>
+        </p:txBody>
+      </p:sp>
+      <p:grpSp>
+        <p:nvGrpSpPr>
+          <p:cNvPr id="25" name="PA_淘宝店chenying0907 24"/>
+          <p:cNvGrpSpPr/>
+          <p:nvPr>
+            <p:custDataLst>
+              <p:tags r:id="rId2"/>
+            </p:custDataLst>
+          </p:nvPr>
+        </p:nvGrpSpPr>
+        <p:grpSpPr>
+          <a:xfrm>
+            <a:off x="-9190" y="0"/>
+            <a:ext cx="620750" cy="791858"/>
+            <a:chOff x="0" y="-21236"/>
+            <a:chExt cx="3311527" cy="4224338"/>
+          </a:xfrm>
+        </p:grpSpPr>
+        <p:sp>
+          <p:nvSpPr>
+            <p:cNvPr id="27" name="淘宝店chenying0907 37"/>
+            <p:cNvSpPr>
+              <a:spLocks/>
+            </p:cNvSpPr>
+            <p:nvPr/>
+          </p:nvSpPr>
+          <p:spPr bwMode="auto">
+            <a:xfrm rot="5400000">
+              <a:off x="-264318" y="627258"/>
+              <a:ext cx="3840163" cy="3311525"/>
+            </a:xfrm>
+            <a:custGeom>
+              <a:avLst/>
+              <a:gdLst>
+                <a:gd name="T0" fmla="*/ 0 w 2419"/>
+                <a:gd name="T1" fmla="*/ 0 h 2086"/>
+                <a:gd name="T2" fmla="*/ 753 w 2419"/>
+                <a:gd name="T3" fmla="*/ 2008 h 2086"/>
+                <a:gd name="T4" fmla="*/ 1228 w 2419"/>
+                <a:gd name="T5" fmla="*/ 2086 h 2086"/>
+                <a:gd name="T6" fmla="*/ 2419 w 2419"/>
+                <a:gd name="T7" fmla="*/ 2086 h 2086"/>
+                <a:gd name="T8" fmla="*/ 0 w 2419"/>
+                <a:gd name="T9" fmla="*/ 0 h 2086"/>
+              </a:gdLst>
+              <a:ahLst/>
+              <a:cxnLst>
+                <a:cxn ang="0">
+                  <a:pos x="T0" y="T1"/>
+                </a:cxn>
+                <a:cxn ang="0">
+                  <a:pos x="T2" y="T3"/>
+                </a:cxn>
+                <a:cxn ang="0">
+                  <a:pos x="T4" y="T5"/>
+                </a:cxn>
+                <a:cxn ang="0">
+                  <a:pos x="T6" y="T7"/>
+                </a:cxn>
+                <a:cxn ang="0">
+                  <a:pos x="T8" y="T9"/>
+                </a:cxn>
+              </a:cxnLst>
+              <a:rect l="0" t="0" r="r" b="b"/>
+              <a:pathLst>
+                <a:path w="2419" h="2086">
+                  <a:moveTo>
+                    <a:pt x="0" y="0"/>
+                  </a:moveTo>
+                  <a:lnTo>
+                    <a:pt x="753" y="2008"/>
+                  </a:lnTo>
+                  <a:lnTo>
+                    <a:pt x="1228" y="2086"/>
+                  </a:lnTo>
+                  <a:lnTo>
+                    <a:pt x="2419" y="2086"/>
+                  </a:lnTo>
+                  <a:lnTo>
+                    <a:pt x="0" y="0"/>
+                  </a:lnTo>
+                  <a:close/>
+                </a:path>
+              </a:pathLst>
+            </a:custGeom>
+            <a:solidFill>
+              <a:schemeClr val="accent2"/>
+            </a:solidFill>
+            <a:ln>
+              <a:noFill/>
+            </a:ln>
+            <a:extLst>
+              <a:ext uri="{91240B29-F687-4F45-9708-019B960494DF}">
+                <a14:hiddenLine xmlns:a14="http://schemas.microsoft.com/office/drawing/2010/main" w="9525">
+                  <a:solidFill>
+                    <a:srgbClr val="000000"/>
+                  </a:solidFill>
+                  <a:round/>
+                  <a:headEnd/>
+                  <a:tailEnd/>
+                </a14:hiddenLine>
+              </a:ext>
+            </a:extLst>
+          </p:spPr>
+          <p:txBody>
+            <a:bodyPr vert="horz" wrap="square" lIns="91440" tIns="45720" rIns="91440" bIns="45720" numCol="1" anchor="t" anchorCtr="0" compatLnSpc="1">
+              <a:prstTxWarp prst="textNoShape">
+                <a:avLst/>
+              </a:prstTxWarp>
+            </a:bodyPr>
+            <a:lstStyle/>
+            <a:p>
+              <a:endParaRPr lang="zh-CN" altLang="en-US"/>
+            </a:p>
+          </p:txBody>
+        </p:sp>
+        <p:sp>
+          <p:nvSpPr>
+            <p:cNvPr id="28" name="淘宝店chenying0907 38"/>
+            <p:cNvSpPr>
+              <a:spLocks/>
+            </p:cNvSpPr>
+            <p:nvPr/>
+          </p:nvSpPr>
+          <p:spPr bwMode="auto">
+            <a:xfrm rot="5400000">
+              <a:off x="927895" y="-825304"/>
+              <a:ext cx="1579563" cy="3187700"/>
+            </a:xfrm>
+            <a:custGeom>
+              <a:avLst/>
+              <a:gdLst>
+                <a:gd name="T0" fmla="*/ 242 w 995"/>
+                <a:gd name="T1" fmla="*/ 0 h 2008"/>
+                <a:gd name="T2" fmla="*/ 0 w 995"/>
+                <a:gd name="T3" fmla="*/ 305 h 2008"/>
+                <a:gd name="T4" fmla="*/ 0 w 995"/>
+                <a:gd name="T5" fmla="*/ 1845 h 2008"/>
+                <a:gd name="T6" fmla="*/ 995 w 995"/>
+                <a:gd name="T7" fmla="*/ 2008 h 2008"/>
+                <a:gd name="T8" fmla="*/ 242 w 995"/>
+                <a:gd name="T9" fmla="*/ 0 h 2008"/>
+              </a:gdLst>
+              <a:ahLst/>
+              <a:cxnLst>
+                <a:cxn ang="0">
+                  <a:pos x="T0" y="T1"/>
+                </a:cxn>
+                <a:cxn ang="0">
+                  <a:pos x="T2" y="T3"/>
+                </a:cxn>
+                <a:cxn ang="0">
+                  <a:pos x="T4" y="T5"/>
+                </a:cxn>
+                <a:cxn ang="0">
+                  <a:pos x="T6" y="T7"/>
+                </a:cxn>
+                <a:cxn ang="0">
+                  <a:pos x="T8" y="T9"/>
+                </a:cxn>
+              </a:cxnLst>
+              <a:rect l="0" t="0" r="r" b="b"/>
+              <a:pathLst>
+                <a:path w="995" h="2008">
+                  <a:moveTo>
+                    <a:pt x="242" y="0"/>
+                  </a:moveTo>
+                  <a:lnTo>
+                    <a:pt x="0" y="305"/>
+                  </a:lnTo>
+                  <a:lnTo>
+                    <a:pt x="0" y="1845"/>
+                  </a:lnTo>
+                  <a:lnTo>
+                    <a:pt x="995" y="2008"/>
+                  </a:lnTo>
+                  <a:lnTo>
+                    <a:pt x="242" y="0"/>
+                  </a:lnTo>
+                  <a:close/>
+                </a:path>
+              </a:pathLst>
+            </a:custGeom>
+            <a:solidFill>
+              <a:schemeClr val="accent1"/>
+            </a:solidFill>
+            <a:ln>
+              <a:noFill/>
+            </a:ln>
+            <a:extLst>
+              <a:ext uri="{91240B29-F687-4F45-9708-019B960494DF}">
+                <a14:hiddenLine xmlns:a14="http://schemas.microsoft.com/office/drawing/2010/main" w="9525">
+                  <a:solidFill>
+                    <a:srgbClr val="000000"/>
+                  </a:solidFill>
+                  <a:round/>
+                  <a:headEnd/>
+                  <a:tailEnd/>
+                </a14:hiddenLine>
+              </a:ext>
+            </a:extLst>
+          </p:spPr>
+          <p:txBody>
+            <a:bodyPr vert="horz" wrap="square" lIns="91440" tIns="45720" rIns="91440" bIns="45720" numCol="1" anchor="t" anchorCtr="0" compatLnSpc="1">
+              <a:prstTxWarp prst="textNoShape">
+                <a:avLst/>
+              </a:prstTxWarp>
+            </a:bodyPr>
+            <a:lstStyle/>
+            <a:p>
+              <a:endParaRPr lang="zh-CN" altLang="en-US"/>
+            </a:p>
+          </p:txBody>
+        </p:sp>
+        <p:sp>
+          <p:nvSpPr>
+            <p:cNvPr id="29" name="淘宝店chenying0907 39"/>
+            <p:cNvSpPr>
+              <a:spLocks/>
+            </p:cNvSpPr>
+            <p:nvPr/>
+          </p:nvSpPr>
+          <p:spPr bwMode="auto">
+            <a:xfrm rot="5400000">
+              <a:off x="-975519" y="954283"/>
+              <a:ext cx="2333625" cy="382588"/>
+            </a:xfrm>
+            <a:custGeom>
+              <a:avLst/>
+              <a:gdLst>
+                <a:gd name="T0" fmla="*/ 0 w 1470"/>
+                <a:gd name="T1" fmla="*/ 0 h 241"/>
+                <a:gd name="T2" fmla="*/ 0 w 1470"/>
+                <a:gd name="T3" fmla="*/ 233 h 241"/>
+                <a:gd name="T4" fmla="*/ 0 w 1470"/>
+                <a:gd name="T5" fmla="*/ 241 h 241"/>
+                <a:gd name="T6" fmla="*/ 1470 w 1470"/>
+                <a:gd name="T7" fmla="*/ 241 h 241"/>
+                <a:gd name="T8" fmla="*/ 0 w 1470"/>
+                <a:gd name="T9" fmla="*/ 0 h 241"/>
+              </a:gdLst>
+              <a:ahLst/>
+              <a:cxnLst>
+                <a:cxn ang="0">
+                  <a:pos x="T0" y="T1"/>
+                </a:cxn>
+                <a:cxn ang="0">
+                  <a:pos x="T2" y="T3"/>
+                </a:cxn>
+                <a:cxn ang="0">
+                  <a:pos x="T4" y="T5"/>
+                </a:cxn>
+                <a:cxn ang="0">
+                  <a:pos x="T6" y="T7"/>
+                </a:cxn>
+                <a:cxn ang="0">
+                  <a:pos x="T8" y="T9"/>
+                </a:cxn>
+              </a:cxnLst>
+              <a:rect l="0" t="0" r="r" b="b"/>
+              <a:pathLst>
+                <a:path w="1470" h="241">
+                  <a:moveTo>
+                    <a:pt x="0" y="0"/>
+                  </a:moveTo>
+                  <a:lnTo>
+                    <a:pt x="0" y="233"/>
+                  </a:lnTo>
+                  <a:lnTo>
+                    <a:pt x="0" y="241"/>
+                  </a:lnTo>
+                  <a:lnTo>
+                    <a:pt x="1470" y="241"/>
+                  </a:lnTo>
+                  <a:lnTo>
+                    <a:pt x="0" y="0"/>
+                  </a:lnTo>
+                  <a:close/>
+                </a:path>
+              </a:pathLst>
+            </a:custGeom>
+            <a:solidFill>
+              <a:schemeClr val="accent3"/>
+            </a:solidFill>
+            <a:ln>
+              <a:noFill/>
+            </a:ln>
+            <a:extLst>
+              <a:ext uri="{91240B29-F687-4F45-9708-019B960494DF}">
+                <a14:hiddenLine xmlns:a14="http://schemas.microsoft.com/office/drawing/2010/main" w="9525">
+                  <a:solidFill>
+                    <a:srgbClr val="000000"/>
+                  </a:solidFill>
+                  <a:round/>
+                  <a:headEnd/>
+                  <a:tailEnd/>
+                </a14:hiddenLine>
+              </a:ext>
+            </a:extLst>
+          </p:spPr>
+          <p:txBody>
+            <a:bodyPr vert="horz" wrap="square" lIns="91440" tIns="45720" rIns="91440" bIns="45720" numCol="1" anchor="t" anchorCtr="0" compatLnSpc="1">
+              <a:prstTxWarp prst="textNoShape">
+                <a:avLst/>
+              </a:prstTxWarp>
+            </a:bodyPr>
+            <a:lstStyle/>
+            <a:p>
+              <a:endParaRPr lang="zh-CN" altLang="en-US"/>
+            </a:p>
+          </p:txBody>
+        </p:sp>
+      </p:grpSp>
+      <p:sp>
+        <p:nvSpPr>
+          <p:cNvPr id="30" name="PA_文本框 4"/>
+          <p:cNvSpPr txBox="1">
+            <a:spLocks noChangeArrowheads="1"/>
+          </p:cNvSpPr>
+          <p:nvPr>
+            <p:custDataLst>
+              <p:tags r:id="rId3"/>
+            </p:custDataLst>
+          </p:nvPr>
+        </p:nvSpPr>
+        <p:spPr bwMode="auto">
+          <a:xfrm>
+            <a:off x="535359" y="184337"/>
+            <a:ext cx="2316660" cy="400110"/>
+          </a:xfrm>
+          <a:prstGeom prst="rect">
+            <a:avLst/>
+          </a:prstGeom>
+          <a:noFill/>
+          <a:ln>
+            <a:noFill/>
+          </a:ln>
+          <a:effectLst/>
+          <a:extLst>
+            <a:ext uri="{909E8E84-426E-40DD-AFC4-6F175D3DCCD1}">
+              <a14:hiddenFill xmlns:a14="http://schemas.microsoft.com/office/drawing/2010/main">
+                <a:solidFill>
+                  <a:schemeClr val="accent1"/>
+                </a:solidFill>
+              </a14:hiddenFill>
+            </a:ext>
+            <a:ext uri="{91240B29-F687-4F45-9708-019B960494DF}">
+              <a14:hiddenLine xmlns:a14="http://schemas.microsoft.com/office/drawing/2010/main" w="9525">
+                <a:solidFill>
+                  <a:srgbClr val="000000"/>
+                </a:solidFill>
+                <a:miter lim="800000"/>
+                <a:headEnd/>
+                <a:tailEnd/>
+              </a14:hiddenLine>
+            </a:ext>
+            <a:ext uri="{AF507438-7753-43E0-B8FC-AC1667EBCBE1}">
+              <a14:hiddenEffects xmlns:a14="http://schemas.microsoft.com/office/drawing/2010/main">
+                <a:effectLst>
+                  <a:outerShdw dist="35921" dir="2700000" algn="ctr" rotWithShape="0">
+                    <a:schemeClr val="bg2"/>
+                  </a:outerShdw>
+                </a:effectLst>
+              </a14:hiddenEffects>
+            </a:ext>
+          </a:extLst>
+        </p:spPr>
+        <p:txBody>
+          <a:bodyPr wrap="none">
+            <a:spAutoFit/>
+          </a:bodyPr>
+          <a:lstStyle/>
+          <a:p>
+            <a:pPr>
+              <a:buFont typeface="Arial" pitchFamily="34" charset="0"/>
+              <a:buNone/>
+            </a:pPr>
+            <a:r>
+              <a:rPr lang="zh-CN" altLang="en-US" sz="2000" dirty="0">
+                <a:solidFill>
+                  <a:schemeClr val="tx1">
+                    <a:lumMod val="65000"/>
+                    <a:lumOff val="35000"/>
+                  </a:schemeClr>
+                </a:solidFill>
+                <a:latin typeface="微软雅黑 Light" panose="020B0502040204020203" pitchFamily="34" charset="-122"/>
+                <a:ea typeface="微软雅黑 Light" panose="020B0502040204020203" pitchFamily="34" charset="-122"/>
+              </a:rPr>
+              <a:t>软件维护</a:t>
+            </a:r>
+            <a:r>
+              <a:rPr lang="zh-CN" altLang="en-US" sz="2000" dirty="0">
+                <a:solidFill>
+                  <a:schemeClr val="accent3"/>
+                </a:solidFill>
+                <a:latin typeface="微软雅黑 Light" panose="020B0502040204020203" pitchFamily="34" charset="-122"/>
+                <a:ea typeface="微软雅黑 Light" panose="020B0502040204020203" pitchFamily="34" charset="-122"/>
+              </a:rPr>
+              <a:t>的特点</a:t>
+            </a:r>
+            <a:r>
+              <a:rPr lang="en-US" altLang="zh-CN" sz="1100" dirty="0">
+                <a:solidFill>
+                  <a:schemeClr val="accent3"/>
+                </a:solidFill>
+                <a:latin typeface="微软雅黑 Light" panose="020B0502040204020203" pitchFamily="34" charset="-122"/>
+                <a:ea typeface="微软雅黑 Light" panose="020B0502040204020203" pitchFamily="34" charset="-122"/>
+              </a:rPr>
+              <a:t>【1】</a:t>
+            </a:r>
+          </a:p>
+        </p:txBody>
+      </p:sp>
+      <p:sp>
+        <p:nvSpPr>
+          <p:cNvPr id="12" name="矩形 11"/>
+          <p:cNvSpPr/>
+          <p:nvPr/>
+        </p:nvSpPr>
+        <p:spPr>
+          <a:xfrm>
+            <a:off x="312790" y="1036841"/>
+            <a:ext cx="8362531" cy="4524315"/>
+          </a:xfrm>
+          <a:prstGeom prst="rect">
+            <a:avLst/>
+          </a:prstGeom>
+        </p:spPr>
+        <p:txBody>
+          <a:bodyPr wrap="square">
+            <a:spAutoFit/>
+          </a:bodyPr>
+          <a:lstStyle/>
+          <a:p>
+            <a:r>
+              <a:rPr lang="zh-CN" altLang="en-US" sz="2400" dirty="0">
+                <a:solidFill>
+                  <a:srgbClr val="000000"/>
+                </a:solidFill>
+              </a:rPr>
+              <a:t>（</a:t>
+            </a:r>
+            <a:r>
+              <a:rPr lang="en-US" altLang="zh-CN" sz="2400" dirty="0">
+                <a:solidFill>
+                  <a:srgbClr val="000000"/>
+                </a:solidFill>
+              </a:rPr>
+              <a:t>3</a:t>
+            </a:r>
+            <a:r>
+              <a:rPr lang="zh-CN" altLang="en-US" sz="2400" dirty="0">
+                <a:solidFill>
+                  <a:srgbClr val="000000"/>
+                </a:solidFill>
+              </a:rPr>
+              <a:t>） 当要求对软件进行维护时，不能指望由开发人员给人们仔细说明软件。由于</a:t>
+            </a:r>
+            <a:r>
+              <a:rPr lang="zh-CN" altLang="en-US" sz="2400" u="sng" dirty="0">
+                <a:solidFill>
+                  <a:schemeClr val="accent1">
+                    <a:lumMod val="75000"/>
+                  </a:schemeClr>
+                </a:solidFill>
+              </a:rPr>
+              <a:t>维护阶段持续的时间很长</a:t>
+            </a:r>
+            <a:r>
+              <a:rPr lang="zh-CN" altLang="en-US" sz="2400" dirty="0">
+                <a:solidFill>
+                  <a:srgbClr val="000000"/>
+                </a:solidFill>
+              </a:rPr>
+              <a:t>，因此，当需要解释软件时，往往原来写程序的人已经不在附近了。</a:t>
+            </a:r>
+          </a:p>
+          <a:p>
+            <a:r>
+              <a:rPr lang="zh-CN" altLang="en-US" sz="2400" dirty="0">
+                <a:solidFill>
+                  <a:srgbClr val="000000"/>
+                </a:solidFill>
+              </a:rPr>
+              <a:t>（</a:t>
+            </a:r>
+            <a:r>
+              <a:rPr lang="en-US" altLang="zh-CN" sz="2400" dirty="0">
+                <a:solidFill>
+                  <a:srgbClr val="000000"/>
+                </a:solidFill>
+              </a:rPr>
+              <a:t>4</a:t>
+            </a:r>
+            <a:r>
+              <a:rPr lang="zh-CN" altLang="en-US" sz="2400" dirty="0">
+                <a:solidFill>
+                  <a:srgbClr val="000000"/>
+                </a:solidFill>
+              </a:rPr>
+              <a:t>） 绝大多数软件在</a:t>
+            </a:r>
+            <a:r>
+              <a:rPr lang="zh-CN" altLang="en-US" sz="2400" u="sng" dirty="0">
+                <a:solidFill>
+                  <a:schemeClr val="accent1">
+                    <a:lumMod val="75000"/>
+                  </a:schemeClr>
+                </a:solidFill>
+              </a:rPr>
+              <a:t>设计时没有考虑将来的修改</a:t>
+            </a:r>
+            <a:r>
+              <a:rPr lang="zh-CN" altLang="en-US" sz="2400" dirty="0">
+                <a:solidFill>
+                  <a:srgbClr val="000000"/>
+                </a:solidFill>
+              </a:rPr>
+              <a:t>。除非使用强调模块独立原理的设计方法学，否则修改软件既困难又容易发生差错。</a:t>
+            </a:r>
+          </a:p>
+          <a:p>
+            <a:r>
+              <a:rPr lang="zh-CN" altLang="en-US" sz="2400" dirty="0">
+                <a:solidFill>
+                  <a:srgbClr val="000000"/>
+                </a:solidFill>
+              </a:rPr>
+              <a:t>（</a:t>
+            </a:r>
+            <a:r>
+              <a:rPr lang="en-US" altLang="zh-CN" sz="2400" dirty="0">
+                <a:solidFill>
+                  <a:srgbClr val="000000"/>
+                </a:solidFill>
+              </a:rPr>
+              <a:t>5</a:t>
+            </a:r>
+            <a:r>
+              <a:rPr lang="zh-CN" altLang="en-US" sz="2400" dirty="0">
+                <a:solidFill>
+                  <a:srgbClr val="000000"/>
+                </a:solidFill>
+              </a:rPr>
+              <a:t>）  软件维护不是一项吸引人的工作。形成这种观念很大程度上是因为</a:t>
+            </a:r>
+            <a:r>
+              <a:rPr lang="zh-CN" altLang="en-US" sz="2400" u="sng" dirty="0">
+                <a:solidFill>
+                  <a:schemeClr val="accent1">
+                    <a:lumMod val="75000"/>
+                  </a:schemeClr>
+                </a:solidFill>
+              </a:rPr>
+              <a:t>维护工作经常遭受挫折</a:t>
+            </a:r>
+            <a:r>
+              <a:rPr lang="zh-CN" altLang="en-US" sz="2400" dirty="0">
+                <a:solidFill>
+                  <a:srgbClr val="000000"/>
+                </a:solidFill>
+              </a:rPr>
+              <a:t>。</a:t>
+            </a:r>
+            <a:endParaRPr lang="zh-CN" altLang="en-US" sz="2400" dirty="0"/>
+          </a:p>
+          <a:p>
+            <a:endParaRPr lang="en-US" altLang="zh-CN" dirty="0"/>
+          </a:p>
+          <a:p>
+            <a:r>
+              <a:rPr lang="en-US" altLang="zh-CN" dirty="0"/>
+              <a:t>    </a:t>
+            </a:r>
+            <a:r>
+              <a:rPr lang="zh-CN" altLang="en-US" dirty="0"/>
+              <a:t>上述种种问题在现有的没采用软件工程思想开发出来的软件中，都或多或少地存在着。不应该把一种科学的方法学看做万应灵药，但是，软件工程至少部分地解决了与维护有关的每一个问题。</a:t>
+            </a:r>
+          </a:p>
+          <a:p>
+            <a:endParaRPr lang="zh-CN" altLang="en-US" sz="2400" dirty="0"/>
+          </a:p>
+        </p:txBody>
+      </p:sp>
+    </p:spTree>
+    <p:extLst>
+      <p:ext uri="{BB962C8B-B14F-4D97-AF65-F5344CB8AC3E}">
+        <p14:creationId xmlns:p14="http://schemas.microsoft.com/office/powerpoint/2010/main" val="3947668118"/>
+      </p:ext>
+    </p:extLst>
+  </p:cSld>
+  <p:clrMapOvr>
+    <a:masterClrMapping/>
+  </p:clrMapOvr>
+  <p:transition spd="slow">
+    <p:wipe/>
+  </p:transition>
+  <p:timing>
+    <p:tnLst>
+      <p:par>
+        <p:cTn id="1" dur="indefinite" restart="never" nodeType="tmRoot">
+          <p:childTnLst>
+            <p:seq concurrent="1" nextAc="seek">
+              <p:cTn id="2" dur="indefinite" nodeType="mainSeq">
+                <p:childTnLst>
+                  <p:par>
+                    <p:cTn id="3" fill="hold">
+                      <p:stCondLst>
+                        <p:cond delay="indefinite"/>
+                        <p:cond evt="onBegin" delay="0">
+                          <p:tn val="2"/>
+                        </p:cond>
+                      </p:stCondLst>
+                      <p:childTnLst>
+                        <p:par>
+                          <p:cTn id="4" fill="hold">
+                            <p:stCondLst>
+                              <p:cond delay="0"/>
+                            </p:stCondLst>
+                            <p:childTnLst>
+                              <p:par>
+                                <p:cTn id="5" presetID="10" presetClass="entr" presetSubtype="0" fill="hold" grpId="0" nodeType="withEffect">
+                                  <p:stCondLst>
+                                    <p:cond delay="600"/>
+                                  </p:stCondLst>
+                                  <p:childTnLst>
+                                    <p:set>
+                                      <p:cBhvr>
+                                        <p:cTn id="6" dur="1" fill="hold">
+                                          <p:stCondLst>
+                                            <p:cond delay="0"/>
+                                          </p:stCondLst>
+                                        </p:cTn>
+                                        <p:tgtEl>
+                                          <p:spTgt spid="10251"/>
+                                        </p:tgtEl>
+                                        <p:attrNameLst>
+                                          <p:attrName>style.visibility</p:attrName>
+                                        </p:attrNameLst>
+                                      </p:cBhvr>
+                                      <p:to>
+                                        <p:strVal val="visible"/>
+                                      </p:to>
+                                    </p:set>
+                                    <p:animEffect transition="in" filter="fade">
+                                      <p:cBhvr>
+                                        <p:cTn id="7" dur="500"/>
+                                        <p:tgtEl>
+                                          <p:spTgt spid="10251"/>
+                                        </p:tgtEl>
+                                      </p:cBhvr>
+                                    </p:animEffect>
+                                  </p:childTnLst>
+                                </p:cTn>
+                              </p:par>
+                              <p:par>
+                                <p:cTn id="8" presetID="10" presetClass="entr" presetSubtype="0" fill="hold" nodeType="withEffect">
+                                  <p:stCondLst>
+                                    <p:cond delay="1500"/>
+                                  </p:stCondLst>
+                                  <p:childTnLst>
+                                    <p:set>
+                                      <p:cBhvr>
+                                        <p:cTn id="9" dur="1" fill="hold">
+                                          <p:stCondLst>
+                                            <p:cond delay="0"/>
+                                          </p:stCondLst>
+                                        </p:cTn>
+                                        <p:tgtEl>
+                                          <p:spTgt spid="25"/>
+                                        </p:tgtEl>
+                                        <p:attrNameLst>
+                                          <p:attrName>style.visibility</p:attrName>
+                                        </p:attrNameLst>
+                                      </p:cBhvr>
+                                      <p:to>
+                                        <p:strVal val="visible"/>
+                                      </p:to>
+                                    </p:set>
+                                    <p:animEffect transition="in" filter="fade">
+                                      <p:cBhvr>
+                                        <p:cTn id="10" dur="500"/>
+                                        <p:tgtEl>
+                                          <p:spTgt spid="25"/>
+                                        </p:tgtEl>
+                                      </p:cBhvr>
+                                    </p:animEffect>
+                                  </p:childTnLst>
+                                </p:cTn>
+                              </p:par>
+                              <p:par>
+                                <p:cTn id="11" presetID="10" presetClass="entr" presetSubtype="0" fill="hold" grpId="0" nodeType="withEffect">
+                                  <p:stCondLst>
+                                    <p:cond delay="1800"/>
+                                  </p:stCondLst>
+                                  <p:childTnLst>
+                                    <p:set>
+                                      <p:cBhvr>
+                                        <p:cTn id="12" dur="1" fill="hold">
+                                          <p:stCondLst>
+                                            <p:cond delay="0"/>
+                                          </p:stCondLst>
+                                        </p:cTn>
+                                        <p:tgtEl>
+                                          <p:spTgt spid="30"/>
+                                        </p:tgtEl>
+                                        <p:attrNameLst>
+                                          <p:attrName>style.visibility</p:attrName>
+                                        </p:attrNameLst>
+                                      </p:cBhvr>
+                                      <p:to>
+                                        <p:strVal val="visible"/>
+                                      </p:to>
+                                    </p:set>
+                                    <p:animEffect transition="in" filter="fade">
+                                      <p:cBhvr>
+                                        <p:cTn id="13" dur="500"/>
+                                        <p:tgtEl>
+                                          <p:spTgt spid="30"/>
+                                        </p:tgtEl>
+                                      </p:cBhvr>
+                                    </p:animEffect>
+                                  </p:childTnLst>
+                                </p:cTn>
+                              </p:par>
+                            </p:childTnLst>
+                          </p:cTn>
+                        </p:par>
+                      </p:childTnLst>
+                    </p:cTn>
+                  </p:par>
+                </p:childTnLst>
+              </p:cTn>
+              <p:prevCondLst>
+                <p:cond evt="onPrev" delay="0">
+                  <p:tgtEl>
+                    <p:sldTgt/>
+                  </p:tgtEl>
+                </p:cond>
+              </p:prevCondLst>
+              <p:nextCondLst>
+                <p:cond evt="onNext" delay="0">
+                  <p:tgtEl>
+                    <p:sldTgt/>
+                  </p:tgtEl>
+                </p:cond>
+              </p:nextCondLst>
+            </p:seq>
+          </p:childTnLst>
+        </p:cTn>
+      </p:par>
+    </p:tnLst>
+    <p:bldLst>
+      <p:bldP spid="10251" grpId="0"/>
+      <p:bldP spid="30" grpId="0"/>
+    </p:bldLst>
+  </p:timing>
+</p:sld>
+</file>
+
+<file path=ppt/slides/slide31.xml><?xml version="1.0" encoding="utf-8"?>
+<p:sld xmlns:a="http://schemas.openxmlformats.org/drawingml/2006/main" xmlns:r="http://schemas.openxmlformats.org/officeDocument/2006/relationships" xmlns:p="http://schemas.openxmlformats.org/presentationml/2006/main">
+  <p:cSld>
+    <p:spTree>
+      <p:nvGrpSpPr>
+        <p:cNvPr id="1" name=""/>
+        <p:cNvGrpSpPr/>
+        <p:nvPr/>
+      </p:nvGrpSpPr>
+      <p:grpSpPr>
+        <a:xfrm>
+          <a:off x="0" y="0"/>
+          <a:ext cx="0" cy="0"/>
+          <a:chOff x="0" y="0"/>
+          <a:chExt cx="0" cy="0"/>
+        </a:xfrm>
+      </p:grpSpPr>
+      <p:sp>
+        <p:nvSpPr>
           <p:cNvPr id="2" name="PA_文本框 4">
             <a:extLst>
               <a:ext uri="{FF2B5EF4-FFF2-40B4-BE49-F238E27FC236}">
@@ -25285,7 +26034,7 @@
 </p:sld>
 </file>
 
-<file path=ppt/slides/slide31.xml><?xml version="1.0" encoding="utf-8"?>
+<file path=ppt/slides/slide32.xml><?xml version="1.0" encoding="utf-8"?>
 <p:sld xmlns:a="http://schemas.openxmlformats.org/drawingml/2006/main" xmlns:r="http://schemas.openxmlformats.org/officeDocument/2006/relationships" xmlns:p="http://schemas.openxmlformats.org/presentationml/2006/main">
   <p:cSld>
     <p:spTree>
@@ -25750,7 +26499,7 @@
 </p:sld>
 </file>
 
-<file path=ppt/slides/slide32.xml><?xml version="1.0" encoding="utf-8"?>
+<file path=ppt/slides/slide33.xml><?xml version="1.0" encoding="utf-8"?>
 <p:sld xmlns:a="http://schemas.openxmlformats.org/drawingml/2006/main" xmlns:r="http://schemas.openxmlformats.org/officeDocument/2006/relationships" xmlns:p="http://schemas.openxmlformats.org/presentationml/2006/main">
   <p:cSld>
     <p:spTree>
@@ -26312,7 +27061,7 @@
 </p:sld>
 </file>
 
-<file path=ppt/slides/slide33.xml><?xml version="1.0" encoding="utf-8"?>
+<file path=ppt/slides/slide34.xml><?xml version="1.0" encoding="utf-8"?>
 <p:sld xmlns:a="http://schemas.openxmlformats.org/drawingml/2006/main" xmlns:r="http://schemas.openxmlformats.org/officeDocument/2006/relationships" xmlns:p="http://schemas.openxmlformats.org/presentationml/2006/main">
   <p:cSld>
     <p:spTree>
@@ -26808,7 +27557,7 @@
 </p:sld>
 </file>
 
-<file path=ppt/slides/slide34.xml><?xml version="1.0" encoding="utf-8"?>
+<file path=ppt/slides/slide35.xml><?xml version="1.0" encoding="utf-8"?>
 <p:sld xmlns:a="http://schemas.openxmlformats.org/drawingml/2006/main" xmlns:r="http://schemas.openxmlformats.org/officeDocument/2006/relationships" xmlns:p="http://schemas.openxmlformats.org/presentationml/2006/main">
   <p:cSld>
     <p:spTree>
@@ -27745,7 +28494,7 @@
 </p:sld>
 </file>
 
-<file path=ppt/slides/slide35.xml><?xml version="1.0" encoding="utf-8"?>
+<file path=ppt/slides/slide36.xml><?xml version="1.0" encoding="utf-8"?>
 <p:sld xmlns:a="http://schemas.openxmlformats.org/drawingml/2006/main" xmlns:r="http://schemas.openxmlformats.org/officeDocument/2006/relationships" xmlns:p="http://schemas.openxmlformats.org/presentationml/2006/main">
   <p:cSld>
     <p:spTree>
@@ -28745,7 +29494,7 @@
 </p:sld>
 </file>
 
-<file path=ppt/slides/slide36.xml><?xml version="1.0" encoding="utf-8"?>
+<file path=ppt/slides/slide37.xml><?xml version="1.0" encoding="utf-8"?>
 <p:sld xmlns:a="http://schemas.openxmlformats.org/drawingml/2006/main" xmlns:r="http://schemas.openxmlformats.org/officeDocument/2006/relationships" xmlns:p="http://schemas.openxmlformats.org/presentationml/2006/main">
   <p:cSld>
     <p:spTree>
@@ -29629,7 +30378,7 @@
 </p:sld>
 </file>
 
-<file path=ppt/slides/slide37.xml><?xml version="1.0" encoding="utf-8"?>
+<file path=ppt/slides/slide38.xml><?xml version="1.0" encoding="utf-8"?>
 <p:sld xmlns:a="http://schemas.openxmlformats.org/drawingml/2006/main" xmlns:r="http://schemas.openxmlformats.org/officeDocument/2006/relationships" xmlns:p="http://schemas.openxmlformats.org/presentationml/2006/main">
   <p:cSld>
     <p:spTree>
@@ -30623,7 +31372,7 @@
             </a:r>
             <a:r>
               <a:rPr lang="zh-CN" altLang="en-US" dirty="0"/>
-              <a:t>百度百科</a:t>
+              <a:t>维基百科</a:t>
             </a:r>
             <a:r>
               <a:rPr lang="en-US" altLang="zh-CN" dirty="0"/>
@@ -30928,7 +31677,7 @@
 </p:sld>
 </file>
 
-<file path=ppt/slides/slide38.xml><?xml version="1.0" encoding="utf-8"?>
+<file path=ppt/slides/slide39.xml><?xml version="1.0" encoding="utf-8"?>
 <p:sld xmlns:a="http://schemas.openxmlformats.org/drawingml/2006/main" xmlns:r="http://schemas.openxmlformats.org/officeDocument/2006/relationships" xmlns:p="http://schemas.openxmlformats.org/presentationml/2006/main">
   <p:cSld>
     <p:spTree>
@@ -31467,1046 +32216,6 @@
         </p:cTn>
       </p:par>
     </p:tnLst>
-  </p:timing>
-</p:sld>
-</file>
-
-<file path=ppt/slides/slide39.xml><?xml version="1.0" encoding="utf-8"?>
-<p:sld xmlns:a="http://schemas.openxmlformats.org/drawingml/2006/main" xmlns:r="http://schemas.openxmlformats.org/officeDocument/2006/relationships" xmlns:p="http://schemas.openxmlformats.org/presentationml/2006/main">
-  <p:cSld>
-    <p:spTree>
-      <p:nvGrpSpPr>
-        <p:cNvPr id="1" name=""/>
-        <p:cNvGrpSpPr/>
-        <p:nvPr/>
-      </p:nvGrpSpPr>
-      <p:grpSpPr>
-        <a:xfrm>
-          <a:off x="0" y="0"/>
-          <a:ext cx="0" cy="0"/>
-          <a:chOff x="0" y="0"/>
-          <a:chExt cx="0" cy="0"/>
-        </a:xfrm>
-      </p:grpSpPr>
-      <p:grpSp>
-        <p:nvGrpSpPr>
-          <p:cNvPr id="2" name="PA_淘宝店chenying0907 1"/>
-          <p:cNvGrpSpPr/>
-          <p:nvPr>
-            <p:custDataLst>
-              <p:tags r:id="rId1"/>
-            </p:custDataLst>
-          </p:nvPr>
-        </p:nvGrpSpPr>
-        <p:grpSpPr>
-          <a:xfrm>
-            <a:off x="-4763" y="1841500"/>
-            <a:ext cx="9153526" cy="3311526"/>
-            <a:chOff x="-4763" y="1841500"/>
-            <a:chExt cx="9153526" cy="3311526"/>
-          </a:xfrm>
-        </p:grpSpPr>
-        <p:sp>
-          <p:nvSpPr>
-            <p:cNvPr id="1024" name="淘宝店chenying0907 36"/>
-            <p:cNvSpPr>
-              <a:spLocks/>
-            </p:cNvSpPr>
-            <p:nvPr/>
-          </p:nvSpPr>
-          <p:spPr bwMode="auto">
-            <a:xfrm>
-              <a:off x="3036887" y="3662363"/>
-              <a:ext cx="4049713" cy="1490663"/>
-            </a:xfrm>
-            <a:custGeom>
-              <a:avLst/>
-              <a:gdLst>
-                <a:gd name="T0" fmla="*/ 1369 w 2551"/>
-                <a:gd name="T1" fmla="*/ 939 h 939"/>
-                <a:gd name="T2" fmla="*/ 2551 w 2551"/>
-                <a:gd name="T3" fmla="*/ 442 h 939"/>
-                <a:gd name="T4" fmla="*/ 2485 w 2551"/>
-                <a:gd name="T5" fmla="*/ 0 h 939"/>
-                <a:gd name="T6" fmla="*/ 0 w 2551"/>
-                <a:gd name="T7" fmla="*/ 295 h 939"/>
-                <a:gd name="T8" fmla="*/ 745 w 2551"/>
-                <a:gd name="T9" fmla="*/ 939 h 939"/>
-                <a:gd name="T10" fmla="*/ 1369 w 2551"/>
-                <a:gd name="T11" fmla="*/ 939 h 939"/>
-              </a:gdLst>
-              <a:ahLst/>
-              <a:cxnLst>
-                <a:cxn ang="0">
-                  <a:pos x="T0" y="T1"/>
-                </a:cxn>
-                <a:cxn ang="0">
-                  <a:pos x="T2" y="T3"/>
-                </a:cxn>
-                <a:cxn ang="0">
-                  <a:pos x="T4" y="T5"/>
-                </a:cxn>
-                <a:cxn ang="0">
-                  <a:pos x="T6" y="T7"/>
-                </a:cxn>
-                <a:cxn ang="0">
-                  <a:pos x="T8" y="T9"/>
-                </a:cxn>
-                <a:cxn ang="0">
-                  <a:pos x="T10" y="T11"/>
-                </a:cxn>
-              </a:cxnLst>
-              <a:rect l="0" t="0" r="r" b="b"/>
-              <a:pathLst>
-                <a:path w="2551" h="939">
-                  <a:moveTo>
-                    <a:pt x="1369" y="939"/>
-                  </a:moveTo>
-                  <a:lnTo>
-                    <a:pt x="2551" y="442"/>
-                  </a:lnTo>
-                  <a:lnTo>
-                    <a:pt x="2485" y="0"/>
-                  </a:lnTo>
-                  <a:lnTo>
-                    <a:pt x="0" y="295"/>
-                  </a:lnTo>
-                  <a:lnTo>
-                    <a:pt x="745" y="939"/>
-                  </a:lnTo>
-                  <a:lnTo>
-                    <a:pt x="1369" y="939"/>
-                  </a:lnTo>
-                  <a:close/>
-                </a:path>
-              </a:pathLst>
-            </a:custGeom>
-            <a:solidFill>
-              <a:schemeClr val="accent3"/>
-            </a:solidFill>
-            <a:ln>
-              <a:noFill/>
-            </a:ln>
-            <a:extLst/>
-          </p:spPr>
-          <p:txBody>
-            <a:bodyPr vert="horz" wrap="square" lIns="91440" tIns="45720" rIns="91440" bIns="45720" numCol="1" anchor="t" anchorCtr="0" compatLnSpc="1">
-              <a:prstTxWarp prst="textNoShape">
-                <a:avLst/>
-              </a:prstTxWarp>
-            </a:bodyPr>
-            <a:lstStyle/>
-            <a:p>
-              <a:endParaRPr lang="zh-CN" altLang="en-US"/>
-            </a:p>
-          </p:txBody>
-        </p:sp>
-        <p:sp>
-          <p:nvSpPr>
-            <p:cNvPr id="1025" name="淘宝店chenying0907 37"/>
-            <p:cNvSpPr>
-              <a:spLocks/>
-            </p:cNvSpPr>
-            <p:nvPr/>
-          </p:nvSpPr>
-          <p:spPr bwMode="auto">
-            <a:xfrm>
-              <a:off x="379412" y="1841500"/>
-              <a:ext cx="3840163" cy="3311525"/>
-            </a:xfrm>
-            <a:custGeom>
-              <a:avLst/>
-              <a:gdLst>
-                <a:gd name="T0" fmla="*/ 0 w 2419"/>
-                <a:gd name="T1" fmla="*/ 0 h 2086"/>
-                <a:gd name="T2" fmla="*/ 753 w 2419"/>
-                <a:gd name="T3" fmla="*/ 2008 h 2086"/>
-                <a:gd name="T4" fmla="*/ 1228 w 2419"/>
-                <a:gd name="T5" fmla="*/ 2086 h 2086"/>
-                <a:gd name="T6" fmla="*/ 2419 w 2419"/>
-                <a:gd name="T7" fmla="*/ 2086 h 2086"/>
-                <a:gd name="T8" fmla="*/ 0 w 2419"/>
-                <a:gd name="T9" fmla="*/ 0 h 2086"/>
-              </a:gdLst>
-              <a:ahLst/>
-              <a:cxnLst>
-                <a:cxn ang="0">
-                  <a:pos x="T0" y="T1"/>
-                </a:cxn>
-                <a:cxn ang="0">
-                  <a:pos x="T2" y="T3"/>
-                </a:cxn>
-                <a:cxn ang="0">
-                  <a:pos x="T4" y="T5"/>
-                </a:cxn>
-                <a:cxn ang="0">
-                  <a:pos x="T6" y="T7"/>
-                </a:cxn>
-                <a:cxn ang="0">
-                  <a:pos x="T8" y="T9"/>
-                </a:cxn>
-              </a:cxnLst>
-              <a:rect l="0" t="0" r="r" b="b"/>
-              <a:pathLst>
-                <a:path w="2419" h="2086">
-                  <a:moveTo>
-                    <a:pt x="0" y="0"/>
-                  </a:moveTo>
-                  <a:lnTo>
-                    <a:pt x="753" y="2008"/>
-                  </a:lnTo>
-                  <a:lnTo>
-                    <a:pt x="1228" y="2086"/>
-                  </a:lnTo>
-                  <a:lnTo>
-                    <a:pt x="2419" y="2086"/>
-                  </a:lnTo>
-                  <a:lnTo>
-                    <a:pt x="0" y="0"/>
-                  </a:lnTo>
-                  <a:close/>
-                </a:path>
-              </a:pathLst>
-            </a:custGeom>
-            <a:solidFill>
-              <a:schemeClr val="accent2"/>
-            </a:solidFill>
-            <a:ln>
-              <a:noFill/>
-            </a:ln>
-            <a:extLst>
-              <a:ext uri="{91240B29-F687-4F45-9708-019B960494DF}">
-                <a14:hiddenLine xmlns:a14="http://schemas.microsoft.com/office/drawing/2010/main" w="9525">
-                  <a:solidFill>
-                    <a:srgbClr val="000000"/>
-                  </a:solidFill>
-                  <a:round/>
-                  <a:headEnd/>
-                  <a:tailEnd/>
-                </a14:hiddenLine>
-              </a:ext>
-            </a:extLst>
-          </p:spPr>
-          <p:txBody>
-            <a:bodyPr vert="horz" wrap="square" lIns="91440" tIns="45720" rIns="91440" bIns="45720" numCol="1" anchor="t" anchorCtr="0" compatLnSpc="1">
-              <a:prstTxWarp prst="textNoShape">
-                <a:avLst/>
-              </a:prstTxWarp>
-            </a:bodyPr>
-            <a:lstStyle/>
-            <a:p>
-              <a:endParaRPr lang="zh-CN" altLang="en-US"/>
-            </a:p>
-          </p:txBody>
-        </p:sp>
-        <p:sp>
-          <p:nvSpPr>
-            <p:cNvPr id="1027" name="淘宝店chenying0907 38"/>
-            <p:cNvSpPr>
-              <a:spLocks/>
-            </p:cNvSpPr>
-            <p:nvPr/>
-          </p:nvSpPr>
-          <p:spPr bwMode="auto">
-            <a:xfrm>
-              <a:off x="-4763" y="1841500"/>
-              <a:ext cx="1579563" cy="3187700"/>
-            </a:xfrm>
-            <a:custGeom>
-              <a:avLst/>
-              <a:gdLst>
-                <a:gd name="T0" fmla="*/ 242 w 995"/>
-                <a:gd name="T1" fmla="*/ 0 h 2008"/>
-                <a:gd name="T2" fmla="*/ 0 w 995"/>
-                <a:gd name="T3" fmla="*/ 305 h 2008"/>
-                <a:gd name="T4" fmla="*/ 0 w 995"/>
-                <a:gd name="T5" fmla="*/ 1845 h 2008"/>
-                <a:gd name="T6" fmla="*/ 995 w 995"/>
-                <a:gd name="T7" fmla="*/ 2008 h 2008"/>
-                <a:gd name="T8" fmla="*/ 242 w 995"/>
-                <a:gd name="T9" fmla="*/ 0 h 2008"/>
-              </a:gdLst>
-              <a:ahLst/>
-              <a:cxnLst>
-                <a:cxn ang="0">
-                  <a:pos x="T0" y="T1"/>
-                </a:cxn>
-                <a:cxn ang="0">
-                  <a:pos x="T2" y="T3"/>
-                </a:cxn>
-                <a:cxn ang="0">
-                  <a:pos x="T4" y="T5"/>
-                </a:cxn>
-                <a:cxn ang="0">
-                  <a:pos x="T6" y="T7"/>
-                </a:cxn>
-                <a:cxn ang="0">
-                  <a:pos x="T8" y="T9"/>
-                </a:cxn>
-              </a:cxnLst>
-              <a:rect l="0" t="0" r="r" b="b"/>
-              <a:pathLst>
-                <a:path w="995" h="2008">
-                  <a:moveTo>
-                    <a:pt x="242" y="0"/>
-                  </a:moveTo>
-                  <a:lnTo>
-                    <a:pt x="0" y="305"/>
-                  </a:lnTo>
-                  <a:lnTo>
-                    <a:pt x="0" y="1845"/>
-                  </a:lnTo>
-                  <a:lnTo>
-                    <a:pt x="995" y="2008"/>
-                  </a:lnTo>
-                  <a:lnTo>
-                    <a:pt x="242" y="0"/>
-                  </a:lnTo>
-                  <a:close/>
-                </a:path>
-              </a:pathLst>
-            </a:custGeom>
-            <a:solidFill>
-              <a:schemeClr val="accent1"/>
-            </a:solidFill>
-            <a:ln>
-              <a:noFill/>
-            </a:ln>
-            <a:extLst>
-              <a:ext uri="{91240B29-F687-4F45-9708-019B960494DF}">
-                <a14:hiddenLine xmlns:a14="http://schemas.microsoft.com/office/drawing/2010/main" w="9525">
-                  <a:solidFill>
-                    <a:srgbClr val="000000"/>
-                  </a:solidFill>
-                  <a:round/>
-                  <a:headEnd/>
-                  <a:tailEnd/>
-                </a14:hiddenLine>
-              </a:ext>
-            </a:extLst>
-          </p:spPr>
-          <p:txBody>
-            <a:bodyPr vert="horz" wrap="square" lIns="91440" tIns="45720" rIns="91440" bIns="45720" numCol="1" anchor="t" anchorCtr="0" compatLnSpc="1">
-              <a:prstTxWarp prst="textNoShape">
-                <a:avLst/>
-              </a:prstTxWarp>
-            </a:bodyPr>
-            <a:lstStyle/>
-            <a:p>
-              <a:endParaRPr lang="zh-CN" altLang="en-US"/>
-            </a:p>
-          </p:txBody>
-        </p:sp>
-        <p:sp>
-          <p:nvSpPr>
-            <p:cNvPr id="1028" name="淘宝店chenying0907 39"/>
-            <p:cNvSpPr>
-              <a:spLocks/>
-            </p:cNvSpPr>
-            <p:nvPr/>
-          </p:nvSpPr>
-          <p:spPr bwMode="auto">
-            <a:xfrm>
-              <a:off x="-4763" y="4770438"/>
-              <a:ext cx="2333625" cy="382588"/>
-            </a:xfrm>
-            <a:custGeom>
-              <a:avLst/>
-              <a:gdLst>
-                <a:gd name="T0" fmla="*/ 0 w 1470"/>
-                <a:gd name="T1" fmla="*/ 0 h 241"/>
-                <a:gd name="T2" fmla="*/ 0 w 1470"/>
-                <a:gd name="T3" fmla="*/ 233 h 241"/>
-                <a:gd name="T4" fmla="*/ 0 w 1470"/>
-                <a:gd name="T5" fmla="*/ 241 h 241"/>
-                <a:gd name="T6" fmla="*/ 1470 w 1470"/>
-                <a:gd name="T7" fmla="*/ 241 h 241"/>
-                <a:gd name="T8" fmla="*/ 0 w 1470"/>
-                <a:gd name="T9" fmla="*/ 0 h 241"/>
-              </a:gdLst>
-              <a:ahLst/>
-              <a:cxnLst>
-                <a:cxn ang="0">
-                  <a:pos x="T0" y="T1"/>
-                </a:cxn>
-                <a:cxn ang="0">
-                  <a:pos x="T2" y="T3"/>
-                </a:cxn>
-                <a:cxn ang="0">
-                  <a:pos x="T4" y="T5"/>
-                </a:cxn>
-                <a:cxn ang="0">
-                  <a:pos x="T6" y="T7"/>
-                </a:cxn>
-                <a:cxn ang="0">
-                  <a:pos x="T8" y="T9"/>
-                </a:cxn>
-              </a:cxnLst>
-              <a:rect l="0" t="0" r="r" b="b"/>
-              <a:pathLst>
-                <a:path w="1470" h="241">
-                  <a:moveTo>
-                    <a:pt x="0" y="0"/>
-                  </a:moveTo>
-                  <a:lnTo>
-                    <a:pt x="0" y="233"/>
-                  </a:lnTo>
-                  <a:lnTo>
-                    <a:pt x="0" y="241"/>
-                  </a:lnTo>
-                  <a:lnTo>
-                    <a:pt x="1470" y="241"/>
-                  </a:lnTo>
-                  <a:lnTo>
-                    <a:pt x="0" y="0"/>
-                  </a:lnTo>
-                  <a:close/>
-                </a:path>
-              </a:pathLst>
-            </a:custGeom>
-            <a:solidFill>
-              <a:schemeClr val="accent3"/>
-            </a:solidFill>
-            <a:ln>
-              <a:noFill/>
-            </a:ln>
-            <a:extLst>
-              <a:ext uri="{91240B29-F687-4F45-9708-019B960494DF}">
-                <a14:hiddenLine xmlns:a14="http://schemas.microsoft.com/office/drawing/2010/main" w="9525">
-                  <a:solidFill>
-                    <a:srgbClr val="000000"/>
-                  </a:solidFill>
-                  <a:round/>
-                  <a:headEnd/>
-                  <a:tailEnd/>
-                </a14:hiddenLine>
-              </a:ext>
-            </a:extLst>
-          </p:spPr>
-          <p:txBody>
-            <a:bodyPr vert="horz" wrap="square" lIns="91440" tIns="45720" rIns="91440" bIns="45720" numCol="1" anchor="t" anchorCtr="0" compatLnSpc="1">
-              <a:prstTxWarp prst="textNoShape">
-                <a:avLst/>
-              </a:prstTxWarp>
-            </a:bodyPr>
-            <a:lstStyle/>
-            <a:p>
-              <a:endParaRPr lang="zh-CN" altLang="en-US"/>
-            </a:p>
-          </p:txBody>
-        </p:sp>
-        <p:sp>
-          <p:nvSpPr>
-            <p:cNvPr id="1029" name="淘宝店chenying0907 40"/>
-            <p:cNvSpPr>
-              <a:spLocks/>
-            </p:cNvSpPr>
-            <p:nvPr/>
-          </p:nvSpPr>
-          <p:spPr bwMode="auto">
-            <a:xfrm>
-              <a:off x="5210175" y="3490913"/>
-              <a:ext cx="3938588" cy="1662113"/>
-            </a:xfrm>
-            <a:custGeom>
-              <a:avLst/>
-              <a:gdLst>
-                <a:gd name="T0" fmla="*/ 0 w 2481"/>
-                <a:gd name="T1" fmla="*/ 1047 h 1047"/>
-                <a:gd name="T2" fmla="*/ 1254 w 2481"/>
-                <a:gd name="T3" fmla="*/ 1047 h 1047"/>
-                <a:gd name="T4" fmla="*/ 1868 w 2481"/>
-                <a:gd name="T5" fmla="*/ 1047 h 1047"/>
-                <a:gd name="T6" fmla="*/ 2481 w 2481"/>
-                <a:gd name="T7" fmla="*/ 263 h 1047"/>
-                <a:gd name="T8" fmla="*/ 2481 w 2481"/>
-                <a:gd name="T9" fmla="*/ 0 h 1047"/>
-                <a:gd name="T10" fmla="*/ 0 w 2481"/>
-                <a:gd name="T11" fmla="*/ 1047 h 1047"/>
-              </a:gdLst>
-              <a:ahLst/>
-              <a:cxnLst>
-                <a:cxn ang="0">
-                  <a:pos x="T0" y="T1"/>
-                </a:cxn>
-                <a:cxn ang="0">
-                  <a:pos x="T2" y="T3"/>
-                </a:cxn>
-                <a:cxn ang="0">
-                  <a:pos x="T4" y="T5"/>
-                </a:cxn>
-                <a:cxn ang="0">
-                  <a:pos x="T6" y="T7"/>
-                </a:cxn>
-                <a:cxn ang="0">
-                  <a:pos x="T8" y="T9"/>
-                </a:cxn>
-                <a:cxn ang="0">
-                  <a:pos x="T10" y="T11"/>
-                </a:cxn>
-              </a:cxnLst>
-              <a:rect l="0" t="0" r="r" b="b"/>
-              <a:pathLst>
-                <a:path w="2481" h="1047">
-                  <a:moveTo>
-                    <a:pt x="0" y="1047"/>
-                  </a:moveTo>
-                  <a:lnTo>
-                    <a:pt x="1254" y="1047"/>
-                  </a:lnTo>
-                  <a:lnTo>
-                    <a:pt x="1868" y="1047"/>
-                  </a:lnTo>
-                  <a:lnTo>
-                    <a:pt x="2481" y="263"/>
-                  </a:lnTo>
-                  <a:lnTo>
-                    <a:pt x="2481" y="0"/>
-                  </a:lnTo>
-                  <a:lnTo>
-                    <a:pt x="0" y="1047"/>
-                  </a:lnTo>
-                  <a:close/>
-                </a:path>
-              </a:pathLst>
-            </a:custGeom>
-            <a:solidFill>
-              <a:schemeClr val="accent2"/>
-            </a:solidFill>
-            <a:ln>
-              <a:noFill/>
-            </a:ln>
-            <a:extLst>
-              <a:ext uri="{91240B29-F687-4F45-9708-019B960494DF}">
-                <a14:hiddenLine xmlns:a14="http://schemas.microsoft.com/office/drawing/2010/main" w="9525">
-                  <a:solidFill>
-                    <a:srgbClr val="000000"/>
-                  </a:solidFill>
-                  <a:round/>
-                  <a:headEnd/>
-                  <a:tailEnd/>
-                </a14:hiddenLine>
-              </a:ext>
-            </a:extLst>
-          </p:spPr>
-          <p:txBody>
-            <a:bodyPr vert="horz" wrap="square" lIns="91440" tIns="45720" rIns="91440" bIns="45720" numCol="1" anchor="t" anchorCtr="0" compatLnSpc="1">
-              <a:prstTxWarp prst="textNoShape">
-                <a:avLst/>
-              </a:prstTxWarp>
-            </a:bodyPr>
-            <a:lstStyle/>
-            <a:p>
-              <a:endParaRPr lang="zh-CN" altLang="en-US"/>
-            </a:p>
-          </p:txBody>
-        </p:sp>
-        <p:sp>
-          <p:nvSpPr>
-            <p:cNvPr id="1030" name="淘宝店chenying0907 41"/>
-            <p:cNvSpPr>
-              <a:spLocks/>
-            </p:cNvSpPr>
-            <p:nvPr/>
-          </p:nvSpPr>
-          <p:spPr bwMode="auto">
-            <a:xfrm>
-              <a:off x="6965950" y="3357563"/>
-              <a:ext cx="2182813" cy="1006475"/>
-            </a:xfrm>
-            <a:custGeom>
-              <a:avLst/>
-              <a:gdLst>
-                <a:gd name="T0" fmla="*/ 0 w 1375"/>
-                <a:gd name="T1" fmla="*/ 126 h 634"/>
-                <a:gd name="T2" fmla="*/ 76 w 1375"/>
-                <a:gd name="T3" fmla="*/ 634 h 634"/>
-                <a:gd name="T4" fmla="*/ 1375 w 1375"/>
-                <a:gd name="T5" fmla="*/ 84 h 634"/>
-                <a:gd name="T6" fmla="*/ 1375 w 1375"/>
-                <a:gd name="T7" fmla="*/ 36 h 634"/>
-                <a:gd name="T8" fmla="*/ 1375 w 1375"/>
-                <a:gd name="T9" fmla="*/ 0 h 634"/>
-                <a:gd name="T10" fmla="*/ 0 w 1375"/>
-                <a:gd name="T11" fmla="*/ 126 h 634"/>
-              </a:gdLst>
-              <a:ahLst/>
-              <a:cxnLst>
-                <a:cxn ang="0">
-                  <a:pos x="T0" y="T1"/>
-                </a:cxn>
-                <a:cxn ang="0">
-                  <a:pos x="T2" y="T3"/>
-                </a:cxn>
-                <a:cxn ang="0">
-                  <a:pos x="T4" y="T5"/>
-                </a:cxn>
-                <a:cxn ang="0">
-                  <a:pos x="T6" y="T7"/>
-                </a:cxn>
-                <a:cxn ang="0">
-                  <a:pos x="T8" y="T9"/>
-                </a:cxn>
-                <a:cxn ang="0">
-                  <a:pos x="T10" y="T11"/>
-                </a:cxn>
-              </a:cxnLst>
-              <a:rect l="0" t="0" r="r" b="b"/>
-              <a:pathLst>
-                <a:path w="1375" h="634">
-                  <a:moveTo>
-                    <a:pt x="0" y="126"/>
-                  </a:moveTo>
-                  <a:lnTo>
-                    <a:pt x="76" y="634"/>
-                  </a:lnTo>
-                  <a:lnTo>
-                    <a:pt x="1375" y="84"/>
-                  </a:lnTo>
-                  <a:lnTo>
-                    <a:pt x="1375" y="36"/>
-                  </a:lnTo>
-                  <a:lnTo>
-                    <a:pt x="1375" y="0"/>
-                  </a:lnTo>
-                  <a:lnTo>
-                    <a:pt x="0" y="126"/>
-                  </a:lnTo>
-                  <a:close/>
-                </a:path>
-              </a:pathLst>
-            </a:custGeom>
-            <a:solidFill>
-              <a:schemeClr val="accent1"/>
-            </a:solidFill>
-            <a:ln>
-              <a:noFill/>
-            </a:ln>
-            <a:extLst>
-              <a:ext uri="{91240B29-F687-4F45-9708-019B960494DF}">
-                <a14:hiddenLine xmlns:a14="http://schemas.microsoft.com/office/drawing/2010/main" w="9525">
-                  <a:solidFill>
-                    <a:srgbClr val="000000"/>
-                  </a:solidFill>
-                  <a:round/>
-                  <a:headEnd/>
-                  <a:tailEnd/>
-                </a14:hiddenLine>
-              </a:ext>
-            </a:extLst>
-          </p:spPr>
-          <p:txBody>
-            <a:bodyPr vert="horz" wrap="square" lIns="91440" tIns="45720" rIns="91440" bIns="45720" numCol="1" anchor="t" anchorCtr="0" compatLnSpc="1">
-              <a:prstTxWarp prst="textNoShape">
-                <a:avLst/>
-              </a:prstTxWarp>
-            </a:bodyPr>
-            <a:lstStyle/>
-            <a:p>
-              <a:endParaRPr lang="zh-CN" altLang="en-US"/>
-            </a:p>
-          </p:txBody>
-        </p:sp>
-      </p:grpSp>
-      <p:sp>
-        <p:nvSpPr>
-          <p:cNvPr id="12" name="PA_淘宝店chenying0907 11"/>
-          <p:cNvSpPr/>
-          <p:nvPr>
-            <p:custDataLst>
-              <p:tags r:id="rId2"/>
-            </p:custDataLst>
-          </p:nvPr>
-        </p:nvSpPr>
-        <p:spPr>
-          <a:xfrm>
-            <a:off x="533871" y="591530"/>
-            <a:ext cx="8076257" cy="3960440"/>
-          </a:xfrm>
-          <a:prstGeom prst="rect">
-            <a:avLst/>
-          </a:prstGeom>
-          <a:solidFill>
-            <a:schemeClr val="bg1">
-              <a:alpha val="85000"/>
-            </a:schemeClr>
-          </a:solidFill>
-          <a:ln>
-            <a:noFill/>
-          </a:ln>
-          <a:effectLst>
-            <a:outerShdw blurRad="368300" dist="63500" dir="4620000" algn="tl" rotWithShape="0">
-              <a:schemeClr val="tx1">
-                <a:alpha val="40000"/>
-              </a:schemeClr>
-            </a:outerShdw>
-          </a:effectLst>
-        </p:spPr>
-        <p:style>
-          <a:lnRef idx="2">
-            <a:schemeClr val="accent1">
-              <a:shade val="50000"/>
-            </a:schemeClr>
-          </a:lnRef>
-          <a:fillRef idx="1">
-            <a:schemeClr val="accent1"/>
-          </a:fillRef>
-          <a:effectRef idx="0">
-            <a:schemeClr val="accent1"/>
-          </a:effectRef>
-          <a:fontRef idx="minor">
-            <a:schemeClr val="lt1"/>
-          </a:fontRef>
-        </p:style>
-        <p:txBody>
-          <a:bodyPr rtlCol="0" anchor="ctr"/>
-          <a:lstStyle/>
-          <a:p>
-            <a:pPr algn="ctr"/>
-            <a:endParaRPr lang="zh-CN" altLang="en-US"/>
-          </a:p>
-        </p:txBody>
-      </p:sp>
-      <p:sp>
-        <p:nvSpPr>
-          <p:cNvPr id="1031" name="PA_圆角淘宝店chenying0907 1030"/>
-          <p:cNvSpPr/>
-          <p:nvPr>
-            <p:custDataLst>
-              <p:tags r:id="rId3"/>
-            </p:custDataLst>
-          </p:nvPr>
-        </p:nvSpPr>
-        <p:spPr>
-          <a:xfrm>
-            <a:off x="1607944" y="2633312"/>
-            <a:ext cx="5937801" cy="217917"/>
-          </a:xfrm>
-          <a:prstGeom prst="roundRect">
-            <a:avLst>
-              <a:gd name="adj" fmla="val 50000"/>
-            </a:avLst>
-          </a:prstGeom>
-          <a:noFill/>
-          <a:ln w="6350">
-            <a:solidFill>
-              <a:schemeClr val="bg1">
-                <a:lumMod val="50000"/>
-              </a:schemeClr>
-            </a:solidFill>
-          </a:ln>
-        </p:spPr>
-        <p:style>
-          <a:lnRef idx="2">
-            <a:schemeClr val="accent1">
-              <a:shade val="50000"/>
-            </a:schemeClr>
-          </a:lnRef>
-          <a:fillRef idx="1">
-            <a:schemeClr val="accent1"/>
-          </a:fillRef>
-          <a:effectRef idx="0">
-            <a:schemeClr val="accent1"/>
-          </a:effectRef>
-          <a:fontRef idx="minor">
-            <a:schemeClr val="lt1"/>
-          </a:fontRef>
-        </p:style>
-        <p:txBody>
-          <a:bodyPr tIns="0" bIns="0" rtlCol="0" anchor="ctr"/>
-          <a:lstStyle/>
-          <a:p>
-            <a:pPr algn="dist"/>
-            <a:r>
-              <a:rPr lang="en-US" altLang="zh-CN" sz="1000" dirty="0">
-                <a:solidFill>
-                  <a:schemeClr val="bg1">
-                    <a:lumMod val="50000"/>
-                  </a:schemeClr>
-                </a:solidFill>
-                <a:latin typeface="微软雅黑 Light" panose="020B0502040204020203" pitchFamily="34" charset="-122"/>
-                <a:ea typeface="微软雅黑 Light" panose="020B0502040204020203" pitchFamily="34" charset="-122"/>
-              </a:rPr>
-              <a:t>THANK YOU FOR WATCHING</a:t>
-            </a:r>
-          </a:p>
-        </p:txBody>
-      </p:sp>
-      <p:sp>
-        <p:nvSpPr>
-          <p:cNvPr id="43" name="PA_文本框 42"/>
-          <p:cNvSpPr txBox="1"/>
-          <p:nvPr>
-            <p:custDataLst>
-              <p:tags r:id="rId4"/>
-            </p:custDataLst>
-          </p:nvPr>
-        </p:nvSpPr>
-        <p:spPr>
-          <a:xfrm>
-            <a:off x="1607944" y="1986975"/>
-            <a:ext cx="5904656" cy="584775"/>
-          </a:xfrm>
-          <a:prstGeom prst="rect">
-            <a:avLst/>
-          </a:prstGeom>
-          <a:noFill/>
-        </p:spPr>
-        <p:txBody>
-          <a:bodyPr wrap="square" lIns="0" rIns="0" rtlCol="0">
-            <a:spAutoFit/>
-          </a:bodyPr>
-          <a:lstStyle/>
-          <a:p>
-            <a:pPr algn="dist"/>
-            <a:r>
-              <a:rPr lang="zh-CN" altLang="en-US" sz="3200" dirty="0">
-                <a:ln w="6350">
-                  <a:noFill/>
-                </a:ln>
-                <a:solidFill>
-                  <a:schemeClr val="bg1">
-                    <a:lumMod val="50000"/>
-                  </a:schemeClr>
-                </a:solidFill>
-                <a:latin typeface="微软雅黑 Light" panose="020B0502040204020203" pitchFamily="34" charset="-122"/>
-                <a:ea typeface="微软雅黑 Light" panose="020B0502040204020203" pitchFamily="34" charset="-122"/>
-              </a:rPr>
-              <a:t>敬请各位同学及老师</a:t>
-            </a:r>
-            <a:r>
-              <a:rPr lang="zh-CN" altLang="en-US" sz="3200" dirty="0">
-                <a:ln w="6350">
-                  <a:noFill/>
-                </a:ln>
-                <a:solidFill>
-                  <a:schemeClr val="accent3"/>
-                </a:solidFill>
-                <a:latin typeface="微软雅黑 Light" panose="020B0502040204020203" pitchFamily="34" charset="-122"/>
-                <a:ea typeface="微软雅黑 Light" panose="020B0502040204020203" pitchFamily="34" charset="-122"/>
-              </a:rPr>
-              <a:t>批评指正</a:t>
-            </a:r>
-            <a:endParaRPr lang="zh-CN" altLang="en-US" sz="3200" dirty="0">
-              <a:ln w="6350">
-                <a:noFill/>
-              </a:ln>
-              <a:solidFill>
-                <a:schemeClr val="bg1">
-                  <a:lumMod val="50000"/>
-                </a:schemeClr>
-              </a:solidFill>
-              <a:latin typeface="微软雅黑 Light" panose="020B0502040204020203" pitchFamily="34" charset="-122"/>
-              <a:ea typeface="微软雅黑 Light" panose="020B0502040204020203" pitchFamily="34" charset="-122"/>
-            </a:endParaRPr>
-          </a:p>
-        </p:txBody>
-      </p:sp>
-    </p:spTree>
-    <p:extLst>
-      <p:ext uri="{BB962C8B-B14F-4D97-AF65-F5344CB8AC3E}">
-        <p14:creationId xmlns:p14="http://schemas.microsoft.com/office/powerpoint/2010/main" val="857118577"/>
-      </p:ext>
-    </p:extLst>
-  </p:cSld>
-  <p:clrMapOvr>
-    <a:masterClrMapping/>
-  </p:clrMapOvr>
-  <p:transition spd="slow">
-    <p:wipe/>
-  </p:transition>
-  <p:timing>
-    <p:tnLst>
-      <p:par>
-        <p:cTn id="1" dur="indefinite" restart="never" nodeType="tmRoot">
-          <p:childTnLst>
-            <p:seq concurrent="1" nextAc="seek">
-              <p:cTn id="2" dur="indefinite" nodeType="mainSeq">
-                <p:childTnLst>
-                  <p:par>
-                    <p:cTn id="3" fill="hold">
-                      <p:stCondLst>
-                        <p:cond delay="indefinite"/>
-                      </p:stCondLst>
-                      <p:childTnLst>
-                        <p:par>
-                          <p:cTn id="4" fill="hold">
-                            <p:stCondLst>
-                              <p:cond delay="0"/>
-                            </p:stCondLst>
-                            <p:childTnLst>
-                              <p:par>
-                                <p:cTn id="5" presetID="10" presetClass="entr" presetSubtype="0" fill="hold" nodeType="clickEffect">
-                                  <p:stCondLst>
-                                    <p:cond delay="0"/>
-                                  </p:stCondLst>
-                                  <p:childTnLst>
-                                    <p:set>
-                                      <p:cBhvr>
-                                        <p:cTn id="6" dur="1" fill="hold">
-                                          <p:stCondLst>
-                                            <p:cond delay="0"/>
-                                          </p:stCondLst>
-                                        </p:cTn>
-                                        <p:tgtEl>
-                                          <p:spTgt spid="2"/>
-                                        </p:tgtEl>
-                                        <p:attrNameLst>
-                                          <p:attrName>style.visibility</p:attrName>
-                                        </p:attrNameLst>
-                                      </p:cBhvr>
-                                      <p:to>
-                                        <p:strVal val="visible"/>
-                                      </p:to>
-                                    </p:set>
-                                    <p:animEffect transition="in" filter="fade">
-                                      <p:cBhvr>
-                                        <p:cTn id="7" dur="500"/>
-                                        <p:tgtEl>
-                                          <p:spTgt spid="2"/>
-                                        </p:tgtEl>
-                                      </p:cBhvr>
-                                    </p:animEffect>
-                                  </p:childTnLst>
-                                </p:cTn>
-                              </p:par>
-                              <p:par>
-                                <p:cTn id="8" presetID="10" presetClass="entr" presetSubtype="0" fill="hold" grpId="0" nodeType="withEffect">
-                                  <p:stCondLst>
-                                    <p:cond delay="300"/>
-                                  </p:stCondLst>
-                                  <p:childTnLst>
-                                    <p:set>
-                                      <p:cBhvr>
-                                        <p:cTn id="9" dur="1" fill="hold">
-                                          <p:stCondLst>
-                                            <p:cond delay="0"/>
-                                          </p:stCondLst>
-                                        </p:cTn>
-                                        <p:tgtEl>
-                                          <p:spTgt spid="12"/>
-                                        </p:tgtEl>
-                                        <p:attrNameLst>
-                                          <p:attrName>style.visibility</p:attrName>
-                                        </p:attrNameLst>
-                                      </p:cBhvr>
-                                      <p:to>
-                                        <p:strVal val="visible"/>
-                                      </p:to>
-                                    </p:set>
-                                    <p:animEffect transition="in" filter="fade">
-                                      <p:cBhvr>
-                                        <p:cTn id="10" dur="500"/>
-                                        <p:tgtEl>
-                                          <p:spTgt spid="12"/>
-                                        </p:tgtEl>
-                                      </p:cBhvr>
-                                    </p:animEffect>
-                                  </p:childTnLst>
-                                </p:cTn>
-                              </p:par>
-                              <p:par>
-                                <p:cTn id="11" presetID="10" presetClass="entr" presetSubtype="0" fill="hold" grpId="0" nodeType="withEffect">
-                                  <p:stCondLst>
-                                    <p:cond delay="600"/>
-                                  </p:stCondLst>
-                                  <p:childTnLst>
-                                    <p:set>
-                                      <p:cBhvr>
-                                        <p:cTn id="12" dur="1" fill="hold">
-                                          <p:stCondLst>
-                                            <p:cond delay="0"/>
-                                          </p:stCondLst>
-                                        </p:cTn>
-                                        <p:tgtEl>
-                                          <p:spTgt spid="1031"/>
-                                        </p:tgtEl>
-                                        <p:attrNameLst>
-                                          <p:attrName>style.visibility</p:attrName>
-                                        </p:attrNameLst>
-                                      </p:cBhvr>
-                                      <p:to>
-                                        <p:strVal val="visible"/>
-                                      </p:to>
-                                    </p:set>
-                                    <p:animEffect transition="in" filter="fade">
-                                      <p:cBhvr>
-                                        <p:cTn id="13" dur="500"/>
-                                        <p:tgtEl>
-                                          <p:spTgt spid="1031"/>
-                                        </p:tgtEl>
-                                      </p:cBhvr>
-                                    </p:animEffect>
-                                  </p:childTnLst>
-                                </p:cTn>
-                              </p:par>
-                              <p:par>
-                                <p:cTn id="14" presetID="10" presetClass="entr" presetSubtype="0" fill="hold" grpId="0" nodeType="withEffect">
-                                  <p:stCondLst>
-                                    <p:cond delay="900"/>
-                                  </p:stCondLst>
-                                  <p:childTnLst>
-                                    <p:set>
-                                      <p:cBhvr>
-                                        <p:cTn id="15" dur="1" fill="hold">
-                                          <p:stCondLst>
-                                            <p:cond delay="0"/>
-                                          </p:stCondLst>
-                                        </p:cTn>
-                                        <p:tgtEl>
-                                          <p:spTgt spid="43"/>
-                                        </p:tgtEl>
-                                        <p:attrNameLst>
-                                          <p:attrName>style.visibility</p:attrName>
-                                        </p:attrNameLst>
-                                      </p:cBhvr>
-                                      <p:to>
-                                        <p:strVal val="visible"/>
-                                      </p:to>
-                                    </p:set>
-                                    <p:animEffect transition="in" filter="fade">
-                                      <p:cBhvr>
-                                        <p:cTn id="16" dur="500"/>
-                                        <p:tgtEl>
-                                          <p:spTgt spid="43"/>
-                                        </p:tgtEl>
-                                      </p:cBhvr>
-                                    </p:animEffect>
-                                  </p:childTnLst>
-                                </p:cTn>
-                              </p:par>
-                            </p:childTnLst>
-                          </p:cTn>
-                        </p:par>
-                      </p:childTnLst>
-                    </p:cTn>
-                  </p:par>
-                </p:childTnLst>
-              </p:cTn>
-              <p:prevCondLst>
-                <p:cond evt="onPrev" delay="0">
-                  <p:tgtEl>
-                    <p:sldTgt/>
-                  </p:tgtEl>
-                </p:cond>
-              </p:prevCondLst>
-              <p:nextCondLst>
-                <p:cond evt="onNext" delay="0">
-                  <p:tgtEl>
-                    <p:sldTgt/>
-                  </p:tgtEl>
-                </p:cond>
-              </p:nextCondLst>
-            </p:seq>
-          </p:childTnLst>
-        </p:cTn>
-      </p:par>
-    </p:tnLst>
-    <p:bldLst>
-      <p:bldP spid="12" grpId="0" animBg="1" autoUpdateAnimBg="0"/>
-      <p:bldP spid="1031" grpId="0" animBg="1" autoUpdateAnimBg="0"/>
-      <p:bldP spid="43" grpId="0"/>
-    </p:bldLst>
   </p:timing>
 </p:sld>
 </file>
@@ -33407,6 +33116,1046 @@
       <p:bldP spid="10251" grpId="0" animBg="1" autoUpdateAnimBg="0"/>
       <p:bldP spid="30" grpId="0"/>
       <p:bldP spid="10" grpId="0"/>
+    </p:bldLst>
+  </p:timing>
+</p:sld>
+</file>
+
+<file path=ppt/slides/slide40.xml><?xml version="1.0" encoding="utf-8"?>
+<p:sld xmlns:a="http://schemas.openxmlformats.org/drawingml/2006/main" xmlns:r="http://schemas.openxmlformats.org/officeDocument/2006/relationships" xmlns:p="http://schemas.openxmlformats.org/presentationml/2006/main">
+  <p:cSld>
+    <p:spTree>
+      <p:nvGrpSpPr>
+        <p:cNvPr id="1" name=""/>
+        <p:cNvGrpSpPr/>
+        <p:nvPr/>
+      </p:nvGrpSpPr>
+      <p:grpSpPr>
+        <a:xfrm>
+          <a:off x="0" y="0"/>
+          <a:ext cx="0" cy="0"/>
+          <a:chOff x="0" y="0"/>
+          <a:chExt cx="0" cy="0"/>
+        </a:xfrm>
+      </p:grpSpPr>
+      <p:grpSp>
+        <p:nvGrpSpPr>
+          <p:cNvPr id="2" name="PA_淘宝店chenying0907 1"/>
+          <p:cNvGrpSpPr/>
+          <p:nvPr>
+            <p:custDataLst>
+              <p:tags r:id="rId1"/>
+            </p:custDataLst>
+          </p:nvPr>
+        </p:nvGrpSpPr>
+        <p:grpSpPr>
+          <a:xfrm>
+            <a:off x="-4763" y="1841500"/>
+            <a:ext cx="9153526" cy="3311526"/>
+            <a:chOff x="-4763" y="1841500"/>
+            <a:chExt cx="9153526" cy="3311526"/>
+          </a:xfrm>
+        </p:grpSpPr>
+        <p:sp>
+          <p:nvSpPr>
+            <p:cNvPr id="1024" name="淘宝店chenying0907 36"/>
+            <p:cNvSpPr>
+              <a:spLocks/>
+            </p:cNvSpPr>
+            <p:nvPr/>
+          </p:nvSpPr>
+          <p:spPr bwMode="auto">
+            <a:xfrm>
+              <a:off x="3036887" y="3662363"/>
+              <a:ext cx="4049713" cy="1490663"/>
+            </a:xfrm>
+            <a:custGeom>
+              <a:avLst/>
+              <a:gdLst>
+                <a:gd name="T0" fmla="*/ 1369 w 2551"/>
+                <a:gd name="T1" fmla="*/ 939 h 939"/>
+                <a:gd name="T2" fmla="*/ 2551 w 2551"/>
+                <a:gd name="T3" fmla="*/ 442 h 939"/>
+                <a:gd name="T4" fmla="*/ 2485 w 2551"/>
+                <a:gd name="T5" fmla="*/ 0 h 939"/>
+                <a:gd name="T6" fmla="*/ 0 w 2551"/>
+                <a:gd name="T7" fmla="*/ 295 h 939"/>
+                <a:gd name="T8" fmla="*/ 745 w 2551"/>
+                <a:gd name="T9" fmla="*/ 939 h 939"/>
+                <a:gd name="T10" fmla="*/ 1369 w 2551"/>
+                <a:gd name="T11" fmla="*/ 939 h 939"/>
+              </a:gdLst>
+              <a:ahLst/>
+              <a:cxnLst>
+                <a:cxn ang="0">
+                  <a:pos x="T0" y="T1"/>
+                </a:cxn>
+                <a:cxn ang="0">
+                  <a:pos x="T2" y="T3"/>
+                </a:cxn>
+                <a:cxn ang="0">
+                  <a:pos x="T4" y="T5"/>
+                </a:cxn>
+                <a:cxn ang="0">
+                  <a:pos x="T6" y="T7"/>
+                </a:cxn>
+                <a:cxn ang="0">
+                  <a:pos x="T8" y="T9"/>
+                </a:cxn>
+                <a:cxn ang="0">
+                  <a:pos x="T10" y="T11"/>
+                </a:cxn>
+              </a:cxnLst>
+              <a:rect l="0" t="0" r="r" b="b"/>
+              <a:pathLst>
+                <a:path w="2551" h="939">
+                  <a:moveTo>
+                    <a:pt x="1369" y="939"/>
+                  </a:moveTo>
+                  <a:lnTo>
+                    <a:pt x="2551" y="442"/>
+                  </a:lnTo>
+                  <a:lnTo>
+                    <a:pt x="2485" y="0"/>
+                  </a:lnTo>
+                  <a:lnTo>
+                    <a:pt x="0" y="295"/>
+                  </a:lnTo>
+                  <a:lnTo>
+                    <a:pt x="745" y="939"/>
+                  </a:lnTo>
+                  <a:lnTo>
+                    <a:pt x="1369" y="939"/>
+                  </a:lnTo>
+                  <a:close/>
+                </a:path>
+              </a:pathLst>
+            </a:custGeom>
+            <a:solidFill>
+              <a:schemeClr val="accent3"/>
+            </a:solidFill>
+            <a:ln>
+              <a:noFill/>
+            </a:ln>
+            <a:extLst/>
+          </p:spPr>
+          <p:txBody>
+            <a:bodyPr vert="horz" wrap="square" lIns="91440" tIns="45720" rIns="91440" bIns="45720" numCol="1" anchor="t" anchorCtr="0" compatLnSpc="1">
+              <a:prstTxWarp prst="textNoShape">
+                <a:avLst/>
+              </a:prstTxWarp>
+            </a:bodyPr>
+            <a:lstStyle/>
+            <a:p>
+              <a:endParaRPr lang="zh-CN" altLang="en-US"/>
+            </a:p>
+          </p:txBody>
+        </p:sp>
+        <p:sp>
+          <p:nvSpPr>
+            <p:cNvPr id="1025" name="淘宝店chenying0907 37"/>
+            <p:cNvSpPr>
+              <a:spLocks/>
+            </p:cNvSpPr>
+            <p:nvPr/>
+          </p:nvSpPr>
+          <p:spPr bwMode="auto">
+            <a:xfrm>
+              <a:off x="379412" y="1841500"/>
+              <a:ext cx="3840163" cy="3311525"/>
+            </a:xfrm>
+            <a:custGeom>
+              <a:avLst/>
+              <a:gdLst>
+                <a:gd name="T0" fmla="*/ 0 w 2419"/>
+                <a:gd name="T1" fmla="*/ 0 h 2086"/>
+                <a:gd name="T2" fmla="*/ 753 w 2419"/>
+                <a:gd name="T3" fmla="*/ 2008 h 2086"/>
+                <a:gd name="T4" fmla="*/ 1228 w 2419"/>
+                <a:gd name="T5" fmla="*/ 2086 h 2086"/>
+                <a:gd name="T6" fmla="*/ 2419 w 2419"/>
+                <a:gd name="T7" fmla="*/ 2086 h 2086"/>
+                <a:gd name="T8" fmla="*/ 0 w 2419"/>
+                <a:gd name="T9" fmla="*/ 0 h 2086"/>
+              </a:gdLst>
+              <a:ahLst/>
+              <a:cxnLst>
+                <a:cxn ang="0">
+                  <a:pos x="T0" y="T1"/>
+                </a:cxn>
+                <a:cxn ang="0">
+                  <a:pos x="T2" y="T3"/>
+                </a:cxn>
+                <a:cxn ang="0">
+                  <a:pos x="T4" y="T5"/>
+                </a:cxn>
+                <a:cxn ang="0">
+                  <a:pos x="T6" y="T7"/>
+                </a:cxn>
+                <a:cxn ang="0">
+                  <a:pos x="T8" y="T9"/>
+                </a:cxn>
+              </a:cxnLst>
+              <a:rect l="0" t="0" r="r" b="b"/>
+              <a:pathLst>
+                <a:path w="2419" h="2086">
+                  <a:moveTo>
+                    <a:pt x="0" y="0"/>
+                  </a:moveTo>
+                  <a:lnTo>
+                    <a:pt x="753" y="2008"/>
+                  </a:lnTo>
+                  <a:lnTo>
+                    <a:pt x="1228" y="2086"/>
+                  </a:lnTo>
+                  <a:lnTo>
+                    <a:pt x="2419" y="2086"/>
+                  </a:lnTo>
+                  <a:lnTo>
+                    <a:pt x="0" y="0"/>
+                  </a:lnTo>
+                  <a:close/>
+                </a:path>
+              </a:pathLst>
+            </a:custGeom>
+            <a:solidFill>
+              <a:schemeClr val="accent2"/>
+            </a:solidFill>
+            <a:ln>
+              <a:noFill/>
+            </a:ln>
+            <a:extLst>
+              <a:ext uri="{91240B29-F687-4F45-9708-019B960494DF}">
+                <a14:hiddenLine xmlns:a14="http://schemas.microsoft.com/office/drawing/2010/main" w="9525">
+                  <a:solidFill>
+                    <a:srgbClr val="000000"/>
+                  </a:solidFill>
+                  <a:round/>
+                  <a:headEnd/>
+                  <a:tailEnd/>
+                </a14:hiddenLine>
+              </a:ext>
+            </a:extLst>
+          </p:spPr>
+          <p:txBody>
+            <a:bodyPr vert="horz" wrap="square" lIns="91440" tIns="45720" rIns="91440" bIns="45720" numCol="1" anchor="t" anchorCtr="0" compatLnSpc="1">
+              <a:prstTxWarp prst="textNoShape">
+                <a:avLst/>
+              </a:prstTxWarp>
+            </a:bodyPr>
+            <a:lstStyle/>
+            <a:p>
+              <a:endParaRPr lang="zh-CN" altLang="en-US"/>
+            </a:p>
+          </p:txBody>
+        </p:sp>
+        <p:sp>
+          <p:nvSpPr>
+            <p:cNvPr id="1027" name="淘宝店chenying0907 38"/>
+            <p:cNvSpPr>
+              <a:spLocks/>
+            </p:cNvSpPr>
+            <p:nvPr/>
+          </p:nvSpPr>
+          <p:spPr bwMode="auto">
+            <a:xfrm>
+              <a:off x="-4763" y="1841500"/>
+              <a:ext cx="1579563" cy="3187700"/>
+            </a:xfrm>
+            <a:custGeom>
+              <a:avLst/>
+              <a:gdLst>
+                <a:gd name="T0" fmla="*/ 242 w 995"/>
+                <a:gd name="T1" fmla="*/ 0 h 2008"/>
+                <a:gd name="T2" fmla="*/ 0 w 995"/>
+                <a:gd name="T3" fmla="*/ 305 h 2008"/>
+                <a:gd name="T4" fmla="*/ 0 w 995"/>
+                <a:gd name="T5" fmla="*/ 1845 h 2008"/>
+                <a:gd name="T6" fmla="*/ 995 w 995"/>
+                <a:gd name="T7" fmla="*/ 2008 h 2008"/>
+                <a:gd name="T8" fmla="*/ 242 w 995"/>
+                <a:gd name="T9" fmla="*/ 0 h 2008"/>
+              </a:gdLst>
+              <a:ahLst/>
+              <a:cxnLst>
+                <a:cxn ang="0">
+                  <a:pos x="T0" y="T1"/>
+                </a:cxn>
+                <a:cxn ang="0">
+                  <a:pos x="T2" y="T3"/>
+                </a:cxn>
+                <a:cxn ang="0">
+                  <a:pos x="T4" y="T5"/>
+                </a:cxn>
+                <a:cxn ang="0">
+                  <a:pos x="T6" y="T7"/>
+                </a:cxn>
+                <a:cxn ang="0">
+                  <a:pos x="T8" y="T9"/>
+                </a:cxn>
+              </a:cxnLst>
+              <a:rect l="0" t="0" r="r" b="b"/>
+              <a:pathLst>
+                <a:path w="995" h="2008">
+                  <a:moveTo>
+                    <a:pt x="242" y="0"/>
+                  </a:moveTo>
+                  <a:lnTo>
+                    <a:pt x="0" y="305"/>
+                  </a:lnTo>
+                  <a:lnTo>
+                    <a:pt x="0" y="1845"/>
+                  </a:lnTo>
+                  <a:lnTo>
+                    <a:pt x="995" y="2008"/>
+                  </a:lnTo>
+                  <a:lnTo>
+                    <a:pt x="242" y="0"/>
+                  </a:lnTo>
+                  <a:close/>
+                </a:path>
+              </a:pathLst>
+            </a:custGeom>
+            <a:solidFill>
+              <a:schemeClr val="accent1"/>
+            </a:solidFill>
+            <a:ln>
+              <a:noFill/>
+            </a:ln>
+            <a:extLst>
+              <a:ext uri="{91240B29-F687-4F45-9708-019B960494DF}">
+                <a14:hiddenLine xmlns:a14="http://schemas.microsoft.com/office/drawing/2010/main" w="9525">
+                  <a:solidFill>
+                    <a:srgbClr val="000000"/>
+                  </a:solidFill>
+                  <a:round/>
+                  <a:headEnd/>
+                  <a:tailEnd/>
+                </a14:hiddenLine>
+              </a:ext>
+            </a:extLst>
+          </p:spPr>
+          <p:txBody>
+            <a:bodyPr vert="horz" wrap="square" lIns="91440" tIns="45720" rIns="91440" bIns="45720" numCol="1" anchor="t" anchorCtr="0" compatLnSpc="1">
+              <a:prstTxWarp prst="textNoShape">
+                <a:avLst/>
+              </a:prstTxWarp>
+            </a:bodyPr>
+            <a:lstStyle/>
+            <a:p>
+              <a:endParaRPr lang="zh-CN" altLang="en-US"/>
+            </a:p>
+          </p:txBody>
+        </p:sp>
+        <p:sp>
+          <p:nvSpPr>
+            <p:cNvPr id="1028" name="淘宝店chenying0907 39"/>
+            <p:cNvSpPr>
+              <a:spLocks/>
+            </p:cNvSpPr>
+            <p:nvPr/>
+          </p:nvSpPr>
+          <p:spPr bwMode="auto">
+            <a:xfrm>
+              <a:off x="-4763" y="4770438"/>
+              <a:ext cx="2333625" cy="382588"/>
+            </a:xfrm>
+            <a:custGeom>
+              <a:avLst/>
+              <a:gdLst>
+                <a:gd name="T0" fmla="*/ 0 w 1470"/>
+                <a:gd name="T1" fmla="*/ 0 h 241"/>
+                <a:gd name="T2" fmla="*/ 0 w 1470"/>
+                <a:gd name="T3" fmla="*/ 233 h 241"/>
+                <a:gd name="T4" fmla="*/ 0 w 1470"/>
+                <a:gd name="T5" fmla="*/ 241 h 241"/>
+                <a:gd name="T6" fmla="*/ 1470 w 1470"/>
+                <a:gd name="T7" fmla="*/ 241 h 241"/>
+                <a:gd name="T8" fmla="*/ 0 w 1470"/>
+                <a:gd name="T9" fmla="*/ 0 h 241"/>
+              </a:gdLst>
+              <a:ahLst/>
+              <a:cxnLst>
+                <a:cxn ang="0">
+                  <a:pos x="T0" y="T1"/>
+                </a:cxn>
+                <a:cxn ang="0">
+                  <a:pos x="T2" y="T3"/>
+                </a:cxn>
+                <a:cxn ang="0">
+                  <a:pos x="T4" y="T5"/>
+                </a:cxn>
+                <a:cxn ang="0">
+                  <a:pos x="T6" y="T7"/>
+                </a:cxn>
+                <a:cxn ang="0">
+                  <a:pos x="T8" y="T9"/>
+                </a:cxn>
+              </a:cxnLst>
+              <a:rect l="0" t="0" r="r" b="b"/>
+              <a:pathLst>
+                <a:path w="1470" h="241">
+                  <a:moveTo>
+                    <a:pt x="0" y="0"/>
+                  </a:moveTo>
+                  <a:lnTo>
+                    <a:pt x="0" y="233"/>
+                  </a:lnTo>
+                  <a:lnTo>
+                    <a:pt x="0" y="241"/>
+                  </a:lnTo>
+                  <a:lnTo>
+                    <a:pt x="1470" y="241"/>
+                  </a:lnTo>
+                  <a:lnTo>
+                    <a:pt x="0" y="0"/>
+                  </a:lnTo>
+                  <a:close/>
+                </a:path>
+              </a:pathLst>
+            </a:custGeom>
+            <a:solidFill>
+              <a:schemeClr val="accent3"/>
+            </a:solidFill>
+            <a:ln>
+              <a:noFill/>
+            </a:ln>
+            <a:extLst>
+              <a:ext uri="{91240B29-F687-4F45-9708-019B960494DF}">
+                <a14:hiddenLine xmlns:a14="http://schemas.microsoft.com/office/drawing/2010/main" w="9525">
+                  <a:solidFill>
+                    <a:srgbClr val="000000"/>
+                  </a:solidFill>
+                  <a:round/>
+                  <a:headEnd/>
+                  <a:tailEnd/>
+                </a14:hiddenLine>
+              </a:ext>
+            </a:extLst>
+          </p:spPr>
+          <p:txBody>
+            <a:bodyPr vert="horz" wrap="square" lIns="91440" tIns="45720" rIns="91440" bIns="45720" numCol="1" anchor="t" anchorCtr="0" compatLnSpc="1">
+              <a:prstTxWarp prst="textNoShape">
+                <a:avLst/>
+              </a:prstTxWarp>
+            </a:bodyPr>
+            <a:lstStyle/>
+            <a:p>
+              <a:endParaRPr lang="zh-CN" altLang="en-US"/>
+            </a:p>
+          </p:txBody>
+        </p:sp>
+        <p:sp>
+          <p:nvSpPr>
+            <p:cNvPr id="1029" name="淘宝店chenying0907 40"/>
+            <p:cNvSpPr>
+              <a:spLocks/>
+            </p:cNvSpPr>
+            <p:nvPr/>
+          </p:nvSpPr>
+          <p:spPr bwMode="auto">
+            <a:xfrm>
+              <a:off x="5210175" y="3490913"/>
+              <a:ext cx="3938588" cy="1662113"/>
+            </a:xfrm>
+            <a:custGeom>
+              <a:avLst/>
+              <a:gdLst>
+                <a:gd name="T0" fmla="*/ 0 w 2481"/>
+                <a:gd name="T1" fmla="*/ 1047 h 1047"/>
+                <a:gd name="T2" fmla="*/ 1254 w 2481"/>
+                <a:gd name="T3" fmla="*/ 1047 h 1047"/>
+                <a:gd name="T4" fmla="*/ 1868 w 2481"/>
+                <a:gd name="T5" fmla="*/ 1047 h 1047"/>
+                <a:gd name="T6" fmla="*/ 2481 w 2481"/>
+                <a:gd name="T7" fmla="*/ 263 h 1047"/>
+                <a:gd name="T8" fmla="*/ 2481 w 2481"/>
+                <a:gd name="T9" fmla="*/ 0 h 1047"/>
+                <a:gd name="T10" fmla="*/ 0 w 2481"/>
+                <a:gd name="T11" fmla="*/ 1047 h 1047"/>
+              </a:gdLst>
+              <a:ahLst/>
+              <a:cxnLst>
+                <a:cxn ang="0">
+                  <a:pos x="T0" y="T1"/>
+                </a:cxn>
+                <a:cxn ang="0">
+                  <a:pos x="T2" y="T3"/>
+                </a:cxn>
+                <a:cxn ang="0">
+                  <a:pos x="T4" y="T5"/>
+                </a:cxn>
+                <a:cxn ang="0">
+                  <a:pos x="T6" y="T7"/>
+                </a:cxn>
+                <a:cxn ang="0">
+                  <a:pos x="T8" y="T9"/>
+                </a:cxn>
+                <a:cxn ang="0">
+                  <a:pos x="T10" y="T11"/>
+                </a:cxn>
+              </a:cxnLst>
+              <a:rect l="0" t="0" r="r" b="b"/>
+              <a:pathLst>
+                <a:path w="2481" h="1047">
+                  <a:moveTo>
+                    <a:pt x="0" y="1047"/>
+                  </a:moveTo>
+                  <a:lnTo>
+                    <a:pt x="1254" y="1047"/>
+                  </a:lnTo>
+                  <a:lnTo>
+                    <a:pt x="1868" y="1047"/>
+                  </a:lnTo>
+                  <a:lnTo>
+                    <a:pt x="2481" y="263"/>
+                  </a:lnTo>
+                  <a:lnTo>
+                    <a:pt x="2481" y="0"/>
+                  </a:lnTo>
+                  <a:lnTo>
+                    <a:pt x="0" y="1047"/>
+                  </a:lnTo>
+                  <a:close/>
+                </a:path>
+              </a:pathLst>
+            </a:custGeom>
+            <a:solidFill>
+              <a:schemeClr val="accent2"/>
+            </a:solidFill>
+            <a:ln>
+              <a:noFill/>
+            </a:ln>
+            <a:extLst>
+              <a:ext uri="{91240B29-F687-4F45-9708-019B960494DF}">
+                <a14:hiddenLine xmlns:a14="http://schemas.microsoft.com/office/drawing/2010/main" w="9525">
+                  <a:solidFill>
+                    <a:srgbClr val="000000"/>
+                  </a:solidFill>
+                  <a:round/>
+                  <a:headEnd/>
+                  <a:tailEnd/>
+                </a14:hiddenLine>
+              </a:ext>
+            </a:extLst>
+          </p:spPr>
+          <p:txBody>
+            <a:bodyPr vert="horz" wrap="square" lIns="91440" tIns="45720" rIns="91440" bIns="45720" numCol="1" anchor="t" anchorCtr="0" compatLnSpc="1">
+              <a:prstTxWarp prst="textNoShape">
+                <a:avLst/>
+              </a:prstTxWarp>
+            </a:bodyPr>
+            <a:lstStyle/>
+            <a:p>
+              <a:endParaRPr lang="zh-CN" altLang="en-US"/>
+            </a:p>
+          </p:txBody>
+        </p:sp>
+        <p:sp>
+          <p:nvSpPr>
+            <p:cNvPr id="1030" name="淘宝店chenying0907 41"/>
+            <p:cNvSpPr>
+              <a:spLocks/>
+            </p:cNvSpPr>
+            <p:nvPr/>
+          </p:nvSpPr>
+          <p:spPr bwMode="auto">
+            <a:xfrm>
+              <a:off x="6965950" y="3357563"/>
+              <a:ext cx="2182813" cy="1006475"/>
+            </a:xfrm>
+            <a:custGeom>
+              <a:avLst/>
+              <a:gdLst>
+                <a:gd name="T0" fmla="*/ 0 w 1375"/>
+                <a:gd name="T1" fmla="*/ 126 h 634"/>
+                <a:gd name="T2" fmla="*/ 76 w 1375"/>
+                <a:gd name="T3" fmla="*/ 634 h 634"/>
+                <a:gd name="T4" fmla="*/ 1375 w 1375"/>
+                <a:gd name="T5" fmla="*/ 84 h 634"/>
+                <a:gd name="T6" fmla="*/ 1375 w 1375"/>
+                <a:gd name="T7" fmla="*/ 36 h 634"/>
+                <a:gd name="T8" fmla="*/ 1375 w 1375"/>
+                <a:gd name="T9" fmla="*/ 0 h 634"/>
+                <a:gd name="T10" fmla="*/ 0 w 1375"/>
+                <a:gd name="T11" fmla="*/ 126 h 634"/>
+              </a:gdLst>
+              <a:ahLst/>
+              <a:cxnLst>
+                <a:cxn ang="0">
+                  <a:pos x="T0" y="T1"/>
+                </a:cxn>
+                <a:cxn ang="0">
+                  <a:pos x="T2" y="T3"/>
+                </a:cxn>
+                <a:cxn ang="0">
+                  <a:pos x="T4" y="T5"/>
+                </a:cxn>
+                <a:cxn ang="0">
+                  <a:pos x="T6" y="T7"/>
+                </a:cxn>
+                <a:cxn ang="0">
+                  <a:pos x="T8" y="T9"/>
+                </a:cxn>
+                <a:cxn ang="0">
+                  <a:pos x="T10" y="T11"/>
+                </a:cxn>
+              </a:cxnLst>
+              <a:rect l="0" t="0" r="r" b="b"/>
+              <a:pathLst>
+                <a:path w="1375" h="634">
+                  <a:moveTo>
+                    <a:pt x="0" y="126"/>
+                  </a:moveTo>
+                  <a:lnTo>
+                    <a:pt x="76" y="634"/>
+                  </a:lnTo>
+                  <a:lnTo>
+                    <a:pt x="1375" y="84"/>
+                  </a:lnTo>
+                  <a:lnTo>
+                    <a:pt x="1375" y="36"/>
+                  </a:lnTo>
+                  <a:lnTo>
+                    <a:pt x="1375" y="0"/>
+                  </a:lnTo>
+                  <a:lnTo>
+                    <a:pt x="0" y="126"/>
+                  </a:lnTo>
+                  <a:close/>
+                </a:path>
+              </a:pathLst>
+            </a:custGeom>
+            <a:solidFill>
+              <a:schemeClr val="accent1"/>
+            </a:solidFill>
+            <a:ln>
+              <a:noFill/>
+            </a:ln>
+            <a:extLst>
+              <a:ext uri="{91240B29-F687-4F45-9708-019B960494DF}">
+                <a14:hiddenLine xmlns:a14="http://schemas.microsoft.com/office/drawing/2010/main" w="9525">
+                  <a:solidFill>
+                    <a:srgbClr val="000000"/>
+                  </a:solidFill>
+                  <a:round/>
+                  <a:headEnd/>
+                  <a:tailEnd/>
+                </a14:hiddenLine>
+              </a:ext>
+            </a:extLst>
+          </p:spPr>
+          <p:txBody>
+            <a:bodyPr vert="horz" wrap="square" lIns="91440" tIns="45720" rIns="91440" bIns="45720" numCol="1" anchor="t" anchorCtr="0" compatLnSpc="1">
+              <a:prstTxWarp prst="textNoShape">
+                <a:avLst/>
+              </a:prstTxWarp>
+            </a:bodyPr>
+            <a:lstStyle/>
+            <a:p>
+              <a:endParaRPr lang="zh-CN" altLang="en-US"/>
+            </a:p>
+          </p:txBody>
+        </p:sp>
+      </p:grpSp>
+      <p:sp>
+        <p:nvSpPr>
+          <p:cNvPr id="12" name="PA_淘宝店chenying0907 11"/>
+          <p:cNvSpPr/>
+          <p:nvPr>
+            <p:custDataLst>
+              <p:tags r:id="rId2"/>
+            </p:custDataLst>
+          </p:nvPr>
+        </p:nvSpPr>
+        <p:spPr>
+          <a:xfrm>
+            <a:off x="533871" y="591530"/>
+            <a:ext cx="8076257" cy="3960440"/>
+          </a:xfrm>
+          <a:prstGeom prst="rect">
+            <a:avLst/>
+          </a:prstGeom>
+          <a:solidFill>
+            <a:schemeClr val="bg1">
+              <a:alpha val="85000"/>
+            </a:schemeClr>
+          </a:solidFill>
+          <a:ln>
+            <a:noFill/>
+          </a:ln>
+          <a:effectLst>
+            <a:outerShdw blurRad="368300" dist="63500" dir="4620000" algn="tl" rotWithShape="0">
+              <a:schemeClr val="tx1">
+                <a:alpha val="40000"/>
+              </a:schemeClr>
+            </a:outerShdw>
+          </a:effectLst>
+        </p:spPr>
+        <p:style>
+          <a:lnRef idx="2">
+            <a:schemeClr val="accent1">
+              <a:shade val="50000"/>
+            </a:schemeClr>
+          </a:lnRef>
+          <a:fillRef idx="1">
+            <a:schemeClr val="accent1"/>
+          </a:fillRef>
+          <a:effectRef idx="0">
+            <a:schemeClr val="accent1"/>
+          </a:effectRef>
+          <a:fontRef idx="minor">
+            <a:schemeClr val="lt1"/>
+          </a:fontRef>
+        </p:style>
+        <p:txBody>
+          <a:bodyPr rtlCol="0" anchor="ctr"/>
+          <a:lstStyle/>
+          <a:p>
+            <a:pPr algn="ctr"/>
+            <a:endParaRPr lang="zh-CN" altLang="en-US"/>
+          </a:p>
+        </p:txBody>
+      </p:sp>
+      <p:sp>
+        <p:nvSpPr>
+          <p:cNvPr id="1031" name="PA_圆角淘宝店chenying0907 1030"/>
+          <p:cNvSpPr/>
+          <p:nvPr>
+            <p:custDataLst>
+              <p:tags r:id="rId3"/>
+            </p:custDataLst>
+          </p:nvPr>
+        </p:nvSpPr>
+        <p:spPr>
+          <a:xfrm>
+            <a:off x="1607944" y="2633312"/>
+            <a:ext cx="5937801" cy="217917"/>
+          </a:xfrm>
+          <a:prstGeom prst="roundRect">
+            <a:avLst>
+              <a:gd name="adj" fmla="val 50000"/>
+            </a:avLst>
+          </a:prstGeom>
+          <a:noFill/>
+          <a:ln w="6350">
+            <a:solidFill>
+              <a:schemeClr val="bg1">
+                <a:lumMod val="50000"/>
+              </a:schemeClr>
+            </a:solidFill>
+          </a:ln>
+        </p:spPr>
+        <p:style>
+          <a:lnRef idx="2">
+            <a:schemeClr val="accent1">
+              <a:shade val="50000"/>
+            </a:schemeClr>
+          </a:lnRef>
+          <a:fillRef idx="1">
+            <a:schemeClr val="accent1"/>
+          </a:fillRef>
+          <a:effectRef idx="0">
+            <a:schemeClr val="accent1"/>
+          </a:effectRef>
+          <a:fontRef idx="minor">
+            <a:schemeClr val="lt1"/>
+          </a:fontRef>
+        </p:style>
+        <p:txBody>
+          <a:bodyPr tIns="0" bIns="0" rtlCol="0" anchor="ctr"/>
+          <a:lstStyle/>
+          <a:p>
+            <a:pPr algn="dist"/>
+            <a:r>
+              <a:rPr lang="en-US" altLang="zh-CN" sz="1000" dirty="0">
+                <a:solidFill>
+                  <a:schemeClr val="bg1">
+                    <a:lumMod val="50000"/>
+                  </a:schemeClr>
+                </a:solidFill>
+                <a:latin typeface="微软雅黑 Light" panose="020B0502040204020203" pitchFamily="34" charset="-122"/>
+                <a:ea typeface="微软雅黑 Light" panose="020B0502040204020203" pitchFamily="34" charset="-122"/>
+              </a:rPr>
+              <a:t>THANK YOU FOR WATCHING</a:t>
+            </a:r>
+          </a:p>
+        </p:txBody>
+      </p:sp>
+      <p:sp>
+        <p:nvSpPr>
+          <p:cNvPr id="43" name="PA_文本框 42"/>
+          <p:cNvSpPr txBox="1"/>
+          <p:nvPr>
+            <p:custDataLst>
+              <p:tags r:id="rId4"/>
+            </p:custDataLst>
+          </p:nvPr>
+        </p:nvSpPr>
+        <p:spPr>
+          <a:xfrm>
+            <a:off x="1607944" y="1986975"/>
+            <a:ext cx="5904656" cy="584775"/>
+          </a:xfrm>
+          <a:prstGeom prst="rect">
+            <a:avLst/>
+          </a:prstGeom>
+          <a:noFill/>
+        </p:spPr>
+        <p:txBody>
+          <a:bodyPr wrap="square" lIns="0" rIns="0" rtlCol="0">
+            <a:spAutoFit/>
+          </a:bodyPr>
+          <a:lstStyle/>
+          <a:p>
+            <a:pPr algn="dist"/>
+            <a:r>
+              <a:rPr lang="zh-CN" altLang="en-US" sz="3200" dirty="0">
+                <a:ln w="6350">
+                  <a:noFill/>
+                </a:ln>
+                <a:solidFill>
+                  <a:schemeClr val="bg1">
+                    <a:lumMod val="50000"/>
+                  </a:schemeClr>
+                </a:solidFill>
+                <a:latin typeface="微软雅黑 Light" panose="020B0502040204020203" pitchFamily="34" charset="-122"/>
+                <a:ea typeface="微软雅黑 Light" panose="020B0502040204020203" pitchFamily="34" charset="-122"/>
+              </a:rPr>
+              <a:t>敬请各位同学及老师</a:t>
+            </a:r>
+            <a:r>
+              <a:rPr lang="zh-CN" altLang="en-US" sz="3200" dirty="0">
+                <a:ln w="6350">
+                  <a:noFill/>
+                </a:ln>
+                <a:solidFill>
+                  <a:schemeClr val="accent3"/>
+                </a:solidFill>
+                <a:latin typeface="微软雅黑 Light" panose="020B0502040204020203" pitchFamily="34" charset="-122"/>
+                <a:ea typeface="微软雅黑 Light" panose="020B0502040204020203" pitchFamily="34" charset="-122"/>
+              </a:rPr>
+              <a:t>批评指正</a:t>
+            </a:r>
+            <a:endParaRPr lang="zh-CN" altLang="en-US" sz="3200" dirty="0">
+              <a:ln w="6350">
+                <a:noFill/>
+              </a:ln>
+              <a:solidFill>
+                <a:schemeClr val="bg1">
+                  <a:lumMod val="50000"/>
+                </a:schemeClr>
+              </a:solidFill>
+              <a:latin typeface="微软雅黑 Light" panose="020B0502040204020203" pitchFamily="34" charset="-122"/>
+              <a:ea typeface="微软雅黑 Light" panose="020B0502040204020203" pitchFamily="34" charset="-122"/>
+            </a:endParaRPr>
+          </a:p>
+        </p:txBody>
+      </p:sp>
+    </p:spTree>
+    <p:extLst>
+      <p:ext uri="{BB962C8B-B14F-4D97-AF65-F5344CB8AC3E}">
+        <p14:creationId xmlns:p14="http://schemas.microsoft.com/office/powerpoint/2010/main" val="857118577"/>
+      </p:ext>
+    </p:extLst>
+  </p:cSld>
+  <p:clrMapOvr>
+    <a:masterClrMapping/>
+  </p:clrMapOvr>
+  <p:transition spd="slow">
+    <p:wipe/>
+  </p:transition>
+  <p:timing>
+    <p:tnLst>
+      <p:par>
+        <p:cTn id="1" dur="indefinite" restart="never" nodeType="tmRoot">
+          <p:childTnLst>
+            <p:seq concurrent="1" nextAc="seek">
+              <p:cTn id="2" dur="indefinite" nodeType="mainSeq">
+                <p:childTnLst>
+                  <p:par>
+                    <p:cTn id="3" fill="hold">
+                      <p:stCondLst>
+                        <p:cond delay="indefinite"/>
+                      </p:stCondLst>
+                      <p:childTnLst>
+                        <p:par>
+                          <p:cTn id="4" fill="hold">
+                            <p:stCondLst>
+                              <p:cond delay="0"/>
+                            </p:stCondLst>
+                            <p:childTnLst>
+                              <p:par>
+                                <p:cTn id="5" presetID="10" presetClass="entr" presetSubtype="0" fill="hold" nodeType="clickEffect">
+                                  <p:stCondLst>
+                                    <p:cond delay="0"/>
+                                  </p:stCondLst>
+                                  <p:childTnLst>
+                                    <p:set>
+                                      <p:cBhvr>
+                                        <p:cTn id="6" dur="1" fill="hold">
+                                          <p:stCondLst>
+                                            <p:cond delay="0"/>
+                                          </p:stCondLst>
+                                        </p:cTn>
+                                        <p:tgtEl>
+                                          <p:spTgt spid="2"/>
+                                        </p:tgtEl>
+                                        <p:attrNameLst>
+                                          <p:attrName>style.visibility</p:attrName>
+                                        </p:attrNameLst>
+                                      </p:cBhvr>
+                                      <p:to>
+                                        <p:strVal val="visible"/>
+                                      </p:to>
+                                    </p:set>
+                                    <p:animEffect transition="in" filter="fade">
+                                      <p:cBhvr>
+                                        <p:cTn id="7" dur="500"/>
+                                        <p:tgtEl>
+                                          <p:spTgt spid="2"/>
+                                        </p:tgtEl>
+                                      </p:cBhvr>
+                                    </p:animEffect>
+                                  </p:childTnLst>
+                                </p:cTn>
+                              </p:par>
+                              <p:par>
+                                <p:cTn id="8" presetID="10" presetClass="entr" presetSubtype="0" fill="hold" grpId="0" nodeType="withEffect">
+                                  <p:stCondLst>
+                                    <p:cond delay="300"/>
+                                  </p:stCondLst>
+                                  <p:childTnLst>
+                                    <p:set>
+                                      <p:cBhvr>
+                                        <p:cTn id="9" dur="1" fill="hold">
+                                          <p:stCondLst>
+                                            <p:cond delay="0"/>
+                                          </p:stCondLst>
+                                        </p:cTn>
+                                        <p:tgtEl>
+                                          <p:spTgt spid="12"/>
+                                        </p:tgtEl>
+                                        <p:attrNameLst>
+                                          <p:attrName>style.visibility</p:attrName>
+                                        </p:attrNameLst>
+                                      </p:cBhvr>
+                                      <p:to>
+                                        <p:strVal val="visible"/>
+                                      </p:to>
+                                    </p:set>
+                                    <p:animEffect transition="in" filter="fade">
+                                      <p:cBhvr>
+                                        <p:cTn id="10" dur="500"/>
+                                        <p:tgtEl>
+                                          <p:spTgt spid="12"/>
+                                        </p:tgtEl>
+                                      </p:cBhvr>
+                                    </p:animEffect>
+                                  </p:childTnLst>
+                                </p:cTn>
+                              </p:par>
+                              <p:par>
+                                <p:cTn id="11" presetID="10" presetClass="entr" presetSubtype="0" fill="hold" grpId="0" nodeType="withEffect">
+                                  <p:stCondLst>
+                                    <p:cond delay="600"/>
+                                  </p:stCondLst>
+                                  <p:childTnLst>
+                                    <p:set>
+                                      <p:cBhvr>
+                                        <p:cTn id="12" dur="1" fill="hold">
+                                          <p:stCondLst>
+                                            <p:cond delay="0"/>
+                                          </p:stCondLst>
+                                        </p:cTn>
+                                        <p:tgtEl>
+                                          <p:spTgt spid="1031"/>
+                                        </p:tgtEl>
+                                        <p:attrNameLst>
+                                          <p:attrName>style.visibility</p:attrName>
+                                        </p:attrNameLst>
+                                      </p:cBhvr>
+                                      <p:to>
+                                        <p:strVal val="visible"/>
+                                      </p:to>
+                                    </p:set>
+                                    <p:animEffect transition="in" filter="fade">
+                                      <p:cBhvr>
+                                        <p:cTn id="13" dur="500"/>
+                                        <p:tgtEl>
+                                          <p:spTgt spid="1031"/>
+                                        </p:tgtEl>
+                                      </p:cBhvr>
+                                    </p:animEffect>
+                                  </p:childTnLst>
+                                </p:cTn>
+                              </p:par>
+                              <p:par>
+                                <p:cTn id="14" presetID="10" presetClass="entr" presetSubtype="0" fill="hold" grpId="0" nodeType="withEffect">
+                                  <p:stCondLst>
+                                    <p:cond delay="900"/>
+                                  </p:stCondLst>
+                                  <p:childTnLst>
+                                    <p:set>
+                                      <p:cBhvr>
+                                        <p:cTn id="15" dur="1" fill="hold">
+                                          <p:stCondLst>
+                                            <p:cond delay="0"/>
+                                          </p:stCondLst>
+                                        </p:cTn>
+                                        <p:tgtEl>
+                                          <p:spTgt spid="43"/>
+                                        </p:tgtEl>
+                                        <p:attrNameLst>
+                                          <p:attrName>style.visibility</p:attrName>
+                                        </p:attrNameLst>
+                                      </p:cBhvr>
+                                      <p:to>
+                                        <p:strVal val="visible"/>
+                                      </p:to>
+                                    </p:set>
+                                    <p:animEffect transition="in" filter="fade">
+                                      <p:cBhvr>
+                                        <p:cTn id="16" dur="500"/>
+                                        <p:tgtEl>
+                                          <p:spTgt spid="43"/>
+                                        </p:tgtEl>
+                                      </p:cBhvr>
+                                    </p:animEffect>
+                                  </p:childTnLst>
+                                </p:cTn>
+                              </p:par>
+                            </p:childTnLst>
+                          </p:cTn>
+                        </p:par>
+                      </p:childTnLst>
+                    </p:cTn>
+                  </p:par>
+                </p:childTnLst>
+              </p:cTn>
+              <p:prevCondLst>
+                <p:cond evt="onPrev" delay="0">
+                  <p:tgtEl>
+                    <p:sldTgt/>
+                  </p:tgtEl>
+                </p:cond>
+              </p:prevCondLst>
+              <p:nextCondLst>
+                <p:cond evt="onNext" delay="0">
+                  <p:tgtEl>
+                    <p:sldTgt/>
+                  </p:tgtEl>
+                </p:cond>
+              </p:nextCondLst>
+            </p:seq>
+          </p:childTnLst>
+        </p:cTn>
+      </p:par>
+    </p:tnLst>
+    <p:bldLst>
+      <p:bldP spid="12" grpId="0" animBg="1" autoUpdateAnimBg="0"/>
+      <p:bldP spid="1031" grpId="0" animBg="1" autoUpdateAnimBg="0"/>
+      <p:bldP spid="43" grpId="0"/>
     </p:bldLst>
   </p:timing>
 </p:sld>
@@ -35555,6 +36304,608 @@
       </p:grpSpPr>
       <p:sp>
         <p:nvSpPr>
+          <p:cNvPr id="2" name="文本框 1">
+            <a:extLst>
+              <a:ext uri="{FF2B5EF4-FFF2-40B4-BE49-F238E27FC236}">
+                <a16:creationId xmlns:a16="http://schemas.microsoft.com/office/drawing/2014/main" id="{911638C3-23D3-4BFF-8D17-3784B4901307}"/>
+              </a:ext>
+            </a:extLst>
+          </p:cNvPr>
+          <p:cNvSpPr txBox="1"/>
+          <p:nvPr/>
+        </p:nvSpPr>
+        <p:spPr>
+          <a:xfrm>
+            <a:off x="1594459" y="1054041"/>
+            <a:ext cx="5256584" cy="2677656"/>
+          </a:xfrm>
+          <a:prstGeom prst="rect">
+            <a:avLst/>
+          </a:prstGeom>
+          <a:noFill/>
+        </p:spPr>
+        <p:txBody>
+          <a:bodyPr wrap="square" rtlCol="0">
+            <a:spAutoFit/>
+          </a:bodyPr>
+          <a:lstStyle/>
+          <a:p>
+            <a:r>
+              <a:rPr lang="zh-CN" altLang="en-US" sz="2800" b="1" dirty="0"/>
+              <a:t>软件维护</a:t>
+            </a:r>
+            <a:r>
+              <a:rPr lang="en-US" altLang="zh-CN" sz="2800" baseline="30000" dirty="0">
+                <a:solidFill>
+                  <a:schemeClr val="accent3"/>
+                </a:solidFill>
+                <a:latin typeface="微软雅黑 Light" panose="020B0502040204020203" pitchFamily="34" charset="-122"/>
+                <a:ea typeface="微软雅黑 Light" panose="020B0502040204020203" pitchFamily="34" charset="-122"/>
+              </a:rPr>
+              <a:t>【2】</a:t>
+            </a:r>
+          </a:p>
+          <a:p>
+            <a:r>
+              <a:rPr lang="zh-CN" altLang="en-US" sz="2800" dirty="0"/>
+              <a:t>（英语：</a:t>
+            </a:r>
+            <a:r>
+              <a:rPr lang="en-US" altLang="zh-CN" sz="2800" dirty="0"/>
+              <a:t>Software maintenance</a:t>
+            </a:r>
+            <a:r>
+              <a:rPr lang="zh-CN" altLang="en-US" sz="2800" dirty="0"/>
+              <a:t>）是一个</a:t>
+            </a:r>
+            <a:r>
+              <a:rPr lang="zh-CN" altLang="en-US" sz="2800" dirty="0">
+                <a:hlinkClick r:id="rId3" tooltip="软件工程"/>
+              </a:rPr>
+              <a:t>软件工程</a:t>
+            </a:r>
+            <a:r>
+              <a:rPr lang="zh-CN" altLang="en-US" sz="2800" dirty="0"/>
+              <a:t>名词，是指在</a:t>
+            </a:r>
+            <a:r>
+              <a:rPr lang="zh-CN" altLang="en-US" sz="2800" dirty="0">
+                <a:hlinkClick r:id="rId4" tooltip="软件"/>
+              </a:rPr>
+              <a:t>软件</a:t>
+            </a:r>
+            <a:r>
+              <a:rPr lang="zh-CN" altLang="en-US" sz="2800" dirty="0"/>
+              <a:t>产品发布后，因</a:t>
+            </a:r>
+            <a:r>
+              <a:rPr lang="zh-CN" altLang="en-US" sz="2800" dirty="0">
+                <a:hlinkClick r:id="rId5" tooltip="调试"/>
+              </a:rPr>
+              <a:t>修正错误</a:t>
+            </a:r>
+            <a:r>
+              <a:rPr lang="zh-CN" altLang="en-US" sz="2800" dirty="0"/>
+              <a:t>、提升性能或其他属性而进行的软件修改</a:t>
+            </a:r>
+          </a:p>
+        </p:txBody>
+      </p:sp>
+      <p:grpSp>
+        <p:nvGrpSpPr>
+          <p:cNvPr id="3" name="PA_淘宝店chenying0907 21">
+            <a:extLst>
+              <a:ext uri="{FF2B5EF4-FFF2-40B4-BE49-F238E27FC236}">
+                <a16:creationId xmlns:a16="http://schemas.microsoft.com/office/drawing/2014/main" id="{A5582DB3-C216-439A-BC7A-7F6E367FAC32}"/>
+              </a:ext>
+            </a:extLst>
+          </p:cNvPr>
+          <p:cNvGrpSpPr/>
+          <p:nvPr>
+            <p:custDataLst>
+              <p:tags r:id="rId1"/>
+            </p:custDataLst>
+          </p:nvPr>
+        </p:nvGrpSpPr>
+        <p:grpSpPr>
+          <a:xfrm>
+            <a:off x="5832473" y="-21235"/>
+            <a:ext cx="3311527" cy="5164735"/>
+            <a:chOff x="5832473" y="-21235"/>
+            <a:chExt cx="3311527" cy="5164735"/>
+          </a:xfrm>
+        </p:grpSpPr>
+        <p:sp>
+          <p:nvSpPr>
+            <p:cNvPr id="4" name="淘宝店chenying0907 36">
+              <a:extLst>
+                <a:ext uri="{FF2B5EF4-FFF2-40B4-BE49-F238E27FC236}">
+                  <a16:creationId xmlns:a16="http://schemas.microsoft.com/office/drawing/2014/main" id="{D1D259F2-E28D-44DE-9885-DBA13819B19A}"/>
+                </a:ext>
+              </a:extLst>
+            </p:cNvPr>
+            <p:cNvSpPr>
+              <a:spLocks/>
+            </p:cNvSpPr>
+            <p:nvPr/>
+          </p:nvSpPr>
+          <p:spPr bwMode="auto">
+            <a:xfrm rot="16200000">
+              <a:off x="7445263" y="403114"/>
+              <a:ext cx="2123086" cy="1274387"/>
+            </a:xfrm>
+            <a:custGeom>
+              <a:avLst/>
+              <a:gdLst/>
+              <a:ahLst/>
+              <a:cxnLst/>
+              <a:rect l="l" t="t" r="r" b="b"/>
+              <a:pathLst>
+                <a:path w="2123086" h="1274387">
+                  <a:moveTo>
+                    <a:pt x="0" y="252037"/>
+                  </a:moveTo>
+                  <a:lnTo>
+                    <a:pt x="2123086" y="0"/>
+                  </a:lnTo>
+                  <a:lnTo>
+                    <a:pt x="2123086" y="1274387"/>
+                  </a:lnTo>
+                  <a:lnTo>
+                    <a:pt x="1182688" y="1274387"/>
+                  </a:lnTo>
+                  <a:close/>
+                </a:path>
+              </a:pathLst>
+            </a:custGeom>
+            <a:solidFill>
+              <a:srgbClr val="E5AAA4"/>
+            </a:solidFill>
+            <a:ln>
+              <a:noFill/>
+            </a:ln>
+            <a:extLst/>
+          </p:spPr>
+          <p:txBody>
+            <a:bodyPr vert="horz" wrap="square" lIns="91440" tIns="45720" rIns="91440" bIns="45720" numCol="1" anchor="t" anchorCtr="0" compatLnSpc="1">
+              <a:prstTxWarp prst="textNoShape">
+                <a:avLst/>
+              </a:prstTxWarp>
+            </a:bodyPr>
+            <a:lstStyle/>
+            <a:p>
+              <a:endParaRPr lang="zh-CN" altLang="en-US"/>
+            </a:p>
+          </p:txBody>
+        </p:sp>
+        <p:sp>
+          <p:nvSpPr>
+            <p:cNvPr id="5" name="淘宝店chenying0907 37">
+              <a:extLst>
+                <a:ext uri="{FF2B5EF4-FFF2-40B4-BE49-F238E27FC236}">
+                  <a16:creationId xmlns:a16="http://schemas.microsoft.com/office/drawing/2014/main" id="{EA5A769A-C827-4F99-AE35-51C92AF491B3}"/>
+                </a:ext>
+              </a:extLst>
+            </p:cNvPr>
+            <p:cNvSpPr>
+              <a:spLocks/>
+            </p:cNvSpPr>
+            <p:nvPr/>
+          </p:nvSpPr>
+          <p:spPr bwMode="auto">
+            <a:xfrm rot="16200000">
+              <a:off x="5568154" y="1183482"/>
+              <a:ext cx="3840163" cy="3311525"/>
+            </a:xfrm>
+            <a:custGeom>
+              <a:avLst/>
+              <a:gdLst>
+                <a:gd name="T0" fmla="*/ 0 w 2419"/>
+                <a:gd name="T1" fmla="*/ 0 h 2086"/>
+                <a:gd name="T2" fmla="*/ 753 w 2419"/>
+                <a:gd name="T3" fmla="*/ 2008 h 2086"/>
+                <a:gd name="T4" fmla="*/ 1228 w 2419"/>
+                <a:gd name="T5" fmla="*/ 2086 h 2086"/>
+                <a:gd name="T6" fmla="*/ 2419 w 2419"/>
+                <a:gd name="T7" fmla="*/ 2086 h 2086"/>
+                <a:gd name="T8" fmla="*/ 0 w 2419"/>
+                <a:gd name="T9" fmla="*/ 0 h 2086"/>
+              </a:gdLst>
+              <a:ahLst/>
+              <a:cxnLst>
+                <a:cxn ang="0">
+                  <a:pos x="T0" y="T1"/>
+                </a:cxn>
+                <a:cxn ang="0">
+                  <a:pos x="T2" y="T3"/>
+                </a:cxn>
+                <a:cxn ang="0">
+                  <a:pos x="T4" y="T5"/>
+                </a:cxn>
+                <a:cxn ang="0">
+                  <a:pos x="T6" y="T7"/>
+                </a:cxn>
+                <a:cxn ang="0">
+                  <a:pos x="T8" y="T9"/>
+                </a:cxn>
+              </a:cxnLst>
+              <a:rect l="0" t="0" r="r" b="b"/>
+              <a:pathLst>
+                <a:path w="2419" h="2086">
+                  <a:moveTo>
+                    <a:pt x="0" y="0"/>
+                  </a:moveTo>
+                  <a:lnTo>
+                    <a:pt x="753" y="2008"/>
+                  </a:lnTo>
+                  <a:lnTo>
+                    <a:pt x="1228" y="2086"/>
+                  </a:lnTo>
+                  <a:lnTo>
+                    <a:pt x="2419" y="2086"/>
+                  </a:lnTo>
+                  <a:lnTo>
+                    <a:pt x="0" y="0"/>
+                  </a:lnTo>
+                  <a:close/>
+                </a:path>
+              </a:pathLst>
+            </a:custGeom>
+            <a:solidFill>
+              <a:srgbClr val="F1CFCD"/>
+            </a:solidFill>
+            <a:ln>
+              <a:noFill/>
+            </a:ln>
+            <a:extLst>
+              <a:ext uri="{91240B29-F687-4F45-9708-019B960494DF}">
+                <a14:hiddenLine xmlns:a14="http://schemas.microsoft.com/office/drawing/2010/main" w="9525">
+                  <a:solidFill>
+                    <a:srgbClr val="000000"/>
+                  </a:solidFill>
+                  <a:round/>
+                  <a:headEnd/>
+                  <a:tailEnd/>
+                </a14:hiddenLine>
+              </a:ext>
+            </a:extLst>
+          </p:spPr>
+          <p:txBody>
+            <a:bodyPr vert="horz" wrap="square" lIns="91440" tIns="45720" rIns="91440" bIns="45720" numCol="1" anchor="t" anchorCtr="0" compatLnSpc="1">
+              <a:prstTxWarp prst="textNoShape">
+                <a:avLst/>
+              </a:prstTxWarp>
+            </a:bodyPr>
+            <a:lstStyle/>
+            <a:p>
+              <a:endParaRPr lang="zh-CN" altLang="en-US"/>
+            </a:p>
+          </p:txBody>
+        </p:sp>
+        <p:sp>
+          <p:nvSpPr>
+            <p:cNvPr id="6" name="淘宝店chenying0907 38">
+              <a:extLst>
+                <a:ext uri="{FF2B5EF4-FFF2-40B4-BE49-F238E27FC236}">
+                  <a16:creationId xmlns:a16="http://schemas.microsoft.com/office/drawing/2014/main" id="{C7C73E77-E0D4-44EE-B74D-8BAC0B4E3624}"/>
+                </a:ext>
+              </a:extLst>
+            </p:cNvPr>
+            <p:cNvSpPr>
+              <a:spLocks/>
+            </p:cNvSpPr>
+            <p:nvPr/>
+          </p:nvSpPr>
+          <p:spPr bwMode="auto">
+            <a:xfrm rot="16200000">
+              <a:off x="6636541" y="2759869"/>
+              <a:ext cx="1579563" cy="3187700"/>
+            </a:xfrm>
+            <a:custGeom>
+              <a:avLst/>
+              <a:gdLst>
+                <a:gd name="T0" fmla="*/ 242 w 995"/>
+                <a:gd name="T1" fmla="*/ 0 h 2008"/>
+                <a:gd name="T2" fmla="*/ 0 w 995"/>
+                <a:gd name="T3" fmla="*/ 305 h 2008"/>
+                <a:gd name="T4" fmla="*/ 0 w 995"/>
+                <a:gd name="T5" fmla="*/ 1845 h 2008"/>
+                <a:gd name="T6" fmla="*/ 995 w 995"/>
+                <a:gd name="T7" fmla="*/ 2008 h 2008"/>
+                <a:gd name="T8" fmla="*/ 242 w 995"/>
+                <a:gd name="T9" fmla="*/ 0 h 2008"/>
+              </a:gdLst>
+              <a:ahLst/>
+              <a:cxnLst>
+                <a:cxn ang="0">
+                  <a:pos x="T0" y="T1"/>
+                </a:cxn>
+                <a:cxn ang="0">
+                  <a:pos x="T2" y="T3"/>
+                </a:cxn>
+                <a:cxn ang="0">
+                  <a:pos x="T4" y="T5"/>
+                </a:cxn>
+                <a:cxn ang="0">
+                  <a:pos x="T6" y="T7"/>
+                </a:cxn>
+                <a:cxn ang="0">
+                  <a:pos x="T8" y="T9"/>
+                </a:cxn>
+              </a:cxnLst>
+              <a:rect l="0" t="0" r="r" b="b"/>
+              <a:pathLst>
+                <a:path w="995" h="2008">
+                  <a:moveTo>
+                    <a:pt x="242" y="0"/>
+                  </a:moveTo>
+                  <a:lnTo>
+                    <a:pt x="0" y="305"/>
+                  </a:lnTo>
+                  <a:lnTo>
+                    <a:pt x="0" y="1845"/>
+                  </a:lnTo>
+                  <a:lnTo>
+                    <a:pt x="995" y="2008"/>
+                  </a:lnTo>
+                  <a:lnTo>
+                    <a:pt x="242" y="0"/>
+                  </a:lnTo>
+                  <a:close/>
+                </a:path>
+              </a:pathLst>
+            </a:custGeom>
+            <a:solidFill>
+              <a:srgbClr val="F9E7E3"/>
+            </a:solidFill>
+            <a:ln>
+              <a:noFill/>
+            </a:ln>
+            <a:extLst>
+              <a:ext uri="{91240B29-F687-4F45-9708-019B960494DF}">
+                <a14:hiddenLine xmlns:a14="http://schemas.microsoft.com/office/drawing/2010/main" w="9525">
+                  <a:solidFill>
+                    <a:srgbClr val="000000"/>
+                  </a:solidFill>
+                  <a:round/>
+                  <a:headEnd/>
+                  <a:tailEnd/>
+                </a14:hiddenLine>
+              </a:ext>
+            </a:extLst>
+          </p:spPr>
+          <p:txBody>
+            <a:bodyPr vert="horz" wrap="square" lIns="91440" tIns="45720" rIns="91440" bIns="45720" numCol="1" anchor="t" anchorCtr="0" compatLnSpc="1">
+              <a:prstTxWarp prst="textNoShape">
+                <a:avLst/>
+              </a:prstTxWarp>
+            </a:bodyPr>
+            <a:lstStyle/>
+            <a:p>
+              <a:endParaRPr lang="zh-CN" altLang="en-US"/>
+            </a:p>
+          </p:txBody>
+        </p:sp>
+        <p:sp>
+          <p:nvSpPr>
+            <p:cNvPr id="7" name="淘宝店chenying0907 39">
+              <a:extLst>
+                <a:ext uri="{FF2B5EF4-FFF2-40B4-BE49-F238E27FC236}">
+                  <a16:creationId xmlns:a16="http://schemas.microsoft.com/office/drawing/2014/main" id="{7F980F7E-67C0-4F25-8C9F-DF16A3ED09C7}"/>
+                </a:ext>
+              </a:extLst>
+            </p:cNvPr>
+            <p:cNvSpPr>
+              <a:spLocks/>
+            </p:cNvSpPr>
+            <p:nvPr/>
+          </p:nvSpPr>
+          <p:spPr bwMode="auto">
+            <a:xfrm rot="16200000">
+              <a:off x="7785893" y="3785394"/>
+              <a:ext cx="2333625" cy="382588"/>
+            </a:xfrm>
+            <a:custGeom>
+              <a:avLst/>
+              <a:gdLst>
+                <a:gd name="T0" fmla="*/ 0 w 1470"/>
+                <a:gd name="T1" fmla="*/ 0 h 241"/>
+                <a:gd name="T2" fmla="*/ 0 w 1470"/>
+                <a:gd name="T3" fmla="*/ 233 h 241"/>
+                <a:gd name="T4" fmla="*/ 0 w 1470"/>
+                <a:gd name="T5" fmla="*/ 241 h 241"/>
+                <a:gd name="T6" fmla="*/ 1470 w 1470"/>
+                <a:gd name="T7" fmla="*/ 241 h 241"/>
+                <a:gd name="T8" fmla="*/ 0 w 1470"/>
+                <a:gd name="T9" fmla="*/ 0 h 241"/>
+              </a:gdLst>
+              <a:ahLst/>
+              <a:cxnLst>
+                <a:cxn ang="0">
+                  <a:pos x="T0" y="T1"/>
+                </a:cxn>
+                <a:cxn ang="0">
+                  <a:pos x="T2" y="T3"/>
+                </a:cxn>
+                <a:cxn ang="0">
+                  <a:pos x="T4" y="T5"/>
+                </a:cxn>
+                <a:cxn ang="0">
+                  <a:pos x="T6" y="T7"/>
+                </a:cxn>
+                <a:cxn ang="0">
+                  <a:pos x="T8" y="T9"/>
+                </a:cxn>
+              </a:cxnLst>
+              <a:rect l="0" t="0" r="r" b="b"/>
+              <a:pathLst>
+                <a:path w="1470" h="241">
+                  <a:moveTo>
+                    <a:pt x="0" y="0"/>
+                  </a:moveTo>
+                  <a:lnTo>
+                    <a:pt x="0" y="233"/>
+                  </a:lnTo>
+                  <a:lnTo>
+                    <a:pt x="0" y="241"/>
+                  </a:lnTo>
+                  <a:lnTo>
+                    <a:pt x="1470" y="241"/>
+                  </a:lnTo>
+                  <a:lnTo>
+                    <a:pt x="0" y="0"/>
+                  </a:lnTo>
+                  <a:close/>
+                </a:path>
+              </a:pathLst>
+            </a:custGeom>
+            <a:solidFill>
+              <a:srgbClr val="E5AAA4"/>
+            </a:solidFill>
+            <a:ln>
+              <a:noFill/>
+            </a:ln>
+            <a:extLst>
+              <a:ext uri="{91240B29-F687-4F45-9708-019B960494DF}">
+                <a14:hiddenLine xmlns:a14="http://schemas.microsoft.com/office/drawing/2010/main" w="9525">
+                  <a:solidFill>
+                    <a:srgbClr val="000000"/>
+                  </a:solidFill>
+                  <a:round/>
+                  <a:headEnd/>
+                  <a:tailEnd/>
+                </a14:hiddenLine>
+              </a:ext>
+            </a:extLst>
+          </p:spPr>
+          <p:txBody>
+            <a:bodyPr vert="horz" wrap="square" lIns="91440" tIns="45720" rIns="91440" bIns="45720" numCol="1" anchor="t" anchorCtr="0" compatLnSpc="1">
+              <a:prstTxWarp prst="textNoShape">
+                <a:avLst/>
+              </a:prstTxWarp>
+            </a:bodyPr>
+            <a:lstStyle/>
+            <a:p>
+              <a:endParaRPr lang="zh-CN" altLang="en-US"/>
+            </a:p>
+          </p:txBody>
+        </p:sp>
+      </p:grpSp>
+    </p:spTree>
+    <p:extLst>
+      <p:ext uri="{BB962C8B-B14F-4D97-AF65-F5344CB8AC3E}">
+        <p14:creationId xmlns:p14="http://schemas.microsoft.com/office/powerpoint/2010/main" val="955272292"/>
+      </p:ext>
+    </p:extLst>
+  </p:cSld>
+  <p:clrMapOvr>
+    <a:masterClrMapping/>
+  </p:clrMapOvr>
+  <p:timing>
+    <p:tnLst>
+      <p:par>
+        <p:cTn id="1" dur="indefinite" restart="never" nodeType="tmRoot">
+          <p:childTnLst>
+            <p:seq concurrent="1" nextAc="seek">
+              <p:cTn id="2" dur="indefinite" nodeType="mainSeq">
+                <p:childTnLst>
+                  <p:par>
+                    <p:cTn id="3" fill="hold">
+                      <p:stCondLst>
+                        <p:cond delay="indefinite"/>
+                      </p:stCondLst>
+                      <p:childTnLst>
+                        <p:par>
+                          <p:cTn id="4" fill="hold">
+                            <p:stCondLst>
+                              <p:cond delay="0"/>
+                            </p:stCondLst>
+                            <p:childTnLst>
+                              <p:par>
+                                <p:cTn id="5" presetID="10" presetClass="entr" presetSubtype="0" fill="hold" nodeType="clickEffect">
+                                  <p:stCondLst>
+                                    <p:cond delay="0"/>
+                                  </p:stCondLst>
+                                  <p:childTnLst>
+                                    <p:set>
+                                      <p:cBhvr>
+                                        <p:cTn id="6" dur="1" fill="hold">
+                                          <p:stCondLst>
+                                            <p:cond delay="0"/>
+                                          </p:stCondLst>
+                                        </p:cTn>
+                                        <p:tgtEl>
+                                          <p:spTgt spid="3"/>
+                                        </p:tgtEl>
+                                        <p:attrNameLst>
+                                          <p:attrName>style.visibility</p:attrName>
+                                        </p:attrNameLst>
+                                      </p:cBhvr>
+                                      <p:to>
+                                        <p:strVal val="visible"/>
+                                      </p:to>
+                                    </p:set>
+                                    <p:animEffect transition="in" filter="fade">
+                                      <p:cBhvr>
+                                        <p:cTn id="7" dur="500"/>
+                                        <p:tgtEl>
+                                          <p:spTgt spid="3"/>
+                                        </p:tgtEl>
+                                      </p:cBhvr>
+                                    </p:animEffect>
+                                  </p:childTnLst>
+                                </p:cTn>
+                              </p:par>
+                            </p:childTnLst>
+                          </p:cTn>
+                        </p:par>
+                      </p:childTnLst>
+                    </p:cTn>
+                  </p:par>
+                </p:childTnLst>
+              </p:cTn>
+              <p:prevCondLst>
+                <p:cond evt="onPrev" delay="0">
+                  <p:tgtEl>
+                    <p:sldTgt/>
+                  </p:tgtEl>
+                </p:cond>
+              </p:prevCondLst>
+              <p:nextCondLst>
+                <p:cond evt="onNext" delay="0">
+                  <p:tgtEl>
+                    <p:sldTgt/>
+                  </p:tgtEl>
+                </p:cond>
+              </p:nextCondLst>
+            </p:seq>
+          </p:childTnLst>
+        </p:cTn>
+      </p:par>
+    </p:tnLst>
+  </p:timing>
+</p:sld>
+</file>
+
+<file path=ppt/slides/slide8.xml><?xml version="1.0" encoding="utf-8"?>
+<p:sld xmlns:a="http://schemas.openxmlformats.org/drawingml/2006/main" xmlns:r="http://schemas.openxmlformats.org/officeDocument/2006/relationships" xmlns:p="http://schemas.openxmlformats.org/presentationml/2006/main">
+  <p:cSld>
+    <p:spTree>
+      <p:nvGrpSpPr>
+        <p:cNvPr id="1" name=""/>
+        <p:cNvGrpSpPr/>
+        <p:nvPr/>
+      </p:nvGrpSpPr>
+      <p:grpSpPr>
+        <a:xfrm>
+          <a:off x="0" y="0"/>
+          <a:ext cx="0" cy="0"/>
+          <a:chOff x="0" y="0"/>
+          <a:chExt cx="0" cy="0"/>
+        </a:xfrm>
+      </p:grpSpPr>
+      <p:sp>
+        <p:nvSpPr>
           <p:cNvPr id="10249" name="PA_淘宝店chenying0907 9" descr="Money副本"/>
           <p:cNvSpPr>
             <a:spLocks noChangeArrowheads="1"/>
@@ -37225,7 +38576,7 @@
 </p:sld>
 </file>
 
-<file path=ppt/slides/slide8.xml><?xml version="1.0" encoding="utf-8"?>
+<file path=ppt/slides/slide9.xml><?xml version="1.0" encoding="utf-8"?>
 <p:sld xmlns:a="http://schemas.openxmlformats.org/drawingml/2006/main" xmlns:r="http://schemas.openxmlformats.org/officeDocument/2006/relationships" xmlns:p="http://schemas.openxmlformats.org/presentationml/2006/main">
   <p:cSld>
     <p:spTree>
@@ -38064,754 +39415,6 @@
 </p:sld>
 </file>
 
-<file path=ppt/slides/slide9.xml><?xml version="1.0" encoding="utf-8"?>
-<p:sld xmlns:a="http://schemas.openxmlformats.org/drawingml/2006/main" xmlns:r="http://schemas.openxmlformats.org/officeDocument/2006/relationships" xmlns:p="http://schemas.openxmlformats.org/presentationml/2006/main">
-  <p:cSld>
-    <p:spTree>
-      <p:nvGrpSpPr>
-        <p:cNvPr id="1" name=""/>
-        <p:cNvGrpSpPr/>
-        <p:nvPr/>
-      </p:nvGrpSpPr>
-      <p:grpSpPr>
-        <a:xfrm>
-          <a:off x="0" y="0"/>
-          <a:ext cx="0" cy="0"/>
-          <a:chOff x="0" y="0"/>
-          <a:chExt cx="0" cy="0"/>
-        </a:xfrm>
-      </p:grpSpPr>
-      <p:sp>
-        <p:nvSpPr>
-          <p:cNvPr id="3" name="文本框 2">
-            <a:extLst>
-              <a:ext uri="{FF2B5EF4-FFF2-40B4-BE49-F238E27FC236}">
-                <a16:creationId xmlns:a16="http://schemas.microsoft.com/office/drawing/2014/main" id="{932E3036-D3B4-4760-8C18-DBC5A7897E61}"/>
-              </a:ext>
-            </a:extLst>
-          </p:cNvPr>
-          <p:cNvSpPr txBox="1"/>
-          <p:nvPr/>
-        </p:nvSpPr>
-        <p:spPr>
-          <a:xfrm>
-            <a:off x="755576" y="1375251"/>
-            <a:ext cx="6696744" cy="738664"/>
-          </a:xfrm>
-          <a:prstGeom prst="rect">
-            <a:avLst/>
-          </a:prstGeom>
-          <a:noFill/>
-        </p:spPr>
-        <p:txBody>
-          <a:bodyPr wrap="square" rtlCol="0">
-            <a:spAutoFit/>
-          </a:bodyPr>
-          <a:lstStyle/>
-          <a:p>
-            <a:r>
-              <a:rPr lang="zh-CN" altLang="en-US" dirty="0"/>
-              <a:t>开发时测试的</a:t>
-            </a:r>
-            <a:r>
-              <a:rPr lang="zh-CN" altLang="en-US" sz="2400" u="sng" dirty="0">
-                <a:solidFill>
-                  <a:schemeClr val="accent2">
-                    <a:lumMod val="75000"/>
-                  </a:schemeClr>
-                </a:solidFill>
-              </a:rPr>
-              <a:t>不彻底、不完全</a:t>
-            </a:r>
-            <a:r>
-              <a:rPr lang="zh-CN" altLang="en-US" dirty="0"/>
-              <a:t>导致部分</a:t>
-            </a:r>
-            <a:r>
-              <a:rPr lang="zh-CN" altLang="en-US" sz="2400" u="sng" dirty="0">
-                <a:solidFill>
-                  <a:schemeClr val="accent2">
-                    <a:lumMod val="75000"/>
-                  </a:schemeClr>
-                </a:solidFill>
-              </a:rPr>
-              <a:t>隐藏</a:t>
-            </a:r>
-            <a:r>
-              <a:rPr lang="zh-CN" altLang="en-US" dirty="0"/>
-              <a:t>错误遗留至运行阶段</a:t>
-            </a:r>
-          </a:p>
-        </p:txBody>
-      </p:sp>
-      <p:sp>
-        <p:nvSpPr>
-          <p:cNvPr id="5" name="文本框 4">
-            <a:extLst>
-              <a:ext uri="{FF2B5EF4-FFF2-40B4-BE49-F238E27FC236}">
-                <a16:creationId xmlns:a16="http://schemas.microsoft.com/office/drawing/2014/main" id="{0AC1ED9C-25F5-4A09-B096-0E8B7BDA5FC7}"/>
-              </a:ext>
-            </a:extLst>
-          </p:cNvPr>
-          <p:cNvSpPr txBox="1"/>
-          <p:nvPr/>
-        </p:nvSpPr>
-        <p:spPr>
-          <a:xfrm>
-            <a:off x="763464" y="2715766"/>
-            <a:ext cx="6696744" cy="461665"/>
-          </a:xfrm>
-          <a:prstGeom prst="rect">
-            <a:avLst/>
-          </a:prstGeom>
-          <a:noFill/>
-        </p:spPr>
-        <p:txBody>
-          <a:bodyPr wrap="square" rtlCol="0">
-            <a:spAutoFit/>
-          </a:bodyPr>
-          <a:lstStyle/>
-          <a:p>
-            <a:r>
-              <a:rPr lang="zh-CN" altLang="en-US" dirty="0"/>
-              <a:t>隐藏下来的错误在某些</a:t>
-            </a:r>
-            <a:r>
-              <a:rPr lang="zh-CN" altLang="en-US" sz="2400" u="sng" dirty="0">
-                <a:solidFill>
-                  <a:schemeClr val="accent2">
-                    <a:lumMod val="75000"/>
-                  </a:schemeClr>
-                </a:solidFill>
-              </a:rPr>
-              <a:t>特定的使用环境</a:t>
-            </a:r>
-            <a:r>
-              <a:rPr lang="zh-CN" altLang="en-US" dirty="0"/>
-              <a:t>下就会暴露出来</a:t>
-            </a:r>
-          </a:p>
-        </p:txBody>
-      </p:sp>
-      <p:grpSp>
-        <p:nvGrpSpPr>
-          <p:cNvPr id="7" name="PA_淘宝店chenying0907 21">
-            <a:extLst>
-              <a:ext uri="{FF2B5EF4-FFF2-40B4-BE49-F238E27FC236}">
-                <a16:creationId xmlns:a16="http://schemas.microsoft.com/office/drawing/2014/main" id="{111E560A-30D8-4FE2-A2B3-C6BFB5B1929C}"/>
-              </a:ext>
-            </a:extLst>
-          </p:cNvPr>
-          <p:cNvGrpSpPr/>
-          <p:nvPr>
-            <p:custDataLst>
-              <p:tags r:id="rId1"/>
-            </p:custDataLst>
-          </p:nvPr>
-        </p:nvGrpSpPr>
-        <p:grpSpPr>
-          <a:xfrm>
-            <a:off x="5832473" y="-21235"/>
-            <a:ext cx="3311527" cy="5164735"/>
-            <a:chOff x="5832473" y="-21235"/>
-            <a:chExt cx="3311527" cy="5164735"/>
-          </a:xfrm>
-        </p:grpSpPr>
-        <p:sp>
-          <p:nvSpPr>
-            <p:cNvPr id="8" name="淘宝店chenying0907 36">
-              <a:extLst>
-                <a:ext uri="{FF2B5EF4-FFF2-40B4-BE49-F238E27FC236}">
-                  <a16:creationId xmlns:a16="http://schemas.microsoft.com/office/drawing/2014/main" id="{0E0C44CB-0734-454C-A09A-EA8DB3012C73}"/>
-                </a:ext>
-              </a:extLst>
-            </p:cNvPr>
-            <p:cNvSpPr>
-              <a:spLocks/>
-            </p:cNvSpPr>
-            <p:nvPr/>
-          </p:nvSpPr>
-          <p:spPr bwMode="auto">
-            <a:xfrm rot="16200000">
-              <a:off x="7445263" y="403114"/>
-              <a:ext cx="2123086" cy="1274387"/>
-            </a:xfrm>
-            <a:custGeom>
-              <a:avLst/>
-              <a:gdLst/>
-              <a:ahLst/>
-              <a:cxnLst/>
-              <a:rect l="l" t="t" r="r" b="b"/>
-              <a:pathLst>
-                <a:path w="2123086" h="1274387">
-                  <a:moveTo>
-                    <a:pt x="0" y="252037"/>
-                  </a:moveTo>
-                  <a:lnTo>
-                    <a:pt x="2123086" y="0"/>
-                  </a:lnTo>
-                  <a:lnTo>
-                    <a:pt x="2123086" y="1274387"/>
-                  </a:lnTo>
-                  <a:lnTo>
-                    <a:pt x="1182688" y="1274387"/>
-                  </a:lnTo>
-                  <a:close/>
-                </a:path>
-              </a:pathLst>
-            </a:custGeom>
-            <a:solidFill>
-              <a:srgbClr val="E5AAA4"/>
-            </a:solidFill>
-            <a:ln>
-              <a:noFill/>
-            </a:ln>
-            <a:extLst/>
-          </p:spPr>
-          <p:txBody>
-            <a:bodyPr vert="horz" wrap="square" lIns="91440" tIns="45720" rIns="91440" bIns="45720" numCol="1" anchor="t" anchorCtr="0" compatLnSpc="1">
-              <a:prstTxWarp prst="textNoShape">
-                <a:avLst/>
-              </a:prstTxWarp>
-            </a:bodyPr>
-            <a:lstStyle/>
-            <a:p>
-              <a:endParaRPr lang="zh-CN" altLang="en-US"/>
-            </a:p>
-          </p:txBody>
-        </p:sp>
-        <p:sp>
-          <p:nvSpPr>
-            <p:cNvPr id="9" name="淘宝店chenying0907 37">
-              <a:extLst>
-                <a:ext uri="{FF2B5EF4-FFF2-40B4-BE49-F238E27FC236}">
-                  <a16:creationId xmlns:a16="http://schemas.microsoft.com/office/drawing/2014/main" id="{7BF8F725-1D92-4791-B091-6C3F8DA5A12D}"/>
-                </a:ext>
-              </a:extLst>
-            </p:cNvPr>
-            <p:cNvSpPr>
-              <a:spLocks/>
-            </p:cNvSpPr>
-            <p:nvPr/>
-          </p:nvSpPr>
-          <p:spPr bwMode="auto">
-            <a:xfrm rot="16200000">
-              <a:off x="5568154" y="1183482"/>
-              <a:ext cx="3840163" cy="3311525"/>
-            </a:xfrm>
-            <a:custGeom>
-              <a:avLst/>
-              <a:gdLst>
-                <a:gd name="T0" fmla="*/ 0 w 2419"/>
-                <a:gd name="T1" fmla="*/ 0 h 2086"/>
-                <a:gd name="T2" fmla="*/ 753 w 2419"/>
-                <a:gd name="T3" fmla="*/ 2008 h 2086"/>
-                <a:gd name="T4" fmla="*/ 1228 w 2419"/>
-                <a:gd name="T5" fmla="*/ 2086 h 2086"/>
-                <a:gd name="T6" fmla="*/ 2419 w 2419"/>
-                <a:gd name="T7" fmla="*/ 2086 h 2086"/>
-                <a:gd name="T8" fmla="*/ 0 w 2419"/>
-                <a:gd name="T9" fmla="*/ 0 h 2086"/>
-              </a:gdLst>
-              <a:ahLst/>
-              <a:cxnLst>
-                <a:cxn ang="0">
-                  <a:pos x="T0" y="T1"/>
-                </a:cxn>
-                <a:cxn ang="0">
-                  <a:pos x="T2" y="T3"/>
-                </a:cxn>
-                <a:cxn ang="0">
-                  <a:pos x="T4" y="T5"/>
-                </a:cxn>
-                <a:cxn ang="0">
-                  <a:pos x="T6" y="T7"/>
-                </a:cxn>
-                <a:cxn ang="0">
-                  <a:pos x="T8" y="T9"/>
-                </a:cxn>
-              </a:cxnLst>
-              <a:rect l="0" t="0" r="r" b="b"/>
-              <a:pathLst>
-                <a:path w="2419" h="2086">
-                  <a:moveTo>
-                    <a:pt x="0" y="0"/>
-                  </a:moveTo>
-                  <a:lnTo>
-                    <a:pt x="753" y="2008"/>
-                  </a:lnTo>
-                  <a:lnTo>
-                    <a:pt x="1228" y="2086"/>
-                  </a:lnTo>
-                  <a:lnTo>
-                    <a:pt x="2419" y="2086"/>
-                  </a:lnTo>
-                  <a:lnTo>
-                    <a:pt x="0" y="0"/>
-                  </a:lnTo>
-                  <a:close/>
-                </a:path>
-              </a:pathLst>
-            </a:custGeom>
-            <a:solidFill>
-              <a:srgbClr val="F1CFCD"/>
-            </a:solidFill>
-            <a:ln>
-              <a:noFill/>
-            </a:ln>
-            <a:extLst>
-              <a:ext uri="{91240B29-F687-4F45-9708-019B960494DF}">
-                <a14:hiddenLine xmlns:a14="http://schemas.microsoft.com/office/drawing/2010/main" w="9525">
-                  <a:solidFill>
-                    <a:srgbClr val="000000"/>
-                  </a:solidFill>
-                  <a:round/>
-                  <a:headEnd/>
-                  <a:tailEnd/>
-                </a14:hiddenLine>
-              </a:ext>
-            </a:extLst>
-          </p:spPr>
-          <p:txBody>
-            <a:bodyPr vert="horz" wrap="square" lIns="91440" tIns="45720" rIns="91440" bIns="45720" numCol="1" anchor="t" anchorCtr="0" compatLnSpc="1">
-              <a:prstTxWarp prst="textNoShape">
-                <a:avLst/>
-              </a:prstTxWarp>
-            </a:bodyPr>
-            <a:lstStyle/>
-            <a:p>
-              <a:endParaRPr lang="zh-CN" altLang="en-US"/>
-            </a:p>
-          </p:txBody>
-        </p:sp>
-        <p:sp>
-          <p:nvSpPr>
-            <p:cNvPr id="10" name="淘宝店chenying0907 38">
-              <a:extLst>
-                <a:ext uri="{FF2B5EF4-FFF2-40B4-BE49-F238E27FC236}">
-                  <a16:creationId xmlns:a16="http://schemas.microsoft.com/office/drawing/2014/main" id="{2E51A55B-9AFF-46CB-A95D-234800DB0A29}"/>
-                </a:ext>
-              </a:extLst>
-            </p:cNvPr>
-            <p:cNvSpPr>
-              <a:spLocks/>
-            </p:cNvSpPr>
-            <p:nvPr/>
-          </p:nvSpPr>
-          <p:spPr bwMode="auto">
-            <a:xfrm rot="16200000">
-              <a:off x="6636541" y="2759869"/>
-              <a:ext cx="1579563" cy="3187700"/>
-            </a:xfrm>
-            <a:custGeom>
-              <a:avLst/>
-              <a:gdLst>
-                <a:gd name="T0" fmla="*/ 242 w 995"/>
-                <a:gd name="T1" fmla="*/ 0 h 2008"/>
-                <a:gd name="T2" fmla="*/ 0 w 995"/>
-                <a:gd name="T3" fmla="*/ 305 h 2008"/>
-                <a:gd name="T4" fmla="*/ 0 w 995"/>
-                <a:gd name="T5" fmla="*/ 1845 h 2008"/>
-                <a:gd name="T6" fmla="*/ 995 w 995"/>
-                <a:gd name="T7" fmla="*/ 2008 h 2008"/>
-                <a:gd name="T8" fmla="*/ 242 w 995"/>
-                <a:gd name="T9" fmla="*/ 0 h 2008"/>
-              </a:gdLst>
-              <a:ahLst/>
-              <a:cxnLst>
-                <a:cxn ang="0">
-                  <a:pos x="T0" y="T1"/>
-                </a:cxn>
-                <a:cxn ang="0">
-                  <a:pos x="T2" y="T3"/>
-                </a:cxn>
-                <a:cxn ang="0">
-                  <a:pos x="T4" y="T5"/>
-                </a:cxn>
-                <a:cxn ang="0">
-                  <a:pos x="T6" y="T7"/>
-                </a:cxn>
-                <a:cxn ang="0">
-                  <a:pos x="T8" y="T9"/>
-                </a:cxn>
-              </a:cxnLst>
-              <a:rect l="0" t="0" r="r" b="b"/>
-              <a:pathLst>
-                <a:path w="995" h="2008">
-                  <a:moveTo>
-                    <a:pt x="242" y="0"/>
-                  </a:moveTo>
-                  <a:lnTo>
-                    <a:pt x="0" y="305"/>
-                  </a:lnTo>
-                  <a:lnTo>
-                    <a:pt x="0" y="1845"/>
-                  </a:lnTo>
-                  <a:lnTo>
-                    <a:pt x="995" y="2008"/>
-                  </a:lnTo>
-                  <a:lnTo>
-                    <a:pt x="242" y="0"/>
-                  </a:lnTo>
-                  <a:close/>
-                </a:path>
-              </a:pathLst>
-            </a:custGeom>
-            <a:solidFill>
-              <a:srgbClr val="F9E7E3"/>
-            </a:solidFill>
-            <a:ln>
-              <a:noFill/>
-            </a:ln>
-            <a:extLst>
-              <a:ext uri="{91240B29-F687-4F45-9708-019B960494DF}">
-                <a14:hiddenLine xmlns:a14="http://schemas.microsoft.com/office/drawing/2010/main" w="9525">
-                  <a:solidFill>
-                    <a:srgbClr val="000000"/>
-                  </a:solidFill>
-                  <a:round/>
-                  <a:headEnd/>
-                  <a:tailEnd/>
-                </a14:hiddenLine>
-              </a:ext>
-            </a:extLst>
-          </p:spPr>
-          <p:txBody>
-            <a:bodyPr vert="horz" wrap="square" lIns="91440" tIns="45720" rIns="91440" bIns="45720" numCol="1" anchor="t" anchorCtr="0" compatLnSpc="1">
-              <a:prstTxWarp prst="textNoShape">
-                <a:avLst/>
-              </a:prstTxWarp>
-            </a:bodyPr>
-            <a:lstStyle/>
-            <a:p>
-              <a:endParaRPr lang="zh-CN" altLang="en-US"/>
-            </a:p>
-          </p:txBody>
-        </p:sp>
-        <p:sp>
-          <p:nvSpPr>
-            <p:cNvPr id="11" name="淘宝店chenying0907 39">
-              <a:extLst>
-                <a:ext uri="{FF2B5EF4-FFF2-40B4-BE49-F238E27FC236}">
-                  <a16:creationId xmlns:a16="http://schemas.microsoft.com/office/drawing/2014/main" id="{D1E43B85-8979-4C3D-9C23-302EDA3F6308}"/>
-                </a:ext>
-              </a:extLst>
-            </p:cNvPr>
-            <p:cNvSpPr>
-              <a:spLocks/>
-            </p:cNvSpPr>
-            <p:nvPr/>
-          </p:nvSpPr>
-          <p:spPr bwMode="auto">
-            <a:xfrm rot="16200000">
-              <a:off x="7785893" y="3785394"/>
-              <a:ext cx="2333625" cy="382588"/>
-            </a:xfrm>
-            <a:custGeom>
-              <a:avLst/>
-              <a:gdLst>
-                <a:gd name="T0" fmla="*/ 0 w 1470"/>
-                <a:gd name="T1" fmla="*/ 0 h 241"/>
-                <a:gd name="T2" fmla="*/ 0 w 1470"/>
-                <a:gd name="T3" fmla="*/ 233 h 241"/>
-                <a:gd name="T4" fmla="*/ 0 w 1470"/>
-                <a:gd name="T5" fmla="*/ 241 h 241"/>
-                <a:gd name="T6" fmla="*/ 1470 w 1470"/>
-                <a:gd name="T7" fmla="*/ 241 h 241"/>
-                <a:gd name="T8" fmla="*/ 0 w 1470"/>
-                <a:gd name="T9" fmla="*/ 0 h 241"/>
-              </a:gdLst>
-              <a:ahLst/>
-              <a:cxnLst>
-                <a:cxn ang="0">
-                  <a:pos x="T0" y="T1"/>
-                </a:cxn>
-                <a:cxn ang="0">
-                  <a:pos x="T2" y="T3"/>
-                </a:cxn>
-                <a:cxn ang="0">
-                  <a:pos x="T4" y="T5"/>
-                </a:cxn>
-                <a:cxn ang="0">
-                  <a:pos x="T6" y="T7"/>
-                </a:cxn>
-                <a:cxn ang="0">
-                  <a:pos x="T8" y="T9"/>
-                </a:cxn>
-              </a:cxnLst>
-              <a:rect l="0" t="0" r="r" b="b"/>
-              <a:pathLst>
-                <a:path w="1470" h="241">
-                  <a:moveTo>
-                    <a:pt x="0" y="0"/>
-                  </a:moveTo>
-                  <a:lnTo>
-                    <a:pt x="0" y="233"/>
-                  </a:lnTo>
-                  <a:lnTo>
-                    <a:pt x="0" y="241"/>
-                  </a:lnTo>
-                  <a:lnTo>
-                    <a:pt x="1470" y="241"/>
-                  </a:lnTo>
-                  <a:lnTo>
-                    <a:pt x="0" y="0"/>
-                  </a:lnTo>
-                  <a:close/>
-                </a:path>
-              </a:pathLst>
-            </a:custGeom>
-            <a:solidFill>
-              <a:srgbClr val="E5AAA4"/>
-            </a:solidFill>
-            <a:ln>
-              <a:noFill/>
-            </a:ln>
-            <a:extLst>
-              <a:ext uri="{91240B29-F687-4F45-9708-019B960494DF}">
-                <a14:hiddenLine xmlns:a14="http://schemas.microsoft.com/office/drawing/2010/main" w="9525">
-                  <a:solidFill>
-                    <a:srgbClr val="000000"/>
-                  </a:solidFill>
-                  <a:round/>
-                  <a:headEnd/>
-                  <a:tailEnd/>
-                </a14:hiddenLine>
-              </a:ext>
-            </a:extLst>
-          </p:spPr>
-          <p:txBody>
-            <a:bodyPr vert="horz" wrap="square" lIns="91440" tIns="45720" rIns="91440" bIns="45720" numCol="1" anchor="t" anchorCtr="0" compatLnSpc="1">
-              <a:prstTxWarp prst="textNoShape">
-                <a:avLst/>
-              </a:prstTxWarp>
-            </a:bodyPr>
-            <a:lstStyle/>
-            <a:p>
-              <a:endParaRPr lang="zh-CN" altLang="en-US"/>
-            </a:p>
-          </p:txBody>
-        </p:sp>
-      </p:grpSp>
-      <p:sp>
-        <p:nvSpPr>
-          <p:cNvPr id="12" name="PA_文本框 11">
-            <a:extLst>
-              <a:ext uri="{FF2B5EF4-FFF2-40B4-BE49-F238E27FC236}">
-                <a16:creationId xmlns:a16="http://schemas.microsoft.com/office/drawing/2014/main" id="{D0073D1C-356A-44BD-89DF-7589577FD9CE}"/>
-              </a:ext>
-            </a:extLst>
-          </p:cNvPr>
-          <p:cNvSpPr txBox="1">
-            <a:spLocks noChangeArrowheads="1"/>
-          </p:cNvSpPr>
-          <p:nvPr>
-            <p:custDataLst>
-              <p:tags r:id="rId2"/>
-            </p:custDataLst>
-          </p:nvPr>
-        </p:nvSpPr>
-        <p:spPr bwMode="auto">
-          <a:xfrm>
-            <a:off x="1907704" y="267494"/>
-            <a:ext cx="3600759" cy="636456"/>
-          </a:xfrm>
-          <a:prstGeom prst="rect">
-            <a:avLst/>
-          </a:prstGeom>
-          <a:noFill/>
-          <a:ln>
-            <a:noFill/>
-          </a:ln>
-          <a:effectLst/>
-          <a:extLst>
-            <a:ext uri="{909E8E84-426E-40DD-AFC4-6F175D3DCCD1}">
-              <a14:hiddenFill xmlns:a14="http://schemas.microsoft.com/office/drawing/2010/main">
-                <a:solidFill>
-                  <a:schemeClr val="accent1"/>
-                </a:solidFill>
-              </a14:hiddenFill>
-            </a:ext>
-            <a:ext uri="{91240B29-F687-4F45-9708-019B960494DF}">
-              <a14:hiddenLine xmlns:a14="http://schemas.microsoft.com/office/drawing/2010/main" w="9525">
-                <a:solidFill>
-                  <a:srgbClr val="000000"/>
-                </a:solidFill>
-                <a:miter lim="800000"/>
-                <a:headEnd/>
-                <a:tailEnd/>
-              </a14:hiddenLine>
-            </a:ext>
-            <a:ext uri="{AF507438-7753-43E0-B8FC-AC1667EBCBE1}">
-              <a14:hiddenEffects xmlns:a14="http://schemas.microsoft.com/office/drawing/2010/main">
-                <a:effectLst>
-                  <a:outerShdw dist="35921" dir="2700000" algn="ctr" rotWithShape="0">
-                    <a:schemeClr val="bg2"/>
-                  </a:outerShdw>
-                </a:effectLst>
-              </a14:hiddenEffects>
-            </a:ext>
-          </a:extLst>
-        </p:spPr>
-        <p:txBody>
-          <a:bodyPr wrap="square">
-            <a:spAutoFit/>
-          </a:bodyPr>
-          <a:lstStyle/>
-          <a:p>
-            <a:pPr algn="ctr">
-              <a:lnSpc>
-                <a:spcPct val="120000"/>
-              </a:lnSpc>
-            </a:pPr>
-            <a:r>
-              <a:rPr lang="zh-CN" altLang="en-US" sz="3200" dirty="0">
-                <a:latin typeface="微软雅黑 Light" panose="020B0502040204020203" pitchFamily="34" charset="-122"/>
-                <a:ea typeface="微软雅黑 Light" panose="020B0502040204020203" pitchFamily="34" charset="-122"/>
-              </a:rPr>
-              <a:t>改正性维护原因：</a:t>
-            </a:r>
-            <a:endParaRPr lang="zh-CN" altLang="zh-CN" sz="3200" dirty="0">
-              <a:latin typeface="微软雅黑 Light" panose="020B0502040204020203" pitchFamily="34" charset="-122"/>
-              <a:ea typeface="微软雅黑 Light" panose="020B0502040204020203" pitchFamily="34" charset="-122"/>
-            </a:endParaRPr>
-          </a:p>
-        </p:txBody>
-      </p:sp>
-    </p:spTree>
-    <p:extLst>
-      <p:ext uri="{BB962C8B-B14F-4D97-AF65-F5344CB8AC3E}">
-        <p14:creationId xmlns:p14="http://schemas.microsoft.com/office/powerpoint/2010/main" val="4016361058"/>
-      </p:ext>
-    </p:extLst>
-  </p:cSld>
-  <p:clrMapOvr>
-    <a:masterClrMapping/>
-  </p:clrMapOvr>
-  <p:timing>
-    <p:tnLst>
-      <p:par>
-        <p:cTn id="1" dur="indefinite" restart="never" nodeType="tmRoot">
-          <p:childTnLst>
-            <p:seq concurrent="1" nextAc="seek">
-              <p:cTn id="2" dur="indefinite" nodeType="mainSeq">
-                <p:childTnLst>
-                  <p:par>
-                    <p:cTn id="3" fill="hold">
-                      <p:stCondLst>
-                        <p:cond delay="indefinite"/>
-                      </p:stCondLst>
-                      <p:childTnLst>
-                        <p:par>
-                          <p:cTn id="4" fill="hold">
-                            <p:stCondLst>
-                              <p:cond delay="0"/>
-                            </p:stCondLst>
-                            <p:childTnLst>
-                              <p:par>
-                                <p:cTn id="5" presetID="10" presetClass="entr" presetSubtype="0" fill="hold" nodeType="clickEffect">
-                                  <p:stCondLst>
-                                    <p:cond delay="0"/>
-                                  </p:stCondLst>
-                                  <p:childTnLst>
-                                    <p:set>
-                                      <p:cBhvr>
-                                        <p:cTn id="6" dur="1" fill="hold">
-                                          <p:stCondLst>
-                                            <p:cond delay="0"/>
-                                          </p:stCondLst>
-                                        </p:cTn>
-                                        <p:tgtEl>
-                                          <p:spTgt spid="7"/>
-                                        </p:tgtEl>
-                                        <p:attrNameLst>
-                                          <p:attrName>style.visibility</p:attrName>
-                                        </p:attrNameLst>
-                                      </p:cBhvr>
-                                      <p:to>
-                                        <p:strVal val="visible"/>
-                                      </p:to>
-                                    </p:set>
-                                    <p:animEffect transition="in" filter="fade">
-                                      <p:cBhvr>
-                                        <p:cTn id="7" dur="500"/>
-                                        <p:tgtEl>
-                                          <p:spTgt spid="7"/>
-                                        </p:tgtEl>
-                                      </p:cBhvr>
-                                    </p:animEffect>
-                                  </p:childTnLst>
-                                </p:cTn>
-                              </p:par>
-                              <p:par>
-                                <p:cTn id="8" presetID="10" presetClass="entr" presetSubtype="0" fill="hold" grpId="0" nodeType="withEffect">
-                                  <p:stCondLst>
-                                    <p:cond delay="600"/>
-                                  </p:stCondLst>
-                                  <p:childTnLst>
-                                    <p:set>
-                                      <p:cBhvr>
-                                        <p:cTn id="9" dur="1" fill="hold">
-                                          <p:stCondLst>
-                                            <p:cond delay="0"/>
-                                          </p:stCondLst>
-                                        </p:cTn>
-                                        <p:tgtEl>
-                                          <p:spTgt spid="12"/>
-                                        </p:tgtEl>
-                                        <p:attrNameLst>
-                                          <p:attrName>style.visibility</p:attrName>
-                                        </p:attrNameLst>
-                                      </p:cBhvr>
-                                      <p:to>
-                                        <p:strVal val="visible"/>
-                                      </p:to>
-                                    </p:set>
-                                    <p:animEffect transition="in" filter="fade">
-                                      <p:cBhvr>
-                                        <p:cTn id="10" dur="500"/>
-                                        <p:tgtEl>
-                                          <p:spTgt spid="12"/>
-                                        </p:tgtEl>
-                                      </p:cBhvr>
-                                    </p:animEffect>
-                                  </p:childTnLst>
-                                </p:cTn>
-                              </p:par>
-                            </p:childTnLst>
-                          </p:cTn>
-                        </p:par>
-                      </p:childTnLst>
-                    </p:cTn>
-                  </p:par>
-                </p:childTnLst>
-              </p:cTn>
-              <p:prevCondLst>
-                <p:cond evt="onPrev" delay="0">
-                  <p:tgtEl>
-                    <p:sldTgt/>
-                  </p:tgtEl>
-                </p:cond>
-              </p:prevCondLst>
-              <p:nextCondLst>
-                <p:cond evt="onNext" delay="0">
-                  <p:tgtEl>
-                    <p:sldTgt/>
-                  </p:tgtEl>
-                </p:cond>
-              </p:nextCondLst>
-            </p:seq>
-          </p:childTnLst>
-        </p:cTn>
-      </p:par>
-    </p:tnLst>
-    <p:bldLst>
-      <p:bldP spid="12" grpId="0"/>
-    </p:bldLst>
-  </p:timing>
-</p:sld>
-</file>
-
 <file path=ppt/tags/tag1.xml><?xml version="1.0" encoding="utf-8"?>
 <p:tagLst xmlns:a="http://schemas.openxmlformats.org/drawingml/2006/main" xmlns:r="http://schemas.openxmlformats.org/officeDocument/2006/relationships" xmlns:p="http://schemas.openxmlformats.org/presentationml/2006/main">
   <p:tag name="PA" val="v3.0.0"/>
@@ -39167,6 +39770,12 @@
 </file>
 
 <file path=ppt/tags/tag152.xml><?xml version="1.0" encoding="utf-8"?>
+<p:tagLst xmlns:a="http://schemas.openxmlformats.org/drawingml/2006/main" xmlns:r="http://schemas.openxmlformats.org/officeDocument/2006/relationships" xmlns:p="http://schemas.openxmlformats.org/presentationml/2006/main">
+  <p:tag name="PA" val="v3.0.0"/>
+</p:tagLst>
+</file>
+
+<file path=ppt/tags/tag153.xml><?xml version="1.0" encoding="utf-8"?>
 <p:tagLst xmlns:a="http://schemas.openxmlformats.org/drawingml/2006/main" xmlns:r="http://schemas.openxmlformats.org/officeDocument/2006/relationships" xmlns:p="http://schemas.openxmlformats.org/presentationml/2006/main">
   <p:tag name="PA" val="v3.0.0"/>
 </p:tagLst>
